--- a/350.pptx
+++ b/350.pptx
@@ -5,7 +5,7 @@
     <p:sldMasterId id="2147483816" r:id="rId1"/>
   </p:sldMasterIdLst>
   <p:notesMasterIdLst>
-    <p:notesMasterId r:id="rId29"/>
+    <p:notesMasterId r:id="rId30"/>
   </p:notesMasterIdLst>
   <p:sldIdLst>
     <p:sldId id="256" r:id="rId2"/>
@@ -34,7 +34,8 @@
     <p:sldId id="380" r:id="rId25"/>
     <p:sldId id="381" r:id="rId26"/>
     <p:sldId id="377" r:id="rId27"/>
-    <p:sldId id="328" r:id="rId28"/>
+    <p:sldId id="382" r:id="rId28"/>
+    <p:sldId id="328" r:id="rId29"/>
   </p:sldIdLst>
   <p:sldSz cx="9144000" cy="6858000" type="screen4x3"/>
   <p:notesSz cx="6858000" cy="9144000"/>
@@ -745,7 +746,7 @@
               <a:buChar char="-"/>
             </a:pPr>
             <a:r>
-              <a:rPr lang="en-US" b="1" dirty="0" smtClean="0">
+              <a:rPr lang="en-US" b="0" dirty="0" smtClean="0">
                 <a:solidFill>
                   <a:srgbClr val="000000"/>
                 </a:solidFill>
@@ -763,7 +764,7 @@
               <a:buChar char="-"/>
             </a:pPr>
             <a:r>
-              <a:rPr lang="en-US" b="1" dirty="0" smtClean="0">
+              <a:rPr lang="en-US" b="0" dirty="0" smtClean="0">
                 <a:solidFill>
                   <a:srgbClr val="000000"/>
                 </a:solidFill>
@@ -775,7 +776,7 @@
               <a:t>Check</a:t>
             </a:r>
             <a:r>
-              <a:rPr lang="en-US" b="1" baseline="0" dirty="0" smtClean="0">
+              <a:rPr lang="en-US" b="0" baseline="0" dirty="0" smtClean="0">
                 <a:solidFill>
                   <a:srgbClr val="000000"/>
                 </a:solidFill>
@@ -793,7 +794,7 @@
               <a:buChar char="-"/>
             </a:pPr>
             <a:r>
-              <a:rPr lang="en-US" b="1" baseline="0" dirty="0" smtClean="0">
+              <a:rPr lang="en-US" b="0" baseline="0" dirty="0" smtClean="0">
                 <a:solidFill>
                   <a:srgbClr val="000000"/>
                 </a:solidFill>
@@ -804,7 +805,7 @@
               </a:rPr>
               <a:t>Listen for data from a local or remote resource</a:t>
             </a:r>
-            <a:endParaRPr lang="en-US" b="1" dirty="0">
+            <a:endParaRPr lang="en-US" b="0" dirty="0">
               <a:solidFill>
                 <a:srgbClr val="000000"/>
               </a:solidFill>
@@ -900,7 +901,7 @@
               <a:buChar char="-"/>
             </a:pPr>
             <a:r>
-              <a:rPr lang="en-US" b="1" dirty="0" smtClean="0">
+              <a:rPr lang="en-US" b="0" dirty="0" smtClean="0">
                 <a:solidFill>
                   <a:srgbClr val="000000"/>
                 </a:solidFill>
@@ -918,7 +919,7 @@
               <a:buChar char="-"/>
             </a:pPr>
             <a:r>
-              <a:rPr lang="en-US" b="1" dirty="0" smtClean="0">
+              <a:rPr lang="en-US" b="0" dirty="0" smtClean="0">
                 <a:solidFill>
                   <a:srgbClr val="000000"/>
                 </a:solidFill>
@@ -936,7 +937,7 @@
               <a:buChar char="-"/>
             </a:pPr>
             <a:r>
-              <a:rPr lang="en-US" b="1" dirty="0" smtClean="0">
+              <a:rPr lang="en-US" b="0" dirty="0" smtClean="0">
                 <a:solidFill>
                   <a:srgbClr val="000000"/>
                 </a:solidFill>
@@ -948,7 +949,7 @@
               <a:t>Broadcasts</a:t>
             </a:r>
             <a:r>
-              <a:rPr lang="en-US" b="1" baseline="0" dirty="0" smtClean="0">
+              <a:rPr lang="en-US" b="0" baseline="0" dirty="0" smtClean="0">
                 <a:solidFill>
                   <a:srgbClr val="000000"/>
                 </a:solidFill>
@@ -959,7 +960,7 @@
               </a:rPr>
               <a:t> don’t interact with the user (no UI) except via a notification in the Notification Bar</a:t>
             </a:r>
-            <a:endParaRPr lang="en-US" b="1" dirty="0">
+            <a:endParaRPr lang="en-US" b="0" dirty="0">
               <a:solidFill>
                 <a:srgbClr val="000000"/>
               </a:solidFill>
@@ -1055,7 +1056,7 @@
               <a:buChar char="-"/>
             </a:pPr>
             <a:r>
-              <a:rPr lang="en-US" b="1" dirty="0" smtClean="0">
+              <a:rPr lang="en-US" b="0" dirty="0" smtClean="0">
                 <a:solidFill>
                   <a:srgbClr val="000000"/>
                 </a:solidFill>
@@ -1067,7 +1068,7 @@
               <a:t>Intents are</a:t>
             </a:r>
             <a:r>
-              <a:rPr lang="en-US" b="1" baseline="0" dirty="0" smtClean="0">
+              <a:rPr lang="en-US" b="0" baseline="0" dirty="0" smtClean="0">
                 <a:solidFill>
                   <a:srgbClr val="000000"/>
                 </a:solidFill>
@@ -1076,7 +1077,7 @@
                 <a:cs typeface="Lucida Grande" charset="0"/>
                 <a:sym typeface="Lucida Grande" charset="0"/>
               </a:rPr>
-              <a:t> basically objects that hold data which pass from one activity to a service, or one activity to another activity, etc.</a:t>
+              <a:t> basically message objects that hold data which pass from one activity to a service, or one activity to another activity, etc.</a:t>
             </a:r>
           </a:p>
           <a:p>
@@ -1085,7 +1086,7 @@
               <a:buChar char="-"/>
             </a:pPr>
             <a:r>
-              <a:rPr lang="en-US" b="1" baseline="0" dirty="0" smtClean="0">
+              <a:rPr lang="en-US" b="0" baseline="0" dirty="0" smtClean="0">
                 <a:solidFill>
                   <a:srgbClr val="000000"/>
                 </a:solidFill>
@@ -1103,7 +1104,7 @@
               <a:buChar char="-"/>
             </a:pPr>
             <a:r>
-              <a:rPr lang="en-US" b="1" baseline="0" dirty="0" smtClean="0">
+              <a:rPr lang="en-US" b="0" baseline="0" dirty="0" smtClean="0">
                 <a:solidFill>
                   <a:srgbClr val="000000"/>
                 </a:solidFill>
@@ -1121,7 +1122,7 @@
               <a:buChar char="-"/>
             </a:pPr>
             <a:r>
-              <a:rPr lang="en-US" b="1" baseline="0" dirty="0" smtClean="0">
+              <a:rPr lang="en-US" b="0" baseline="0" dirty="0" smtClean="0">
                 <a:solidFill>
                   <a:srgbClr val="000000"/>
                 </a:solidFill>
@@ -1132,7 +1133,7 @@
               </a:rPr>
               <a:t>You can request service from another activity directly (call on it) or you can publish an intent and a “filter” describing the type of service you need and let the OS find appropriate activities for you (think of how the Share button works – your app is publishing some text and the OS is returning all the activities that could share that text: email, twitter, etc.</a:t>
             </a:r>
-            <a:endParaRPr lang="en-US" b="1" dirty="0">
+            <a:endParaRPr lang="en-US" b="0" dirty="0">
               <a:solidFill>
                 <a:srgbClr val="000000"/>
               </a:solidFill>
@@ -1348,7 +1349,7 @@
               <a:buChar char="-"/>
             </a:pPr>
             <a:r>
-              <a:rPr lang="en-US" b="1" dirty="0" smtClean="0">
+              <a:rPr lang="en-US" b="0" dirty="0" smtClean="0">
                 <a:solidFill>
                   <a:srgbClr val="000000"/>
                 </a:solidFill>
@@ -1360,7 +1361,7 @@
               <a:t>Activities,</a:t>
             </a:r>
             <a:r>
-              <a:rPr lang="en-US" b="1" baseline="0" dirty="0" smtClean="0">
+              <a:rPr lang="en-US" b="0" baseline="0" dirty="0" smtClean="0">
                 <a:solidFill>
                   <a:srgbClr val="000000"/>
                 </a:solidFill>
@@ -1378,7 +1379,7 @@
               <a:buChar char="-"/>
             </a:pPr>
             <a:r>
-              <a:rPr lang="en-US" b="1" baseline="0" dirty="0" smtClean="0">
+              <a:rPr lang="en-US" b="0" baseline="0" dirty="0" smtClean="0">
                 <a:solidFill>
                   <a:srgbClr val="000000"/>
                 </a:solidFill>
@@ -1396,7 +1397,7 @@
               <a:buChar char="-"/>
             </a:pPr>
             <a:r>
-              <a:rPr lang="en-US" b="1" baseline="0" dirty="0" smtClean="0">
+              <a:rPr lang="en-US" b="0" baseline="0" dirty="0" smtClean="0">
                 <a:solidFill>
                   <a:srgbClr val="000000"/>
                 </a:solidFill>
@@ -1407,7 +1408,7 @@
               </a:rPr>
               <a:t>Also use the manifest to define hardware needs (orientation, screen size &amp; density, platform version)</a:t>
             </a:r>
-            <a:endParaRPr lang="en-US" b="1" dirty="0" smtClean="0">
+            <a:endParaRPr lang="en-US" b="0" dirty="0" smtClean="0">
               <a:solidFill>
                 <a:srgbClr val="000000"/>
               </a:solidFill>
@@ -1422,7 +1423,7 @@
               <a:buFontTx/>
               <a:buChar char="-"/>
             </a:pPr>
-            <a:endParaRPr lang="en-US" b="1" dirty="0" smtClean="0">
+            <a:endParaRPr lang="en-US" b="0" dirty="0" smtClean="0">
               <a:solidFill>
                 <a:srgbClr val="000000"/>
               </a:solidFill>
@@ -1438,7 +1439,7 @@
               <a:buChar char="-"/>
             </a:pPr>
             <a:r>
-              <a:rPr lang="en-US" b="1" dirty="0" smtClean="0">
+              <a:rPr lang="en-US" b="0" dirty="0" smtClean="0">
                 <a:solidFill>
                   <a:srgbClr val="000000"/>
                 </a:solidFill>
@@ -1456,7 +1457,7 @@
               <a:buChar char="-"/>
             </a:pPr>
             <a:r>
-              <a:rPr lang="en-US" b="1" dirty="0" smtClean="0">
+              <a:rPr lang="en-US" b="0" dirty="0" smtClean="0">
                 <a:solidFill>
                   <a:srgbClr val="000000"/>
                 </a:solidFill>
@@ -1468,7 +1469,7 @@
               <a:t>Show kitchen sink </a:t>
             </a:r>
             <a:r>
-              <a:rPr lang="en-US" b="1" dirty="0" err="1" smtClean="0">
+              <a:rPr lang="en-US" b="0" dirty="0" err="1" smtClean="0">
                 <a:solidFill>
                   <a:srgbClr val="000000"/>
                 </a:solidFill>
@@ -1480,7 +1481,7 @@
               <a:t>tiapp.xml</a:t>
             </a:r>
             <a:r>
-              <a:rPr lang="en-US" b="1" dirty="0" smtClean="0">
+              <a:rPr lang="en-US" b="0" dirty="0" smtClean="0">
                 <a:solidFill>
                   <a:srgbClr val="000000"/>
                 </a:solidFill>
@@ -1498,7 +1499,7 @@
               <a:buChar char="-"/>
             </a:pPr>
             <a:r>
-              <a:rPr lang="en-US" b="1" dirty="0" smtClean="0">
+              <a:rPr lang="en-US" b="0" dirty="0" smtClean="0">
                 <a:solidFill>
                   <a:srgbClr val="000000"/>
                 </a:solidFill>
@@ -1510,7 +1511,7 @@
               <a:t>Via finder, open KS/build/android/</a:t>
             </a:r>
             <a:r>
-              <a:rPr lang="en-US" b="1" dirty="0" err="1" smtClean="0">
+              <a:rPr lang="en-US" b="0" dirty="0" err="1" smtClean="0">
                 <a:solidFill>
                   <a:srgbClr val="000000"/>
                 </a:solidFill>
@@ -1521,7 +1522,7 @@
               </a:rPr>
               <a:t>AndroidManifest.xml</a:t>
             </a:r>
-            <a:endParaRPr lang="en-US" b="1" dirty="0" smtClean="0">
+            <a:endParaRPr lang="en-US" b="0" dirty="0" smtClean="0">
               <a:solidFill>
                 <a:srgbClr val="000000"/>
               </a:solidFill>
@@ -1537,7 +1538,7 @@
               <a:buChar char="-"/>
             </a:pPr>
             <a:r>
-              <a:rPr lang="en-US" b="1" dirty="0" smtClean="0">
+              <a:rPr lang="en-US" b="0" dirty="0" smtClean="0">
                 <a:solidFill>
                   <a:srgbClr val="000000"/>
                 </a:solidFill>
@@ -1549,7 +1550,7 @@
               <a:t>&lt;intent-filter&gt; describes the capabilities of your activities</a:t>
             </a:r>
             <a:r>
-              <a:rPr lang="en-US" b="1" baseline="0" dirty="0" smtClean="0">
+              <a:rPr lang="en-US" b="0" baseline="0" dirty="0" smtClean="0">
                 <a:solidFill>
                   <a:srgbClr val="000000"/>
                 </a:solidFill>
@@ -1560,7 +1561,7 @@
               </a:rPr>
               <a:t> so the OS knows what type of intents they could respond to</a:t>
             </a:r>
-            <a:endParaRPr lang="en-US" b="1" dirty="0" smtClean="0">
+            <a:endParaRPr lang="en-US" b="0" dirty="0" smtClean="0">
               <a:solidFill>
                 <a:srgbClr val="000000"/>
               </a:solidFill>
@@ -1576,7 +1577,7 @@
               <a:buChar char="-"/>
             </a:pPr>
             <a:r>
-              <a:rPr lang="en-US" b="1" dirty="0" smtClean="0">
+              <a:rPr lang="en-US" b="0" dirty="0" smtClean="0">
                 <a:solidFill>
                   <a:srgbClr val="000000"/>
                 </a:solidFill>
@@ -1588,7 +1589,7 @@
               <a:t>Explain how you could create a custom</a:t>
             </a:r>
             <a:r>
-              <a:rPr lang="en-US" b="1" baseline="0" dirty="0" smtClean="0">
+              <a:rPr lang="en-US" b="0" baseline="0" dirty="0" smtClean="0">
                 <a:solidFill>
                   <a:srgbClr val="000000"/>
                 </a:solidFill>
@@ -1599,7 +1600,7 @@
               </a:rPr>
               <a:t> manifest </a:t>
             </a:r>
-            <a:endParaRPr lang="en-US" b="1" dirty="0" smtClean="0">
+            <a:endParaRPr lang="en-US" b="0" dirty="0" smtClean="0">
               <a:solidFill>
                 <a:srgbClr val="000000"/>
               </a:solidFill>
@@ -1614,7 +1615,7 @@
               <a:buFontTx/>
               <a:buChar char="-"/>
             </a:pPr>
-            <a:endParaRPr lang="en-US" b="1" dirty="0">
+            <a:endParaRPr lang="en-US" b="0" dirty="0">
               <a:solidFill>
                 <a:srgbClr val="000000"/>
               </a:solidFill>
@@ -1806,7 +1807,7 @@
               <a:buChar char="-"/>
             </a:pPr>
             <a:r>
-              <a:rPr lang="en-US" b="1" dirty="0" smtClean="0">
+              <a:rPr lang="en-US" b="0" dirty="0" smtClean="0">
                 <a:solidFill>
                   <a:srgbClr val="000000"/>
                 </a:solidFill>
@@ -1818,7 +1819,7 @@
               <a:t>A “heavyweight” window is Ti terminology for an</a:t>
             </a:r>
             <a:r>
-              <a:rPr lang="en-US" b="1" baseline="0" dirty="0" smtClean="0">
+              <a:rPr lang="en-US" b="0" baseline="0" dirty="0" smtClean="0">
                 <a:solidFill>
                   <a:srgbClr val="000000"/>
                 </a:solidFill>
@@ -1836,7 +1837,7 @@
               <a:buChar char="-"/>
             </a:pPr>
             <a:r>
-              <a:rPr lang="en-US" b="1" baseline="0" dirty="0" smtClean="0">
+              <a:rPr lang="en-US" b="0" baseline="0" dirty="0" smtClean="0">
                 <a:solidFill>
                   <a:srgbClr val="000000"/>
                 </a:solidFill>
@@ -1847,7 +1848,73 @@
               </a:rPr>
               <a:t>You can have a lightweight window that isn’t exactly equivalent to an Activity</a:t>
             </a:r>
-            <a:endParaRPr lang="en-US" b="1" dirty="0">
+          </a:p>
+          <a:p>
+            <a:pPr marL="250825" indent="-171450" eaLnBrk="1" hangingPunct="1">
+              <a:buFontTx/>
+              <a:buChar char="-"/>
+            </a:pPr>
+            <a:r>
+              <a:rPr lang="en-US" b="0" baseline="0" dirty="0" smtClean="0">
+                <a:solidFill>
+                  <a:srgbClr val="000000"/>
+                </a:solidFill>
+                <a:latin typeface="Lucida Grande" charset="0"/>
+                <a:ea typeface="ＭＳ Ｐゴシック" charset="0"/>
+                <a:cs typeface="Lucida Grande" charset="0"/>
+                <a:sym typeface="Lucida Grande" charset="0"/>
+              </a:rPr>
+              <a:t>To force a Ti window to be a heavyweight window (an activity), set </a:t>
+            </a:r>
+            <a:r>
+              <a:rPr lang="en-US" b="0" baseline="0" dirty="0" err="1" smtClean="0">
+                <a:solidFill>
+                  <a:srgbClr val="000000"/>
+                </a:solidFill>
+                <a:latin typeface="Lucida Grande" charset="0"/>
+                <a:ea typeface="ＭＳ Ｐゴシック" charset="0"/>
+                <a:cs typeface="Lucida Grande" charset="0"/>
+                <a:sym typeface="Lucida Grande" charset="0"/>
+              </a:rPr>
+              <a:t>navBarHidden</a:t>
+            </a:r>
+            <a:r>
+              <a:rPr lang="en-US" b="0" baseline="0" dirty="0" smtClean="0">
+                <a:solidFill>
+                  <a:srgbClr val="000000"/>
+                </a:solidFill>
+                <a:latin typeface="Lucida Grande" charset="0"/>
+                <a:ea typeface="ＭＳ Ｐゴシック" charset="0"/>
+                <a:cs typeface="Lucida Grande" charset="0"/>
+                <a:sym typeface="Lucida Grande" charset="0"/>
+              </a:rPr>
+              <a:t>=true or set </a:t>
+            </a:r>
+            <a:r>
+              <a:rPr lang="en-US" b="0" baseline="0" dirty="0" err="1" smtClean="0">
+                <a:solidFill>
+                  <a:srgbClr val="000000"/>
+                </a:solidFill>
+                <a:latin typeface="Lucida Grande" charset="0"/>
+                <a:ea typeface="ＭＳ Ｐゴシック" charset="0"/>
+                <a:cs typeface="Lucida Grande" charset="0"/>
+                <a:sym typeface="Lucida Grande" charset="0"/>
+              </a:rPr>
+              <a:t>fullscreen</a:t>
+            </a:r>
+            <a:r>
+              <a:rPr lang="en-US" b="0" baseline="0" dirty="0" smtClean="0">
+                <a:solidFill>
+                  <a:srgbClr val="000000"/>
+                </a:solidFill>
+                <a:latin typeface="Lucida Grande" charset="0"/>
+                <a:ea typeface="ＭＳ Ｐゴシック" charset="0"/>
+                <a:cs typeface="Lucida Grande" charset="0"/>
+                <a:sym typeface="Lucida Grande" charset="0"/>
+              </a:rPr>
+              <a:t>=true or false and see the module development guide in the wiki for a couple of extra ways</a:t>
+            </a:r>
+            <a:endParaRPr lang="en-US" b="0" dirty="0">
               <a:solidFill>
                 <a:srgbClr val="000000"/>
               </a:solidFill>
@@ -1938,29 +2005,53 @@
           <a:bodyPr/>
           <a:lstStyle/>
           <a:p>
+            <a:pPr marL="79375" indent="0" eaLnBrk="1" hangingPunct="1">
+              <a:buFontTx/>
+              <a:buNone/>
+            </a:pPr>
+            <a:r>
+              <a:rPr lang="en-US" b="0" dirty="0" smtClean="0">
+                <a:solidFill>
+                  <a:srgbClr val="000000"/>
+                </a:solidFill>
+                <a:latin typeface="Lucida Grande" charset="0"/>
+                <a:ea typeface="ＭＳ Ｐゴシック" charset="0"/>
+                <a:cs typeface="Lucida Grande" charset="0"/>
+                <a:sym typeface="Lucida Grande" charset="0"/>
+              </a:rPr>
+              <a:t>Demo: </a:t>
+            </a:r>
+            <a:r>
+              <a:rPr lang="en-US" b="0" dirty="0" err="1" smtClean="0">
+                <a:solidFill>
+                  <a:srgbClr val="000000"/>
+                </a:solidFill>
+                <a:latin typeface="Lucida Grande" charset="0"/>
+                <a:ea typeface="ＭＳ Ｐゴシック" charset="0"/>
+                <a:cs typeface="Lucida Grande" charset="0"/>
+                <a:sym typeface="Lucida Grande" charset="0"/>
+              </a:rPr>
+              <a:t>KitchenSink</a:t>
+            </a:r>
+            <a:r>
+              <a:rPr lang="en-US" b="0" dirty="0" smtClean="0">
+                <a:solidFill>
+                  <a:srgbClr val="000000"/>
+                </a:solidFill>
+                <a:latin typeface="Lucida Grande" charset="0"/>
+                <a:ea typeface="ＭＳ Ｐゴシック" charset="0"/>
+                <a:cs typeface="Lucida Grande" charset="0"/>
+                <a:sym typeface="Lucida Grande" charset="0"/>
+              </a:rPr>
+              <a:t> – android_menu1, 2, and 3</a:t>
+            </a:r>
+          </a:p>
+          <a:p>
             <a:pPr marL="250825" indent="-171450" eaLnBrk="1" hangingPunct="1">
               <a:buFontTx/>
               <a:buChar char="-"/>
             </a:pPr>
-            <a:r>
-              <a:rPr lang="en-US" b="1" dirty="0" smtClean="0">
-                <a:solidFill>
-                  <a:srgbClr val="000000"/>
-                </a:solidFill>
-                <a:latin typeface="Lucida Grande" charset="0"/>
-                <a:ea typeface="ＭＳ Ｐゴシック" charset="0"/>
-                <a:cs typeface="Lucida Grande" charset="0"/>
-                <a:sym typeface="Lucida Grande" charset="0"/>
-              </a:rPr>
-              <a:t>See KS – android_menu1, 2, and 3</a:t>
-            </a:r>
-          </a:p>
-          <a:p>
-            <a:pPr marL="250825" indent="-171450" eaLnBrk="1" hangingPunct="1">
-              <a:buFontTx/>
-              <a:buChar char="-"/>
-            </a:pPr>
-            <a:endParaRPr lang="en-US" b="1" dirty="0">
+            <a:endParaRPr lang="en-US" b="0" dirty="0">
               <a:solidFill>
                 <a:srgbClr val="000000"/>
               </a:solidFill>
@@ -2051,12 +2142,12 @@
           <a:bodyPr/>
           <a:lstStyle/>
           <a:p>
-            <a:pPr marL="250825" indent="-171450" eaLnBrk="1" hangingPunct="1">
+            <a:pPr marL="79375" indent="0" eaLnBrk="1" hangingPunct="1">
               <a:buFontTx/>
-              <a:buChar char="-"/>
+              <a:buNone/>
             </a:pPr>
             <a:r>
-              <a:rPr lang="en-US" b="1" dirty="0" smtClean="0">
+              <a:rPr lang="en-US" b="0" dirty="0" smtClean="0">
                 <a:solidFill>
                   <a:srgbClr val="000000"/>
                 </a:solidFill>
@@ -2065,10 +2156,10 @@
                 <a:cs typeface="Lucida Grande" charset="0"/>
                 <a:sym typeface="Lucida Grande" charset="0"/>
               </a:rPr>
-              <a:t>KS: </a:t>
-            </a:r>
-            <a:r>
-              <a:rPr lang="en-US" b="1" dirty="0" err="1" smtClean="0">
+              <a:t>Demo - </a:t>
+            </a:r>
+            <a:r>
+              <a:rPr lang="en-US" b="0" dirty="0" err="1" smtClean="0">
                 <a:solidFill>
                   <a:srgbClr val="000000"/>
                 </a:solidFill>
@@ -2077,9 +2168,33 @@
                 <a:cs typeface="Lucida Grande" charset="0"/>
                 <a:sym typeface="Lucida Grande" charset="0"/>
               </a:rPr>
+              <a:t>KitchenSink</a:t>
+            </a:r>
+            <a:r>
+              <a:rPr lang="en-US" b="0" dirty="0" smtClean="0">
+                <a:solidFill>
+                  <a:srgbClr val="000000"/>
+                </a:solidFill>
+                <a:latin typeface="Lucida Grande" charset="0"/>
+                <a:ea typeface="ＭＳ Ｐゴシック" charset="0"/>
+                <a:cs typeface="Lucida Grande" charset="0"/>
+                <a:sym typeface="Lucida Grande" charset="0"/>
+              </a:rPr>
+              <a:t>: </a:t>
+            </a:r>
+            <a:r>
+              <a:rPr lang="en-US" b="0" dirty="0" err="1" smtClean="0">
+                <a:solidFill>
+                  <a:srgbClr val="000000"/>
+                </a:solidFill>
+                <a:latin typeface="Lucida Grande" charset="0"/>
+                <a:ea typeface="ＭＳ Ｐゴシック" charset="0"/>
+                <a:cs typeface="Lucida Grande" charset="0"/>
+                <a:sym typeface="Lucida Grande" charset="0"/>
+              </a:rPr>
               <a:t>label_linkify.js</a:t>
             </a:r>
-            <a:endParaRPr lang="en-US" b="1" dirty="0">
+            <a:endParaRPr lang="en-US" b="0" dirty="0">
               <a:solidFill>
                 <a:srgbClr val="000000"/>
               </a:solidFill>
@@ -2170,12 +2285,12 @@
           <a:bodyPr/>
           <a:lstStyle/>
           <a:p>
-            <a:pPr marL="250825" indent="-171450" eaLnBrk="1" hangingPunct="1">
+            <a:pPr marL="79375" indent="0" eaLnBrk="1" hangingPunct="1">
               <a:buFontTx/>
-              <a:buChar char="-"/>
+              <a:buNone/>
             </a:pPr>
             <a:r>
-              <a:rPr lang="en-US" b="1" dirty="0" smtClean="0">
+              <a:rPr lang="en-US" b="0" dirty="0" smtClean="0">
                 <a:solidFill>
                   <a:srgbClr val="000000"/>
                 </a:solidFill>
@@ -2184,10 +2299,10 @@
                 <a:cs typeface="Lucida Grande" charset="0"/>
                 <a:sym typeface="Lucida Grande" charset="0"/>
               </a:rPr>
-              <a:t>KS: </a:t>
-            </a:r>
-            <a:r>
-              <a:rPr lang="en-US" b="1" dirty="0" err="1" smtClean="0">
+              <a:t>Demo: </a:t>
+            </a:r>
+            <a:r>
+              <a:rPr lang="en-US" b="0" dirty="0" err="1" smtClean="0">
                 <a:solidFill>
                   <a:srgbClr val="000000"/>
                 </a:solidFill>
@@ -2196,9 +2311,171 @@
                 <a:cs typeface="Lucida Grande" charset="0"/>
                 <a:sym typeface="Lucida Grande" charset="0"/>
               </a:rPr>
+              <a:t>KitchenSink</a:t>
+            </a:r>
+            <a:r>
+              <a:rPr lang="en-US" b="0" dirty="0" smtClean="0">
+                <a:solidFill>
+                  <a:srgbClr val="000000"/>
+                </a:solidFill>
+                <a:latin typeface="Lucida Grande" charset="0"/>
+                <a:ea typeface="ＭＳ Ｐゴシック" charset="0"/>
+                <a:cs typeface="Lucida Grande" charset="0"/>
+                <a:sym typeface="Lucida Grande" charset="0"/>
+              </a:rPr>
+              <a:t> Platform&gt;Notifications</a:t>
+            </a:r>
+          </a:p>
+          <a:p>
+            <a:pPr marL="79375" indent="0" eaLnBrk="1" hangingPunct="1">
+              <a:buFontTx/>
+              <a:buNone/>
+            </a:pPr>
+            <a:r>
+              <a:rPr lang="en-US" b="0" dirty="0" smtClean="0">
+                <a:solidFill>
+                  <a:srgbClr val="000000"/>
+                </a:solidFill>
+                <a:latin typeface="Lucida Grande" charset="0"/>
+                <a:ea typeface="ＭＳ Ｐゴシック" charset="0"/>
+                <a:cs typeface="Lucida Grande" charset="0"/>
+                <a:sym typeface="Lucida Grande" charset="0"/>
+              </a:rPr>
+              <a:t>And</a:t>
+            </a:r>
+            <a:r>
+              <a:rPr lang="en-US" b="0" baseline="0" dirty="0" smtClean="0">
+                <a:solidFill>
+                  <a:srgbClr val="000000"/>
+                </a:solidFill>
+                <a:latin typeface="Lucida Grande" charset="0"/>
+                <a:ea typeface="ＭＳ Ｐゴシック" charset="0"/>
+                <a:cs typeface="Lucida Grande" charset="0"/>
+                <a:sym typeface="Lucida Grande" charset="0"/>
+              </a:rPr>
+              <a:t> see </a:t>
+            </a:r>
+            <a:r>
+              <a:rPr lang="en-US" b="0" dirty="0" err="1" smtClean="0">
+                <a:solidFill>
+                  <a:srgbClr val="000000"/>
+                </a:solidFill>
+                <a:latin typeface="Lucida Grande" charset="0"/>
+                <a:ea typeface="ＭＳ Ｐゴシック" charset="0"/>
+                <a:cs typeface="Lucida Grande" charset="0"/>
+                <a:sym typeface="Lucida Grande" charset="0"/>
+              </a:rPr>
               <a:t>notification.js</a:t>
             </a:r>
-            <a:endParaRPr lang="en-US" b="1" dirty="0">
+            <a:endParaRPr lang="en-US" b="0" dirty="0" smtClean="0">
+              <a:solidFill>
+                <a:srgbClr val="000000"/>
+              </a:solidFill>
+              <a:latin typeface="Lucida Grande" charset="0"/>
+              <a:ea typeface="ＭＳ Ｐゴシック" charset="0"/>
+              <a:cs typeface="Lucida Grande" charset="0"/>
+              <a:sym typeface="Lucida Grande" charset="0"/>
+            </a:endParaRPr>
+          </a:p>
+          <a:p>
+            <a:pPr marL="79375" indent="0" eaLnBrk="1" hangingPunct="1">
+              <a:buFontTx/>
+              <a:buNone/>
+            </a:pPr>
+            <a:endParaRPr lang="en-US" b="0" dirty="0" smtClean="0">
+              <a:solidFill>
+                <a:srgbClr val="000000"/>
+              </a:solidFill>
+              <a:latin typeface="Lucida Grande" charset="0"/>
+              <a:ea typeface="ＭＳ Ｐゴシック" charset="0"/>
+              <a:cs typeface="Lucida Grande" charset="0"/>
+              <a:sym typeface="Lucida Grande" charset="0"/>
+            </a:endParaRPr>
+          </a:p>
+          <a:p>
+            <a:pPr marL="79375" indent="0" eaLnBrk="1" hangingPunct="1">
+              <a:buFontTx/>
+              <a:buNone/>
+            </a:pPr>
+            <a:r>
+              <a:rPr lang="en-US" b="0" dirty="0" smtClean="0">
+                <a:solidFill>
+                  <a:srgbClr val="000000"/>
+                </a:solidFill>
+                <a:latin typeface="Lucida Grande" charset="0"/>
+                <a:ea typeface="ＭＳ Ｐゴシック" charset="0"/>
+                <a:cs typeface="Lucida Grande" charset="0"/>
+                <a:sym typeface="Lucida Grande" charset="0"/>
+              </a:rPr>
+              <a:t>The </a:t>
+            </a:r>
+            <a:r>
+              <a:rPr lang="en-US" b="0" dirty="0" err="1" smtClean="0">
+                <a:solidFill>
+                  <a:srgbClr val="000000"/>
+                </a:solidFill>
+                <a:latin typeface="Lucida Grande" charset="0"/>
+                <a:ea typeface="ＭＳ Ｐゴシック" charset="0"/>
+                <a:cs typeface="Lucida Grande" charset="0"/>
+                <a:sym typeface="Lucida Grande" charset="0"/>
+              </a:rPr>
+              <a:t>offsetX</a:t>
+            </a:r>
+            <a:r>
+              <a:rPr lang="en-US" b="0" dirty="0" smtClean="0">
+                <a:solidFill>
+                  <a:srgbClr val="000000"/>
+                </a:solidFill>
+                <a:latin typeface="Lucida Grande" charset="0"/>
+                <a:ea typeface="ＭＳ Ｐゴシック" charset="0"/>
+                <a:cs typeface="Lucida Grande" charset="0"/>
+                <a:sym typeface="Lucida Grande" charset="0"/>
+              </a:rPr>
+              <a:t> and </a:t>
+            </a:r>
+            <a:r>
+              <a:rPr lang="en-US" b="0" dirty="0" err="1" smtClean="0">
+                <a:solidFill>
+                  <a:srgbClr val="000000"/>
+                </a:solidFill>
+                <a:latin typeface="Lucida Grande" charset="0"/>
+                <a:ea typeface="ＭＳ Ｐゴシック" charset="0"/>
+                <a:cs typeface="Lucida Grande" charset="0"/>
+                <a:sym typeface="Lucida Grande" charset="0"/>
+              </a:rPr>
+              <a:t>offSetY</a:t>
+            </a:r>
+            <a:r>
+              <a:rPr lang="en-US" b="0" dirty="0" smtClean="0">
+                <a:solidFill>
+                  <a:srgbClr val="000000"/>
+                </a:solidFill>
+                <a:latin typeface="Lucida Grande" charset="0"/>
+                <a:ea typeface="ＭＳ Ｐゴシック" charset="0"/>
+                <a:cs typeface="Lucida Grande" charset="0"/>
+                <a:sym typeface="Lucida Grande" charset="0"/>
+              </a:rPr>
+              <a:t> coordinates are relative to the default location for the notification</a:t>
+            </a:r>
+          </a:p>
+          <a:p>
+            <a:pPr marL="79375" indent="0" eaLnBrk="1" hangingPunct="1">
+              <a:buFontTx/>
+              <a:buNone/>
+            </a:pPr>
+            <a:r>
+              <a:rPr lang="en-US" b="0" dirty="0" smtClean="0">
+                <a:solidFill>
+                  <a:srgbClr val="000000"/>
+                </a:solidFill>
+                <a:latin typeface="Lucida Grande" charset="0"/>
+                <a:ea typeface="ＭＳ Ｐゴシック" charset="0"/>
+                <a:cs typeface="Lucida Grande" charset="0"/>
+                <a:sym typeface="Lucida Grande" charset="0"/>
+              </a:rPr>
+              <a:t>and corresponds to the center point of the notification bubble</a:t>
+            </a:r>
+            <a:endParaRPr lang="en-US" b="0" dirty="0">
               <a:solidFill>
                 <a:srgbClr val="000000"/>
               </a:solidFill>
@@ -2381,12 +2658,12 @@
           <a:bodyPr/>
           <a:lstStyle/>
           <a:p>
-            <a:pPr marL="250825" indent="-171450" eaLnBrk="1" hangingPunct="1">
+            <a:pPr marL="79375" indent="0" eaLnBrk="1" hangingPunct="1">
               <a:buFontTx/>
-              <a:buChar char="-"/>
+              <a:buNone/>
             </a:pPr>
             <a:r>
-              <a:rPr lang="en-US" b="1" dirty="0" smtClean="0">
+              <a:rPr lang="en-US" b="0" dirty="0" smtClean="0">
                 <a:solidFill>
                   <a:srgbClr val="000000"/>
                 </a:solidFill>
@@ -2398,7 +2675,7 @@
               <a:t>See </a:t>
             </a:r>
             <a:r>
-              <a:rPr lang="en-US" b="1" dirty="0" err="1" smtClean="0">
+              <a:rPr lang="en-US" b="0" dirty="0" err="1" smtClean="0">
                 <a:solidFill>
                   <a:srgbClr val="000000"/>
                 </a:solidFill>
@@ -2410,7 +2687,7 @@
               <a:t>TiDemo</a:t>
             </a:r>
             <a:r>
-              <a:rPr lang="en-US" b="1" baseline="0" dirty="0" smtClean="0">
+              <a:rPr lang="en-US" b="0" baseline="0" dirty="0" smtClean="0">
                 <a:solidFill>
                   <a:srgbClr val="000000"/>
                 </a:solidFill>
@@ -2419,9 +2696,123 @@
                 <a:cs typeface="Lucida Grande" charset="0"/>
                 <a:sym typeface="Lucida Grande" charset="0"/>
               </a:rPr>
-              <a:t> project</a:t>
-            </a:r>
-            <a:endParaRPr lang="en-US" b="1" dirty="0">
+              <a:t> project (on the TCMD </a:t>
+            </a:r>
+            <a:r>
+              <a:rPr lang="en-US" b="0" baseline="0" dirty="0" err="1" smtClean="0">
+                <a:solidFill>
+                  <a:srgbClr val="000000"/>
+                </a:solidFill>
+                <a:latin typeface="Lucida Grande" charset="0"/>
+                <a:ea typeface="ＭＳ Ｐゴシック" charset="0"/>
+                <a:cs typeface="Lucida Grande" charset="0"/>
+                <a:sym typeface="Lucida Grande" charset="0"/>
+              </a:rPr>
+              <a:t>github</a:t>
+            </a:r>
+            <a:r>
+              <a:rPr lang="en-US" b="0" baseline="0" dirty="0" smtClean="0">
+                <a:solidFill>
+                  <a:srgbClr val="000000"/>
+                </a:solidFill>
+                <a:latin typeface="Lucida Grande" charset="0"/>
+                <a:ea typeface="ＭＳ Ｐゴシック" charset="0"/>
+                <a:cs typeface="Lucida Grande" charset="0"/>
+                <a:sym typeface="Lucida Grande" charset="0"/>
+              </a:rPr>
+              <a:t> repository)</a:t>
+            </a:r>
+          </a:p>
+          <a:p>
+            <a:pPr marL="79375" indent="0" eaLnBrk="1" hangingPunct="1">
+              <a:buFontTx/>
+              <a:buNone/>
+            </a:pPr>
+            <a:endParaRPr lang="en-US" b="0" dirty="0" smtClean="0">
+              <a:solidFill>
+                <a:srgbClr val="000000"/>
+              </a:solidFill>
+              <a:latin typeface="Lucida Grande" charset="0"/>
+              <a:ea typeface="ＭＳ Ｐゴシック" charset="0"/>
+              <a:cs typeface="Lucida Grande" charset="0"/>
+              <a:sym typeface="Lucida Grande" charset="0"/>
+            </a:endParaRPr>
+          </a:p>
+          <a:p>
+            <a:pPr marL="79375" indent="0" eaLnBrk="1" hangingPunct="1">
+              <a:buFontTx/>
+              <a:buNone/>
+            </a:pPr>
+            <a:r>
+              <a:rPr lang="en-US" b="0" dirty="0" smtClean="0">
+                <a:solidFill>
+                  <a:srgbClr val="000000"/>
+                </a:solidFill>
+                <a:latin typeface="Lucida Grande" charset="0"/>
+                <a:ea typeface="ＭＳ Ｐゴシック" charset="0"/>
+                <a:cs typeface="Lucida Grande" charset="0"/>
+                <a:sym typeface="Lucida Grande" charset="0"/>
+              </a:rPr>
+              <a:t>In the event listener, you can monitor the</a:t>
+            </a:r>
+            <a:r>
+              <a:rPr lang="en-US" b="0" baseline="0" dirty="0" smtClean="0">
+                <a:solidFill>
+                  <a:srgbClr val="000000"/>
+                </a:solidFill>
+                <a:latin typeface="Lucida Grande" charset="0"/>
+                <a:ea typeface="ＭＳ Ｐゴシック" charset="0"/>
+                <a:cs typeface="Lucida Grande" charset="0"/>
+                <a:sym typeface="Lucida Grande" charset="0"/>
+              </a:rPr>
+              <a:t> other hardware buttons in the form:</a:t>
+            </a:r>
+          </a:p>
+          <a:p>
+            <a:pPr marL="79375" indent="0" eaLnBrk="1" hangingPunct="1">
+              <a:buFontTx/>
+              <a:buNone/>
+            </a:pPr>
+            <a:r>
+              <a:rPr lang="en-US" b="0" baseline="0" dirty="0" err="1" smtClean="0">
+                <a:solidFill>
+                  <a:srgbClr val="000000"/>
+                </a:solidFill>
+                <a:latin typeface="Lucida Grande" charset="0"/>
+                <a:ea typeface="ＭＳ Ｐゴシック" charset="0"/>
+                <a:cs typeface="Lucida Grande" charset="0"/>
+                <a:sym typeface="Lucida Grande" charset="0"/>
+              </a:rPr>
+              <a:t>android:camera</a:t>
+            </a:r>
+            <a:endParaRPr lang="en-US" b="0" baseline="0" dirty="0" smtClean="0">
+              <a:solidFill>
+                <a:srgbClr val="000000"/>
+              </a:solidFill>
+              <a:latin typeface="Lucida Grande" charset="0"/>
+              <a:ea typeface="ＭＳ Ｐゴシック" charset="0"/>
+              <a:cs typeface="Lucida Grande" charset="0"/>
+              <a:sym typeface="Lucida Grande" charset="0"/>
+            </a:endParaRPr>
+          </a:p>
+          <a:p>
+            <a:pPr marL="79375" indent="0" eaLnBrk="1" hangingPunct="1">
+              <a:buFontTx/>
+              <a:buNone/>
+            </a:pPr>
+            <a:r>
+              <a:rPr lang="en-US" b="0" baseline="0" dirty="0" err="1" smtClean="0">
+                <a:solidFill>
+                  <a:srgbClr val="000000"/>
+                </a:solidFill>
+                <a:latin typeface="Lucida Grande" charset="0"/>
+                <a:ea typeface="ＭＳ Ｐゴシック" charset="0"/>
+                <a:cs typeface="Lucida Grande" charset="0"/>
+                <a:sym typeface="Lucida Grande" charset="0"/>
+              </a:rPr>
+              <a:t>android:home</a:t>
+            </a:r>
+            <a:endParaRPr lang="en-US" b="0" baseline="0" dirty="0" smtClean="0">
               <a:solidFill>
                 <a:srgbClr val="000000"/>
               </a:solidFill>
@@ -2612,6 +3003,93 @@
               <a:buFontTx/>
               <a:buChar char="-"/>
             </a:pPr>
+            <a:r>
+              <a:rPr lang="en-US" b="0" dirty="0" smtClean="0">
+                <a:solidFill>
+                  <a:srgbClr val="000000"/>
+                </a:solidFill>
+                <a:latin typeface="Lucida Grande" charset="0"/>
+                <a:ea typeface="ＭＳ Ｐゴシック" charset="0"/>
+                <a:cs typeface="Lucida Grande" charset="0"/>
+                <a:sym typeface="Lucida Grande" charset="0"/>
+              </a:rPr>
+              <a:t>An app is</a:t>
+            </a:r>
+            <a:r>
+              <a:rPr lang="en-US" b="0" baseline="0" dirty="0" smtClean="0">
+                <a:solidFill>
+                  <a:srgbClr val="000000"/>
+                </a:solidFill>
+                <a:latin typeface="Lucida Grande" charset="0"/>
+                <a:ea typeface="ＭＳ Ｐゴシック" charset="0"/>
+                <a:cs typeface="Lucida Grande" charset="0"/>
+                <a:sym typeface="Lucida Grande" charset="0"/>
+              </a:rPr>
+              <a:t> made up from one or more activities: one to list email messages, one to compose a message, one to read a message, etc.</a:t>
+            </a:r>
+          </a:p>
+          <a:p>
+            <a:pPr marL="250825" indent="-171450" eaLnBrk="1" hangingPunct="1">
+              <a:buFontTx/>
+              <a:buChar char="-"/>
+            </a:pPr>
+            <a:r>
+              <a:rPr lang="en-US" b="0" baseline="0" dirty="0" smtClean="0">
+                <a:solidFill>
+                  <a:srgbClr val="000000"/>
+                </a:solidFill>
+                <a:latin typeface="Lucida Grande" charset="0"/>
+                <a:ea typeface="ＭＳ Ｐゴシック" charset="0"/>
+                <a:cs typeface="Lucida Grande" charset="0"/>
+                <a:sym typeface="Lucida Grande" charset="0"/>
+              </a:rPr>
+              <a:t>Other apps can start an activity within your app and your app can start activities in other apps</a:t>
+            </a:r>
+          </a:p>
+          <a:p>
+            <a:pPr marL="250825" indent="-171450" eaLnBrk="1" hangingPunct="1">
+              <a:buFontTx/>
+              <a:buChar char="-"/>
+            </a:pPr>
+            <a:r>
+              <a:rPr lang="en-US" b="0" dirty="0" smtClean="0">
+                <a:solidFill>
+                  <a:srgbClr val="000000"/>
+                </a:solidFill>
+                <a:latin typeface="Lucida Grande" charset="0"/>
+                <a:ea typeface="ＭＳ Ｐゴシック" charset="0"/>
+                <a:cs typeface="Lucida Grande" charset="0"/>
+                <a:sym typeface="Lucida Grande" charset="0"/>
+              </a:rPr>
+              <a:t>This</a:t>
+            </a:r>
+            <a:r>
+              <a:rPr lang="en-US" b="0" baseline="0" dirty="0" smtClean="0">
+                <a:solidFill>
+                  <a:srgbClr val="000000"/>
+                </a:solidFill>
+                <a:latin typeface="Lucida Grande" charset="0"/>
+                <a:ea typeface="ＭＳ Ｐゴシック" charset="0"/>
+                <a:cs typeface="Lucida Grande" charset="0"/>
+                <a:sym typeface="Lucida Grande" charset="0"/>
+              </a:rPr>
+              <a:t> gives a way to share functionality and make it appear to be part of your app</a:t>
+            </a:r>
+            <a:endParaRPr lang="en-US" b="0" dirty="0" smtClean="0">
+              <a:solidFill>
+                <a:srgbClr val="000000"/>
+              </a:solidFill>
+              <a:latin typeface="Lucida Grande" charset="0"/>
+              <a:ea typeface="ＭＳ Ｐゴシック" charset="0"/>
+              <a:cs typeface="Lucida Grande" charset="0"/>
+              <a:sym typeface="Lucida Grande" charset="0"/>
+            </a:endParaRPr>
+          </a:p>
+          <a:p>
+            <a:pPr marL="250825" indent="-171450" eaLnBrk="1" hangingPunct="1">
+              <a:buFontTx/>
+              <a:buChar char="-"/>
+            </a:pPr>
             <a:endParaRPr lang="en-US" b="1" dirty="0">
               <a:solidFill>
                 <a:srgbClr val="000000"/>
@@ -2703,12 +3181,12 @@
           <a:bodyPr/>
           <a:lstStyle/>
           <a:p>
-            <a:pPr marL="250825" indent="-171450" eaLnBrk="1" hangingPunct="1">
+            <a:pPr marL="79375" indent="0" eaLnBrk="1" hangingPunct="1">
               <a:buFontTx/>
-              <a:buChar char="-"/>
+              <a:buNone/>
             </a:pPr>
             <a:r>
-              <a:rPr lang="en-US" b="1" dirty="0" smtClean="0">
+              <a:rPr lang="en-US" b="0" dirty="0" smtClean="0">
                 <a:solidFill>
                   <a:srgbClr val="000000"/>
                 </a:solidFill>
@@ -2717,10 +3195,10 @@
                 <a:cs typeface="Lucida Grande" charset="0"/>
                 <a:sym typeface="Lucida Grande" charset="0"/>
               </a:rPr>
-              <a:t>See KS: </a:t>
-            </a:r>
-            <a:r>
-              <a:rPr lang="en-US" b="1" dirty="0" err="1" smtClean="0">
+              <a:t>Demo </a:t>
+            </a:r>
+            <a:r>
+              <a:rPr lang="en-US" b="0" dirty="0" err="1" smtClean="0">
                 <a:solidFill>
                   <a:srgbClr val="000000"/>
                 </a:solidFill>
@@ -2729,9 +3207,111 @@
                 <a:cs typeface="Lucida Grande" charset="0"/>
                 <a:sym typeface="Lucida Grande" charset="0"/>
               </a:rPr>
+              <a:t>KitchenSink</a:t>
+            </a:r>
+            <a:endParaRPr lang="en-US" b="0" dirty="0" smtClean="0">
+              <a:solidFill>
+                <a:srgbClr val="000000"/>
+              </a:solidFill>
+              <a:latin typeface="Lucida Grande" charset="0"/>
+              <a:ea typeface="ＭＳ Ｐゴシック" charset="0"/>
+              <a:cs typeface="Lucida Grande" charset="0"/>
+              <a:sym typeface="Lucida Grande" charset="0"/>
+            </a:endParaRPr>
+          </a:p>
+          <a:p>
+            <a:pPr marL="79375" indent="0" eaLnBrk="1" hangingPunct="1">
+              <a:buFontTx/>
+              <a:buNone/>
+            </a:pPr>
+            <a:r>
+              <a:rPr lang="en-US" b="0" dirty="0" smtClean="0">
+                <a:solidFill>
+                  <a:srgbClr val="000000"/>
+                </a:solidFill>
+                <a:latin typeface="Lucida Grande" charset="0"/>
+                <a:ea typeface="ＭＳ Ｐゴシック" charset="0"/>
+                <a:cs typeface="Lucida Grande" charset="0"/>
+                <a:sym typeface="Lucida Grande" charset="0"/>
+              </a:rPr>
+              <a:t>See </a:t>
+            </a:r>
+            <a:r>
+              <a:rPr lang="en-US" b="0" dirty="0" err="1" smtClean="0">
+                <a:solidFill>
+                  <a:srgbClr val="000000"/>
+                </a:solidFill>
+                <a:latin typeface="Lucida Grande" charset="0"/>
+                <a:ea typeface="ＭＳ Ｐゴシック" charset="0"/>
+                <a:cs typeface="Lucida Grande" charset="0"/>
+                <a:sym typeface="Lucida Grande" charset="0"/>
+              </a:rPr>
               <a:t>android_services.js</a:t>
             </a:r>
-            <a:endParaRPr lang="en-US" b="1" dirty="0">
+            <a:r>
+              <a:rPr lang="en-US" b="0" dirty="0" smtClean="0">
+                <a:solidFill>
+                  <a:srgbClr val="000000"/>
+                </a:solidFill>
+                <a:latin typeface="Lucida Grande" charset="0"/>
+                <a:ea typeface="ＭＳ Ｐゴシック" charset="0"/>
+                <a:cs typeface="Lucida Grande" charset="0"/>
+                <a:sym typeface="Lucida Grande" charset="0"/>
+              </a:rPr>
+              <a:t> and Resources/android/</a:t>
+            </a:r>
+            <a:r>
+              <a:rPr lang="en-US" b="0" dirty="0" err="1" smtClean="0">
+                <a:solidFill>
+                  <a:srgbClr val="000000"/>
+                </a:solidFill>
+                <a:latin typeface="Lucida Grande" charset="0"/>
+                <a:ea typeface="ＭＳ Ｐゴシック" charset="0"/>
+                <a:cs typeface="Lucida Grande" charset="0"/>
+                <a:sym typeface="Lucida Grande" charset="0"/>
+              </a:rPr>
+              <a:t>testservice.js</a:t>
+            </a:r>
+            <a:endParaRPr lang="en-US" b="0" dirty="0" smtClean="0">
+              <a:solidFill>
+                <a:srgbClr val="000000"/>
+              </a:solidFill>
+              <a:latin typeface="Lucida Grande" charset="0"/>
+              <a:ea typeface="ＭＳ Ｐゴシック" charset="0"/>
+              <a:cs typeface="Lucida Grande" charset="0"/>
+              <a:sym typeface="Lucida Grande" charset="0"/>
+            </a:endParaRPr>
+          </a:p>
+          <a:p>
+            <a:pPr marL="79375" indent="0" eaLnBrk="1" hangingPunct="1">
+              <a:buFontTx/>
+              <a:buNone/>
+            </a:pPr>
+            <a:r>
+              <a:rPr lang="en-US" b="0" dirty="0" smtClean="0">
+                <a:solidFill>
+                  <a:srgbClr val="000000"/>
+                </a:solidFill>
+                <a:latin typeface="Lucida Grande" charset="0"/>
+                <a:ea typeface="ＭＳ Ｐゴシック" charset="0"/>
+                <a:cs typeface="Lucida Grande" charset="0"/>
+                <a:sym typeface="Lucida Grande" charset="0"/>
+              </a:rPr>
+              <a:t>Plus see entry in </a:t>
+            </a:r>
+            <a:r>
+              <a:rPr lang="en-US" b="0" dirty="0" err="1" smtClean="0">
+                <a:solidFill>
+                  <a:srgbClr val="000000"/>
+                </a:solidFill>
+                <a:latin typeface="Lucida Grande" charset="0"/>
+                <a:ea typeface="ＭＳ Ｐゴシック" charset="0"/>
+                <a:cs typeface="Lucida Grande" charset="0"/>
+                <a:sym typeface="Lucida Grande" charset="0"/>
+              </a:rPr>
+              <a:t>tiapp.xml</a:t>
+            </a:r>
+            <a:endParaRPr lang="en-US" b="0" dirty="0">
               <a:solidFill>
                 <a:srgbClr val="000000"/>
               </a:solidFill>
@@ -2822,11 +3402,65 @@
           <a:bodyPr/>
           <a:lstStyle/>
           <a:p>
-            <a:pPr marL="250825" indent="-171450" eaLnBrk="1" hangingPunct="1">
+            <a:pPr marL="79375" indent="0" eaLnBrk="1" hangingPunct="1">
               <a:buFontTx/>
-              <a:buChar char="-"/>
+              <a:buNone/>
             </a:pPr>
-            <a:endParaRPr lang="en-US" b="1" dirty="0">
+            <a:r>
+              <a:rPr lang="en-US" b="0" dirty="0" smtClean="0">
+                <a:solidFill>
+                  <a:srgbClr val="000000"/>
+                </a:solidFill>
+                <a:latin typeface="Lucida Grande" charset="0"/>
+                <a:ea typeface="ＭＳ Ｐゴシック" charset="0"/>
+                <a:cs typeface="Lucida Grande" charset="0"/>
+                <a:sym typeface="Lucida Grande" charset="0"/>
+              </a:rPr>
+              <a:t>Demo: </a:t>
+            </a:r>
+            <a:r>
+              <a:rPr lang="en-US" b="0" dirty="0" err="1" smtClean="0">
+                <a:solidFill>
+                  <a:srgbClr val="000000"/>
+                </a:solidFill>
+                <a:latin typeface="Lucida Grande" charset="0"/>
+                <a:ea typeface="ＭＳ Ｐゴシック" charset="0"/>
+                <a:cs typeface="Lucida Grande" charset="0"/>
+                <a:sym typeface="Lucida Grande" charset="0"/>
+              </a:rPr>
+              <a:t>KitchenSink</a:t>
+            </a:r>
+            <a:r>
+              <a:rPr lang="en-US" b="0" dirty="0" smtClean="0">
+                <a:solidFill>
+                  <a:srgbClr val="000000"/>
+                </a:solidFill>
+                <a:latin typeface="Lucida Grande" charset="0"/>
+                <a:ea typeface="ＭＳ Ｐゴシック" charset="0"/>
+                <a:cs typeface="Lucida Grande" charset="0"/>
+                <a:sym typeface="Lucida Grande" charset="0"/>
+              </a:rPr>
+              <a:t> Platform &gt; ???</a:t>
+            </a:r>
+          </a:p>
+          <a:p>
+            <a:pPr marL="79375" indent="0" eaLnBrk="1" hangingPunct="1">
+              <a:buFontTx/>
+              <a:buNone/>
+            </a:pPr>
+            <a:r>
+              <a:rPr lang="en-US" b="0" smtClean="0">
+                <a:solidFill>
+                  <a:srgbClr val="000000"/>
+                </a:solidFill>
+                <a:latin typeface="Lucida Grande" charset="0"/>
+                <a:ea typeface="ＭＳ Ｐゴシック" charset="0"/>
+                <a:cs typeface="Lucida Grande" charset="0"/>
+                <a:sym typeface="Lucida Grande" charset="0"/>
+              </a:rPr>
+              <a:t>File is </a:t>
+            </a:r>
+            <a:endParaRPr lang="en-US" b="0" dirty="0">
               <a:solidFill>
                 <a:srgbClr val="000000"/>
               </a:solidFill>
@@ -2917,12 +3551,25 @@
           <a:bodyPr/>
           <a:lstStyle/>
           <a:p>
-            <a:pPr marL="250825" indent="-171450" eaLnBrk="1" hangingPunct="1">
+            <a:pPr marL="79375" marR="0" indent="0" algn="l" defTabSz="914400" rtl="0" eaLnBrk="1" fontAlgn="base" latinLnBrk="0" hangingPunct="1">
+              <a:lnSpc>
+                <a:spcPct val="100000"/>
+              </a:lnSpc>
+              <a:spcBef>
+                <a:spcPct val="0"/>
+              </a:spcBef>
+              <a:spcAft>
+                <a:spcPct val="0"/>
+              </a:spcAft>
+              <a:buClrTx/>
+              <a:buSzTx/>
               <a:buFontTx/>
-              <a:buChar char="-"/>
+              <a:buNone/>
+              <a:tabLst/>
+              <a:defRPr/>
             </a:pPr>
             <a:r>
-              <a:rPr lang="en-US" b="1" dirty="0" smtClean="0">
+              <a:rPr lang="en-US" b="0" dirty="0" smtClean="0">
                 <a:solidFill>
                   <a:srgbClr val="000000"/>
                 </a:solidFill>
@@ -2931,16 +3578,10 @@
                 <a:cs typeface="Lucida Grande" charset="0"/>
                 <a:sym typeface="Lucida Grande" charset="0"/>
               </a:rPr>
-              <a:t>R is the class that represents resources in your app</a:t>
-            </a:r>
-          </a:p>
-          <a:p>
-            <a:pPr marL="250825" indent="-171450" eaLnBrk="1" hangingPunct="1">
-              <a:buFontTx/>
-              <a:buChar char="-"/>
-            </a:pPr>
-            <a:r>
-              <a:rPr lang="en-US" b="1" dirty="0" smtClean="0">
+              <a:t>Resources are assets, such as images, strings, layouts, animations, </a:t>
+            </a:r>
+            <a:r>
+              <a:rPr lang="en-US" b="0" dirty="0" err="1" smtClean="0">
                 <a:solidFill>
                   <a:srgbClr val="000000"/>
                 </a:solidFill>
@@ -2949,10 +3590,10 @@
                 <a:cs typeface="Lucida Grande" charset="0"/>
                 <a:sym typeface="Lucida Grande" charset="0"/>
               </a:rPr>
-              <a:t>Resources are assets, such as images, strings, layouts, animations, </a:t>
-            </a:r>
-            <a:r>
-              <a:rPr lang="en-US" b="1" dirty="0" err="1" smtClean="0">
+              <a:t>etc</a:t>
+            </a:r>
+            <a:r>
+              <a:rPr lang="en-US" b="0" dirty="0" smtClean="0">
                 <a:solidFill>
                   <a:srgbClr val="000000"/>
                 </a:solidFill>
@@ -2961,10 +3602,10 @@
                 <a:cs typeface="Lucida Grande" charset="0"/>
                 <a:sym typeface="Lucida Grande" charset="0"/>
               </a:rPr>
-              <a:t>etc</a:t>
-            </a:r>
-            <a:r>
-              <a:rPr lang="en-US" b="1" dirty="0" smtClean="0">
+              <a:t> that are maintained external from your app so that you can swap, maintain, management outside</a:t>
+            </a:r>
+            <a:r>
+              <a:rPr lang="en-US" b="0" baseline="0" dirty="0" smtClean="0">
                 <a:solidFill>
                   <a:srgbClr val="000000"/>
                 </a:solidFill>
@@ -2973,10 +3614,16 @@
                 <a:cs typeface="Lucida Grande" charset="0"/>
                 <a:sym typeface="Lucida Grande" charset="0"/>
               </a:rPr>
-              <a:t> that are maintained external from your app so that you can swap, maintain, management outside</a:t>
-            </a:r>
-            <a:r>
-              <a:rPr lang="en-US" b="1" baseline="0" dirty="0" smtClean="0">
+              <a:t> of your code</a:t>
+            </a:r>
+          </a:p>
+          <a:p>
+            <a:pPr marL="79375" indent="0" eaLnBrk="1" hangingPunct="1">
+              <a:buFontTx/>
+              <a:buNone/>
+            </a:pPr>
+            <a:r>
+              <a:rPr lang="en-US" b="0" dirty="0" smtClean="0">
                 <a:solidFill>
                   <a:srgbClr val="000000"/>
                 </a:solidFill>
@@ -2985,16 +3632,10 @@
                 <a:cs typeface="Lucida Grande" charset="0"/>
                 <a:sym typeface="Lucida Grande" charset="0"/>
               </a:rPr>
-              <a:t> of your code</a:t>
-            </a:r>
-          </a:p>
-          <a:p>
-            <a:pPr marL="250825" indent="-171450" eaLnBrk="1" hangingPunct="1">
-              <a:buFontTx/>
-              <a:buChar char="-"/>
-            </a:pPr>
-            <a:r>
-              <a:rPr lang="en-US" b="1" dirty="0" smtClean="0">
+              <a:t>R </a:t>
+            </a:r>
+            <a:r>
+              <a:rPr lang="en-US" b="0" dirty="0" smtClean="0">
                 <a:solidFill>
                   <a:srgbClr val="000000"/>
                 </a:solidFill>
@@ -3003,10 +3644,16 @@
                 <a:cs typeface="Lucida Grande" charset="0"/>
                 <a:sym typeface="Lucida Grande" charset="0"/>
               </a:rPr>
-              <a:t>Accessible in Ti. via </a:t>
-            </a:r>
-            <a:r>
-              <a:rPr lang="en-US" b="1" dirty="0" err="1" smtClean="0">
+              <a:t>is the class that represents resources in your app</a:t>
+            </a:r>
+          </a:p>
+          <a:p>
+            <a:pPr marL="79375" indent="0" eaLnBrk="1" hangingPunct="1">
+              <a:buFontTx/>
+              <a:buNone/>
+            </a:pPr>
+            <a:r>
+              <a:rPr lang="en-US" b="0" dirty="0" smtClean="0">
                 <a:solidFill>
                   <a:srgbClr val="000000"/>
                 </a:solidFill>
@@ -3015,10 +3662,10 @@
                 <a:cs typeface="Lucida Grande" charset="0"/>
                 <a:sym typeface="Lucida Grande" charset="0"/>
               </a:rPr>
-              <a:t>Android.R</a:t>
-            </a:r>
-            <a:r>
-              <a:rPr lang="en-US" b="1" dirty="0" smtClean="0">
+              <a:t>Accessible </a:t>
+            </a:r>
+            <a:r>
+              <a:rPr lang="en-US" b="0" dirty="0" smtClean="0">
                 <a:solidFill>
                   <a:srgbClr val="000000"/>
                 </a:solidFill>
@@ -3027,10 +3674,10 @@
                 <a:cs typeface="Lucida Grande" charset="0"/>
                 <a:sym typeface="Lucida Grande" charset="0"/>
               </a:rPr>
-              <a:t> class, see http://</a:t>
-            </a:r>
-            <a:r>
-              <a:rPr lang="en-US" b="1" dirty="0" err="1" smtClean="0">
+              <a:t>in Ti. via </a:t>
+            </a:r>
+            <a:r>
+              <a:rPr lang="en-US" b="0" dirty="0" err="1" smtClean="0">
                 <a:solidFill>
                   <a:srgbClr val="000000"/>
                 </a:solidFill>
@@ -3039,10 +3686,10 @@
                 <a:cs typeface="Lucida Grande" charset="0"/>
                 <a:sym typeface="Lucida Grande" charset="0"/>
               </a:rPr>
-              <a:t>developer.appcelerator.com</a:t>
-            </a:r>
-            <a:r>
-              <a:rPr lang="en-US" b="1" dirty="0" smtClean="0">
+              <a:t>Android.R</a:t>
+            </a:r>
+            <a:r>
+              <a:rPr lang="en-US" b="0" dirty="0" smtClean="0">
                 <a:solidFill>
                   <a:srgbClr val="000000"/>
                 </a:solidFill>
@@ -3051,10 +3698,10 @@
                 <a:cs typeface="Lucida Grande" charset="0"/>
                 <a:sym typeface="Lucida Grande" charset="0"/>
               </a:rPr>
-              <a:t>/</a:t>
-            </a:r>
-            <a:r>
-              <a:rPr lang="en-US" b="1" dirty="0" err="1" smtClean="0">
+              <a:t> class, see http://</a:t>
+            </a:r>
+            <a:r>
+              <a:rPr lang="en-US" b="0" dirty="0" err="1" smtClean="0">
                 <a:solidFill>
                   <a:srgbClr val="000000"/>
                 </a:solidFill>
@@ -3063,10 +3710,10 @@
                 <a:cs typeface="Lucida Grande" charset="0"/>
                 <a:sym typeface="Lucida Grande" charset="0"/>
               </a:rPr>
-              <a:t>apidoc</a:t>
-            </a:r>
-            <a:r>
-              <a:rPr lang="en-US" b="1" dirty="0" smtClean="0">
+              <a:t>developer.appcelerator.com</a:t>
+            </a:r>
+            <a:r>
+              <a:rPr lang="en-US" b="0" dirty="0" smtClean="0">
                 <a:solidFill>
                   <a:srgbClr val="000000"/>
                 </a:solidFill>
@@ -3075,10 +3722,10 @@
                 <a:cs typeface="Lucida Grande" charset="0"/>
                 <a:sym typeface="Lucida Grande" charset="0"/>
               </a:rPr>
-              <a:t>/mobile/latest/</a:t>
-            </a:r>
-            <a:r>
-              <a:rPr lang="en-US" b="1" dirty="0" err="1" smtClean="0">
+              <a:t>/</a:t>
+            </a:r>
+            <a:r>
+              <a:rPr lang="en-US" b="0" dirty="0" err="1" smtClean="0">
                 <a:solidFill>
                   <a:srgbClr val="000000"/>
                 </a:solidFill>
@@ -3087,10 +3734,10 @@
                 <a:cs typeface="Lucida Grande" charset="0"/>
                 <a:sym typeface="Lucida Grande" charset="0"/>
               </a:rPr>
-              <a:t>Titanium.App.Android.R</a:t>
-            </a:r>
-            <a:r>
-              <a:rPr lang="en-US" b="1" dirty="0" smtClean="0">
+              <a:t>apidoc</a:t>
+            </a:r>
+            <a:r>
+              <a:rPr lang="en-US" b="0" dirty="0" smtClean="0">
                 <a:solidFill>
                   <a:srgbClr val="000000"/>
                 </a:solidFill>
@@ -3099,9 +3746,153 @@
                 <a:cs typeface="Lucida Grande" charset="0"/>
                 <a:sym typeface="Lucida Grande" charset="0"/>
               </a:rPr>
-              <a:t>-object</a:t>
-            </a:r>
-            <a:endParaRPr lang="en-US" b="1" dirty="0">
+              <a:t>/mobile/latest/</a:t>
+            </a:r>
+            <a:r>
+              <a:rPr lang="en-US" b="0" dirty="0" err="1" smtClean="0">
+                <a:solidFill>
+                  <a:srgbClr val="000000"/>
+                </a:solidFill>
+                <a:latin typeface="Lucida Grande" charset="0"/>
+                <a:ea typeface="ＭＳ Ｐゴシック" charset="0"/>
+                <a:cs typeface="Lucida Grande" charset="0"/>
+                <a:sym typeface="Lucida Grande" charset="0"/>
+              </a:rPr>
+              <a:t>Titanium.App.Android.R</a:t>
+            </a:r>
+            <a:r>
+              <a:rPr lang="en-US" b="0" dirty="0" smtClean="0">
+                <a:solidFill>
+                  <a:srgbClr val="000000"/>
+                </a:solidFill>
+                <a:latin typeface="Lucida Grande" charset="0"/>
+                <a:ea typeface="ＭＳ Ｐゴシック" charset="0"/>
+                <a:cs typeface="Lucida Grande" charset="0"/>
+                <a:sym typeface="Lucida Grande" charset="0"/>
+              </a:rPr>
+              <a:t>-</a:t>
+            </a:r>
+            <a:r>
+              <a:rPr lang="en-US" b="0" dirty="0" smtClean="0">
+                <a:solidFill>
+                  <a:srgbClr val="000000"/>
+                </a:solidFill>
+                <a:latin typeface="Lucida Grande" charset="0"/>
+                <a:ea typeface="ＭＳ Ｐゴシック" charset="0"/>
+                <a:cs typeface="Lucida Grande" charset="0"/>
+                <a:sym typeface="Lucida Grande" charset="0"/>
+              </a:rPr>
+              <a:t>object</a:t>
+            </a:r>
+          </a:p>
+          <a:p>
+            <a:pPr marL="79375" indent="0" eaLnBrk="1" hangingPunct="1">
+              <a:buFontTx/>
+              <a:buNone/>
+            </a:pPr>
+            <a:endParaRPr lang="en-US" b="0" dirty="0" smtClean="0">
+              <a:solidFill>
+                <a:srgbClr val="000000"/>
+              </a:solidFill>
+              <a:latin typeface="Lucida Grande" charset="0"/>
+              <a:ea typeface="ＭＳ Ｐゴシック" charset="0"/>
+              <a:cs typeface="Lucida Grande" charset="0"/>
+              <a:sym typeface="Lucida Grande" charset="0"/>
+            </a:endParaRPr>
+          </a:p>
+          <a:p>
+            <a:pPr marL="79375" indent="0" eaLnBrk="1" hangingPunct="1">
+              <a:buFontTx/>
+              <a:buNone/>
+            </a:pPr>
+            <a:r>
+              <a:rPr lang="en-US" b="0" dirty="0" smtClean="0">
+                <a:solidFill>
+                  <a:srgbClr val="000000"/>
+                </a:solidFill>
+                <a:latin typeface="Lucida Grande" charset="0"/>
+                <a:ea typeface="ＭＳ Ｐゴシック" charset="0"/>
+                <a:cs typeface="Lucida Grande" charset="0"/>
+                <a:sym typeface="Lucida Grande" charset="0"/>
+              </a:rPr>
+              <a:t>Demo: </a:t>
+            </a:r>
+            <a:r>
+              <a:rPr lang="en-US" b="0" dirty="0" err="1" smtClean="0">
+                <a:solidFill>
+                  <a:srgbClr val="000000"/>
+                </a:solidFill>
+                <a:latin typeface="Lucida Grande" charset="0"/>
+                <a:ea typeface="ＭＳ Ｐゴシック" charset="0"/>
+                <a:cs typeface="Lucida Grande" charset="0"/>
+                <a:sym typeface="Lucida Grande" charset="0"/>
+              </a:rPr>
+              <a:t>KitchenSink</a:t>
+            </a:r>
+            <a:r>
+              <a:rPr lang="en-US" b="0" baseline="0" dirty="0" smtClean="0">
+                <a:solidFill>
+                  <a:srgbClr val="000000"/>
+                </a:solidFill>
+                <a:latin typeface="Lucida Grande" charset="0"/>
+                <a:ea typeface="ＭＳ Ｐゴシック" charset="0"/>
+                <a:cs typeface="Lucida Grande" charset="0"/>
+                <a:sym typeface="Lucida Grande" charset="0"/>
+              </a:rPr>
+              <a:t> </a:t>
+            </a:r>
+            <a:r>
+              <a:rPr lang="en-US" b="0" dirty="0" smtClean="0">
+                <a:solidFill>
+                  <a:srgbClr val="000000"/>
+                </a:solidFill>
+                <a:latin typeface="Lucida Grande" charset="0"/>
+                <a:ea typeface="ＭＳ Ｐゴシック" charset="0"/>
+                <a:cs typeface="Lucida Grande" charset="0"/>
+                <a:sym typeface="Lucida Grande" charset="0"/>
+              </a:rPr>
+              <a:t>android_menu_2.js, line 24</a:t>
+            </a:r>
+            <a:endParaRPr lang="en-US" b="0" dirty="0">
+              <a:solidFill>
+                <a:srgbClr val="000000"/>
+              </a:solidFill>
+              <a:latin typeface="Lucida Grande" charset="0"/>
+              <a:ea typeface="ＭＳ Ｐゴシック" charset="0"/>
+              <a:cs typeface="Lucida Grande" charset="0"/>
+              <a:sym typeface="Lucida Grande" charset="0"/>
+            </a:endParaRPr>
+          </a:p>
+          <a:p>
+            <a:pPr marL="79375" indent="0" eaLnBrk="1" hangingPunct="1">
+              <a:buFontTx/>
+              <a:buNone/>
+            </a:pPr>
+            <a:r>
+              <a:rPr lang="en-US" b="0" dirty="0" smtClean="0">
+                <a:solidFill>
+                  <a:srgbClr val="000000"/>
+                </a:solidFill>
+                <a:latin typeface="Lucida Grande" charset="0"/>
+                <a:ea typeface="ＭＳ Ｐゴシック" charset="0"/>
+                <a:cs typeface="Lucida Grande" charset="0"/>
+                <a:sym typeface="Lucida Grande" charset="0"/>
+              </a:rPr>
+              <a:t>Uses</a:t>
+            </a:r>
+            <a:r>
+              <a:rPr lang="en-US" b="0" baseline="0" dirty="0" smtClean="0">
+                <a:solidFill>
+                  <a:srgbClr val="000000"/>
+                </a:solidFill>
+                <a:latin typeface="Lucida Grande" charset="0"/>
+                <a:ea typeface="ＭＳ Ｐゴシック" charset="0"/>
+                <a:cs typeface="Lucida Grande" charset="0"/>
+                <a:sym typeface="Lucida Grande" charset="0"/>
+              </a:rPr>
+              <a:t> some of the built-in icons</a:t>
+            </a:r>
+            <a:endParaRPr lang="en-US" b="0" dirty="0" smtClean="0">
               <a:solidFill>
                 <a:srgbClr val="000000"/>
               </a:solidFill>
@@ -3236,6 +4027,153 @@
       </p:grpSpPr>
       <p:sp>
         <p:nvSpPr>
+          <p:cNvPr id="13313" name="Rectangle 1"/>
+          <p:cNvSpPr>
+            <a:spLocks noGrp="1" noRot="1" noChangeAspect="1" noChangeArrowheads="1"/>
+          </p:cNvSpPr>
+          <p:nvPr>
+            <p:ph type="sldImg"/>
+          </p:nvPr>
+        </p:nvSpPr>
+        <p:spPr>
+          <a:solidFill>
+            <a:srgbClr val="FFFFFF"/>
+          </a:solidFill>
+          <a:ln/>
+        </p:spPr>
+      </p:sp>
+      <p:sp>
+        <p:nvSpPr>
+          <p:cNvPr id="13314" name="Rectangle 2"/>
+          <p:cNvSpPr>
+            <a:spLocks noGrp="1" noChangeArrowheads="1"/>
+          </p:cNvSpPr>
+          <p:nvPr>
+            <p:ph type="body" idx="1"/>
+          </p:nvPr>
+        </p:nvSpPr>
+        <p:spPr>
+          <a:noFill/>
+          <a:ln/>
+          <a:extLst>
+            <a:ext uri="{909E8E84-426E-40dd-AFC4-6F175D3DCCD1}">
+              <a14:hiddenFill xmlns:a14="http://schemas.microsoft.com/office/drawing/2010/main">
+                <a:solidFill>
+                  <a:srgbClr val="FFFFFF"/>
+                </a:solidFill>
+              </a14:hiddenFill>
+            </a:ext>
+            <a:ext uri="{91240B29-F687-4f45-9708-019B960494DF}">
+              <a14:hiddenLine xmlns:a14="http://schemas.microsoft.com/office/drawing/2010/main" w="9525">
+                <a:solidFill>
+                  <a:srgbClr val="000000"/>
+                </a:solidFill>
+                <a:miter lim="800000"/>
+                <a:headEnd/>
+                <a:tailEnd/>
+              </a14:hiddenLine>
+            </a:ext>
+          </a:extLst>
+        </p:spPr>
+        <p:txBody>
+          <a:bodyPr/>
+          <a:lstStyle/>
+          <a:p>
+            <a:pPr marL="79375" marR="0" indent="0" algn="l" defTabSz="914400" rtl="0" eaLnBrk="1" fontAlgn="base" latinLnBrk="0" hangingPunct="1">
+              <a:lnSpc>
+                <a:spcPct val="100000"/>
+              </a:lnSpc>
+              <a:spcBef>
+                <a:spcPct val="0"/>
+              </a:spcBef>
+              <a:spcAft>
+                <a:spcPct val="0"/>
+              </a:spcAft>
+              <a:buClrTx/>
+              <a:buSzTx/>
+              <a:buFontTx/>
+              <a:buNone/>
+              <a:tabLst/>
+              <a:defRPr/>
+            </a:pPr>
+            <a:r>
+              <a:rPr lang="en-US" dirty="0" smtClean="0">
+                <a:solidFill>
+                  <a:srgbClr val="000000"/>
+                </a:solidFill>
+                <a:latin typeface="Times New Roman" charset="0"/>
+                <a:ea typeface="ＭＳ Ｐゴシック" charset="0"/>
+                <a:cs typeface="Times New Roman" charset="0"/>
+                <a:sym typeface="Times New Roman" charset="0"/>
+              </a:rPr>
+              <a:t>Let’s create a background service to poll a server for new fugitives</a:t>
+            </a:r>
+            <a:r>
+              <a:rPr lang="en-US" baseline="0" dirty="0" smtClean="0">
+                <a:solidFill>
+                  <a:srgbClr val="000000"/>
+                </a:solidFill>
+                <a:latin typeface="Times New Roman" charset="0"/>
+                <a:ea typeface="ＭＳ Ｐゴシック" charset="0"/>
+                <a:cs typeface="Times New Roman" charset="0"/>
+                <a:sym typeface="Times New Roman" charset="0"/>
+              </a:rPr>
+              <a:t> to add to our list</a:t>
+            </a:r>
+            <a:endParaRPr lang="en-US" dirty="0" smtClean="0">
+              <a:solidFill>
+                <a:srgbClr val="000000"/>
+              </a:solidFill>
+              <a:latin typeface="Times New Roman" charset="0"/>
+              <a:ea typeface="ＭＳ Ｐゴシック" charset="0"/>
+              <a:cs typeface="Times New Roman" charset="0"/>
+              <a:sym typeface="Times New Roman" charset="0"/>
+            </a:endParaRPr>
+          </a:p>
+          <a:p>
+            <a:pPr marL="79375" indent="0" eaLnBrk="1" hangingPunct="1">
+              <a:buFontTx/>
+              <a:buNone/>
+            </a:pPr>
+            <a:endParaRPr lang="en-US" b="0" dirty="0">
+              <a:solidFill>
+                <a:srgbClr val="000000"/>
+              </a:solidFill>
+              <a:latin typeface="Lucida Grande" charset="0"/>
+              <a:ea typeface="ＭＳ Ｐゴシック" charset="0"/>
+              <a:cs typeface="Lucida Grande" charset="0"/>
+              <a:sym typeface="Lucida Grande" charset="0"/>
+            </a:endParaRPr>
+          </a:p>
+        </p:txBody>
+      </p:sp>
+    </p:spTree>
+  </p:cSld>
+  <p:clrMapOvr>
+    <a:masterClrMapping/>
+  </p:clrMapOvr>
+</p:notes>
+</file>
+
+<file path=ppt/notesSlides/notesSlide28.xml><?xml version="1.0" encoding="utf-8"?>
+<p:notes xmlns:a="http://schemas.openxmlformats.org/drawingml/2006/main" xmlns:r="http://schemas.openxmlformats.org/officeDocument/2006/relationships" xmlns:p="http://schemas.openxmlformats.org/presentationml/2006/main">
+  <p:cSld>
+    <p:spTree>
+      <p:nvGrpSpPr>
+        <p:cNvPr id="1" name=""/>
+        <p:cNvGrpSpPr/>
+        <p:nvPr/>
+      </p:nvGrpSpPr>
+      <p:grpSpPr>
+        <a:xfrm>
+          <a:off x="0" y="0"/>
+          <a:ext cx="0" cy="0"/>
+          <a:chOff x="0" y="0"/>
+          <a:chExt cx="0" cy="0"/>
+        </a:xfrm>
+      </p:grpSpPr>
+      <p:sp>
+        <p:nvSpPr>
           <p:cNvPr id="17409" name="Rectangle 1"/>
           <p:cNvSpPr>
             <a:spLocks noGrp="1" noRot="1" noChangeAspect="1" noChangeArrowheads="1"/>
@@ -3293,42 +4231,6 @@
                 <a:spcPts val="450"/>
               </a:spcBef>
             </a:pPr>
-            <a:r>
-              <a:rPr lang="en-US" dirty="0" smtClean="0">
-                <a:solidFill>
-                  <a:srgbClr val="000000"/>
-                </a:solidFill>
-                <a:latin typeface="Times New Roman" charset="0"/>
-                <a:ea typeface="ＭＳ Ｐゴシック" charset="0"/>
-                <a:cs typeface="Times New Roman" charset="0"/>
-                <a:sym typeface="Times New Roman" charset="0"/>
-              </a:rPr>
-              <a:t>Let’s create a background service to poll a server for new fugitives</a:t>
-            </a:r>
-            <a:r>
-              <a:rPr lang="en-US" baseline="0" dirty="0" smtClean="0">
-                <a:solidFill>
-                  <a:srgbClr val="000000"/>
-                </a:solidFill>
-                <a:latin typeface="Times New Roman" charset="0"/>
-                <a:ea typeface="ＭＳ Ｐゴシック" charset="0"/>
-                <a:cs typeface="Times New Roman" charset="0"/>
-                <a:sym typeface="Times New Roman" charset="0"/>
-              </a:rPr>
-              <a:t> to add to </a:t>
-            </a:r>
-            <a:r>
-              <a:rPr lang="en-US" baseline="0" smtClean="0">
-                <a:solidFill>
-                  <a:srgbClr val="000000"/>
-                </a:solidFill>
-                <a:latin typeface="Times New Roman" charset="0"/>
-                <a:ea typeface="ＭＳ Ｐゴシック" charset="0"/>
-                <a:cs typeface="Times New Roman" charset="0"/>
-                <a:sym typeface="Times New Roman" charset="0"/>
-              </a:rPr>
-              <a:t>our list</a:t>
-            </a:r>
             <a:endParaRPr lang="en-US" dirty="0">
               <a:solidFill>
                 <a:srgbClr val="000000"/>
@@ -3424,7 +4326,19 @@
               <a:buFontTx/>
               <a:buChar char="-"/>
             </a:pPr>
-            <a:endParaRPr lang="en-US" b="1" dirty="0">
+            <a:r>
+              <a:rPr lang="en-US" b="0" dirty="0" smtClean="0">
+                <a:solidFill>
+                  <a:srgbClr val="000000"/>
+                </a:solidFill>
+                <a:latin typeface="Lucida Grande" charset="0"/>
+                <a:ea typeface="ＭＳ Ｐゴシック" charset="0"/>
+                <a:cs typeface="Lucida Grande" charset="0"/>
+                <a:sym typeface="Lucida Grande" charset="0"/>
+              </a:rPr>
+              <a:t>Some carriers restrict installation of non-market apps</a:t>
+            </a:r>
+            <a:endParaRPr lang="en-US" b="0" dirty="0">
               <a:solidFill>
                 <a:srgbClr val="000000"/>
               </a:solidFill>
@@ -3519,7 +4433,7 @@
               <a:buFontTx/>
               <a:buChar char="-"/>
             </a:pPr>
-            <a:endParaRPr lang="en-US" b="1" dirty="0">
+            <a:endParaRPr lang="en-US" b="0" dirty="0">
               <a:solidFill>
                 <a:srgbClr val="000000"/>
               </a:solidFill>
@@ -3614,7 +4528,49 @@
               <a:buFontTx/>
               <a:buChar char="-"/>
             </a:pPr>
-            <a:endParaRPr lang="en-US" b="1" dirty="0">
+            <a:r>
+              <a:rPr lang="en-US" b="0" dirty="0" smtClean="0">
+                <a:solidFill>
+                  <a:srgbClr val="000000"/>
+                </a:solidFill>
+                <a:latin typeface="Lucida Grande" charset="0"/>
+                <a:ea typeface="ＭＳ Ｐゴシック" charset="0"/>
+                <a:cs typeface="Lucida Grande" charset="0"/>
+                <a:sym typeface="Lucida Grande" charset="0"/>
+              </a:rPr>
+              <a:t>Carrier themes add a layer of complexity in UI design (button backgrounds or default</a:t>
+            </a:r>
+            <a:r>
+              <a:rPr lang="en-US" b="0" baseline="0" dirty="0" smtClean="0">
+                <a:solidFill>
+                  <a:srgbClr val="000000"/>
+                </a:solidFill>
+                <a:latin typeface="Lucida Grande" charset="0"/>
+                <a:ea typeface="ＭＳ Ｐゴシック" charset="0"/>
+                <a:cs typeface="Lucida Grande" charset="0"/>
+                <a:sym typeface="Lucida Grande" charset="0"/>
+              </a:rPr>
+              <a:t> text vary by carrier themes, for example)</a:t>
+            </a:r>
+          </a:p>
+          <a:p>
+            <a:pPr marL="250825" indent="-171450" eaLnBrk="1" hangingPunct="1">
+              <a:buFontTx/>
+              <a:buChar char="-"/>
+            </a:pPr>
+            <a:r>
+              <a:rPr lang="en-US" b="0" baseline="0" dirty="0" smtClean="0">
+                <a:solidFill>
+                  <a:srgbClr val="000000"/>
+                </a:solidFill>
+                <a:latin typeface="Lucida Grande" charset="0"/>
+                <a:ea typeface="ＭＳ Ｐゴシック" charset="0"/>
+                <a:cs typeface="Lucida Grande" charset="0"/>
+                <a:sym typeface="Lucida Grande" charset="0"/>
+              </a:rPr>
+              <a:t>UX is perhaps more confusing for novices, general public than for typical developer or tech geek</a:t>
+            </a:r>
+            <a:endParaRPr lang="en-US" b="0" dirty="0">
               <a:solidFill>
                 <a:srgbClr val="000000"/>
               </a:solidFill>
@@ -3709,7 +4665,49 @@
               <a:buFontTx/>
               <a:buChar char="-"/>
             </a:pPr>
-            <a:endParaRPr lang="en-US" b="1" dirty="0">
+            <a:r>
+              <a:rPr lang="en-US" b="0" dirty="0" smtClean="0">
+                <a:solidFill>
+                  <a:srgbClr val="000000"/>
+                </a:solidFill>
+                <a:latin typeface="Lucida Grande" charset="0"/>
+                <a:ea typeface="ＭＳ Ｐゴシック" charset="0"/>
+                <a:cs typeface="Lucida Grande" charset="0"/>
+                <a:sym typeface="Lucida Grande" charset="0"/>
+              </a:rPr>
+              <a:t>API parity</a:t>
+            </a:r>
+            <a:r>
+              <a:rPr lang="en-US" b="0" baseline="0" dirty="0" smtClean="0">
+                <a:solidFill>
+                  <a:srgbClr val="000000"/>
+                </a:solidFill>
+                <a:latin typeface="Lucida Grande" charset="0"/>
+                <a:ea typeface="ＭＳ Ｐゴシック" charset="0"/>
+                <a:cs typeface="Lucida Grande" charset="0"/>
+                <a:sym typeface="Lucida Grande" charset="0"/>
+              </a:rPr>
+              <a:t> issues is basically a growing-pains result, we’re doing our best to catch up and achieve parity</a:t>
+            </a:r>
+          </a:p>
+          <a:p>
+            <a:pPr marL="250825" indent="-171450" eaLnBrk="1" hangingPunct="1">
+              <a:buFontTx/>
+              <a:buChar char="-"/>
+            </a:pPr>
+            <a:r>
+              <a:rPr lang="en-US" b="0" baseline="0" dirty="0" smtClean="0">
+                <a:solidFill>
+                  <a:srgbClr val="000000"/>
+                </a:solidFill>
+                <a:latin typeface="Lucida Grande" charset="0"/>
+                <a:ea typeface="ＭＳ Ｐゴシック" charset="0"/>
+                <a:cs typeface="Lucida Grande" charset="0"/>
+                <a:sym typeface="Lucida Grande" charset="0"/>
+              </a:rPr>
+              <a:t>JS engine will be replaced in future versions of Titanium, probably with V8</a:t>
+            </a:r>
+            <a:endParaRPr lang="en-US" b="0" dirty="0">
               <a:solidFill>
                 <a:srgbClr val="000000"/>
               </a:solidFill>
@@ -3805,6 +4803,30 @@
                 <a:spcPts val="450"/>
               </a:spcBef>
             </a:pPr>
+            <a:r>
+              <a:rPr lang="en-US" dirty="0" smtClean="0">
+                <a:solidFill>
+                  <a:srgbClr val="000000"/>
+                </a:solidFill>
+                <a:latin typeface="Times New Roman" charset="0"/>
+                <a:ea typeface="ＭＳ Ｐゴシック" charset="0"/>
+                <a:cs typeface="Times New Roman" charset="0"/>
+                <a:sym typeface="Times New Roman" charset="0"/>
+              </a:rPr>
+              <a:t>Target and test on</a:t>
+            </a:r>
+            <a:r>
+              <a:rPr lang="en-US" baseline="0" dirty="0" smtClean="0">
+                <a:solidFill>
+                  <a:srgbClr val="000000"/>
+                </a:solidFill>
+                <a:latin typeface="Times New Roman" charset="0"/>
+                <a:ea typeface="ＭＳ Ｐゴシック" charset="0"/>
+                <a:cs typeface="Times New Roman" charset="0"/>
+                <a:sym typeface="Times New Roman" charset="0"/>
+              </a:rPr>
+              <a:t> both platforms early in the development process</a:t>
+            </a:r>
             <a:endParaRPr lang="en-US" dirty="0">
               <a:solidFill>
                 <a:srgbClr val="000000"/>
@@ -3901,7 +4923,7 @@
               <a:buChar char="-"/>
             </a:pPr>
             <a:r>
-              <a:rPr lang="en-US" b="1" dirty="0" smtClean="0">
+              <a:rPr lang="en-US" b="0" dirty="0" smtClean="0">
                 <a:solidFill>
                   <a:srgbClr val="000000"/>
                 </a:solidFill>
@@ -4036,12 +5058,12 @@
           <a:bodyPr/>
           <a:lstStyle/>
           <a:p>
-            <a:pPr marL="250825" indent="-171450" eaLnBrk="1" hangingPunct="1">
+            <a:pPr marL="79375" indent="0" eaLnBrk="1" hangingPunct="1">
               <a:buFontTx/>
-              <a:buChar char="-"/>
+              <a:buNone/>
             </a:pPr>
             <a:r>
-              <a:rPr lang="en-US" b="1" dirty="0" smtClean="0">
+              <a:rPr lang="en-US" b="0" dirty="0" smtClean="0">
                 <a:solidFill>
                   <a:srgbClr val="000000"/>
                 </a:solidFill>
@@ -4053,7 +5075,7 @@
               <a:t>An app is</a:t>
             </a:r>
             <a:r>
-              <a:rPr lang="en-US" b="1" baseline="0" dirty="0" smtClean="0">
+              <a:rPr lang="en-US" b="0" baseline="0" dirty="0" smtClean="0">
                 <a:solidFill>
                   <a:srgbClr val="000000"/>
                 </a:solidFill>
@@ -4064,63 +5086,6 @@
               </a:rPr>
               <a:t> made up from one or more activities: one to list email messages, one to compose a message, one to read a message, etc.</a:t>
             </a:r>
-          </a:p>
-          <a:p>
-            <a:pPr marL="250825" indent="-171450" eaLnBrk="1" hangingPunct="1">
-              <a:buFontTx/>
-              <a:buChar char="-"/>
-            </a:pPr>
-            <a:r>
-              <a:rPr lang="en-US" b="1" baseline="0" dirty="0" smtClean="0">
-                <a:solidFill>
-                  <a:srgbClr val="000000"/>
-                </a:solidFill>
-                <a:latin typeface="Lucida Grande" charset="0"/>
-                <a:ea typeface="ＭＳ Ｐゴシック" charset="0"/>
-                <a:cs typeface="Lucida Grande" charset="0"/>
-                <a:sym typeface="Lucida Grande" charset="0"/>
-              </a:rPr>
-              <a:t>Other apps can start an activity within your app and your app can start activities in other apps</a:t>
-            </a:r>
-          </a:p>
-          <a:p>
-            <a:pPr marL="250825" indent="-171450" eaLnBrk="1" hangingPunct="1">
-              <a:buFontTx/>
-              <a:buChar char="-"/>
-            </a:pPr>
-            <a:r>
-              <a:rPr lang="en-US" b="1" dirty="0" smtClean="0">
-                <a:solidFill>
-                  <a:srgbClr val="000000"/>
-                </a:solidFill>
-                <a:latin typeface="Lucida Grande" charset="0"/>
-                <a:ea typeface="ＭＳ Ｐゴシック" charset="0"/>
-                <a:cs typeface="Lucida Grande" charset="0"/>
-                <a:sym typeface="Lucida Grande" charset="0"/>
-              </a:rPr>
-              <a:t>This</a:t>
-            </a:r>
-            <a:r>
-              <a:rPr lang="en-US" b="1" baseline="0" dirty="0" smtClean="0">
-                <a:solidFill>
-                  <a:srgbClr val="000000"/>
-                </a:solidFill>
-                <a:latin typeface="Lucida Grande" charset="0"/>
-                <a:ea typeface="ＭＳ Ｐゴシック" charset="0"/>
-                <a:cs typeface="Lucida Grande" charset="0"/>
-                <a:sym typeface="Lucida Grande" charset="0"/>
-              </a:rPr>
-              <a:t> gives a way to share functionality and make it appear to be part of your app</a:t>
-            </a:r>
-            <a:endParaRPr lang="en-US" b="1" dirty="0">
-              <a:solidFill>
-                <a:srgbClr val="000000"/>
-              </a:solidFill>
-              <a:latin typeface="Lucida Grande" charset="0"/>
-              <a:ea typeface="ＭＳ Ｐゴシック" charset="0"/>
-              <a:cs typeface="Lucida Grande" charset="0"/>
-              <a:sym typeface="Lucida Grande" charset="0"/>
-            </a:endParaRPr>
           </a:p>
         </p:txBody>
       </p:sp>
@@ -4542,7 +5507,7 @@
               <a:pPr>
                 <a:defRPr/>
               </a:pPr>
-              <a:t>7/17/11</a:t>
+              <a:t>7/22/11</a:t>
             </a:fld>
             <a:endParaRPr lang="en-US"/>
           </a:p>
@@ -4963,7 +5928,7 @@
               <a:pPr>
                 <a:defRPr/>
               </a:pPr>
-              <a:t>7/17/11</a:t>
+              <a:t>7/22/11</a:t>
             </a:fld>
             <a:endParaRPr lang="en-US"/>
           </a:p>
@@ -5688,7 +6653,7 @@
               <a:pPr>
                 <a:defRPr/>
               </a:pPr>
-              <a:t>7/17/11</a:t>
+              <a:t>7/22/11</a:t>
             </a:fld>
             <a:endParaRPr lang="en-US"/>
           </a:p>
@@ -6241,7 +7206,7 @@
               <a:pPr>
                 <a:defRPr/>
               </a:pPr>
-              <a:t>7/17/11</a:t>
+              <a:t>7/22/11</a:t>
             </a:fld>
             <a:endParaRPr lang="en-US"/>
           </a:p>
@@ -6592,7 +7557,7 @@
               <a:pPr>
                 <a:defRPr/>
               </a:pPr>
-              <a:t>7/17/11</a:t>
+              <a:t>7/22/11</a:t>
             </a:fld>
             <a:endParaRPr lang="en-US"/>
           </a:p>
@@ -6950,7 +7915,7 @@
               <a:pPr>
                 <a:defRPr/>
               </a:pPr>
-              <a:t>7/17/11</a:t>
+              <a:t>7/22/11</a:t>
             </a:fld>
             <a:endParaRPr lang="en-US"/>
           </a:p>
@@ -7185,7 +8150,7 @@
               <a:pPr>
                 <a:defRPr/>
               </a:pPr>
-              <a:t>7/17/11</a:t>
+              <a:t>7/22/11</a:t>
             </a:fld>
             <a:endParaRPr lang="en-US"/>
           </a:p>
@@ -7477,7 +8442,7 @@
               <a:pPr>
                 <a:defRPr/>
               </a:pPr>
-              <a:t>7/17/11</a:t>
+              <a:t>7/22/11</a:t>
             </a:fld>
             <a:endParaRPr lang="en-US"/>
           </a:p>
@@ -10455,6 +11420,85 @@
               <a:t>Not quite as nimble as iOS windows in terms of animation</a:t>
             </a:r>
           </a:p>
+          <a:p>
+            <a:pPr eaLnBrk="1" hangingPunct="1"/>
+            <a:endParaRPr lang="en-US" dirty="0">
+              <a:latin typeface="Trebuchet MS" charset="0"/>
+              <a:ea typeface="ヒラギノ角ゴ ProN W3" charset="0"/>
+              <a:cs typeface="ヒラギノ角ゴ ProN W3" charset="0"/>
+            </a:endParaRPr>
+          </a:p>
+          <a:p>
+            <a:pPr eaLnBrk="1" hangingPunct="1"/>
+            <a:r>
+              <a:rPr lang="en-US" dirty="0">
+                <a:latin typeface="Trebuchet MS" charset="0"/>
+                <a:ea typeface="ヒラギノ角ゴ ProN W3" charset="0"/>
+                <a:cs typeface="ヒラギノ角ゴ ProN W3" charset="0"/>
+              </a:rPr>
+              <a:t>http://</a:t>
+            </a:r>
+            <a:r>
+              <a:rPr lang="en-US" dirty="0" err="1">
+                <a:latin typeface="Trebuchet MS" charset="0"/>
+                <a:ea typeface="ヒラギノ角ゴ ProN W3" charset="0"/>
+                <a:cs typeface="ヒラギノ角ゴ ProN W3" charset="0"/>
+              </a:rPr>
+              <a:t>wiki.appcelerator.org</a:t>
+            </a:r>
+            <a:r>
+              <a:rPr lang="en-US" dirty="0">
+                <a:latin typeface="Trebuchet MS" charset="0"/>
+                <a:ea typeface="ヒラギノ角ゴ ProN W3" charset="0"/>
+                <a:cs typeface="ヒラギノ角ゴ ProN W3" charset="0"/>
+              </a:rPr>
+              <a:t>/display/guides/</a:t>
+            </a:r>
+            <a:r>
+              <a:rPr lang="en-US" dirty="0" err="1">
+                <a:latin typeface="Trebuchet MS" charset="0"/>
+                <a:ea typeface="ヒラギノ角ゴ ProN W3" charset="0"/>
+                <a:cs typeface="ヒラギノ角ゴ ProN W3" charset="0"/>
+              </a:rPr>
+              <a:t>Module+Developer+Guide+for+Android</a:t>
+            </a:r>
+            <a:r>
+              <a:rPr lang="en-US" dirty="0" smtClean="0">
+                <a:latin typeface="Trebuchet MS" charset="0"/>
+                <a:ea typeface="ヒラギノ角ゴ ProN W3" charset="0"/>
+                <a:cs typeface="ヒラギノ角ゴ ProN W3" charset="0"/>
+              </a:rPr>
+              <a:t>#</a:t>
+            </a:r>
+            <a:br>
+              <a:rPr lang="en-US" dirty="0" smtClean="0">
+                <a:latin typeface="Trebuchet MS" charset="0"/>
+                <a:ea typeface="ヒラギノ角ゴ ProN W3" charset="0"/>
+                <a:cs typeface="ヒラギノ角ゴ ProN W3" charset="0"/>
+              </a:rPr>
+            </a:br>
+            <a:r>
+              <a:rPr lang="en-US" dirty="0" err="1" smtClean="0">
+                <a:latin typeface="Trebuchet MS" charset="0"/>
+                <a:ea typeface="ヒラギノ角ゴ ProN W3" charset="0"/>
+                <a:cs typeface="ヒラギノ角ゴ ProN W3" charset="0"/>
+              </a:rPr>
+              <a:t>ModuleDeveloperGuideforAndroid</a:t>
+            </a:r>
+            <a:r>
+              <a:rPr lang="en-US" dirty="0" err="1">
+                <a:latin typeface="Trebuchet MS" charset="0"/>
+                <a:ea typeface="ヒラギノ角ゴ ProN W3" charset="0"/>
+                <a:cs typeface="ヒラギノ角ゴ ProN W3" charset="0"/>
+              </a:rPr>
+              <a:t>-HeavyweightandLightweightWindows</a:t>
+            </a:r>
+            <a:endParaRPr lang="en-US" dirty="0" smtClean="0">
+              <a:latin typeface="Trebuchet MS" charset="0"/>
+              <a:ea typeface="ヒラギノ角ゴ ProN W3" charset="0"/>
+              <a:cs typeface="ヒラギノ角ゴ ProN W3" charset="0"/>
+            </a:endParaRPr>
+          </a:p>
         </p:txBody>
       </p:sp>
     </p:spTree>
@@ -13918,6 +14962,299 @@
 </file>
 
 <file path=ppt/slides/slide27.xml><?xml version="1.0" encoding="utf-8"?>
+<p:sld xmlns:a="http://schemas.openxmlformats.org/drawingml/2006/main" xmlns:r="http://schemas.openxmlformats.org/officeDocument/2006/relationships" xmlns:p="http://schemas.openxmlformats.org/presentationml/2006/main">
+  <p:cSld>
+    <p:spTree>
+      <p:nvGrpSpPr>
+        <p:cNvPr id="1" name=""/>
+        <p:cNvGrpSpPr/>
+        <p:nvPr/>
+      </p:nvGrpSpPr>
+      <p:grpSpPr>
+        <a:xfrm>
+          <a:off x="0" y="0"/>
+          <a:ext cx="0" cy="0"/>
+          <a:chOff x="0" y="0"/>
+          <a:chExt cx="0" cy="0"/>
+        </a:xfrm>
+      </p:grpSpPr>
+      <p:pic>
+        <p:nvPicPr>
+          <p:cNvPr id="12289" name="Picture 1"/>
+          <p:cNvPicPr>
+            <a:picLocks noChangeArrowheads="1"/>
+          </p:cNvPicPr>
+          <p:nvPr/>
+        </p:nvPicPr>
+        <p:blipFill>
+          <a:blip r:embed="rId3">
+            <a:extLst>
+              <a:ext uri="{28A0092B-C50C-407E-A947-70E740481C1C}">
+                <a14:useLocalDpi xmlns:a14="http://schemas.microsoft.com/office/drawing/2010/main" val="0"/>
+              </a:ext>
+            </a:extLst>
+          </a:blip>
+          <a:srcRect/>
+          <a:stretch>
+            <a:fillRect/>
+          </a:stretch>
+        </p:blipFill>
+        <p:spPr bwMode="auto">
+          <a:xfrm>
+            <a:off x="8505825" y="6311900"/>
+            <a:ext cx="442913" cy="357188"/>
+          </a:xfrm>
+          <a:prstGeom prst="rect">
+            <a:avLst/>
+          </a:prstGeom>
+          <a:noFill/>
+          <a:ln>
+            <a:noFill/>
+          </a:ln>
+          <a:extLst>
+            <a:ext uri="{909E8E84-426E-40dd-AFC4-6F175D3DCCD1}">
+              <a14:hiddenFill xmlns:a14="http://schemas.microsoft.com/office/drawing/2010/main">
+                <a:solidFill>
+                  <a:srgbClr val="FFFFFF"/>
+                </a:solidFill>
+              </a14:hiddenFill>
+            </a:ext>
+            <a:ext uri="{91240B29-F687-4f45-9708-019B960494DF}">
+              <a14:hiddenLine xmlns:a14="http://schemas.microsoft.com/office/drawing/2010/main" w="9525">
+                <a:solidFill>
+                  <a:srgbClr val="000000"/>
+                </a:solidFill>
+                <a:miter lim="800000"/>
+                <a:headEnd/>
+                <a:tailEnd/>
+              </a14:hiddenLine>
+            </a:ext>
+          </a:extLst>
+        </p:spPr>
+      </p:pic>
+      <p:pic>
+        <p:nvPicPr>
+          <p:cNvPr id="12290" name="Picture 3"/>
+          <p:cNvPicPr>
+            <a:picLocks noChangeArrowheads="1"/>
+          </p:cNvPicPr>
+          <p:nvPr/>
+        </p:nvPicPr>
+        <p:blipFill>
+          <a:blip r:embed="rId4">
+            <a:extLst>
+              <a:ext uri="{28A0092B-C50C-407E-A947-70E740481C1C}">
+                <a14:useLocalDpi xmlns:a14="http://schemas.microsoft.com/office/drawing/2010/main" val="0"/>
+              </a:ext>
+            </a:extLst>
+          </a:blip>
+          <a:srcRect/>
+          <a:stretch>
+            <a:fillRect/>
+          </a:stretch>
+        </p:blipFill>
+        <p:spPr bwMode="auto">
+          <a:xfrm>
+            <a:off x="0" y="0"/>
+            <a:ext cx="9144000" cy="1176338"/>
+          </a:xfrm>
+          <a:prstGeom prst="rect">
+            <a:avLst/>
+          </a:prstGeom>
+          <a:noFill/>
+          <a:ln>
+            <a:noFill/>
+          </a:ln>
+          <a:extLst>
+            <a:ext uri="{909E8E84-426E-40dd-AFC4-6F175D3DCCD1}">
+              <a14:hiddenFill xmlns:a14="http://schemas.microsoft.com/office/drawing/2010/main">
+                <a:solidFill>
+                  <a:srgbClr val="FFFFFF"/>
+                </a:solidFill>
+              </a14:hiddenFill>
+            </a:ext>
+            <a:ext uri="{91240B29-F687-4f45-9708-019B960494DF}">
+              <a14:hiddenLine xmlns:a14="http://schemas.microsoft.com/office/drawing/2010/main" w="9525">
+                <a:solidFill>
+                  <a:srgbClr val="000000"/>
+                </a:solidFill>
+                <a:miter lim="800000"/>
+                <a:headEnd/>
+                <a:tailEnd/>
+              </a14:hiddenLine>
+            </a:ext>
+          </a:extLst>
+        </p:spPr>
+      </p:pic>
+      <p:pic>
+        <p:nvPicPr>
+          <p:cNvPr id="12291" name="Picture 4"/>
+          <p:cNvPicPr>
+            <a:picLocks noChangeArrowheads="1"/>
+          </p:cNvPicPr>
+          <p:nvPr/>
+        </p:nvPicPr>
+        <p:blipFill>
+          <a:blip r:embed="rId3">
+            <a:extLst>
+              <a:ext uri="{28A0092B-C50C-407E-A947-70E740481C1C}">
+                <a14:useLocalDpi xmlns:a14="http://schemas.microsoft.com/office/drawing/2010/main" val="0"/>
+              </a:ext>
+            </a:extLst>
+          </a:blip>
+          <a:srcRect/>
+          <a:stretch>
+            <a:fillRect/>
+          </a:stretch>
+        </p:blipFill>
+        <p:spPr bwMode="auto">
+          <a:xfrm>
+            <a:off x="8505825" y="6311900"/>
+            <a:ext cx="442913" cy="357188"/>
+          </a:xfrm>
+          <a:prstGeom prst="rect">
+            <a:avLst/>
+          </a:prstGeom>
+          <a:noFill/>
+          <a:ln>
+            <a:noFill/>
+          </a:ln>
+          <a:extLst>
+            <a:ext uri="{909E8E84-426E-40dd-AFC4-6F175D3DCCD1}">
+              <a14:hiddenFill xmlns:a14="http://schemas.microsoft.com/office/drawing/2010/main">
+                <a:solidFill>
+                  <a:srgbClr val="FFFFFF"/>
+                </a:solidFill>
+              </a14:hiddenFill>
+            </a:ext>
+            <a:ext uri="{91240B29-F687-4f45-9708-019B960494DF}">
+              <a14:hiddenLine xmlns:a14="http://schemas.microsoft.com/office/drawing/2010/main" w="9525">
+                <a:solidFill>
+                  <a:srgbClr val="000000"/>
+                </a:solidFill>
+                <a:miter lim="800000"/>
+                <a:headEnd/>
+                <a:tailEnd/>
+              </a14:hiddenLine>
+            </a:ext>
+          </a:extLst>
+        </p:spPr>
+      </p:pic>
+      <p:sp>
+        <p:nvSpPr>
+          <p:cNvPr id="12292" name="Rectangle 6"/>
+          <p:cNvSpPr>
+            <a:spLocks noGrp="1" noChangeArrowheads="1"/>
+          </p:cNvSpPr>
+          <p:nvPr>
+            <p:ph type="title"/>
+          </p:nvPr>
+        </p:nvSpPr>
+        <p:spPr>
+          <a:xfrm>
+            <a:off x="457200" y="0"/>
+            <a:ext cx="8229600" cy="1219200"/>
+          </a:xfrm>
+        </p:spPr>
+        <p:txBody>
+          <a:bodyPr rIns="81279"/>
+          <a:lstStyle/>
+          <a:p>
+            <a:pPr eaLnBrk="1" hangingPunct="1"/>
+            <a:r>
+              <a:rPr lang="en-US" dirty="0" smtClean="0">
+                <a:latin typeface="Trebuchet MS Bold" charset="0"/>
+                <a:ea typeface="ヒラギノ角ゴ ProN W6" charset="0"/>
+                <a:cs typeface="ヒラギノ角ゴ ProN W6" charset="0"/>
+              </a:rPr>
+              <a:t>Lab Goals</a:t>
+            </a:r>
+            <a:endParaRPr lang="en-US" dirty="0">
+              <a:latin typeface="Trebuchet MS Bold" charset="0"/>
+              <a:ea typeface="ヒラギノ角ゴ ProN W6" charset="0"/>
+              <a:cs typeface="ヒラギノ角ゴ ProN W6" charset="0"/>
+            </a:endParaRPr>
+          </a:p>
+        </p:txBody>
+      </p:sp>
+      <p:sp>
+        <p:nvSpPr>
+          <p:cNvPr id="12293" name="Rectangle 7"/>
+          <p:cNvSpPr>
+            <a:spLocks noGrp="1" noChangeArrowheads="1"/>
+          </p:cNvSpPr>
+          <p:nvPr>
+            <p:ph idx="1"/>
+          </p:nvPr>
+        </p:nvSpPr>
+        <p:spPr>
+          <a:xfrm>
+            <a:off x="457200" y="1346200"/>
+            <a:ext cx="8229600" cy="4826000"/>
+          </a:xfrm>
+        </p:spPr>
+        <p:txBody>
+          <a:bodyPr rIns="81279"/>
+          <a:lstStyle/>
+          <a:p>
+            <a:pPr eaLnBrk="1" hangingPunct="1"/>
+            <a:r>
+              <a:rPr lang="en-US" dirty="0" smtClean="0">
+                <a:latin typeface="Trebuchet MS" charset="0"/>
+                <a:ea typeface="ヒラギノ角ゴ ProN W3" charset="0"/>
+                <a:cs typeface="ヒラギノ角ゴ ProN W3" charset="0"/>
+              </a:rPr>
+              <a:t>Examine the ways you can share data between apps on Android</a:t>
+            </a:r>
+          </a:p>
+          <a:p>
+            <a:pPr eaLnBrk="1" hangingPunct="1"/>
+            <a:endParaRPr lang="en-US" dirty="0">
+              <a:latin typeface="Trebuchet MS" charset="0"/>
+              <a:ea typeface="ヒラギノ角ゴ ProN W3" charset="0"/>
+              <a:cs typeface="ヒラギノ角ゴ ProN W3" charset="0"/>
+            </a:endParaRPr>
+          </a:p>
+          <a:p>
+            <a:pPr eaLnBrk="1" hangingPunct="1"/>
+            <a:r>
+              <a:rPr lang="en-US" dirty="0" smtClean="0">
+                <a:latin typeface="Trebuchet MS" charset="0"/>
+                <a:ea typeface="ヒラギノ角ゴ ProN W3" charset="0"/>
+                <a:cs typeface="ヒラギノ角ゴ ProN W3" charset="0"/>
+              </a:rPr>
+              <a:t>Demo and wiki address</a:t>
+            </a:r>
+            <a:endParaRPr lang="en-US" dirty="0">
+              <a:latin typeface="Trebuchet MS" charset="0"/>
+              <a:ea typeface="ヒラギノ角ゴ ProN W3" charset="0"/>
+              <a:cs typeface="ヒラギノ角ゴ ProN W3" charset="0"/>
+            </a:endParaRPr>
+          </a:p>
+        </p:txBody>
+      </p:sp>
+    </p:spTree>
+    <p:extLst>
+      <p:ext uri="{BB962C8B-B14F-4D97-AF65-F5344CB8AC3E}">
+        <p14:creationId xmlns:p14="http://schemas.microsoft.com/office/powerpoint/2010/main" val="1774702743"/>
+      </p:ext>
+    </p:extLst>
+  </p:cSld>
+  <p:clrMapOvr>
+    <a:masterClrMapping/>
+  </p:clrMapOvr>
+  <p:transition xmlns:p14="http://schemas.microsoft.com/office/powerpoint/2010/main" spd="slow"/>
+  <p:timing>
+    <p:tnLst>
+      <p:par>
+        <p:cTn xmlns:p14="http://schemas.microsoft.com/office/powerpoint/2010/main" id="1" dur="indefinite" restart="never" nodeType="tmRoot"/>
+      </p:par>
+    </p:tnLst>
+  </p:timing>
+</p:sld>
+</file>
+
+<file path=ppt/slides/slide28.xml><?xml version="1.0" encoding="utf-8"?>
 <p:sld xmlns:a="http://schemas.openxmlformats.org/drawingml/2006/main" xmlns:r="http://schemas.openxmlformats.org/officeDocument/2006/relationships" xmlns:p="http://schemas.openxmlformats.org/presentationml/2006/main">
   <p:cSld>
     <p:spTree>

--- a/350.pptx
+++ b/350.pptx
@@ -3632,8 +3632,14 @@
                 <a:cs typeface="Lucida Grande" charset="0"/>
                 <a:sym typeface="Lucida Grande" charset="0"/>
               </a:rPr>
-              <a:t>R </a:t>
-            </a:r>
+              <a:t>R is the class that represents resources in your app</a:t>
+            </a:r>
+          </a:p>
+          <a:p>
+            <a:pPr marL="79375" indent="0" eaLnBrk="1" hangingPunct="1">
+              <a:buFontTx/>
+              <a:buNone/>
+            </a:pPr>
             <a:r>
               <a:rPr lang="en-US" b="0" dirty="0" smtClean="0">
                 <a:solidFill>
@@ -3644,16 +3650,10 @@
                 <a:cs typeface="Lucida Grande" charset="0"/>
                 <a:sym typeface="Lucida Grande" charset="0"/>
               </a:rPr>
-              <a:t>is the class that represents resources in your app</a:t>
-            </a:r>
-          </a:p>
-          <a:p>
-            <a:pPr marL="79375" indent="0" eaLnBrk="1" hangingPunct="1">
-              <a:buFontTx/>
-              <a:buNone/>
-            </a:pPr>
-            <a:r>
-              <a:rPr lang="en-US" b="0" dirty="0" smtClean="0">
+              <a:t>Accessible in Ti. via </a:t>
+            </a:r>
+            <a:r>
+              <a:rPr lang="en-US" b="0" dirty="0" err="1" smtClean="0">
                 <a:solidFill>
                   <a:srgbClr val="000000"/>
                 </a:solidFill>
@@ -3662,7 +3662,7 @@
                 <a:cs typeface="Lucida Grande" charset="0"/>
                 <a:sym typeface="Lucida Grande" charset="0"/>
               </a:rPr>
-              <a:t>Accessible </a:t>
+              <a:t>Android.R</a:t>
             </a:r>
             <a:r>
               <a:rPr lang="en-US" b="0" dirty="0" smtClean="0">
@@ -3674,7 +3674,7 @@
                 <a:cs typeface="Lucida Grande" charset="0"/>
                 <a:sym typeface="Lucida Grande" charset="0"/>
               </a:rPr>
-              <a:t>in Ti. via </a:t>
+              <a:t> class, see http://</a:t>
             </a:r>
             <a:r>
               <a:rPr lang="en-US" b="0" dirty="0" err="1" smtClean="0">
@@ -3686,7 +3686,7 @@
                 <a:cs typeface="Lucida Grande" charset="0"/>
                 <a:sym typeface="Lucida Grande" charset="0"/>
               </a:rPr>
-              <a:t>Android.R</a:t>
+              <a:t>developer.appcelerator.com</a:t>
             </a:r>
             <a:r>
               <a:rPr lang="en-US" b="0" dirty="0" smtClean="0">
@@ -3698,7 +3698,7 @@
                 <a:cs typeface="Lucida Grande" charset="0"/>
                 <a:sym typeface="Lucida Grande" charset="0"/>
               </a:rPr>
-              <a:t> class, see http://</a:t>
+              <a:t>/</a:t>
             </a:r>
             <a:r>
               <a:rPr lang="en-US" b="0" dirty="0" err="1" smtClean="0">
@@ -3710,7 +3710,7 @@
                 <a:cs typeface="Lucida Grande" charset="0"/>
                 <a:sym typeface="Lucida Grande" charset="0"/>
               </a:rPr>
-              <a:t>developer.appcelerator.com</a:t>
+              <a:t>apidoc</a:t>
             </a:r>
             <a:r>
               <a:rPr lang="en-US" b="0" dirty="0" smtClean="0">
@@ -3722,7 +3722,7 @@
                 <a:cs typeface="Lucida Grande" charset="0"/>
                 <a:sym typeface="Lucida Grande" charset="0"/>
               </a:rPr>
-              <a:t>/</a:t>
+              <a:t>/mobile/latest/</a:t>
             </a:r>
             <a:r>
               <a:rPr lang="en-US" b="0" dirty="0" err="1" smtClean="0">
@@ -3734,7 +3734,7 @@
                 <a:cs typeface="Lucida Grande" charset="0"/>
                 <a:sym typeface="Lucida Grande" charset="0"/>
               </a:rPr>
-              <a:t>apidoc</a:t>
+              <a:t>Titanium.App.Android.R</a:t>
             </a:r>
             <a:r>
               <a:rPr lang="en-US" b="0" dirty="0" smtClean="0">
@@ -3746,43 +3746,7 @@
                 <a:cs typeface="Lucida Grande" charset="0"/>
                 <a:sym typeface="Lucida Grande" charset="0"/>
               </a:rPr>
-              <a:t>/mobile/latest/</a:t>
-            </a:r>
-            <a:r>
-              <a:rPr lang="en-US" b="0" dirty="0" err="1" smtClean="0">
-                <a:solidFill>
-                  <a:srgbClr val="000000"/>
-                </a:solidFill>
-                <a:latin typeface="Lucida Grande" charset="0"/>
-                <a:ea typeface="ＭＳ Ｐゴシック" charset="0"/>
-                <a:cs typeface="Lucida Grande" charset="0"/>
-                <a:sym typeface="Lucida Grande" charset="0"/>
-              </a:rPr>
-              <a:t>Titanium.App.Android.R</a:t>
-            </a:r>
-            <a:r>
-              <a:rPr lang="en-US" b="0" dirty="0" smtClean="0">
-                <a:solidFill>
-                  <a:srgbClr val="000000"/>
-                </a:solidFill>
-                <a:latin typeface="Lucida Grande" charset="0"/>
-                <a:ea typeface="ＭＳ Ｐゴシック" charset="0"/>
-                <a:cs typeface="Lucida Grande" charset="0"/>
-                <a:sym typeface="Lucida Grande" charset="0"/>
-              </a:rPr>
-              <a:t>-</a:t>
-            </a:r>
-            <a:r>
-              <a:rPr lang="en-US" b="0" dirty="0" smtClean="0">
-                <a:solidFill>
-                  <a:srgbClr val="000000"/>
-                </a:solidFill>
-                <a:latin typeface="Lucida Grande" charset="0"/>
-                <a:ea typeface="ＭＳ Ｐゴシック" charset="0"/>
-                <a:cs typeface="Lucida Grande" charset="0"/>
-                <a:sym typeface="Lucida Grande" charset="0"/>
-              </a:rPr>
-              <a:t>object</a:t>
+              <a:t>-object</a:t>
             </a:r>
           </a:p>
           <a:p>
@@ -4231,6 +4195,54 @@
                 <a:spcPts val="450"/>
               </a:spcBef>
             </a:pPr>
+            <a:r>
+              <a:rPr lang="en-US" dirty="0" smtClean="0">
+                <a:solidFill>
+                  <a:srgbClr val="000000"/>
+                </a:solidFill>
+                <a:latin typeface="Times New Roman" charset="0"/>
+                <a:ea typeface="ＭＳ Ｐゴシック" charset="0"/>
+                <a:cs typeface="Times New Roman" charset="0"/>
+                <a:sym typeface="Times New Roman" charset="0"/>
+              </a:rPr>
+              <a:t>There is no </a:t>
+            </a:r>
+            <a:r>
+              <a:rPr lang="en-US" dirty="0" err="1" smtClean="0">
+                <a:solidFill>
+                  <a:srgbClr val="000000"/>
+                </a:solidFill>
+                <a:latin typeface="Times New Roman" charset="0"/>
+                <a:ea typeface="ＭＳ Ｐゴシック" charset="0"/>
+                <a:cs typeface="Times New Roman" charset="0"/>
+                <a:sym typeface="Times New Roman" charset="0"/>
+              </a:rPr>
+              <a:t>TiBountyHunter</a:t>
+            </a:r>
+            <a:r>
+              <a:rPr lang="en-US" dirty="0" smtClean="0">
+                <a:solidFill>
+                  <a:srgbClr val="000000"/>
+                </a:solidFill>
+                <a:latin typeface="Times New Roman" charset="0"/>
+                <a:ea typeface="ＭＳ Ｐゴシック" charset="0"/>
+                <a:cs typeface="Times New Roman" charset="0"/>
+                <a:sym typeface="Times New Roman" charset="0"/>
+              </a:rPr>
+              <a:t> tie in for this </a:t>
+            </a:r>
+            <a:r>
+              <a:rPr lang="en-US" smtClean="0">
+                <a:solidFill>
+                  <a:srgbClr val="000000"/>
+                </a:solidFill>
+                <a:latin typeface="Times New Roman" charset="0"/>
+                <a:ea typeface="ＭＳ Ｐゴシック" charset="0"/>
+                <a:cs typeface="Times New Roman" charset="0"/>
+                <a:sym typeface="Times New Roman" charset="0"/>
+              </a:rPr>
+              <a:t>lab specifically</a:t>
+            </a:r>
             <a:endParaRPr lang="en-US" dirty="0">
               <a:solidFill>
                 <a:srgbClr val="000000"/>
@@ -5507,7 +5519,7 @@
               <a:pPr>
                 <a:defRPr/>
               </a:pPr>
-              <a:t>7/22/11</a:t>
+              <a:t>7/26/11</a:t>
             </a:fld>
             <a:endParaRPr lang="en-US"/>
           </a:p>
@@ -5928,7 +5940,7 @@
               <a:pPr>
                 <a:defRPr/>
               </a:pPr>
-              <a:t>7/22/11</a:t>
+              <a:t>7/26/11</a:t>
             </a:fld>
             <a:endParaRPr lang="en-US"/>
           </a:p>
@@ -6653,7 +6665,7 @@
               <a:pPr>
                 <a:defRPr/>
               </a:pPr>
-              <a:t>7/22/11</a:t>
+              <a:t>7/26/11</a:t>
             </a:fld>
             <a:endParaRPr lang="en-US"/>
           </a:p>
@@ -7206,7 +7218,7 @@
               <a:pPr>
                 <a:defRPr/>
               </a:pPr>
-              <a:t>7/22/11</a:t>
+              <a:t>7/26/11</a:t>
             </a:fld>
             <a:endParaRPr lang="en-US"/>
           </a:p>
@@ -7557,7 +7569,7 @@
               <a:pPr>
                 <a:defRPr/>
               </a:pPr>
-              <a:t>7/22/11</a:t>
+              <a:t>7/26/11</a:t>
             </a:fld>
             <a:endParaRPr lang="en-US"/>
           </a:p>
@@ -7915,7 +7927,7 @@
               <a:pPr>
                 <a:defRPr/>
               </a:pPr>
-              <a:t>7/22/11</a:t>
+              <a:t>7/26/11</a:t>
             </a:fld>
             <a:endParaRPr lang="en-US"/>
           </a:p>
@@ -8150,7 +8162,7 @@
               <a:pPr>
                 <a:defRPr/>
               </a:pPr>
-              <a:t>7/22/11</a:t>
+              <a:t>7/26/11</a:t>
             </a:fld>
             <a:endParaRPr lang="en-US"/>
           </a:p>
@@ -8442,7 +8454,7 @@
               <a:pPr>
                 <a:defRPr/>
               </a:pPr>
-              <a:t>7/22/11</a:t>
+              <a:t>7/26/11</a:t>
             </a:fld>
             <a:endParaRPr lang="en-US"/>
           </a:p>

--- a/350.pptx
+++ b/350.pptx
@@ -1434,12 +1434,12 @@
             </a:endParaRPr>
           </a:p>
           <a:p>
-            <a:pPr marL="250825" indent="-171450" eaLnBrk="1" hangingPunct="1">
+            <a:pPr marL="79375" indent="0" eaLnBrk="1" hangingPunct="1">
               <a:buFontTx/>
-              <a:buChar char="-"/>
+              <a:buNone/>
             </a:pPr>
             <a:r>
-              <a:rPr lang="en-US" b="0" dirty="0" smtClean="0">
+              <a:rPr lang="en-US" b="1" dirty="0" smtClean="0">
                 <a:solidFill>
                   <a:srgbClr val="000000"/>
                 </a:solidFill>
@@ -1448,8 +1448,17 @@
                 <a:cs typeface="Lucida Grande" charset="0"/>
                 <a:sym typeface="Lucida Grande" charset="0"/>
               </a:rPr>
-              <a:t>DEMO</a:t>
-            </a:r>
+              <a:t>Demo</a:t>
+            </a:r>
+            <a:endParaRPr lang="en-US" b="1" dirty="0" smtClean="0">
+              <a:solidFill>
+                <a:srgbClr val="000000"/>
+              </a:solidFill>
+              <a:latin typeface="Lucida Grande" charset="0"/>
+              <a:ea typeface="ＭＳ Ｐゴシック" charset="0"/>
+              <a:cs typeface="Lucida Grande" charset="0"/>
+              <a:sym typeface="Lucida Grande" charset="0"/>
+            </a:endParaRPr>
           </a:p>
           <a:p>
             <a:pPr marL="250825" indent="-171450" eaLnBrk="1" hangingPunct="1">
@@ -2663,7 +2672,7 @@
               <a:buNone/>
             </a:pPr>
             <a:r>
-              <a:rPr lang="en-US" b="0" dirty="0" smtClean="0">
+              <a:rPr lang="en-US" b="1" dirty="0" smtClean="0">
                 <a:solidFill>
                   <a:srgbClr val="000000"/>
                 </a:solidFill>
@@ -2672,8 +2681,14 @@
                 <a:cs typeface="Lucida Grande" charset="0"/>
                 <a:sym typeface="Lucida Grande" charset="0"/>
               </a:rPr>
-              <a:t>See </a:t>
-            </a:r>
+              <a:t>Demo</a:t>
+            </a:r>
+          </a:p>
+          <a:p>
+            <a:pPr marL="79375" indent="0" eaLnBrk="1" hangingPunct="1">
+              <a:buFontTx/>
+              <a:buNone/>
+            </a:pPr>
             <a:r>
               <a:rPr lang="en-US" b="0" dirty="0" err="1" smtClean="0">
                 <a:solidFill>
@@ -2684,7 +2699,7 @@
                 <a:cs typeface="Lucida Grande" charset="0"/>
                 <a:sym typeface="Lucida Grande" charset="0"/>
               </a:rPr>
-              <a:t>TiDemo</a:t>
+              <a:t>AndroidBackDemo</a:t>
             </a:r>
             <a:r>
               <a:rPr lang="en-US" b="0" baseline="0" dirty="0" smtClean="0">
@@ -2696,10 +2711,10 @@
                 <a:cs typeface="Lucida Grande" charset="0"/>
                 <a:sym typeface="Lucida Grande" charset="0"/>
               </a:rPr>
-              <a:t> project (on the TCMD </a:t>
-            </a:r>
-            <a:r>
-              <a:rPr lang="en-US" b="0" baseline="0" dirty="0" err="1" smtClean="0">
+              <a:t> project on </a:t>
+            </a:r>
+            <a:r>
+              <a:rPr lang="en-US" b="0" baseline="0" dirty="0" smtClean="0">
                 <a:solidFill>
                   <a:srgbClr val="000000"/>
                 </a:solidFill>
@@ -2708,10 +2723,10 @@
                 <a:cs typeface="Lucida Grande" charset="0"/>
                 <a:sym typeface="Lucida Grande" charset="0"/>
               </a:rPr>
-              <a:t>github</a:t>
-            </a:r>
-            <a:r>
-              <a:rPr lang="en-US" b="0" baseline="0" dirty="0" smtClean="0">
+              <a:t>the TCMD </a:t>
+            </a:r>
+            <a:r>
+              <a:rPr lang="en-US" b="0" baseline="0" dirty="0" err="1" smtClean="0">
                 <a:solidFill>
                   <a:srgbClr val="000000"/>
                 </a:solidFill>
@@ -2720,8 +2735,194 @@
                 <a:cs typeface="Lucida Grande" charset="0"/>
                 <a:sym typeface="Lucida Grande" charset="0"/>
               </a:rPr>
-              <a:t> repository)</a:t>
-            </a:r>
+              <a:t>github</a:t>
+            </a:r>
+            <a:r>
+              <a:rPr lang="en-US" b="0" baseline="0" dirty="0" smtClean="0">
+                <a:solidFill>
+                  <a:srgbClr val="000000"/>
+                </a:solidFill>
+                <a:latin typeface="Lucida Grande" charset="0"/>
+                <a:ea typeface="ＭＳ Ｐゴシック" charset="0"/>
+                <a:cs typeface="Lucida Grande" charset="0"/>
+                <a:sym typeface="Lucida Grande" charset="0"/>
+              </a:rPr>
+              <a:t> </a:t>
+            </a:r>
+            <a:r>
+              <a:rPr lang="en-US" b="0" baseline="0" dirty="0" smtClean="0">
+                <a:solidFill>
+                  <a:srgbClr val="000000"/>
+                </a:solidFill>
+                <a:latin typeface="Lucida Grande" charset="0"/>
+                <a:ea typeface="ＭＳ Ｐゴシック" charset="0"/>
+                <a:cs typeface="Lucida Grande" charset="0"/>
+                <a:sym typeface="Lucida Grande" charset="0"/>
+              </a:rPr>
+              <a:t>repository</a:t>
+            </a:r>
+          </a:p>
+          <a:p>
+            <a:pPr marL="79375" indent="0" eaLnBrk="1" hangingPunct="1">
+              <a:buFontTx/>
+              <a:buNone/>
+            </a:pPr>
+            <a:r>
+              <a:rPr lang="en-US" b="0" baseline="0" dirty="0" smtClean="0">
+                <a:solidFill>
+                  <a:srgbClr val="000000"/>
+                </a:solidFill>
+                <a:latin typeface="Lucida Grande" charset="0"/>
+                <a:ea typeface="ＭＳ Ｐゴシック" charset="0"/>
+                <a:cs typeface="Lucida Grande" charset="0"/>
+                <a:sym typeface="Lucida Grande" charset="0"/>
+              </a:rPr>
+              <a:t>https://</a:t>
+            </a:r>
+            <a:r>
+              <a:rPr lang="en-US" b="0" baseline="0" dirty="0" err="1" smtClean="0">
+                <a:solidFill>
+                  <a:srgbClr val="000000"/>
+                </a:solidFill>
+                <a:latin typeface="Lucida Grande" charset="0"/>
+                <a:ea typeface="ＭＳ Ｐゴシック" charset="0"/>
+                <a:cs typeface="Lucida Grande" charset="0"/>
+                <a:sym typeface="Lucida Grande" charset="0"/>
+              </a:rPr>
+              <a:t>github.com</a:t>
+            </a:r>
+            <a:r>
+              <a:rPr lang="en-US" b="0" baseline="0" dirty="0" smtClean="0">
+                <a:solidFill>
+                  <a:srgbClr val="000000"/>
+                </a:solidFill>
+                <a:latin typeface="Lucida Grande" charset="0"/>
+                <a:ea typeface="ＭＳ Ｐゴシック" charset="0"/>
+                <a:cs typeface="Lucida Grande" charset="0"/>
+                <a:sym typeface="Lucida Grande" charset="0"/>
+              </a:rPr>
+              <a:t>/</a:t>
+            </a:r>
+            <a:r>
+              <a:rPr lang="en-US" b="0" baseline="0" dirty="0" err="1" smtClean="0">
+                <a:solidFill>
+                  <a:srgbClr val="000000"/>
+                </a:solidFill>
+                <a:latin typeface="Lucida Grande" charset="0"/>
+                <a:ea typeface="ＭＳ Ｐゴシック" charset="0"/>
+                <a:cs typeface="Lucida Grande" charset="0"/>
+                <a:sym typeface="Lucida Grande" charset="0"/>
+              </a:rPr>
+              <a:t>appcelerator</a:t>
+            </a:r>
+            <a:r>
+              <a:rPr lang="en-US" b="0" baseline="0" dirty="0" smtClean="0">
+                <a:solidFill>
+                  <a:srgbClr val="000000"/>
+                </a:solidFill>
+                <a:latin typeface="Lucida Grande" charset="0"/>
+                <a:ea typeface="ＭＳ Ｐゴシック" charset="0"/>
+                <a:cs typeface="Lucida Grande" charset="0"/>
+                <a:sym typeface="Lucida Grande" charset="0"/>
+              </a:rPr>
+              <a:t>-training/</a:t>
+            </a:r>
+            <a:r>
+              <a:rPr lang="en-US" b="0" baseline="0" dirty="0" err="1" smtClean="0">
+                <a:solidFill>
+                  <a:srgbClr val="000000"/>
+                </a:solidFill>
+                <a:latin typeface="Lucida Grande" charset="0"/>
+                <a:ea typeface="ＭＳ Ｐゴシック" charset="0"/>
+                <a:cs typeface="Lucida Grande" charset="0"/>
+                <a:sym typeface="Lucida Grande" charset="0"/>
+              </a:rPr>
+              <a:t>tcmd_certification</a:t>
+            </a:r>
+            <a:r>
+              <a:rPr lang="en-US" b="0" baseline="0" dirty="0" smtClean="0">
+                <a:solidFill>
+                  <a:srgbClr val="000000"/>
+                </a:solidFill>
+                <a:latin typeface="Lucida Grande" charset="0"/>
+                <a:ea typeface="ＭＳ Ｐゴシック" charset="0"/>
+                <a:cs typeface="Lucida Grande" charset="0"/>
+                <a:sym typeface="Lucida Grande" charset="0"/>
+              </a:rPr>
+              <a:t>/blob/master/workspace/</a:t>
+            </a:r>
+            <a:r>
+              <a:rPr lang="en-US" b="0" baseline="0" dirty="0" err="1" smtClean="0">
+                <a:solidFill>
+                  <a:srgbClr val="000000"/>
+                </a:solidFill>
+                <a:latin typeface="Lucida Grande" charset="0"/>
+                <a:ea typeface="ＭＳ Ｐゴシック" charset="0"/>
+                <a:cs typeface="Lucida Grande" charset="0"/>
+                <a:sym typeface="Lucida Grande" charset="0"/>
+              </a:rPr>
+              <a:t>AndroidBackDemo.zip</a:t>
+            </a:r>
+            <a:endParaRPr lang="en-US" b="0" baseline="0" dirty="0" smtClean="0">
+              <a:solidFill>
+                <a:srgbClr val="000000"/>
+              </a:solidFill>
+              <a:latin typeface="Lucida Grande" charset="0"/>
+              <a:ea typeface="ＭＳ Ｐゴシック" charset="0"/>
+              <a:cs typeface="Lucida Grande" charset="0"/>
+              <a:sym typeface="Lucida Grande" charset="0"/>
+            </a:endParaRPr>
+          </a:p>
+          <a:p>
+            <a:pPr marL="79375" indent="0" eaLnBrk="1" hangingPunct="1">
+              <a:buFontTx/>
+              <a:buNone/>
+            </a:pPr>
+            <a:r>
+              <a:rPr lang="en-US" b="0" baseline="0" dirty="0" smtClean="0">
+                <a:solidFill>
+                  <a:srgbClr val="000000"/>
+                </a:solidFill>
+                <a:latin typeface="Lucida Grande" charset="0"/>
+                <a:ea typeface="ＭＳ Ｐゴシック" charset="0"/>
+                <a:cs typeface="Lucida Grande" charset="0"/>
+                <a:sym typeface="Lucida Grande" charset="0"/>
+              </a:rPr>
+              <a:t>View hijacks the back button &amp; closes</a:t>
+            </a:r>
+          </a:p>
+          <a:p>
+            <a:pPr marL="79375" indent="0" eaLnBrk="1" hangingPunct="1">
+              <a:buFontTx/>
+              <a:buNone/>
+            </a:pPr>
+            <a:r>
+              <a:rPr lang="en-US" b="0" baseline="0" dirty="0" smtClean="0">
+                <a:solidFill>
+                  <a:srgbClr val="000000"/>
+                </a:solidFill>
+                <a:latin typeface="Lucida Grande" charset="0"/>
+                <a:ea typeface="ＭＳ Ｐゴシック" charset="0"/>
+                <a:cs typeface="Lucida Grande" charset="0"/>
+                <a:sym typeface="Lucida Grande" charset="0"/>
+              </a:rPr>
+              <a:t>Then restores it so you can close the window</a:t>
+            </a:r>
+          </a:p>
+          <a:p>
+            <a:pPr marL="79375" indent="0" eaLnBrk="1" hangingPunct="1">
+              <a:buFontTx/>
+              <a:buNone/>
+            </a:pPr>
+            <a:endParaRPr lang="en-US" b="0" baseline="0" dirty="0" smtClean="0">
+              <a:solidFill>
+                <a:srgbClr val="000000"/>
+              </a:solidFill>
+              <a:latin typeface="Lucida Grande" charset="0"/>
+              <a:ea typeface="ＭＳ Ｐゴシック" charset="0"/>
+              <a:cs typeface="Lucida Grande" charset="0"/>
+              <a:sym typeface="Lucida Grande" charset="0"/>
+            </a:endParaRPr>
           </a:p>
           <a:p>
             <a:pPr marL="79375" indent="0" eaLnBrk="1" hangingPunct="1">
@@ -4070,35 +4271,8 @@
                 <a:cs typeface="Times New Roman" charset="0"/>
                 <a:sym typeface="Times New Roman" charset="0"/>
               </a:rPr>
-              <a:t>Let’s create a background service to poll a server for new fugitives</a:t>
-            </a:r>
-            <a:r>
-              <a:rPr lang="en-US" baseline="0" dirty="0" smtClean="0">
-                <a:solidFill>
-                  <a:srgbClr val="000000"/>
-                </a:solidFill>
-                <a:latin typeface="Times New Roman" charset="0"/>
-                <a:ea typeface="ＭＳ Ｐゴシック" charset="0"/>
-                <a:cs typeface="Times New Roman" charset="0"/>
-                <a:sym typeface="Times New Roman" charset="0"/>
-              </a:rPr>
-              <a:t> to add to our list</a:t>
-            </a:r>
-            <a:endParaRPr lang="en-US" dirty="0" smtClean="0">
-              <a:solidFill>
-                <a:srgbClr val="000000"/>
-              </a:solidFill>
-              <a:latin typeface="Times New Roman" charset="0"/>
-              <a:ea typeface="ＭＳ Ｐゴシック" charset="0"/>
-              <a:cs typeface="Times New Roman" charset="0"/>
-              <a:sym typeface="Times New Roman" charset="0"/>
-            </a:endParaRPr>
-          </a:p>
-          <a:p>
-            <a:pPr marL="79375" indent="0" eaLnBrk="1" hangingPunct="1">
-              <a:buFontTx/>
-              <a:buNone/>
-            </a:pPr>
+              <a:t>In this lab, you will enable an app to share text with other apps on the user's device. The app provides a simple text box. You'll plug in the code to share the text that users enter via an intent.</a:t>
+            </a:r>
             <a:endParaRPr lang="en-US" b="0" dirty="0">
               <a:solidFill>
                 <a:srgbClr val="000000"/>

--- a/350.pptx
+++ b/350.pptx
@@ -1450,15 +1450,6 @@
               </a:rPr>
               <a:t>Demo</a:t>
             </a:r>
-            <a:endParaRPr lang="en-US" b="1" dirty="0" smtClean="0">
-              <a:solidFill>
-                <a:srgbClr val="000000"/>
-              </a:solidFill>
-              <a:latin typeface="Lucida Grande" charset="0"/>
-              <a:ea typeface="ＭＳ Ｐゴシック" charset="0"/>
-              <a:cs typeface="Lucida Grande" charset="0"/>
-              <a:sym typeface="Lucida Grande" charset="0"/>
-            </a:endParaRPr>
           </a:p>
           <a:p>
             <a:pPr marL="250825" indent="-171450" eaLnBrk="1" hangingPunct="1">
@@ -2711,10 +2702,10 @@
                 <a:cs typeface="Lucida Grande" charset="0"/>
                 <a:sym typeface="Lucida Grande" charset="0"/>
               </a:rPr>
-              <a:t> project on </a:t>
-            </a:r>
-            <a:r>
-              <a:rPr lang="en-US" b="0" baseline="0" dirty="0" smtClean="0">
+              <a:t> project on the TCMD </a:t>
+            </a:r>
+            <a:r>
+              <a:rPr lang="en-US" b="0" baseline="0" dirty="0" err="1" smtClean="0">
                 <a:solidFill>
                   <a:srgbClr val="000000"/>
                 </a:solidFill>
@@ -2723,10 +2714,10 @@
                 <a:cs typeface="Lucida Grande" charset="0"/>
                 <a:sym typeface="Lucida Grande" charset="0"/>
               </a:rPr>
-              <a:t>the TCMD </a:t>
-            </a:r>
-            <a:r>
-              <a:rPr lang="en-US" b="0" baseline="0" dirty="0" err="1" smtClean="0">
+              <a:t>github</a:t>
+            </a:r>
+            <a:r>
+              <a:rPr lang="en-US" b="0" baseline="0" dirty="0" smtClean="0">
                 <a:solidFill>
                   <a:srgbClr val="000000"/>
                 </a:solidFill>
@@ -2735,31 +2726,7 @@
                 <a:cs typeface="Lucida Grande" charset="0"/>
                 <a:sym typeface="Lucida Grande" charset="0"/>
               </a:rPr>
-              <a:t>github</a:t>
-            </a:r>
-            <a:r>
-              <a:rPr lang="en-US" b="0" baseline="0" dirty="0" smtClean="0">
-                <a:solidFill>
-                  <a:srgbClr val="000000"/>
-                </a:solidFill>
-                <a:latin typeface="Lucida Grande" charset="0"/>
-                <a:ea typeface="ＭＳ Ｐゴシック" charset="0"/>
-                <a:cs typeface="Lucida Grande" charset="0"/>
-                <a:sym typeface="Lucida Grande" charset="0"/>
-              </a:rPr>
-              <a:t> </a:t>
-            </a:r>
-            <a:r>
-              <a:rPr lang="en-US" b="0" baseline="0" dirty="0" smtClean="0">
-                <a:solidFill>
-                  <a:srgbClr val="000000"/>
-                </a:solidFill>
-                <a:latin typeface="Lucida Grande" charset="0"/>
-                <a:ea typeface="ＭＳ Ｐゴシック" charset="0"/>
-                <a:cs typeface="Lucida Grande" charset="0"/>
-                <a:sym typeface="Lucida Grande" charset="0"/>
-              </a:rPr>
-              <a:t>repository</a:t>
+              <a:t> repository</a:t>
             </a:r>
           </a:p>
           <a:p>
@@ -3274,7 +3241,49 @@
                 <a:cs typeface="Lucida Grande" charset="0"/>
                 <a:sym typeface="Lucida Grande" charset="0"/>
               </a:rPr>
-              <a:t> gives a way to share functionality and make it appear to be part of your app</a:t>
+              <a:t> gives a way to share functionality and make it appear to be part of your </a:t>
+            </a:r>
+            <a:r>
+              <a:rPr lang="en-US" b="0" baseline="0" dirty="0" smtClean="0">
+                <a:solidFill>
+                  <a:srgbClr val="000000"/>
+                </a:solidFill>
+                <a:latin typeface="Lucida Grande" charset="0"/>
+                <a:ea typeface="ＭＳ Ｐゴシック" charset="0"/>
+                <a:cs typeface="Lucida Grande" charset="0"/>
+                <a:sym typeface="Lucida Grande" charset="0"/>
+              </a:rPr>
+              <a:t>app</a:t>
+            </a:r>
+          </a:p>
+          <a:p>
+            <a:pPr marL="250825" indent="-171450" eaLnBrk="1" hangingPunct="1">
+              <a:buFontTx/>
+              <a:buChar char="-"/>
+            </a:pPr>
+            <a:r>
+              <a:rPr lang="en-US" b="0" baseline="0" dirty="0" smtClean="0">
+                <a:solidFill>
+                  <a:srgbClr val="000000"/>
+                </a:solidFill>
+                <a:latin typeface="Lucida Grande" charset="0"/>
+                <a:ea typeface="ＭＳ Ｐゴシック" charset="0"/>
+                <a:cs typeface="Lucida Grande" charset="0"/>
+                <a:sym typeface="Lucida Grande" charset="0"/>
+              </a:rPr>
+              <a:t>We’ll be covering this </a:t>
+            </a:r>
+            <a:r>
+              <a:rPr lang="en-US" b="0" baseline="0" smtClean="0">
+                <a:solidFill>
+                  <a:srgbClr val="000000"/>
+                </a:solidFill>
+                <a:latin typeface="Lucida Grande" charset="0"/>
+                <a:ea typeface="ＭＳ Ｐゴシック" charset="0"/>
+                <a:cs typeface="Lucida Grande" charset="0"/>
+                <a:sym typeface="Lucida Grande" charset="0"/>
+              </a:rPr>
+              <a:t>in the lab</a:t>
             </a:r>
             <a:endParaRPr lang="en-US" b="0" dirty="0" smtClean="0">
               <a:solidFill>
@@ -3617,49 +3626,7 @@
                 <a:cs typeface="Lucida Grande" charset="0"/>
                 <a:sym typeface="Lucida Grande" charset="0"/>
               </a:rPr>
-              <a:t>Demo: </a:t>
-            </a:r>
-            <a:r>
-              <a:rPr lang="en-US" b="0" dirty="0" err="1" smtClean="0">
-                <a:solidFill>
-                  <a:srgbClr val="000000"/>
-                </a:solidFill>
-                <a:latin typeface="Lucida Grande" charset="0"/>
-                <a:ea typeface="ＭＳ Ｐゴシック" charset="0"/>
-                <a:cs typeface="Lucida Grande" charset="0"/>
-                <a:sym typeface="Lucida Grande" charset="0"/>
-              </a:rPr>
-              <a:t>KitchenSink</a:t>
-            </a:r>
-            <a:r>
-              <a:rPr lang="en-US" b="0" dirty="0" smtClean="0">
-                <a:solidFill>
-                  <a:srgbClr val="000000"/>
-                </a:solidFill>
-                <a:latin typeface="Lucida Grande" charset="0"/>
-                <a:ea typeface="ＭＳ Ｐゴシック" charset="0"/>
-                <a:cs typeface="Lucida Grande" charset="0"/>
-                <a:sym typeface="Lucida Grande" charset="0"/>
-              </a:rPr>
-              <a:t> Platform &gt; ???</a:t>
-            </a:r>
-          </a:p>
-          <a:p>
-            <a:pPr marL="79375" indent="0" eaLnBrk="1" hangingPunct="1">
-              <a:buFontTx/>
-              <a:buNone/>
-            </a:pPr>
-            <a:r>
-              <a:rPr lang="en-US" b="0" smtClean="0">
-                <a:solidFill>
-                  <a:srgbClr val="000000"/>
-                </a:solidFill>
-                <a:latin typeface="Lucida Grande" charset="0"/>
-                <a:ea typeface="ＭＳ Ｐゴシック" charset="0"/>
-                <a:cs typeface="Lucida Grande" charset="0"/>
-                <a:sym typeface="Lucida Grande" charset="0"/>
-              </a:rPr>
-              <a:t>File is </a:t>
+              <a:t>Don’t yet have a demo for this, need to punt to docs, which have some sample code - </a:t>
             </a:r>
             <a:endParaRPr lang="en-US" b="0" dirty="0">
               <a:solidFill>
@@ -5693,7 +5660,7 @@
               <a:pPr>
                 <a:defRPr/>
               </a:pPr>
-              <a:t>7/26/11</a:t>
+              <a:t>7/27/11</a:t>
             </a:fld>
             <a:endParaRPr lang="en-US"/>
           </a:p>
@@ -6114,7 +6081,7 @@
               <a:pPr>
                 <a:defRPr/>
               </a:pPr>
-              <a:t>7/26/11</a:t>
+              <a:t>7/27/11</a:t>
             </a:fld>
             <a:endParaRPr lang="en-US"/>
           </a:p>
@@ -6839,7 +6806,7 @@
               <a:pPr>
                 <a:defRPr/>
               </a:pPr>
-              <a:t>7/26/11</a:t>
+              <a:t>7/27/11</a:t>
             </a:fld>
             <a:endParaRPr lang="en-US"/>
           </a:p>
@@ -7392,7 +7359,7 @@
               <a:pPr>
                 <a:defRPr/>
               </a:pPr>
-              <a:t>7/26/11</a:t>
+              <a:t>7/27/11</a:t>
             </a:fld>
             <a:endParaRPr lang="en-US"/>
           </a:p>
@@ -7743,7 +7710,7 @@
               <a:pPr>
                 <a:defRPr/>
               </a:pPr>
-              <a:t>7/26/11</a:t>
+              <a:t>7/27/11</a:t>
             </a:fld>
             <a:endParaRPr lang="en-US"/>
           </a:p>
@@ -8101,7 +8068,7 @@
               <a:pPr>
                 <a:defRPr/>
               </a:pPr>
-              <a:t>7/26/11</a:t>
+              <a:t>7/27/11</a:t>
             </a:fld>
             <a:endParaRPr lang="en-US"/>
           </a:p>
@@ -8336,7 +8303,7 @@
               <a:pPr>
                 <a:defRPr/>
               </a:pPr>
-              <a:t>7/26/11</a:t>
+              <a:t>7/27/11</a:t>
             </a:fld>
             <a:endParaRPr lang="en-US"/>
           </a:p>
@@ -8628,7 +8595,7 @@
               <a:pPr>
                 <a:defRPr/>
               </a:pPr>
-              <a:t>7/26/11</a:t>
+              <a:t>7/27/11</a:t>
             </a:fld>
             <a:endParaRPr lang="en-US"/>
           </a:p>
@@ -13921,7 +13888,15 @@
                 <a:ea typeface="ヒラギノ角ゴ ProN W3" charset="0"/>
                 <a:cs typeface="ヒラギノ角ゴ ProN W3" charset="0"/>
               </a:rPr>
-              <a:t>Demo: Launch activity with intent</a:t>
+              <a:t>Lab: </a:t>
+            </a:r>
+            <a:r>
+              <a:rPr lang="en-US" dirty="0" smtClean="0">
+                <a:latin typeface="Trebuchet MS" charset="0"/>
+                <a:ea typeface="ヒラギノ角ゴ ProN W3" charset="0"/>
+                <a:cs typeface="ヒラギノ角ゴ ProN W3" charset="0"/>
+              </a:rPr>
+              <a:t>Launch activity with intent</a:t>
             </a:r>
             <a:endParaRPr lang="en-US" dirty="0">
               <a:latin typeface="Trebuchet MS" charset="0"/>
@@ -14531,7 +14506,7 @@
           </a:p>
           <a:p>
             <a:pPr eaLnBrk="1" hangingPunct="1"/>
-            <a:endParaRPr lang="en-US" dirty="0">
+            <a:endParaRPr lang="en-US" dirty="0" smtClean="0">
               <a:latin typeface="Trebuchet MS" charset="0"/>
               <a:ea typeface="ヒラギノ角ゴ ProN W3" charset="0"/>
               <a:cs typeface="ヒラギノ角ゴ ProN W3" charset="0"/>
@@ -14540,13 +14515,31 @@
           <a:p>
             <a:pPr eaLnBrk="1" hangingPunct="1"/>
             <a:r>
+              <a:rPr lang="en-US" dirty="0">
+                <a:latin typeface="Trebuchet MS" charset="0"/>
+                <a:ea typeface="ヒラギノ角ゴ ProN W3" charset="0"/>
+                <a:cs typeface="ヒラギノ角ゴ ProN W3" charset="0"/>
+                <a:hlinkClick r:id="rId5"/>
+              </a:rPr>
+              <a:t>http://developer.appcelerator.com/apidoc/mobile/latest/Titanium.Android.Calendar-</a:t>
+            </a:r>
+            <a:r>
               <a:rPr lang="en-US" dirty="0" smtClean="0">
                 <a:latin typeface="Trebuchet MS" charset="0"/>
                 <a:ea typeface="ヒラギノ角ゴ ProN W3" charset="0"/>
                 <a:cs typeface="ヒラギノ角ゴ ProN W3" charset="0"/>
-              </a:rPr>
-              <a:t>Demo: calendar and event creation APIs</a:t>
-            </a:r>
+                <a:hlinkClick r:id="rId5"/>
+              </a:rPr>
+              <a:t>module</a:t>
+            </a:r>
+            <a:endParaRPr lang="en-US" dirty="0" smtClean="0">
+              <a:latin typeface="Trebuchet MS" charset="0"/>
+              <a:ea typeface="ヒラギノ角ゴ ProN W3" charset="0"/>
+              <a:cs typeface="ヒラギノ角ゴ ProN W3" charset="0"/>
+            </a:endParaRPr>
+          </a:p>
+          <a:p>
+            <a:pPr eaLnBrk="1" hangingPunct="1"/>
             <a:endParaRPr lang="en-US" dirty="0">
               <a:latin typeface="Trebuchet MS" charset="0"/>
               <a:ea typeface="ヒラギノ角ゴ ProN W3" charset="0"/>

--- a/350.pptx
+++ b/350.pptx
@@ -1450,15 +1450,6 @@
               </a:rPr>
               <a:t>Demo</a:t>
             </a:r>
-            <a:endParaRPr lang="en-US" b="1" dirty="0" smtClean="0">
-              <a:solidFill>
-                <a:srgbClr val="000000"/>
-              </a:solidFill>
-              <a:latin typeface="Lucida Grande" charset="0"/>
-              <a:ea typeface="ＭＳ Ｐゴシック" charset="0"/>
-              <a:cs typeface="Lucida Grande" charset="0"/>
-              <a:sym typeface="Lucida Grande" charset="0"/>
-            </a:endParaRPr>
           </a:p>
           <a:p>
             <a:pPr marL="250825" indent="-171450" eaLnBrk="1" hangingPunct="1">
@@ -2711,10 +2702,10 @@
                 <a:cs typeface="Lucida Grande" charset="0"/>
                 <a:sym typeface="Lucida Grande" charset="0"/>
               </a:rPr>
-              <a:t> project on </a:t>
-            </a:r>
-            <a:r>
-              <a:rPr lang="en-US" b="0" baseline="0" dirty="0" smtClean="0">
+              <a:t> project on the TCMD </a:t>
+            </a:r>
+            <a:r>
+              <a:rPr lang="en-US" b="0" baseline="0" dirty="0" err="1" smtClean="0">
                 <a:solidFill>
                   <a:srgbClr val="000000"/>
                 </a:solidFill>
@@ -2723,10 +2714,10 @@
                 <a:cs typeface="Lucida Grande" charset="0"/>
                 <a:sym typeface="Lucida Grande" charset="0"/>
               </a:rPr>
-              <a:t>the TCMD </a:t>
-            </a:r>
-            <a:r>
-              <a:rPr lang="en-US" b="0" baseline="0" dirty="0" err="1" smtClean="0">
+              <a:t>github</a:t>
+            </a:r>
+            <a:r>
+              <a:rPr lang="en-US" b="0" baseline="0" dirty="0" smtClean="0">
                 <a:solidFill>
                   <a:srgbClr val="000000"/>
                 </a:solidFill>
@@ -2735,31 +2726,7 @@
                 <a:cs typeface="Lucida Grande" charset="0"/>
                 <a:sym typeface="Lucida Grande" charset="0"/>
               </a:rPr>
-              <a:t>github</a:t>
-            </a:r>
-            <a:r>
-              <a:rPr lang="en-US" b="0" baseline="0" dirty="0" smtClean="0">
-                <a:solidFill>
-                  <a:srgbClr val="000000"/>
-                </a:solidFill>
-                <a:latin typeface="Lucida Grande" charset="0"/>
-                <a:ea typeface="ＭＳ Ｐゴシック" charset="0"/>
-                <a:cs typeface="Lucida Grande" charset="0"/>
-                <a:sym typeface="Lucida Grande" charset="0"/>
-              </a:rPr>
-              <a:t> </a:t>
-            </a:r>
-            <a:r>
-              <a:rPr lang="en-US" b="0" baseline="0" dirty="0" smtClean="0">
-                <a:solidFill>
-                  <a:srgbClr val="000000"/>
-                </a:solidFill>
-                <a:latin typeface="Lucida Grande" charset="0"/>
-                <a:ea typeface="ＭＳ Ｐゴシック" charset="0"/>
-                <a:cs typeface="Lucida Grande" charset="0"/>
-                <a:sym typeface="Lucida Grande" charset="0"/>
-              </a:rPr>
-              <a:t>repository</a:t>
+              <a:t> repository</a:t>
             </a:r>
           </a:p>
           <a:p>
@@ -5693,7 +5660,7 @@
               <a:pPr>
                 <a:defRPr/>
               </a:pPr>
-              <a:t>7/26/11</a:t>
+              <a:t>8/19/11</a:t>
             </a:fld>
             <a:endParaRPr lang="en-US"/>
           </a:p>
@@ -6114,7 +6081,7 @@
               <a:pPr>
                 <a:defRPr/>
               </a:pPr>
-              <a:t>7/26/11</a:t>
+              <a:t>8/19/11</a:t>
             </a:fld>
             <a:endParaRPr lang="en-US"/>
           </a:p>
@@ -6839,7 +6806,7 @@
               <a:pPr>
                 <a:defRPr/>
               </a:pPr>
-              <a:t>7/26/11</a:t>
+              <a:t>8/19/11</a:t>
             </a:fld>
             <a:endParaRPr lang="en-US"/>
           </a:p>
@@ -7392,7 +7359,7 @@
               <a:pPr>
                 <a:defRPr/>
               </a:pPr>
-              <a:t>7/26/11</a:t>
+              <a:t>8/19/11</a:t>
             </a:fld>
             <a:endParaRPr lang="en-US"/>
           </a:p>
@@ -7743,7 +7710,7 @@
               <a:pPr>
                 <a:defRPr/>
               </a:pPr>
-              <a:t>7/26/11</a:t>
+              <a:t>8/19/11</a:t>
             </a:fld>
             <a:endParaRPr lang="en-US"/>
           </a:p>
@@ -8101,7 +8068,7 @@
               <a:pPr>
                 <a:defRPr/>
               </a:pPr>
-              <a:t>7/26/11</a:t>
+              <a:t>8/19/11</a:t>
             </a:fld>
             <a:endParaRPr lang="en-US"/>
           </a:p>
@@ -8336,7 +8303,7 @@
               <a:pPr>
                 <a:defRPr/>
               </a:pPr>
-              <a:t>7/26/11</a:t>
+              <a:t>8/19/11</a:t>
             </a:fld>
             <a:endParaRPr lang="en-US"/>
           </a:p>
@@ -8628,7 +8595,7 @@
               <a:pPr>
                 <a:defRPr/>
               </a:pPr>
-              <a:t>7/26/11</a:t>
+              <a:t>8/19/11</a:t>
             </a:fld>
             <a:endParaRPr lang="en-US"/>
           </a:p>
@@ -9486,7 +9453,7 @@
               <a:defRPr/>
             </a:pPr>
             <a:r>
-              <a:rPr lang="en-US" sz="4400" dirty="0" smtClean="0">
+              <a:rPr lang="en-US" sz="4400" i="1" dirty="0" smtClean="0">
                 <a:solidFill>
                   <a:schemeClr val="accent6"/>
                 </a:solidFill>
@@ -9503,7 +9470,40 @@
               </a:rPr>
               <a:t>Android API Deep Dive</a:t>
             </a:r>
-            <a:endParaRPr lang="en-US" sz="4400" dirty="0">
+            <a:br>
+              <a:rPr lang="en-US" sz="4400" i="1" dirty="0" smtClean="0">
+                <a:solidFill>
+                  <a:schemeClr val="accent6"/>
+                </a:solidFill>
+                <a:effectLst>
+                  <a:innerShdw blurRad="63500" dist="50800" dir="13500000">
+                    <a:prstClr val="black">
+                      <a:alpha val="50000"/>
+                    </a:prstClr>
+                  </a:innerShdw>
+                </a:effectLst>
+                <a:latin typeface="Trebuchet MS Bold" charset="0"/>
+                <a:cs typeface="Trebuchet MS Bold" charset="0"/>
+                <a:sym typeface="Trebuchet MS Bold" charset="0"/>
+              </a:rPr>
+            </a:br>
+            <a:r>
+              <a:rPr lang="en-US" sz="2800" b="0" i="1" dirty="0">
+                <a:solidFill>
+                  <a:srgbClr val="122956"/>
+                </a:solidFill>
+                <a:effectLst>
+                  <a:innerShdw blurRad="63500" dist="50800" dir="13500000">
+                    <a:prstClr val="black">
+                      <a:alpha val="50000"/>
+                    </a:prstClr>
+                  </a:innerShdw>
+                </a:effectLst>
+                <a:ea typeface="Hiragino Sans GB W6" charset="0"/>
+              </a:rPr>
+              <a:t>Advanced Titanium Mobile Development</a:t>
+            </a:r>
+            <a:endParaRPr lang="en-US" sz="4400" i="1" dirty="0">
               <a:solidFill>
                 <a:schemeClr val="accent6"/>
               </a:solidFill>
@@ -9575,6 +9575,195 @@
           </a:extLst>
         </p:spPr>
       </p:pic>
+      <p:sp>
+        <p:nvSpPr>
+          <p:cNvPr id="6" name="Slide Number Placeholder 5"/>
+          <p:cNvSpPr>
+            <a:spLocks noGrp="1"/>
+          </p:cNvSpPr>
+          <p:nvPr>
+            <p:ph type="sldNum" sz="quarter" idx="12"/>
+          </p:nvPr>
+        </p:nvSpPr>
+        <p:spPr bwMode="auto">
+          <a:xfrm>
+            <a:off x="203200" y="6400800"/>
+            <a:ext cx="2133600" cy="365125"/>
+          </a:xfrm>
+          <a:noFill/>
+          <a:extLst>
+            <a:ext uri="{909E8E84-426E-40dd-AFC4-6F175D3DCCD1}">
+              <a14:hiddenFill xmlns:a14="http://schemas.microsoft.com/office/drawing/2010/main">
+                <a:solidFill>
+                  <a:srgbClr val="FFFFFF"/>
+                </a:solidFill>
+              </a14:hiddenFill>
+            </a:ext>
+            <a:ext uri="{91240B29-F687-4f45-9708-019B960494DF}">
+              <a14:hiddenLine xmlns:a14="http://schemas.microsoft.com/office/drawing/2010/main" w="9525">
+                <a:solidFill>
+                  <a:srgbClr val="000000"/>
+                </a:solidFill>
+                <a:miter lim="800000"/>
+                <a:headEnd/>
+                <a:tailEnd/>
+              </a14:hiddenLine>
+            </a:ext>
+          </a:extLst>
+        </p:spPr>
+        <p:txBody>
+          <a:bodyPr vert="horz" wrap="square" lIns="91440" tIns="45720" rIns="91440" bIns="45720" numCol="1" anchor="ctr" anchorCtr="0" compatLnSpc="1">
+            <a:prstTxWarp prst="textNoShape">
+              <a:avLst/>
+            </a:prstTxWarp>
+          </a:bodyPr>
+          <a:lstStyle>
+            <a:lvl1pPr eaLnBrk="0" hangingPunct="0">
+              <a:defRPr sz="2400">
+                <a:solidFill>
+                  <a:schemeClr val="tx1"/>
+                </a:solidFill>
+                <a:latin typeface="Trebuchet MS" charset="0"/>
+                <a:ea typeface="ＭＳ Ｐゴシック" charset="0"/>
+                <a:cs typeface="ＭＳ Ｐゴシック" charset="0"/>
+              </a:defRPr>
+            </a:lvl1pPr>
+            <a:lvl2pPr marL="742950" indent="-285750" eaLnBrk="0" hangingPunct="0">
+              <a:defRPr sz="2400">
+                <a:solidFill>
+                  <a:schemeClr val="tx1"/>
+                </a:solidFill>
+                <a:latin typeface="Trebuchet MS" charset="0"/>
+                <a:ea typeface="ＭＳ Ｐゴシック" charset="0"/>
+              </a:defRPr>
+            </a:lvl2pPr>
+            <a:lvl3pPr marL="1143000" indent="-228600" eaLnBrk="0" hangingPunct="0">
+              <a:defRPr sz="2400">
+                <a:solidFill>
+                  <a:schemeClr val="tx1"/>
+                </a:solidFill>
+                <a:latin typeface="Trebuchet MS" charset="0"/>
+                <a:ea typeface="ＭＳ Ｐゴシック" charset="0"/>
+              </a:defRPr>
+            </a:lvl3pPr>
+            <a:lvl4pPr marL="1600200" indent="-228600" eaLnBrk="0" hangingPunct="0">
+              <a:defRPr sz="2400">
+                <a:solidFill>
+                  <a:schemeClr val="tx1"/>
+                </a:solidFill>
+                <a:latin typeface="Trebuchet MS" charset="0"/>
+                <a:ea typeface="ＭＳ Ｐゴシック" charset="0"/>
+              </a:defRPr>
+            </a:lvl4pPr>
+            <a:lvl5pPr marL="2057400" indent="-228600" eaLnBrk="0" hangingPunct="0">
+              <a:defRPr sz="2400">
+                <a:solidFill>
+                  <a:schemeClr val="tx1"/>
+                </a:solidFill>
+                <a:latin typeface="Trebuchet MS" charset="0"/>
+                <a:ea typeface="ＭＳ Ｐゴシック" charset="0"/>
+              </a:defRPr>
+            </a:lvl5pPr>
+            <a:lvl6pPr marL="2514600" indent="-228600" eaLnBrk="0" fontAlgn="base" hangingPunct="0">
+              <a:spcBef>
+                <a:spcPct val="0"/>
+              </a:spcBef>
+              <a:spcAft>
+                <a:spcPct val="0"/>
+              </a:spcAft>
+              <a:defRPr sz="2400">
+                <a:solidFill>
+                  <a:schemeClr val="tx1"/>
+                </a:solidFill>
+                <a:latin typeface="Trebuchet MS" charset="0"/>
+                <a:ea typeface="ＭＳ Ｐゴシック" charset="0"/>
+              </a:defRPr>
+            </a:lvl6pPr>
+            <a:lvl7pPr marL="2971800" indent="-228600" eaLnBrk="0" fontAlgn="base" hangingPunct="0">
+              <a:spcBef>
+                <a:spcPct val="0"/>
+              </a:spcBef>
+              <a:spcAft>
+                <a:spcPct val="0"/>
+              </a:spcAft>
+              <a:defRPr sz="2400">
+                <a:solidFill>
+                  <a:schemeClr val="tx1"/>
+                </a:solidFill>
+                <a:latin typeface="Trebuchet MS" charset="0"/>
+                <a:ea typeface="ＭＳ Ｐゴシック" charset="0"/>
+              </a:defRPr>
+            </a:lvl7pPr>
+            <a:lvl8pPr marL="3429000" indent="-228600" eaLnBrk="0" fontAlgn="base" hangingPunct="0">
+              <a:spcBef>
+                <a:spcPct val="0"/>
+              </a:spcBef>
+              <a:spcAft>
+                <a:spcPct val="0"/>
+              </a:spcAft>
+              <a:defRPr sz="2400">
+                <a:solidFill>
+                  <a:schemeClr val="tx1"/>
+                </a:solidFill>
+                <a:latin typeface="Trebuchet MS" charset="0"/>
+                <a:ea typeface="ＭＳ Ｐゴシック" charset="0"/>
+              </a:defRPr>
+            </a:lvl8pPr>
+            <a:lvl9pPr marL="3886200" indent="-228600" eaLnBrk="0" fontAlgn="base" hangingPunct="0">
+              <a:spcBef>
+                <a:spcPct val="0"/>
+              </a:spcBef>
+              <a:spcAft>
+                <a:spcPct val="0"/>
+              </a:spcAft>
+              <a:defRPr sz="2400">
+                <a:solidFill>
+                  <a:schemeClr val="tx1"/>
+                </a:solidFill>
+                <a:latin typeface="Trebuchet MS" charset="0"/>
+                <a:ea typeface="ＭＳ Ｐゴシック" charset="0"/>
+              </a:defRPr>
+            </a:lvl9pPr>
+          </a:lstStyle>
+          <a:p>
+            <a:pPr algn="l" eaLnBrk="1" hangingPunct="1"/>
+            <a:r>
+              <a:rPr lang="en-US" sz="1200" b="1" dirty="0">
+                <a:solidFill>
+                  <a:srgbClr val="122956"/>
+                </a:solidFill>
+                <a:cs typeface="Trebuchet MS" charset="0"/>
+              </a:rPr>
+              <a:t>9</a:t>
+            </a:r>
+            <a:r>
+              <a:rPr lang="en-US" sz="1200" b="1" dirty="0" smtClean="0">
+                <a:solidFill>
+                  <a:srgbClr val="122956"/>
+                </a:solidFill>
+                <a:cs typeface="Trebuchet MS" charset="0"/>
+              </a:rPr>
+              <a:t>-</a:t>
+            </a:r>
+            <a:fld id="{31B56995-E14C-B64F-86C9-12D6DB74A41E}" type="slidenum">
+              <a:rPr lang="en-US" sz="1200" b="1">
+                <a:solidFill>
+                  <a:srgbClr val="122956"/>
+                </a:solidFill>
+                <a:cs typeface="Trebuchet MS" charset="0"/>
+              </a:rPr>
+              <a:pPr algn="l" eaLnBrk="1" hangingPunct="1"/>
+              <a:t>1</a:t>
+            </a:fld>
+            <a:endParaRPr lang="en-US" sz="1200" b="1" dirty="0">
+              <a:solidFill>
+                <a:srgbClr val="122956"/>
+              </a:solidFill>
+              <a:cs typeface="Trebuchet MS" charset="0"/>
+            </a:endParaRPr>
+          </a:p>
+        </p:txBody>
+      </p:sp>
     </p:spTree>
   </p:cSld>
   <p:clrMapOvr>
@@ -9915,6 +10104,195 @@
               <a:latin typeface="Trebuchet MS" charset="0"/>
               <a:ea typeface="ヒラギノ角ゴ ProN W3" charset="0"/>
               <a:cs typeface="ヒラギノ角ゴ ProN W3" charset="0"/>
+            </a:endParaRPr>
+          </a:p>
+        </p:txBody>
+      </p:sp>
+      <p:sp>
+        <p:nvSpPr>
+          <p:cNvPr id="7" name="Slide Number Placeholder 5"/>
+          <p:cNvSpPr>
+            <a:spLocks noGrp="1"/>
+          </p:cNvSpPr>
+          <p:nvPr>
+            <p:ph type="sldNum" sz="quarter" idx="12"/>
+          </p:nvPr>
+        </p:nvSpPr>
+        <p:spPr bwMode="auto">
+          <a:xfrm>
+            <a:off x="203200" y="6400800"/>
+            <a:ext cx="2133600" cy="365125"/>
+          </a:xfrm>
+          <a:noFill/>
+          <a:extLst>
+            <a:ext uri="{909E8E84-426E-40dd-AFC4-6F175D3DCCD1}">
+              <a14:hiddenFill xmlns:a14="http://schemas.microsoft.com/office/drawing/2010/main">
+                <a:solidFill>
+                  <a:srgbClr val="FFFFFF"/>
+                </a:solidFill>
+              </a14:hiddenFill>
+            </a:ext>
+            <a:ext uri="{91240B29-F687-4f45-9708-019B960494DF}">
+              <a14:hiddenLine xmlns:a14="http://schemas.microsoft.com/office/drawing/2010/main" w="9525">
+                <a:solidFill>
+                  <a:srgbClr val="000000"/>
+                </a:solidFill>
+                <a:miter lim="800000"/>
+                <a:headEnd/>
+                <a:tailEnd/>
+              </a14:hiddenLine>
+            </a:ext>
+          </a:extLst>
+        </p:spPr>
+        <p:txBody>
+          <a:bodyPr vert="horz" wrap="square" lIns="91440" tIns="45720" rIns="91440" bIns="45720" numCol="1" anchor="ctr" anchorCtr="0" compatLnSpc="1">
+            <a:prstTxWarp prst="textNoShape">
+              <a:avLst/>
+            </a:prstTxWarp>
+          </a:bodyPr>
+          <a:lstStyle>
+            <a:lvl1pPr eaLnBrk="0" hangingPunct="0">
+              <a:defRPr sz="2400">
+                <a:solidFill>
+                  <a:schemeClr val="tx1"/>
+                </a:solidFill>
+                <a:latin typeface="Trebuchet MS" charset="0"/>
+                <a:ea typeface="ＭＳ Ｐゴシック" charset="0"/>
+                <a:cs typeface="ＭＳ Ｐゴシック" charset="0"/>
+              </a:defRPr>
+            </a:lvl1pPr>
+            <a:lvl2pPr marL="742950" indent="-285750" eaLnBrk="0" hangingPunct="0">
+              <a:defRPr sz="2400">
+                <a:solidFill>
+                  <a:schemeClr val="tx1"/>
+                </a:solidFill>
+                <a:latin typeface="Trebuchet MS" charset="0"/>
+                <a:ea typeface="ＭＳ Ｐゴシック" charset="0"/>
+              </a:defRPr>
+            </a:lvl2pPr>
+            <a:lvl3pPr marL="1143000" indent="-228600" eaLnBrk="0" hangingPunct="0">
+              <a:defRPr sz="2400">
+                <a:solidFill>
+                  <a:schemeClr val="tx1"/>
+                </a:solidFill>
+                <a:latin typeface="Trebuchet MS" charset="0"/>
+                <a:ea typeface="ＭＳ Ｐゴシック" charset="0"/>
+              </a:defRPr>
+            </a:lvl3pPr>
+            <a:lvl4pPr marL="1600200" indent="-228600" eaLnBrk="0" hangingPunct="0">
+              <a:defRPr sz="2400">
+                <a:solidFill>
+                  <a:schemeClr val="tx1"/>
+                </a:solidFill>
+                <a:latin typeface="Trebuchet MS" charset="0"/>
+                <a:ea typeface="ＭＳ Ｐゴシック" charset="0"/>
+              </a:defRPr>
+            </a:lvl4pPr>
+            <a:lvl5pPr marL="2057400" indent="-228600" eaLnBrk="0" hangingPunct="0">
+              <a:defRPr sz="2400">
+                <a:solidFill>
+                  <a:schemeClr val="tx1"/>
+                </a:solidFill>
+                <a:latin typeface="Trebuchet MS" charset="0"/>
+                <a:ea typeface="ＭＳ Ｐゴシック" charset="0"/>
+              </a:defRPr>
+            </a:lvl5pPr>
+            <a:lvl6pPr marL="2514600" indent="-228600" eaLnBrk="0" fontAlgn="base" hangingPunct="0">
+              <a:spcBef>
+                <a:spcPct val="0"/>
+              </a:spcBef>
+              <a:spcAft>
+                <a:spcPct val="0"/>
+              </a:spcAft>
+              <a:defRPr sz="2400">
+                <a:solidFill>
+                  <a:schemeClr val="tx1"/>
+                </a:solidFill>
+                <a:latin typeface="Trebuchet MS" charset="0"/>
+                <a:ea typeface="ＭＳ Ｐゴシック" charset="0"/>
+              </a:defRPr>
+            </a:lvl6pPr>
+            <a:lvl7pPr marL="2971800" indent="-228600" eaLnBrk="0" fontAlgn="base" hangingPunct="0">
+              <a:spcBef>
+                <a:spcPct val="0"/>
+              </a:spcBef>
+              <a:spcAft>
+                <a:spcPct val="0"/>
+              </a:spcAft>
+              <a:defRPr sz="2400">
+                <a:solidFill>
+                  <a:schemeClr val="tx1"/>
+                </a:solidFill>
+                <a:latin typeface="Trebuchet MS" charset="0"/>
+                <a:ea typeface="ＭＳ Ｐゴシック" charset="0"/>
+              </a:defRPr>
+            </a:lvl7pPr>
+            <a:lvl8pPr marL="3429000" indent="-228600" eaLnBrk="0" fontAlgn="base" hangingPunct="0">
+              <a:spcBef>
+                <a:spcPct val="0"/>
+              </a:spcBef>
+              <a:spcAft>
+                <a:spcPct val="0"/>
+              </a:spcAft>
+              <a:defRPr sz="2400">
+                <a:solidFill>
+                  <a:schemeClr val="tx1"/>
+                </a:solidFill>
+                <a:latin typeface="Trebuchet MS" charset="0"/>
+                <a:ea typeface="ＭＳ Ｐゴシック" charset="0"/>
+              </a:defRPr>
+            </a:lvl8pPr>
+            <a:lvl9pPr marL="3886200" indent="-228600" eaLnBrk="0" fontAlgn="base" hangingPunct="0">
+              <a:spcBef>
+                <a:spcPct val="0"/>
+              </a:spcBef>
+              <a:spcAft>
+                <a:spcPct val="0"/>
+              </a:spcAft>
+              <a:defRPr sz="2400">
+                <a:solidFill>
+                  <a:schemeClr val="tx1"/>
+                </a:solidFill>
+                <a:latin typeface="Trebuchet MS" charset="0"/>
+                <a:ea typeface="ＭＳ Ｐゴシック" charset="0"/>
+              </a:defRPr>
+            </a:lvl9pPr>
+          </a:lstStyle>
+          <a:p>
+            <a:pPr algn="l" eaLnBrk="1" hangingPunct="1"/>
+            <a:r>
+              <a:rPr lang="en-US" sz="1200" b="1" dirty="0">
+                <a:solidFill>
+                  <a:srgbClr val="122956"/>
+                </a:solidFill>
+                <a:cs typeface="Trebuchet MS" charset="0"/>
+              </a:rPr>
+              <a:t>9</a:t>
+            </a:r>
+            <a:r>
+              <a:rPr lang="en-US" sz="1200" b="1" dirty="0" smtClean="0">
+                <a:solidFill>
+                  <a:srgbClr val="122956"/>
+                </a:solidFill>
+                <a:cs typeface="Trebuchet MS" charset="0"/>
+              </a:rPr>
+              <a:t>-</a:t>
+            </a:r>
+            <a:fld id="{31B56995-E14C-B64F-86C9-12D6DB74A41E}" type="slidenum">
+              <a:rPr lang="en-US" sz="1200" b="1">
+                <a:solidFill>
+                  <a:srgbClr val="122956"/>
+                </a:solidFill>
+                <a:cs typeface="Trebuchet MS" charset="0"/>
+              </a:rPr>
+              <a:pPr algn="l" eaLnBrk="1" hangingPunct="1"/>
+              <a:t>10</a:t>
+            </a:fld>
+            <a:endParaRPr lang="en-US" sz="1200" b="1" dirty="0">
+              <a:solidFill>
+                <a:srgbClr val="122956"/>
+              </a:solidFill>
+              <a:cs typeface="Trebuchet MS" charset="0"/>
             </a:endParaRPr>
           </a:p>
         </p:txBody>
@@ -10260,6 +10638,195 @@
           </a:p>
         </p:txBody>
       </p:sp>
+      <p:sp>
+        <p:nvSpPr>
+          <p:cNvPr id="7" name="Slide Number Placeholder 5"/>
+          <p:cNvSpPr>
+            <a:spLocks noGrp="1"/>
+          </p:cNvSpPr>
+          <p:nvPr>
+            <p:ph type="sldNum" sz="quarter" idx="12"/>
+          </p:nvPr>
+        </p:nvSpPr>
+        <p:spPr bwMode="auto">
+          <a:xfrm>
+            <a:off x="203200" y="6400800"/>
+            <a:ext cx="2133600" cy="365125"/>
+          </a:xfrm>
+          <a:noFill/>
+          <a:extLst>
+            <a:ext uri="{909E8E84-426E-40dd-AFC4-6F175D3DCCD1}">
+              <a14:hiddenFill xmlns:a14="http://schemas.microsoft.com/office/drawing/2010/main">
+                <a:solidFill>
+                  <a:srgbClr val="FFFFFF"/>
+                </a:solidFill>
+              </a14:hiddenFill>
+            </a:ext>
+            <a:ext uri="{91240B29-F687-4f45-9708-019B960494DF}">
+              <a14:hiddenLine xmlns:a14="http://schemas.microsoft.com/office/drawing/2010/main" w="9525">
+                <a:solidFill>
+                  <a:srgbClr val="000000"/>
+                </a:solidFill>
+                <a:miter lim="800000"/>
+                <a:headEnd/>
+                <a:tailEnd/>
+              </a14:hiddenLine>
+            </a:ext>
+          </a:extLst>
+        </p:spPr>
+        <p:txBody>
+          <a:bodyPr vert="horz" wrap="square" lIns="91440" tIns="45720" rIns="91440" bIns="45720" numCol="1" anchor="ctr" anchorCtr="0" compatLnSpc="1">
+            <a:prstTxWarp prst="textNoShape">
+              <a:avLst/>
+            </a:prstTxWarp>
+          </a:bodyPr>
+          <a:lstStyle>
+            <a:lvl1pPr eaLnBrk="0" hangingPunct="0">
+              <a:defRPr sz="2400">
+                <a:solidFill>
+                  <a:schemeClr val="tx1"/>
+                </a:solidFill>
+                <a:latin typeface="Trebuchet MS" charset="0"/>
+                <a:ea typeface="ＭＳ Ｐゴシック" charset="0"/>
+                <a:cs typeface="ＭＳ Ｐゴシック" charset="0"/>
+              </a:defRPr>
+            </a:lvl1pPr>
+            <a:lvl2pPr marL="742950" indent="-285750" eaLnBrk="0" hangingPunct="0">
+              <a:defRPr sz="2400">
+                <a:solidFill>
+                  <a:schemeClr val="tx1"/>
+                </a:solidFill>
+                <a:latin typeface="Trebuchet MS" charset="0"/>
+                <a:ea typeface="ＭＳ Ｐゴシック" charset="0"/>
+              </a:defRPr>
+            </a:lvl2pPr>
+            <a:lvl3pPr marL="1143000" indent="-228600" eaLnBrk="0" hangingPunct="0">
+              <a:defRPr sz="2400">
+                <a:solidFill>
+                  <a:schemeClr val="tx1"/>
+                </a:solidFill>
+                <a:latin typeface="Trebuchet MS" charset="0"/>
+                <a:ea typeface="ＭＳ Ｐゴシック" charset="0"/>
+              </a:defRPr>
+            </a:lvl3pPr>
+            <a:lvl4pPr marL="1600200" indent="-228600" eaLnBrk="0" hangingPunct="0">
+              <a:defRPr sz="2400">
+                <a:solidFill>
+                  <a:schemeClr val="tx1"/>
+                </a:solidFill>
+                <a:latin typeface="Trebuchet MS" charset="0"/>
+                <a:ea typeface="ＭＳ Ｐゴシック" charset="0"/>
+              </a:defRPr>
+            </a:lvl4pPr>
+            <a:lvl5pPr marL="2057400" indent="-228600" eaLnBrk="0" hangingPunct="0">
+              <a:defRPr sz="2400">
+                <a:solidFill>
+                  <a:schemeClr val="tx1"/>
+                </a:solidFill>
+                <a:latin typeface="Trebuchet MS" charset="0"/>
+                <a:ea typeface="ＭＳ Ｐゴシック" charset="0"/>
+              </a:defRPr>
+            </a:lvl5pPr>
+            <a:lvl6pPr marL="2514600" indent="-228600" eaLnBrk="0" fontAlgn="base" hangingPunct="0">
+              <a:spcBef>
+                <a:spcPct val="0"/>
+              </a:spcBef>
+              <a:spcAft>
+                <a:spcPct val="0"/>
+              </a:spcAft>
+              <a:defRPr sz="2400">
+                <a:solidFill>
+                  <a:schemeClr val="tx1"/>
+                </a:solidFill>
+                <a:latin typeface="Trebuchet MS" charset="0"/>
+                <a:ea typeface="ＭＳ Ｐゴシック" charset="0"/>
+              </a:defRPr>
+            </a:lvl6pPr>
+            <a:lvl7pPr marL="2971800" indent="-228600" eaLnBrk="0" fontAlgn="base" hangingPunct="0">
+              <a:spcBef>
+                <a:spcPct val="0"/>
+              </a:spcBef>
+              <a:spcAft>
+                <a:spcPct val="0"/>
+              </a:spcAft>
+              <a:defRPr sz="2400">
+                <a:solidFill>
+                  <a:schemeClr val="tx1"/>
+                </a:solidFill>
+                <a:latin typeface="Trebuchet MS" charset="0"/>
+                <a:ea typeface="ＭＳ Ｐゴシック" charset="0"/>
+              </a:defRPr>
+            </a:lvl7pPr>
+            <a:lvl8pPr marL="3429000" indent="-228600" eaLnBrk="0" fontAlgn="base" hangingPunct="0">
+              <a:spcBef>
+                <a:spcPct val="0"/>
+              </a:spcBef>
+              <a:spcAft>
+                <a:spcPct val="0"/>
+              </a:spcAft>
+              <a:defRPr sz="2400">
+                <a:solidFill>
+                  <a:schemeClr val="tx1"/>
+                </a:solidFill>
+                <a:latin typeface="Trebuchet MS" charset="0"/>
+                <a:ea typeface="ＭＳ Ｐゴシック" charset="0"/>
+              </a:defRPr>
+            </a:lvl8pPr>
+            <a:lvl9pPr marL="3886200" indent="-228600" eaLnBrk="0" fontAlgn="base" hangingPunct="0">
+              <a:spcBef>
+                <a:spcPct val="0"/>
+              </a:spcBef>
+              <a:spcAft>
+                <a:spcPct val="0"/>
+              </a:spcAft>
+              <a:defRPr sz="2400">
+                <a:solidFill>
+                  <a:schemeClr val="tx1"/>
+                </a:solidFill>
+                <a:latin typeface="Trebuchet MS" charset="0"/>
+                <a:ea typeface="ＭＳ Ｐゴシック" charset="0"/>
+              </a:defRPr>
+            </a:lvl9pPr>
+          </a:lstStyle>
+          <a:p>
+            <a:pPr algn="l" eaLnBrk="1" hangingPunct="1"/>
+            <a:r>
+              <a:rPr lang="en-US" sz="1200" b="1" dirty="0">
+                <a:solidFill>
+                  <a:srgbClr val="122956"/>
+                </a:solidFill>
+                <a:cs typeface="Trebuchet MS" charset="0"/>
+              </a:rPr>
+              <a:t>9</a:t>
+            </a:r>
+            <a:r>
+              <a:rPr lang="en-US" sz="1200" b="1" dirty="0" smtClean="0">
+                <a:solidFill>
+                  <a:srgbClr val="122956"/>
+                </a:solidFill>
+                <a:cs typeface="Trebuchet MS" charset="0"/>
+              </a:rPr>
+              <a:t>-</a:t>
+            </a:r>
+            <a:fld id="{31B56995-E14C-B64F-86C9-12D6DB74A41E}" type="slidenum">
+              <a:rPr lang="en-US" sz="1200" b="1">
+                <a:solidFill>
+                  <a:srgbClr val="122956"/>
+                </a:solidFill>
+                <a:cs typeface="Trebuchet MS" charset="0"/>
+              </a:rPr>
+              <a:pPr algn="l" eaLnBrk="1" hangingPunct="1"/>
+              <a:t>11</a:t>
+            </a:fld>
+            <a:endParaRPr lang="en-US" sz="1200" b="1" dirty="0">
+              <a:solidFill>
+                <a:srgbClr val="122956"/>
+              </a:solidFill>
+              <a:cs typeface="Trebuchet MS" charset="0"/>
+            </a:endParaRPr>
+          </a:p>
+        </p:txBody>
+      </p:sp>
     </p:spTree>
     <p:extLst>
       <p:ext uri="{BB962C8B-B14F-4D97-AF65-F5344CB8AC3E}">
@@ -10597,6 +11164,195 @@
               <a:latin typeface="Trebuchet MS" charset="0"/>
               <a:ea typeface="ヒラギノ角ゴ ProN W3" charset="0"/>
               <a:cs typeface="ヒラギノ角ゴ ProN W3" charset="0"/>
+            </a:endParaRPr>
+          </a:p>
+        </p:txBody>
+      </p:sp>
+      <p:sp>
+        <p:nvSpPr>
+          <p:cNvPr id="7" name="Slide Number Placeholder 5"/>
+          <p:cNvSpPr>
+            <a:spLocks noGrp="1"/>
+          </p:cNvSpPr>
+          <p:nvPr>
+            <p:ph type="sldNum" sz="quarter" idx="12"/>
+          </p:nvPr>
+        </p:nvSpPr>
+        <p:spPr bwMode="auto">
+          <a:xfrm>
+            <a:off x="203200" y="6400800"/>
+            <a:ext cx="2133600" cy="365125"/>
+          </a:xfrm>
+          <a:noFill/>
+          <a:extLst>
+            <a:ext uri="{909E8E84-426E-40dd-AFC4-6F175D3DCCD1}">
+              <a14:hiddenFill xmlns:a14="http://schemas.microsoft.com/office/drawing/2010/main">
+                <a:solidFill>
+                  <a:srgbClr val="FFFFFF"/>
+                </a:solidFill>
+              </a14:hiddenFill>
+            </a:ext>
+            <a:ext uri="{91240B29-F687-4f45-9708-019B960494DF}">
+              <a14:hiddenLine xmlns:a14="http://schemas.microsoft.com/office/drawing/2010/main" w="9525">
+                <a:solidFill>
+                  <a:srgbClr val="000000"/>
+                </a:solidFill>
+                <a:miter lim="800000"/>
+                <a:headEnd/>
+                <a:tailEnd/>
+              </a14:hiddenLine>
+            </a:ext>
+          </a:extLst>
+        </p:spPr>
+        <p:txBody>
+          <a:bodyPr vert="horz" wrap="square" lIns="91440" tIns="45720" rIns="91440" bIns="45720" numCol="1" anchor="ctr" anchorCtr="0" compatLnSpc="1">
+            <a:prstTxWarp prst="textNoShape">
+              <a:avLst/>
+            </a:prstTxWarp>
+          </a:bodyPr>
+          <a:lstStyle>
+            <a:lvl1pPr eaLnBrk="0" hangingPunct="0">
+              <a:defRPr sz="2400">
+                <a:solidFill>
+                  <a:schemeClr val="tx1"/>
+                </a:solidFill>
+                <a:latin typeface="Trebuchet MS" charset="0"/>
+                <a:ea typeface="ＭＳ Ｐゴシック" charset="0"/>
+                <a:cs typeface="ＭＳ Ｐゴシック" charset="0"/>
+              </a:defRPr>
+            </a:lvl1pPr>
+            <a:lvl2pPr marL="742950" indent="-285750" eaLnBrk="0" hangingPunct="0">
+              <a:defRPr sz="2400">
+                <a:solidFill>
+                  <a:schemeClr val="tx1"/>
+                </a:solidFill>
+                <a:latin typeface="Trebuchet MS" charset="0"/>
+                <a:ea typeface="ＭＳ Ｐゴシック" charset="0"/>
+              </a:defRPr>
+            </a:lvl2pPr>
+            <a:lvl3pPr marL="1143000" indent="-228600" eaLnBrk="0" hangingPunct="0">
+              <a:defRPr sz="2400">
+                <a:solidFill>
+                  <a:schemeClr val="tx1"/>
+                </a:solidFill>
+                <a:latin typeface="Trebuchet MS" charset="0"/>
+                <a:ea typeface="ＭＳ Ｐゴシック" charset="0"/>
+              </a:defRPr>
+            </a:lvl3pPr>
+            <a:lvl4pPr marL="1600200" indent="-228600" eaLnBrk="0" hangingPunct="0">
+              <a:defRPr sz="2400">
+                <a:solidFill>
+                  <a:schemeClr val="tx1"/>
+                </a:solidFill>
+                <a:latin typeface="Trebuchet MS" charset="0"/>
+                <a:ea typeface="ＭＳ Ｐゴシック" charset="0"/>
+              </a:defRPr>
+            </a:lvl4pPr>
+            <a:lvl5pPr marL="2057400" indent="-228600" eaLnBrk="0" hangingPunct="0">
+              <a:defRPr sz="2400">
+                <a:solidFill>
+                  <a:schemeClr val="tx1"/>
+                </a:solidFill>
+                <a:latin typeface="Trebuchet MS" charset="0"/>
+                <a:ea typeface="ＭＳ Ｐゴシック" charset="0"/>
+              </a:defRPr>
+            </a:lvl5pPr>
+            <a:lvl6pPr marL="2514600" indent="-228600" eaLnBrk="0" fontAlgn="base" hangingPunct="0">
+              <a:spcBef>
+                <a:spcPct val="0"/>
+              </a:spcBef>
+              <a:spcAft>
+                <a:spcPct val="0"/>
+              </a:spcAft>
+              <a:defRPr sz="2400">
+                <a:solidFill>
+                  <a:schemeClr val="tx1"/>
+                </a:solidFill>
+                <a:latin typeface="Trebuchet MS" charset="0"/>
+                <a:ea typeface="ＭＳ Ｐゴシック" charset="0"/>
+              </a:defRPr>
+            </a:lvl6pPr>
+            <a:lvl7pPr marL="2971800" indent="-228600" eaLnBrk="0" fontAlgn="base" hangingPunct="0">
+              <a:spcBef>
+                <a:spcPct val="0"/>
+              </a:spcBef>
+              <a:spcAft>
+                <a:spcPct val="0"/>
+              </a:spcAft>
+              <a:defRPr sz="2400">
+                <a:solidFill>
+                  <a:schemeClr val="tx1"/>
+                </a:solidFill>
+                <a:latin typeface="Trebuchet MS" charset="0"/>
+                <a:ea typeface="ＭＳ Ｐゴシック" charset="0"/>
+              </a:defRPr>
+            </a:lvl7pPr>
+            <a:lvl8pPr marL="3429000" indent="-228600" eaLnBrk="0" fontAlgn="base" hangingPunct="0">
+              <a:spcBef>
+                <a:spcPct val="0"/>
+              </a:spcBef>
+              <a:spcAft>
+                <a:spcPct val="0"/>
+              </a:spcAft>
+              <a:defRPr sz="2400">
+                <a:solidFill>
+                  <a:schemeClr val="tx1"/>
+                </a:solidFill>
+                <a:latin typeface="Trebuchet MS" charset="0"/>
+                <a:ea typeface="ＭＳ Ｐゴシック" charset="0"/>
+              </a:defRPr>
+            </a:lvl8pPr>
+            <a:lvl9pPr marL="3886200" indent="-228600" eaLnBrk="0" fontAlgn="base" hangingPunct="0">
+              <a:spcBef>
+                <a:spcPct val="0"/>
+              </a:spcBef>
+              <a:spcAft>
+                <a:spcPct val="0"/>
+              </a:spcAft>
+              <a:defRPr sz="2400">
+                <a:solidFill>
+                  <a:schemeClr val="tx1"/>
+                </a:solidFill>
+                <a:latin typeface="Trebuchet MS" charset="0"/>
+                <a:ea typeface="ＭＳ Ｐゴシック" charset="0"/>
+              </a:defRPr>
+            </a:lvl9pPr>
+          </a:lstStyle>
+          <a:p>
+            <a:pPr algn="l" eaLnBrk="1" hangingPunct="1"/>
+            <a:r>
+              <a:rPr lang="en-US" sz="1200" b="1" dirty="0">
+                <a:solidFill>
+                  <a:srgbClr val="122956"/>
+                </a:solidFill>
+                <a:cs typeface="Trebuchet MS" charset="0"/>
+              </a:rPr>
+              <a:t>9</a:t>
+            </a:r>
+            <a:r>
+              <a:rPr lang="en-US" sz="1200" b="1" dirty="0" smtClean="0">
+                <a:solidFill>
+                  <a:srgbClr val="122956"/>
+                </a:solidFill>
+                <a:cs typeface="Trebuchet MS" charset="0"/>
+              </a:rPr>
+              <a:t>-</a:t>
+            </a:r>
+            <a:fld id="{31B56995-E14C-B64F-86C9-12D6DB74A41E}" type="slidenum">
+              <a:rPr lang="en-US" sz="1200" b="1">
+                <a:solidFill>
+                  <a:srgbClr val="122956"/>
+                </a:solidFill>
+                <a:cs typeface="Trebuchet MS" charset="0"/>
+              </a:rPr>
+              <a:pPr algn="l" eaLnBrk="1" hangingPunct="1"/>
+              <a:t>12</a:t>
+            </a:fld>
+            <a:endParaRPr lang="en-US" sz="1200" b="1" dirty="0">
+              <a:solidFill>
+                <a:srgbClr val="122956"/>
+              </a:solidFill>
+              <a:cs typeface="Trebuchet MS" charset="0"/>
             </a:endParaRPr>
           </a:p>
         </p:txBody>
@@ -10738,6 +11494,195 @@
           </a:p>
         </p:txBody>
       </p:sp>
+      <p:sp>
+        <p:nvSpPr>
+          <p:cNvPr id="4" name="Slide Number Placeholder 5"/>
+          <p:cNvSpPr>
+            <a:spLocks noGrp="1"/>
+          </p:cNvSpPr>
+          <p:nvPr>
+            <p:ph type="sldNum" sz="quarter" idx="12"/>
+          </p:nvPr>
+        </p:nvSpPr>
+        <p:spPr bwMode="auto">
+          <a:xfrm>
+            <a:off x="203200" y="6400800"/>
+            <a:ext cx="2133600" cy="365125"/>
+          </a:xfrm>
+          <a:noFill/>
+          <a:extLst>
+            <a:ext uri="{909E8E84-426E-40dd-AFC4-6F175D3DCCD1}">
+              <a14:hiddenFill xmlns:a14="http://schemas.microsoft.com/office/drawing/2010/main">
+                <a:solidFill>
+                  <a:srgbClr val="FFFFFF"/>
+                </a:solidFill>
+              </a14:hiddenFill>
+            </a:ext>
+            <a:ext uri="{91240B29-F687-4f45-9708-019B960494DF}">
+              <a14:hiddenLine xmlns:a14="http://schemas.microsoft.com/office/drawing/2010/main" w="9525">
+                <a:solidFill>
+                  <a:srgbClr val="000000"/>
+                </a:solidFill>
+                <a:miter lim="800000"/>
+                <a:headEnd/>
+                <a:tailEnd/>
+              </a14:hiddenLine>
+            </a:ext>
+          </a:extLst>
+        </p:spPr>
+        <p:txBody>
+          <a:bodyPr vert="horz" wrap="square" lIns="91440" tIns="45720" rIns="91440" bIns="45720" numCol="1" anchor="ctr" anchorCtr="0" compatLnSpc="1">
+            <a:prstTxWarp prst="textNoShape">
+              <a:avLst/>
+            </a:prstTxWarp>
+          </a:bodyPr>
+          <a:lstStyle>
+            <a:lvl1pPr eaLnBrk="0" hangingPunct="0">
+              <a:defRPr sz="2400">
+                <a:solidFill>
+                  <a:schemeClr val="tx1"/>
+                </a:solidFill>
+                <a:latin typeface="Trebuchet MS" charset="0"/>
+                <a:ea typeface="ＭＳ Ｐゴシック" charset="0"/>
+                <a:cs typeface="ＭＳ Ｐゴシック" charset="0"/>
+              </a:defRPr>
+            </a:lvl1pPr>
+            <a:lvl2pPr marL="742950" indent="-285750" eaLnBrk="0" hangingPunct="0">
+              <a:defRPr sz="2400">
+                <a:solidFill>
+                  <a:schemeClr val="tx1"/>
+                </a:solidFill>
+                <a:latin typeface="Trebuchet MS" charset="0"/>
+                <a:ea typeface="ＭＳ Ｐゴシック" charset="0"/>
+              </a:defRPr>
+            </a:lvl2pPr>
+            <a:lvl3pPr marL="1143000" indent="-228600" eaLnBrk="0" hangingPunct="0">
+              <a:defRPr sz="2400">
+                <a:solidFill>
+                  <a:schemeClr val="tx1"/>
+                </a:solidFill>
+                <a:latin typeface="Trebuchet MS" charset="0"/>
+                <a:ea typeface="ＭＳ Ｐゴシック" charset="0"/>
+              </a:defRPr>
+            </a:lvl3pPr>
+            <a:lvl4pPr marL="1600200" indent="-228600" eaLnBrk="0" hangingPunct="0">
+              <a:defRPr sz="2400">
+                <a:solidFill>
+                  <a:schemeClr val="tx1"/>
+                </a:solidFill>
+                <a:latin typeface="Trebuchet MS" charset="0"/>
+                <a:ea typeface="ＭＳ Ｐゴシック" charset="0"/>
+              </a:defRPr>
+            </a:lvl4pPr>
+            <a:lvl5pPr marL="2057400" indent="-228600" eaLnBrk="0" hangingPunct="0">
+              <a:defRPr sz="2400">
+                <a:solidFill>
+                  <a:schemeClr val="tx1"/>
+                </a:solidFill>
+                <a:latin typeface="Trebuchet MS" charset="0"/>
+                <a:ea typeface="ＭＳ Ｐゴシック" charset="0"/>
+              </a:defRPr>
+            </a:lvl5pPr>
+            <a:lvl6pPr marL="2514600" indent="-228600" eaLnBrk="0" fontAlgn="base" hangingPunct="0">
+              <a:spcBef>
+                <a:spcPct val="0"/>
+              </a:spcBef>
+              <a:spcAft>
+                <a:spcPct val="0"/>
+              </a:spcAft>
+              <a:defRPr sz="2400">
+                <a:solidFill>
+                  <a:schemeClr val="tx1"/>
+                </a:solidFill>
+                <a:latin typeface="Trebuchet MS" charset="0"/>
+                <a:ea typeface="ＭＳ Ｐゴシック" charset="0"/>
+              </a:defRPr>
+            </a:lvl6pPr>
+            <a:lvl7pPr marL="2971800" indent="-228600" eaLnBrk="0" fontAlgn="base" hangingPunct="0">
+              <a:spcBef>
+                <a:spcPct val="0"/>
+              </a:spcBef>
+              <a:spcAft>
+                <a:spcPct val="0"/>
+              </a:spcAft>
+              <a:defRPr sz="2400">
+                <a:solidFill>
+                  <a:schemeClr val="tx1"/>
+                </a:solidFill>
+                <a:latin typeface="Trebuchet MS" charset="0"/>
+                <a:ea typeface="ＭＳ Ｐゴシック" charset="0"/>
+              </a:defRPr>
+            </a:lvl7pPr>
+            <a:lvl8pPr marL="3429000" indent="-228600" eaLnBrk="0" fontAlgn="base" hangingPunct="0">
+              <a:spcBef>
+                <a:spcPct val="0"/>
+              </a:spcBef>
+              <a:spcAft>
+                <a:spcPct val="0"/>
+              </a:spcAft>
+              <a:defRPr sz="2400">
+                <a:solidFill>
+                  <a:schemeClr val="tx1"/>
+                </a:solidFill>
+                <a:latin typeface="Trebuchet MS" charset="0"/>
+                <a:ea typeface="ＭＳ Ｐゴシック" charset="0"/>
+              </a:defRPr>
+            </a:lvl8pPr>
+            <a:lvl9pPr marL="3886200" indent="-228600" eaLnBrk="0" fontAlgn="base" hangingPunct="0">
+              <a:spcBef>
+                <a:spcPct val="0"/>
+              </a:spcBef>
+              <a:spcAft>
+                <a:spcPct val="0"/>
+              </a:spcAft>
+              <a:defRPr sz="2400">
+                <a:solidFill>
+                  <a:schemeClr val="tx1"/>
+                </a:solidFill>
+                <a:latin typeface="Trebuchet MS" charset="0"/>
+                <a:ea typeface="ＭＳ Ｐゴシック" charset="0"/>
+              </a:defRPr>
+            </a:lvl9pPr>
+          </a:lstStyle>
+          <a:p>
+            <a:pPr algn="l" eaLnBrk="1" hangingPunct="1"/>
+            <a:r>
+              <a:rPr lang="en-US" sz="1200" b="1" dirty="0">
+                <a:solidFill>
+                  <a:srgbClr val="122956"/>
+                </a:solidFill>
+                <a:cs typeface="Trebuchet MS" charset="0"/>
+              </a:rPr>
+              <a:t>9</a:t>
+            </a:r>
+            <a:r>
+              <a:rPr lang="en-US" sz="1200" b="1" dirty="0" smtClean="0">
+                <a:solidFill>
+                  <a:srgbClr val="122956"/>
+                </a:solidFill>
+                <a:cs typeface="Trebuchet MS" charset="0"/>
+              </a:rPr>
+              <a:t>-</a:t>
+            </a:r>
+            <a:fld id="{31B56995-E14C-B64F-86C9-12D6DB74A41E}" type="slidenum">
+              <a:rPr lang="en-US" sz="1200" b="1">
+                <a:solidFill>
+                  <a:srgbClr val="122956"/>
+                </a:solidFill>
+                <a:cs typeface="Trebuchet MS" charset="0"/>
+              </a:rPr>
+              <a:pPr algn="l" eaLnBrk="1" hangingPunct="1"/>
+              <a:t>13</a:t>
+            </a:fld>
+            <a:endParaRPr lang="en-US" sz="1200" b="1" dirty="0">
+              <a:solidFill>
+                <a:srgbClr val="122956"/>
+              </a:solidFill>
+              <a:cs typeface="Trebuchet MS" charset="0"/>
+            </a:endParaRPr>
+          </a:p>
+        </p:txBody>
+      </p:sp>
     </p:spTree>
     <p:extLst>
       <p:ext uri="{BB962C8B-B14F-4D97-AF65-F5344CB8AC3E}">
@@ -11160,6 +12105,195 @@
               <a:latin typeface="Trebuchet MS" charset="0"/>
               <a:ea typeface="ヒラギノ角ゴ ProN W3" charset="0"/>
               <a:cs typeface="ヒラギノ角ゴ ProN W3" charset="0"/>
+            </a:endParaRPr>
+          </a:p>
+        </p:txBody>
+      </p:sp>
+      <p:sp>
+        <p:nvSpPr>
+          <p:cNvPr id="7" name="Slide Number Placeholder 5"/>
+          <p:cNvSpPr>
+            <a:spLocks noGrp="1"/>
+          </p:cNvSpPr>
+          <p:nvPr>
+            <p:ph type="sldNum" sz="quarter" idx="12"/>
+          </p:nvPr>
+        </p:nvSpPr>
+        <p:spPr bwMode="auto">
+          <a:xfrm>
+            <a:off x="203200" y="6400800"/>
+            <a:ext cx="2133600" cy="365125"/>
+          </a:xfrm>
+          <a:noFill/>
+          <a:extLst>
+            <a:ext uri="{909E8E84-426E-40dd-AFC4-6F175D3DCCD1}">
+              <a14:hiddenFill xmlns:a14="http://schemas.microsoft.com/office/drawing/2010/main">
+                <a:solidFill>
+                  <a:srgbClr val="FFFFFF"/>
+                </a:solidFill>
+              </a14:hiddenFill>
+            </a:ext>
+            <a:ext uri="{91240B29-F687-4f45-9708-019B960494DF}">
+              <a14:hiddenLine xmlns:a14="http://schemas.microsoft.com/office/drawing/2010/main" w="9525">
+                <a:solidFill>
+                  <a:srgbClr val="000000"/>
+                </a:solidFill>
+                <a:miter lim="800000"/>
+                <a:headEnd/>
+                <a:tailEnd/>
+              </a14:hiddenLine>
+            </a:ext>
+          </a:extLst>
+        </p:spPr>
+        <p:txBody>
+          <a:bodyPr vert="horz" wrap="square" lIns="91440" tIns="45720" rIns="91440" bIns="45720" numCol="1" anchor="ctr" anchorCtr="0" compatLnSpc="1">
+            <a:prstTxWarp prst="textNoShape">
+              <a:avLst/>
+            </a:prstTxWarp>
+          </a:bodyPr>
+          <a:lstStyle>
+            <a:lvl1pPr eaLnBrk="0" hangingPunct="0">
+              <a:defRPr sz="2400">
+                <a:solidFill>
+                  <a:schemeClr val="tx1"/>
+                </a:solidFill>
+                <a:latin typeface="Trebuchet MS" charset="0"/>
+                <a:ea typeface="ＭＳ Ｐゴシック" charset="0"/>
+                <a:cs typeface="ＭＳ Ｐゴシック" charset="0"/>
+              </a:defRPr>
+            </a:lvl1pPr>
+            <a:lvl2pPr marL="742950" indent="-285750" eaLnBrk="0" hangingPunct="0">
+              <a:defRPr sz="2400">
+                <a:solidFill>
+                  <a:schemeClr val="tx1"/>
+                </a:solidFill>
+                <a:latin typeface="Trebuchet MS" charset="0"/>
+                <a:ea typeface="ＭＳ Ｐゴシック" charset="0"/>
+              </a:defRPr>
+            </a:lvl2pPr>
+            <a:lvl3pPr marL="1143000" indent="-228600" eaLnBrk="0" hangingPunct="0">
+              <a:defRPr sz="2400">
+                <a:solidFill>
+                  <a:schemeClr val="tx1"/>
+                </a:solidFill>
+                <a:latin typeface="Trebuchet MS" charset="0"/>
+                <a:ea typeface="ＭＳ Ｐゴシック" charset="0"/>
+              </a:defRPr>
+            </a:lvl3pPr>
+            <a:lvl4pPr marL="1600200" indent="-228600" eaLnBrk="0" hangingPunct="0">
+              <a:defRPr sz="2400">
+                <a:solidFill>
+                  <a:schemeClr val="tx1"/>
+                </a:solidFill>
+                <a:latin typeface="Trebuchet MS" charset="0"/>
+                <a:ea typeface="ＭＳ Ｐゴシック" charset="0"/>
+              </a:defRPr>
+            </a:lvl4pPr>
+            <a:lvl5pPr marL="2057400" indent="-228600" eaLnBrk="0" hangingPunct="0">
+              <a:defRPr sz="2400">
+                <a:solidFill>
+                  <a:schemeClr val="tx1"/>
+                </a:solidFill>
+                <a:latin typeface="Trebuchet MS" charset="0"/>
+                <a:ea typeface="ＭＳ Ｐゴシック" charset="0"/>
+              </a:defRPr>
+            </a:lvl5pPr>
+            <a:lvl6pPr marL="2514600" indent="-228600" eaLnBrk="0" fontAlgn="base" hangingPunct="0">
+              <a:spcBef>
+                <a:spcPct val="0"/>
+              </a:spcBef>
+              <a:spcAft>
+                <a:spcPct val="0"/>
+              </a:spcAft>
+              <a:defRPr sz="2400">
+                <a:solidFill>
+                  <a:schemeClr val="tx1"/>
+                </a:solidFill>
+                <a:latin typeface="Trebuchet MS" charset="0"/>
+                <a:ea typeface="ＭＳ Ｐゴシック" charset="0"/>
+              </a:defRPr>
+            </a:lvl6pPr>
+            <a:lvl7pPr marL="2971800" indent="-228600" eaLnBrk="0" fontAlgn="base" hangingPunct="0">
+              <a:spcBef>
+                <a:spcPct val="0"/>
+              </a:spcBef>
+              <a:spcAft>
+                <a:spcPct val="0"/>
+              </a:spcAft>
+              <a:defRPr sz="2400">
+                <a:solidFill>
+                  <a:schemeClr val="tx1"/>
+                </a:solidFill>
+                <a:latin typeface="Trebuchet MS" charset="0"/>
+                <a:ea typeface="ＭＳ Ｐゴシック" charset="0"/>
+              </a:defRPr>
+            </a:lvl7pPr>
+            <a:lvl8pPr marL="3429000" indent="-228600" eaLnBrk="0" fontAlgn="base" hangingPunct="0">
+              <a:spcBef>
+                <a:spcPct val="0"/>
+              </a:spcBef>
+              <a:spcAft>
+                <a:spcPct val="0"/>
+              </a:spcAft>
+              <a:defRPr sz="2400">
+                <a:solidFill>
+                  <a:schemeClr val="tx1"/>
+                </a:solidFill>
+                <a:latin typeface="Trebuchet MS" charset="0"/>
+                <a:ea typeface="ＭＳ Ｐゴシック" charset="0"/>
+              </a:defRPr>
+            </a:lvl8pPr>
+            <a:lvl9pPr marL="3886200" indent="-228600" eaLnBrk="0" fontAlgn="base" hangingPunct="0">
+              <a:spcBef>
+                <a:spcPct val="0"/>
+              </a:spcBef>
+              <a:spcAft>
+                <a:spcPct val="0"/>
+              </a:spcAft>
+              <a:defRPr sz="2400">
+                <a:solidFill>
+                  <a:schemeClr val="tx1"/>
+                </a:solidFill>
+                <a:latin typeface="Trebuchet MS" charset="0"/>
+                <a:ea typeface="ＭＳ Ｐゴシック" charset="0"/>
+              </a:defRPr>
+            </a:lvl9pPr>
+          </a:lstStyle>
+          <a:p>
+            <a:pPr algn="l" eaLnBrk="1" hangingPunct="1"/>
+            <a:r>
+              <a:rPr lang="en-US" sz="1200" b="1" dirty="0">
+                <a:solidFill>
+                  <a:srgbClr val="122956"/>
+                </a:solidFill>
+                <a:cs typeface="Trebuchet MS" charset="0"/>
+              </a:rPr>
+              <a:t>9</a:t>
+            </a:r>
+            <a:r>
+              <a:rPr lang="en-US" sz="1200" b="1" dirty="0" smtClean="0">
+                <a:solidFill>
+                  <a:srgbClr val="122956"/>
+                </a:solidFill>
+                <a:cs typeface="Trebuchet MS" charset="0"/>
+              </a:rPr>
+              <a:t>-</a:t>
+            </a:r>
+            <a:fld id="{31B56995-E14C-B64F-86C9-12D6DB74A41E}" type="slidenum">
+              <a:rPr lang="en-US" sz="1200" b="1">
+                <a:solidFill>
+                  <a:srgbClr val="122956"/>
+                </a:solidFill>
+                <a:cs typeface="Trebuchet MS" charset="0"/>
+              </a:rPr>
+              <a:pPr algn="l" eaLnBrk="1" hangingPunct="1"/>
+              <a:t>14</a:t>
+            </a:fld>
+            <a:endParaRPr lang="en-US" sz="1200" b="1" dirty="0">
+              <a:solidFill>
+                <a:srgbClr val="122956"/>
+              </a:solidFill>
+              <a:cs typeface="Trebuchet MS" charset="0"/>
             </a:endParaRPr>
           </a:p>
         </p:txBody>
@@ -11301,6 +12435,195 @@
           </a:p>
         </p:txBody>
       </p:sp>
+      <p:sp>
+        <p:nvSpPr>
+          <p:cNvPr id="4" name="Slide Number Placeholder 5"/>
+          <p:cNvSpPr>
+            <a:spLocks noGrp="1"/>
+          </p:cNvSpPr>
+          <p:nvPr>
+            <p:ph type="sldNum" sz="quarter" idx="12"/>
+          </p:nvPr>
+        </p:nvSpPr>
+        <p:spPr bwMode="auto">
+          <a:xfrm>
+            <a:off x="203200" y="6400800"/>
+            <a:ext cx="2133600" cy="365125"/>
+          </a:xfrm>
+          <a:noFill/>
+          <a:extLst>
+            <a:ext uri="{909E8E84-426E-40dd-AFC4-6F175D3DCCD1}">
+              <a14:hiddenFill xmlns:a14="http://schemas.microsoft.com/office/drawing/2010/main">
+                <a:solidFill>
+                  <a:srgbClr val="FFFFFF"/>
+                </a:solidFill>
+              </a14:hiddenFill>
+            </a:ext>
+            <a:ext uri="{91240B29-F687-4f45-9708-019B960494DF}">
+              <a14:hiddenLine xmlns:a14="http://schemas.microsoft.com/office/drawing/2010/main" w="9525">
+                <a:solidFill>
+                  <a:srgbClr val="000000"/>
+                </a:solidFill>
+                <a:miter lim="800000"/>
+                <a:headEnd/>
+                <a:tailEnd/>
+              </a14:hiddenLine>
+            </a:ext>
+          </a:extLst>
+        </p:spPr>
+        <p:txBody>
+          <a:bodyPr vert="horz" wrap="square" lIns="91440" tIns="45720" rIns="91440" bIns="45720" numCol="1" anchor="ctr" anchorCtr="0" compatLnSpc="1">
+            <a:prstTxWarp prst="textNoShape">
+              <a:avLst/>
+            </a:prstTxWarp>
+          </a:bodyPr>
+          <a:lstStyle>
+            <a:lvl1pPr eaLnBrk="0" hangingPunct="0">
+              <a:defRPr sz="2400">
+                <a:solidFill>
+                  <a:schemeClr val="tx1"/>
+                </a:solidFill>
+                <a:latin typeface="Trebuchet MS" charset="0"/>
+                <a:ea typeface="ＭＳ Ｐゴシック" charset="0"/>
+                <a:cs typeface="ＭＳ Ｐゴシック" charset="0"/>
+              </a:defRPr>
+            </a:lvl1pPr>
+            <a:lvl2pPr marL="742950" indent="-285750" eaLnBrk="0" hangingPunct="0">
+              <a:defRPr sz="2400">
+                <a:solidFill>
+                  <a:schemeClr val="tx1"/>
+                </a:solidFill>
+                <a:latin typeface="Trebuchet MS" charset="0"/>
+                <a:ea typeface="ＭＳ Ｐゴシック" charset="0"/>
+              </a:defRPr>
+            </a:lvl2pPr>
+            <a:lvl3pPr marL="1143000" indent="-228600" eaLnBrk="0" hangingPunct="0">
+              <a:defRPr sz="2400">
+                <a:solidFill>
+                  <a:schemeClr val="tx1"/>
+                </a:solidFill>
+                <a:latin typeface="Trebuchet MS" charset="0"/>
+                <a:ea typeface="ＭＳ Ｐゴシック" charset="0"/>
+              </a:defRPr>
+            </a:lvl3pPr>
+            <a:lvl4pPr marL="1600200" indent="-228600" eaLnBrk="0" hangingPunct="0">
+              <a:defRPr sz="2400">
+                <a:solidFill>
+                  <a:schemeClr val="tx1"/>
+                </a:solidFill>
+                <a:latin typeface="Trebuchet MS" charset="0"/>
+                <a:ea typeface="ＭＳ Ｐゴシック" charset="0"/>
+              </a:defRPr>
+            </a:lvl4pPr>
+            <a:lvl5pPr marL="2057400" indent="-228600" eaLnBrk="0" hangingPunct="0">
+              <a:defRPr sz="2400">
+                <a:solidFill>
+                  <a:schemeClr val="tx1"/>
+                </a:solidFill>
+                <a:latin typeface="Trebuchet MS" charset="0"/>
+                <a:ea typeface="ＭＳ Ｐゴシック" charset="0"/>
+              </a:defRPr>
+            </a:lvl5pPr>
+            <a:lvl6pPr marL="2514600" indent="-228600" eaLnBrk="0" fontAlgn="base" hangingPunct="0">
+              <a:spcBef>
+                <a:spcPct val="0"/>
+              </a:spcBef>
+              <a:spcAft>
+                <a:spcPct val="0"/>
+              </a:spcAft>
+              <a:defRPr sz="2400">
+                <a:solidFill>
+                  <a:schemeClr val="tx1"/>
+                </a:solidFill>
+                <a:latin typeface="Trebuchet MS" charset="0"/>
+                <a:ea typeface="ＭＳ Ｐゴシック" charset="0"/>
+              </a:defRPr>
+            </a:lvl6pPr>
+            <a:lvl7pPr marL="2971800" indent="-228600" eaLnBrk="0" fontAlgn="base" hangingPunct="0">
+              <a:spcBef>
+                <a:spcPct val="0"/>
+              </a:spcBef>
+              <a:spcAft>
+                <a:spcPct val="0"/>
+              </a:spcAft>
+              <a:defRPr sz="2400">
+                <a:solidFill>
+                  <a:schemeClr val="tx1"/>
+                </a:solidFill>
+                <a:latin typeface="Trebuchet MS" charset="0"/>
+                <a:ea typeface="ＭＳ Ｐゴシック" charset="0"/>
+              </a:defRPr>
+            </a:lvl7pPr>
+            <a:lvl8pPr marL="3429000" indent="-228600" eaLnBrk="0" fontAlgn="base" hangingPunct="0">
+              <a:spcBef>
+                <a:spcPct val="0"/>
+              </a:spcBef>
+              <a:spcAft>
+                <a:spcPct val="0"/>
+              </a:spcAft>
+              <a:defRPr sz="2400">
+                <a:solidFill>
+                  <a:schemeClr val="tx1"/>
+                </a:solidFill>
+                <a:latin typeface="Trebuchet MS" charset="0"/>
+                <a:ea typeface="ＭＳ Ｐゴシック" charset="0"/>
+              </a:defRPr>
+            </a:lvl8pPr>
+            <a:lvl9pPr marL="3886200" indent="-228600" eaLnBrk="0" fontAlgn="base" hangingPunct="0">
+              <a:spcBef>
+                <a:spcPct val="0"/>
+              </a:spcBef>
+              <a:spcAft>
+                <a:spcPct val="0"/>
+              </a:spcAft>
+              <a:defRPr sz="2400">
+                <a:solidFill>
+                  <a:schemeClr val="tx1"/>
+                </a:solidFill>
+                <a:latin typeface="Trebuchet MS" charset="0"/>
+                <a:ea typeface="ＭＳ Ｐゴシック" charset="0"/>
+              </a:defRPr>
+            </a:lvl9pPr>
+          </a:lstStyle>
+          <a:p>
+            <a:pPr algn="l" eaLnBrk="1" hangingPunct="1"/>
+            <a:r>
+              <a:rPr lang="en-US" sz="1200" b="1" dirty="0">
+                <a:solidFill>
+                  <a:srgbClr val="122956"/>
+                </a:solidFill>
+                <a:cs typeface="Trebuchet MS" charset="0"/>
+              </a:rPr>
+              <a:t>9</a:t>
+            </a:r>
+            <a:r>
+              <a:rPr lang="en-US" sz="1200" b="1" dirty="0" smtClean="0">
+                <a:solidFill>
+                  <a:srgbClr val="122956"/>
+                </a:solidFill>
+                <a:cs typeface="Trebuchet MS" charset="0"/>
+              </a:rPr>
+              <a:t>-</a:t>
+            </a:r>
+            <a:fld id="{31B56995-E14C-B64F-86C9-12D6DB74A41E}" type="slidenum">
+              <a:rPr lang="en-US" sz="1200" b="1">
+                <a:solidFill>
+                  <a:srgbClr val="122956"/>
+                </a:solidFill>
+                <a:cs typeface="Trebuchet MS" charset="0"/>
+              </a:rPr>
+              <a:pPr algn="l" eaLnBrk="1" hangingPunct="1"/>
+              <a:t>15</a:t>
+            </a:fld>
+            <a:endParaRPr lang="en-US" sz="1200" b="1" dirty="0">
+              <a:solidFill>
+                <a:srgbClr val="122956"/>
+              </a:solidFill>
+              <a:cs typeface="Trebuchet MS" charset="0"/>
+            </a:endParaRPr>
+          </a:p>
+        </p:txBody>
+      </p:sp>
     </p:spTree>
     <p:extLst>
       <p:ext uri="{BB962C8B-B14F-4D97-AF65-F5344CB8AC3E}">
@@ -11683,6 +13006,195 @@
               <a:latin typeface="Trebuchet MS" charset="0"/>
               <a:ea typeface="ヒラギノ角ゴ ProN W3" charset="0"/>
               <a:cs typeface="ヒラギノ角ゴ ProN W3" charset="0"/>
+            </a:endParaRPr>
+          </a:p>
+        </p:txBody>
+      </p:sp>
+      <p:sp>
+        <p:nvSpPr>
+          <p:cNvPr id="7" name="Slide Number Placeholder 5"/>
+          <p:cNvSpPr>
+            <a:spLocks noGrp="1"/>
+          </p:cNvSpPr>
+          <p:nvPr>
+            <p:ph type="sldNum" sz="quarter" idx="12"/>
+          </p:nvPr>
+        </p:nvSpPr>
+        <p:spPr bwMode="auto">
+          <a:xfrm>
+            <a:off x="203200" y="6400800"/>
+            <a:ext cx="2133600" cy="365125"/>
+          </a:xfrm>
+          <a:noFill/>
+          <a:extLst>
+            <a:ext uri="{909E8E84-426E-40dd-AFC4-6F175D3DCCD1}">
+              <a14:hiddenFill xmlns:a14="http://schemas.microsoft.com/office/drawing/2010/main">
+                <a:solidFill>
+                  <a:srgbClr val="FFFFFF"/>
+                </a:solidFill>
+              </a14:hiddenFill>
+            </a:ext>
+            <a:ext uri="{91240B29-F687-4f45-9708-019B960494DF}">
+              <a14:hiddenLine xmlns:a14="http://schemas.microsoft.com/office/drawing/2010/main" w="9525">
+                <a:solidFill>
+                  <a:srgbClr val="000000"/>
+                </a:solidFill>
+                <a:miter lim="800000"/>
+                <a:headEnd/>
+                <a:tailEnd/>
+              </a14:hiddenLine>
+            </a:ext>
+          </a:extLst>
+        </p:spPr>
+        <p:txBody>
+          <a:bodyPr vert="horz" wrap="square" lIns="91440" tIns="45720" rIns="91440" bIns="45720" numCol="1" anchor="ctr" anchorCtr="0" compatLnSpc="1">
+            <a:prstTxWarp prst="textNoShape">
+              <a:avLst/>
+            </a:prstTxWarp>
+          </a:bodyPr>
+          <a:lstStyle>
+            <a:lvl1pPr eaLnBrk="0" hangingPunct="0">
+              <a:defRPr sz="2400">
+                <a:solidFill>
+                  <a:schemeClr val="tx1"/>
+                </a:solidFill>
+                <a:latin typeface="Trebuchet MS" charset="0"/>
+                <a:ea typeface="ＭＳ Ｐゴシック" charset="0"/>
+                <a:cs typeface="ＭＳ Ｐゴシック" charset="0"/>
+              </a:defRPr>
+            </a:lvl1pPr>
+            <a:lvl2pPr marL="742950" indent="-285750" eaLnBrk="0" hangingPunct="0">
+              <a:defRPr sz="2400">
+                <a:solidFill>
+                  <a:schemeClr val="tx1"/>
+                </a:solidFill>
+                <a:latin typeface="Trebuchet MS" charset="0"/>
+                <a:ea typeface="ＭＳ Ｐゴシック" charset="0"/>
+              </a:defRPr>
+            </a:lvl2pPr>
+            <a:lvl3pPr marL="1143000" indent="-228600" eaLnBrk="0" hangingPunct="0">
+              <a:defRPr sz="2400">
+                <a:solidFill>
+                  <a:schemeClr val="tx1"/>
+                </a:solidFill>
+                <a:latin typeface="Trebuchet MS" charset="0"/>
+                <a:ea typeface="ＭＳ Ｐゴシック" charset="0"/>
+              </a:defRPr>
+            </a:lvl3pPr>
+            <a:lvl4pPr marL="1600200" indent="-228600" eaLnBrk="0" hangingPunct="0">
+              <a:defRPr sz="2400">
+                <a:solidFill>
+                  <a:schemeClr val="tx1"/>
+                </a:solidFill>
+                <a:latin typeface="Trebuchet MS" charset="0"/>
+                <a:ea typeface="ＭＳ Ｐゴシック" charset="0"/>
+              </a:defRPr>
+            </a:lvl4pPr>
+            <a:lvl5pPr marL="2057400" indent="-228600" eaLnBrk="0" hangingPunct="0">
+              <a:defRPr sz="2400">
+                <a:solidFill>
+                  <a:schemeClr val="tx1"/>
+                </a:solidFill>
+                <a:latin typeface="Trebuchet MS" charset="0"/>
+                <a:ea typeface="ＭＳ Ｐゴシック" charset="0"/>
+              </a:defRPr>
+            </a:lvl5pPr>
+            <a:lvl6pPr marL="2514600" indent="-228600" eaLnBrk="0" fontAlgn="base" hangingPunct="0">
+              <a:spcBef>
+                <a:spcPct val="0"/>
+              </a:spcBef>
+              <a:spcAft>
+                <a:spcPct val="0"/>
+              </a:spcAft>
+              <a:defRPr sz="2400">
+                <a:solidFill>
+                  <a:schemeClr val="tx1"/>
+                </a:solidFill>
+                <a:latin typeface="Trebuchet MS" charset="0"/>
+                <a:ea typeface="ＭＳ Ｐゴシック" charset="0"/>
+              </a:defRPr>
+            </a:lvl6pPr>
+            <a:lvl7pPr marL="2971800" indent="-228600" eaLnBrk="0" fontAlgn="base" hangingPunct="0">
+              <a:spcBef>
+                <a:spcPct val="0"/>
+              </a:spcBef>
+              <a:spcAft>
+                <a:spcPct val="0"/>
+              </a:spcAft>
+              <a:defRPr sz="2400">
+                <a:solidFill>
+                  <a:schemeClr val="tx1"/>
+                </a:solidFill>
+                <a:latin typeface="Trebuchet MS" charset="0"/>
+                <a:ea typeface="ＭＳ Ｐゴシック" charset="0"/>
+              </a:defRPr>
+            </a:lvl7pPr>
+            <a:lvl8pPr marL="3429000" indent="-228600" eaLnBrk="0" fontAlgn="base" hangingPunct="0">
+              <a:spcBef>
+                <a:spcPct val="0"/>
+              </a:spcBef>
+              <a:spcAft>
+                <a:spcPct val="0"/>
+              </a:spcAft>
+              <a:defRPr sz="2400">
+                <a:solidFill>
+                  <a:schemeClr val="tx1"/>
+                </a:solidFill>
+                <a:latin typeface="Trebuchet MS" charset="0"/>
+                <a:ea typeface="ＭＳ Ｐゴシック" charset="0"/>
+              </a:defRPr>
+            </a:lvl8pPr>
+            <a:lvl9pPr marL="3886200" indent="-228600" eaLnBrk="0" fontAlgn="base" hangingPunct="0">
+              <a:spcBef>
+                <a:spcPct val="0"/>
+              </a:spcBef>
+              <a:spcAft>
+                <a:spcPct val="0"/>
+              </a:spcAft>
+              <a:defRPr sz="2400">
+                <a:solidFill>
+                  <a:schemeClr val="tx1"/>
+                </a:solidFill>
+                <a:latin typeface="Trebuchet MS" charset="0"/>
+                <a:ea typeface="ＭＳ Ｐゴシック" charset="0"/>
+              </a:defRPr>
+            </a:lvl9pPr>
+          </a:lstStyle>
+          <a:p>
+            <a:pPr algn="l" eaLnBrk="1" hangingPunct="1"/>
+            <a:r>
+              <a:rPr lang="en-US" sz="1200" b="1" dirty="0">
+                <a:solidFill>
+                  <a:srgbClr val="122956"/>
+                </a:solidFill>
+                <a:cs typeface="Trebuchet MS" charset="0"/>
+              </a:rPr>
+              <a:t>9</a:t>
+            </a:r>
+            <a:r>
+              <a:rPr lang="en-US" sz="1200" b="1" dirty="0" smtClean="0">
+                <a:solidFill>
+                  <a:srgbClr val="122956"/>
+                </a:solidFill>
+                <a:cs typeface="Trebuchet MS" charset="0"/>
+              </a:rPr>
+              <a:t>-</a:t>
+            </a:r>
+            <a:fld id="{31B56995-E14C-B64F-86C9-12D6DB74A41E}" type="slidenum">
+              <a:rPr lang="en-US" sz="1200" b="1">
+                <a:solidFill>
+                  <a:srgbClr val="122956"/>
+                </a:solidFill>
+                <a:cs typeface="Trebuchet MS" charset="0"/>
+              </a:rPr>
+              <a:pPr algn="l" eaLnBrk="1" hangingPunct="1"/>
+              <a:t>16</a:t>
+            </a:fld>
+            <a:endParaRPr lang="en-US" sz="1200" b="1" dirty="0">
+              <a:solidFill>
+                <a:srgbClr val="122956"/>
+              </a:solidFill>
+              <a:cs typeface="Trebuchet MS" charset="0"/>
             </a:endParaRPr>
           </a:p>
         </p:txBody>
@@ -12045,6 +13557,195 @@
           </a:p>
         </p:txBody>
       </p:sp>
+      <p:sp>
+        <p:nvSpPr>
+          <p:cNvPr id="7" name="Slide Number Placeholder 5"/>
+          <p:cNvSpPr>
+            <a:spLocks noGrp="1"/>
+          </p:cNvSpPr>
+          <p:nvPr>
+            <p:ph type="sldNum" sz="quarter" idx="12"/>
+          </p:nvPr>
+        </p:nvSpPr>
+        <p:spPr bwMode="auto">
+          <a:xfrm>
+            <a:off x="203200" y="6400800"/>
+            <a:ext cx="2133600" cy="365125"/>
+          </a:xfrm>
+          <a:noFill/>
+          <a:extLst>
+            <a:ext uri="{909E8E84-426E-40dd-AFC4-6F175D3DCCD1}">
+              <a14:hiddenFill xmlns:a14="http://schemas.microsoft.com/office/drawing/2010/main">
+                <a:solidFill>
+                  <a:srgbClr val="FFFFFF"/>
+                </a:solidFill>
+              </a14:hiddenFill>
+            </a:ext>
+            <a:ext uri="{91240B29-F687-4f45-9708-019B960494DF}">
+              <a14:hiddenLine xmlns:a14="http://schemas.microsoft.com/office/drawing/2010/main" w="9525">
+                <a:solidFill>
+                  <a:srgbClr val="000000"/>
+                </a:solidFill>
+                <a:miter lim="800000"/>
+                <a:headEnd/>
+                <a:tailEnd/>
+              </a14:hiddenLine>
+            </a:ext>
+          </a:extLst>
+        </p:spPr>
+        <p:txBody>
+          <a:bodyPr vert="horz" wrap="square" lIns="91440" tIns="45720" rIns="91440" bIns="45720" numCol="1" anchor="ctr" anchorCtr="0" compatLnSpc="1">
+            <a:prstTxWarp prst="textNoShape">
+              <a:avLst/>
+            </a:prstTxWarp>
+          </a:bodyPr>
+          <a:lstStyle>
+            <a:lvl1pPr eaLnBrk="0" hangingPunct="0">
+              <a:defRPr sz="2400">
+                <a:solidFill>
+                  <a:schemeClr val="tx1"/>
+                </a:solidFill>
+                <a:latin typeface="Trebuchet MS" charset="0"/>
+                <a:ea typeface="ＭＳ Ｐゴシック" charset="0"/>
+                <a:cs typeface="ＭＳ Ｐゴシック" charset="0"/>
+              </a:defRPr>
+            </a:lvl1pPr>
+            <a:lvl2pPr marL="742950" indent="-285750" eaLnBrk="0" hangingPunct="0">
+              <a:defRPr sz="2400">
+                <a:solidFill>
+                  <a:schemeClr val="tx1"/>
+                </a:solidFill>
+                <a:latin typeface="Trebuchet MS" charset="0"/>
+                <a:ea typeface="ＭＳ Ｐゴシック" charset="0"/>
+              </a:defRPr>
+            </a:lvl2pPr>
+            <a:lvl3pPr marL="1143000" indent="-228600" eaLnBrk="0" hangingPunct="0">
+              <a:defRPr sz="2400">
+                <a:solidFill>
+                  <a:schemeClr val="tx1"/>
+                </a:solidFill>
+                <a:latin typeface="Trebuchet MS" charset="0"/>
+                <a:ea typeface="ＭＳ Ｐゴシック" charset="0"/>
+              </a:defRPr>
+            </a:lvl3pPr>
+            <a:lvl4pPr marL="1600200" indent="-228600" eaLnBrk="0" hangingPunct="0">
+              <a:defRPr sz="2400">
+                <a:solidFill>
+                  <a:schemeClr val="tx1"/>
+                </a:solidFill>
+                <a:latin typeface="Trebuchet MS" charset="0"/>
+                <a:ea typeface="ＭＳ Ｐゴシック" charset="0"/>
+              </a:defRPr>
+            </a:lvl4pPr>
+            <a:lvl5pPr marL="2057400" indent="-228600" eaLnBrk="0" hangingPunct="0">
+              <a:defRPr sz="2400">
+                <a:solidFill>
+                  <a:schemeClr val="tx1"/>
+                </a:solidFill>
+                <a:latin typeface="Trebuchet MS" charset="0"/>
+                <a:ea typeface="ＭＳ Ｐゴシック" charset="0"/>
+              </a:defRPr>
+            </a:lvl5pPr>
+            <a:lvl6pPr marL="2514600" indent="-228600" eaLnBrk="0" fontAlgn="base" hangingPunct="0">
+              <a:spcBef>
+                <a:spcPct val="0"/>
+              </a:spcBef>
+              <a:spcAft>
+                <a:spcPct val="0"/>
+              </a:spcAft>
+              <a:defRPr sz="2400">
+                <a:solidFill>
+                  <a:schemeClr val="tx1"/>
+                </a:solidFill>
+                <a:latin typeface="Trebuchet MS" charset="0"/>
+                <a:ea typeface="ＭＳ Ｐゴシック" charset="0"/>
+              </a:defRPr>
+            </a:lvl6pPr>
+            <a:lvl7pPr marL="2971800" indent="-228600" eaLnBrk="0" fontAlgn="base" hangingPunct="0">
+              <a:spcBef>
+                <a:spcPct val="0"/>
+              </a:spcBef>
+              <a:spcAft>
+                <a:spcPct val="0"/>
+              </a:spcAft>
+              <a:defRPr sz="2400">
+                <a:solidFill>
+                  <a:schemeClr val="tx1"/>
+                </a:solidFill>
+                <a:latin typeface="Trebuchet MS" charset="0"/>
+                <a:ea typeface="ＭＳ Ｐゴシック" charset="0"/>
+              </a:defRPr>
+            </a:lvl7pPr>
+            <a:lvl8pPr marL="3429000" indent="-228600" eaLnBrk="0" fontAlgn="base" hangingPunct="0">
+              <a:spcBef>
+                <a:spcPct val="0"/>
+              </a:spcBef>
+              <a:spcAft>
+                <a:spcPct val="0"/>
+              </a:spcAft>
+              <a:defRPr sz="2400">
+                <a:solidFill>
+                  <a:schemeClr val="tx1"/>
+                </a:solidFill>
+                <a:latin typeface="Trebuchet MS" charset="0"/>
+                <a:ea typeface="ＭＳ Ｐゴシック" charset="0"/>
+              </a:defRPr>
+            </a:lvl8pPr>
+            <a:lvl9pPr marL="3886200" indent="-228600" eaLnBrk="0" fontAlgn="base" hangingPunct="0">
+              <a:spcBef>
+                <a:spcPct val="0"/>
+              </a:spcBef>
+              <a:spcAft>
+                <a:spcPct val="0"/>
+              </a:spcAft>
+              <a:defRPr sz="2400">
+                <a:solidFill>
+                  <a:schemeClr val="tx1"/>
+                </a:solidFill>
+                <a:latin typeface="Trebuchet MS" charset="0"/>
+                <a:ea typeface="ＭＳ Ｐゴシック" charset="0"/>
+              </a:defRPr>
+            </a:lvl9pPr>
+          </a:lstStyle>
+          <a:p>
+            <a:pPr algn="l" eaLnBrk="1" hangingPunct="1"/>
+            <a:r>
+              <a:rPr lang="en-US" sz="1200" b="1" dirty="0">
+                <a:solidFill>
+                  <a:srgbClr val="122956"/>
+                </a:solidFill>
+                <a:cs typeface="Trebuchet MS" charset="0"/>
+              </a:rPr>
+              <a:t>9</a:t>
+            </a:r>
+            <a:r>
+              <a:rPr lang="en-US" sz="1200" b="1" dirty="0" smtClean="0">
+                <a:solidFill>
+                  <a:srgbClr val="122956"/>
+                </a:solidFill>
+                <a:cs typeface="Trebuchet MS" charset="0"/>
+              </a:rPr>
+              <a:t>-</a:t>
+            </a:r>
+            <a:fld id="{31B56995-E14C-B64F-86C9-12D6DB74A41E}" type="slidenum">
+              <a:rPr lang="en-US" sz="1200" b="1">
+                <a:solidFill>
+                  <a:srgbClr val="122956"/>
+                </a:solidFill>
+                <a:cs typeface="Trebuchet MS" charset="0"/>
+              </a:rPr>
+              <a:pPr algn="l" eaLnBrk="1" hangingPunct="1"/>
+              <a:t>17</a:t>
+            </a:fld>
+            <a:endParaRPr lang="en-US" sz="1200" b="1" dirty="0">
+              <a:solidFill>
+                <a:srgbClr val="122956"/>
+              </a:solidFill>
+              <a:cs typeface="Trebuchet MS" charset="0"/>
+            </a:endParaRPr>
+          </a:p>
+        </p:txBody>
+      </p:sp>
     </p:spTree>
     <p:extLst>
       <p:ext uri="{BB962C8B-B14F-4D97-AF65-F5344CB8AC3E}">
@@ -12407,6 +14108,195 @@
               <a:latin typeface="Trebuchet MS" charset="0"/>
               <a:ea typeface="ヒラギノ角ゴ ProN W3" charset="0"/>
               <a:cs typeface="ヒラギノ角ゴ ProN W3" charset="0"/>
+            </a:endParaRPr>
+          </a:p>
+        </p:txBody>
+      </p:sp>
+      <p:sp>
+        <p:nvSpPr>
+          <p:cNvPr id="7" name="Slide Number Placeholder 5"/>
+          <p:cNvSpPr>
+            <a:spLocks noGrp="1"/>
+          </p:cNvSpPr>
+          <p:nvPr>
+            <p:ph type="sldNum" sz="quarter" idx="12"/>
+          </p:nvPr>
+        </p:nvSpPr>
+        <p:spPr bwMode="auto">
+          <a:xfrm>
+            <a:off x="203200" y="6400800"/>
+            <a:ext cx="2133600" cy="365125"/>
+          </a:xfrm>
+          <a:noFill/>
+          <a:extLst>
+            <a:ext uri="{909E8E84-426E-40dd-AFC4-6F175D3DCCD1}">
+              <a14:hiddenFill xmlns:a14="http://schemas.microsoft.com/office/drawing/2010/main">
+                <a:solidFill>
+                  <a:srgbClr val="FFFFFF"/>
+                </a:solidFill>
+              </a14:hiddenFill>
+            </a:ext>
+            <a:ext uri="{91240B29-F687-4f45-9708-019B960494DF}">
+              <a14:hiddenLine xmlns:a14="http://schemas.microsoft.com/office/drawing/2010/main" w="9525">
+                <a:solidFill>
+                  <a:srgbClr val="000000"/>
+                </a:solidFill>
+                <a:miter lim="800000"/>
+                <a:headEnd/>
+                <a:tailEnd/>
+              </a14:hiddenLine>
+            </a:ext>
+          </a:extLst>
+        </p:spPr>
+        <p:txBody>
+          <a:bodyPr vert="horz" wrap="square" lIns="91440" tIns="45720" rIns="91440" bIns="45720" numCol="1" anchor="ctr" anchorCtr="0" compatLnSpc="1">
+            <a:prstTxWarp prst="textNoShape">
+              <a:avLst/>
+            </a:prstTxWarp>
+          </a:bodyPr>
+          <a:lstStyle>
+            <a:lvl1pPr eaLnBrk="0" hangingPunct="0">
+              <a:defRPr sz="2400">
+                <a:solidFill>
+                  <a:schemeClr val="tx1"/>
+                </a:solidFill>
+                <a:latin typeface="Trebuchet MS" charset="0"/>
+                <a:ea typeface="ＭＳ Ｐゴシック" charset="0"/>
+                <a:cs typeface="ＭＳ Ｐゴシック" charset="0"/>
+              </a:defRPr>
+            </a:lvl1pPr>
+            <a:lvl2pPr marL="742950" indent="-285750" eaLnBrk="0" hangingPunct="0">
+              <a:defRPr sz="2400">
+                <a:solidFill>
+                  <a:schemeClr val="tx1"/>
+                </a:solidFill>
+                <a:latin typeface="Trebuchet MS" charset="0"/>
+                <a:ea typeface="ＭＳ Ｐゴシック" charset="0"/>
+              </a:defRPr>
+            </a:lvl2pPr>
+            <a:lvl3pPr marL="1143000" indent="-228600" eaLnBrk="0" hangingPunct="0">
+              <a:defRPr sz="2400">
+                <a:solidFill>
+                  <a:schemeClr val="tx1"/>
+                </a:solidFill>
+                <a:latin typeface="Trebuchet MS" charset="0"/>
+                <a:ea typeface="ＭＳ Ｐゴシック" charset="0"/>
+              </a:defRPr>
+            </a:lvl3pPr>
+            <a:lvl4pPr marL="1600200" indent="-228600" eaLnBrk="0" hangingPunct="0">
+              <a:defRPr sz="2400">
+                <a:solidFill>
+                  <a:schemeClr val="tx1"/>
+                </a:solidFill>
+                <a:latin typeface="Trebuchet MS" charset="0"/>
+                <a:ea typeface="ＭＳ Ｐゴシック" charset="0"/>
+              </a:defRPr>
+            </a:lvl4pPr>
+            <a:lvl5pPr marL="2057400" indent="-228600" eaLnBrk="0" hangingPunct="0">
+              <a:defRPr sz="2400">
+                <a:solidFill>
+                  <a:schemeClr val="tx1"/>
+                </a:solidFill>
+                <a:latin typeface="Trebuchet MS" charset="0"/>
+                <a:ea typeface="ＭＳ Ｐゴシック" charset="0"/>
+              </a:defRPr>
+            </a:lvl5pPr>
+            <a:lvl6pPr marL="2514600" indent="-228600" eaLnBrk="0" fontAlgn="base" hangingPunct="0">
+              <a:spcBef>
+                <a:spcPct val="0"/>
+              </a:spcBef>
+              <a:spcAft>
+                <a:spcPct val="0"/>
+              </a:spcAft>
+              <a:defRPr sz="2400">
+                <a:solidFill>
+                  <a:schemeClr val="tx1"/>
+                </a:solidFill>
+                <a:latin typeface="Trebuchet MS" charset="0"/>
+                <a:ea typeface="ＭＳ Ｐゴシック" charset="0"/>
+              </a:defRPr>
+            </a:lvl6pPr>
+            <a:lvl7pPr marL="2971800" indent="-228600" eaLnBrk="0" fontAlgn="base" hangingPunct="0">
+              <a:spcBef>
+                <a:spcPct val="0"/>
+              </a:spcBef>
+              <a:spcAft>
+                <a:spcPct val="0"/>
+              </a:spcAft>
+              <a:defRPr sz="2400">
+                <a:solidFill>
+                  <a:schemeClr val="tx1"/>
+                </a:solidFill>
+                <a:latin typeface="Trebuchet MS" charset="0"/>
+                <a:ea typeface="ＭＳ Ｐゴシック" charset="0"/>
+              </a:defRPr>
+            </a:lvl7pPr>
+            <a:lvl8pPr marL="3429000" indent="-228600" eaLnBrk="0" fontAlgn="base" hangingPunct="0">
+              <a:spcBef>
+                <a:spcPct val="0"/>
+              </a:spcBef>
+              <a:spcAft>
+                <a:spcPct val="0"/>
+              </a:spcAft>
+              <a:defRPr sz="2400">
+                <a:solidFill>
+                  <a:schemeClr val="tx1"/>
+                </a:solidFill>
+                <a:latin typeface="Trebuchet MS" charset="0"/>
+                <a:ea typeface="ＭＳ Ｐゴシック" charset="0"/>
+              </a:defRPr>
+            </a:lvl8pPr>
+            <a:lvl9pPr marL="3886200" indent="-228600" eaLnBrk="0" fontAlgn="base" hangingPunct="0">
+              <a:spcBef>
+                <a:spcPct val="0"/>
+              </a:spcBef>
+              <a:spcAft>
+                <a:spcPct val="0"/>
+              </a:spcAft>
+              <a:defRPr sz="2400">
+                <a:solidFill>
+                  <a:schemeClr val="tx1"/>
+                </a:solidFill>
+                <a:latin typeface="Trebuchet MS" charset="0"/>
+                <a:ea typeface="ＭＳ Ｐゴシック" charset="0"/>
+              </a:defRPr>
+            </a:lvl9pPr>
+          </a:lstStyle>
+          <a:p>
+            <a:pPr algn="l" eaLnBrk="1" hangingPunct="1"/>
+            <a:r>
+              <a:rPr lang="en-US" sz="1200" b="1" dirty="0">
+                <a:solidFill>
+                  <a:srgbClr val="122956"/>
+                </a:solidFill>
+                <a:cs typeface="Trebuchet MS" charset="0"/>
+              </a:rPr>
+              <a:t>9</a:t>
+            </a:r>
+            <a:r>
+              <a:rPr lang="en-US" sz="1200" b="1" dirty="0" smtClean="0">
+                <a:solidFill>
+                  <a:srgbClr val="122956"/>
+                </a:solidFill>
+                <a:cs typeface="Trebuchet MS" charset="0"/>
+              </a:rPr>
+              <a:t>-</a:t>
+            </a:r>
+            <a:fld id="{31B56995-E14C-B64F-86C9-12D6DB74A41E}" type="slidenum">
+              <a:rPr lang="en-US" sz="1200" b="1">
+                <a:solidFill>
+                  <a:srgbClr val="122956"/>
+                </a:solidFill>
+                <a:cs typeface="Trebuchet MS" charset="0"/>
+              </a:rPr>
+              <a:pPr algn="l" eaLnBrk="1" hangingPunct="1"/>
+              <a:t>18</a:t>
+            </a:fld>
+            <a:endParaRPr lang="en-US" sz="1200" b="1" dirty="0">
+              <a:solidFill>
+                <a:srgbClr val="122956"/>
+              </a:solidFill>
+              <a:cs typeface="Trebuchet MS" charset="0"/>
             </a:endParaRPr>
           </a:p>
         </p:txBody>
@@ -12766,6 +14656,195 @@
           </a:prstGeom>
         </p:spPr>
       </p:pic>
+      <p:sp>
+        <p:nvSpPr>
+          <p:cNvPr id="8" name="Slide Number Placeholder 5"/>
+          <p:cNvSpPr>
+            <a:spLocks noGrp="1"/>
+          </p:cNvSpPr>
+          <p:nvPr>
+            <p:ph type="sldNum" sz="quarter" idx="12"/>
+          </p:nvPr>
+        </p:nvSpPr>
+        <p:spPr bwMode="auto">
+          <a:xfrm>
+            <a:off x="203200" y="6400800"/>
+            <a:ext cx="2133600" cy="365125"/>
+          </a:xfrm>
+          <a:noFill/>
+          <a:extLst>
+            <a:ext uri="{909E8E84-426E-40dd-AFC4-6F175D3DCCD1}">
+              <a14:hiddenFill xmlns:a14="http://schemas.microsoft.com/office/drawing/2010/main">
+                <a:solidFill>
+                  <a:srgbClr val="FFFFFF"/>
+                </a:solidFill>
+              </a14:hiddenFill>
+            </a:ext>
+            <a:ext uri="{91240B29-F687-4f45-9708-019B960494DF}">
+              <a14:hiddenLine xmlns:a14="http://schemas.microsoft.com/office/drawing/2010/main" w="9525">
+                <a:solidFill>
+                  <a:srgbClr val="000000"/>
+                </a:solidFill>
+                <a:miter lim="800000"/>
+                <a:headEnd/>
+                <a:tailEnd/>
+              </a14:hiddenLine>
+            </a:ext>
+          </a:extLst>
+        </p:spPr>
+        <p:txBody>
+          <a:bodyPr vert="horz" wrap="square" lIns="91440" tIns="45720" rIns="91440" bIns="45720" numCol="1" anchor="ctr" anchorCtr="0" compatLnSpc="1">
+            <a:prstTxWarp prst="textNoShape">
+              <a:avLst/>
+            </a:prstTxWarp>
+          </a:bodyPr>
+          <a:lstStyle>
+            <a:lvl1pPr eaLnBrk="0" hangingPunct="0">
+              <a:defRPr sz="2400">
+                <a:solidFill>
+                  <a:schemeClr val="tx1"/>
+                </a:solidFill>
+                <a:latin typeface="Trebuchet MS" charset="0"/>
+                <a:ea typeface="ＭＳ Ｐゴシック" charset="0"/>
+                <a:cs typeface="ＭＳ Ｐゴシック" charset="0"/>
+              </a:defRPr>
+            </a:lvl1pPr>
+            <a:lvl2pPr marL="742950" indent="-285750" eaLnBrk="0" hangingPunct="0">
+              <a:defRPr sz="2400">
+                <a:solidFill>
+                  <a:schemeClr val="tx1"/>
+                </a:solidFill>
+                <a:latin typeface="Trebuchet MS" charset="0"/>
+                <a:ea typeface="ＭＳ Ｐゴシック" charset="0"/>
+              </a:defRPr>
+            </a:lvl2pPr>
+            <a:lvl3pPr marL="1143000" indent="-228600" eaLnBrk="0" hangingPunct="0">
+              <a:defRPr sz="2400">
+                <a:solidFill>
+                  <a:schemeClr val="tx1"/>
+                </a:solidFill>
+                <a:latin typeface="Trebuchet MS" charset="0"/>
+                <a:ea typeface="ＭＳ Ｐゴシック" charset="0"/>
+              </a:defRPr>
+            </a:lvl3pPr>
+            <a:lvl4pPr marL="1600200" indent="-228600" eaLnBrk="0" hangingPunct="0">
+              <a:defRPr sz="2400">
+                <a:solidFill>
+                  <a:schemeClr val="tx1"/>
+                </a:solidFill>
+                <a:latin typeface="Trebuchet MS" charset="0"/>
+                <a:ea typeface="ＭＳ Ｐゴシック" charset="0"/>
+              </a:defRPr>
+            </a:lvl4pPr>
+            <a:lvl5pPr marL="2057400" indent="-228600" eaLnBrk="0" hangingPunct="0">
+              <a:defRPr sz="2400">
+                <a:solidFill>
+                  <a:schemeClr val="tx1"/>
+                </a:solidFill>
+                <a:latin typeface="Trebuchet MS" charset="0"/>
+                <a:ea typeface="ＭＳ Ｐゴシック" charset="0"/>
+              </a:defRPr>
+            </a:lvl5pPr>
+            <a:lvl6pPr marL="2514600" indent="-228600" eaLnBrk="0" fontAlgn="base" hangingPunct="0">
+              <a:spcBef>
+                <a:spcPct val="0"/>
+              </a:spcBef>
+              <a:spcAft>
+                <a:spcPct val="0"/>
+              </a:spcAft>
+              <a:defRPr sz="2400">
+                <a:solidFill>
+                  <a:schemeClr val="tx1"/>
+                </a:solidFill>
+                <a:latin typeface="Trebuchet MS" charset="0"/>
+                <a:ea typeface="ＭＳ Ｐゴシック" charset="0"/>
+              </a:defRPr>
+            </a:lvl6pPr>
+            <a:lvl7pPr marL="2971800" indent="-228600" eaLnBrk="0" fontAlgn="base" hangingPunct="0">
+              <a:spcBef>
+                <a:spcPct val="0"/>
+              </a:spcBef>
+              <a:spcAft>
+                <a:spcPct val="0"/>
+              </a:spcAft>
+              <a:defRPr sz="2400">
+                <a:solidFill>
+                  <a:schemeClr val="tx1"/>
+                </a:solidFill>
+                <a:latin typeface="Trebuchet MS" charset="0"/>
+                <a:ea typeface="ＭＳ Ｐゴシック" charset="0"/>
+              </a:defRPr>
+            </a:lvl7pPr>
+            <a:lvl8pPr marL="3429000" indent="-228600" eaLnBrk="0" fontAlgn="base" hangingPunct="0">
+              <a:spcBef>
+                <a:spcPct val="0"/>
+              </a:spcBef>
+              <a:spcAft>
+                <a:spcPct val="0"/>
+              </a:spcAft>
+              <a:defRPr sz="2400">
+                <a:solidFill>
+                  <a:schemeClr val="tx1"/>
+                </a:solidFill>
+                <a:latin typeface="Trebuchet MS" charset="0"/>
+                <a:ea typeface="ＭＳ Ｐゴシック" charset="0"/>
+              </a:defRPr>
+            </a:lvl8pPr>
+            <a:lvl9pPr marL="3886200" indent="-228600" eaLnBrk="0" fontAlgn="base" hangingPunct="0">
+              <a:spcBef>
+                <a:spcPct val="0"/>
+              </a:spcBef>
+              <a:spcAft>
+                <a:spcPct val="0"/>
+              </a:spcAft>
+              <a:defRPr sz="2400">
+                <a:solidFill>
+                  <a:schemeClr val="tx1"/>
+                </a:solidFill>
+                <a:latin typeface="Trebuchet MS" charset="0"/>
+                <a:ea typeface="ＭＳ Ｐゴシック" charset="0"/>
+              </a:defRPr>
+            </a:lvl9pPr>
+          </a:lstStyle>
+          <a:p>
+            <a:pPr algn="l" eaLnBrk="1" hangingPunct="1"/>
+            <a:r>
+              <a:rPr lang="en-US" sz="1200" b="1" dirty="0">
+                <a:solidFill>
+                  <a:srgbClr val="122956"/>
+                </a:solidFill>
+                <a:cs typeface="Trebuchet MS" charset="0"/>
+              </a:rPr>
+              <a:t>9</a:t>
+            </a:r>
+            <a:r>
+              <a:rPr lang="en-US" sz="1200" b="1" dirty="0" smtClean="0">
+                <a:solidFill>
+                  <a:srgbClr val="122956"/>
+                </a:solidFill>
+                <a:cs typeface="Trebuchet MS" charset="0"/>
+              </a:rPr>
+              <a:t>-</a:t>
+            </a:r>
+            <a:fld id="{31B56995-E14C-B64F-86C9-12D6DB74A41E}" type="slidenum">
+              <a:rPr lang="en-US" sz="1200" b="1">
+                <a:solidFill>
+                  <a:srgbClr val="122956"/>
+                </a:solidFill>
+                <a:cs typeface="Trebuchet MS" charset="0"/>
+              </a:rPr>
+              <a:pPr algn="l" eaLnBrk="1" hangingPunct="1"/>
+              <a:t>19</a:t>
+            </a:fld>
+            <a:endParaRPr lang="en-US" sz="1200" b="1" dirty="0">
+              <a:solidFill>
+                <a:srgbClr val="122956"/>
+              </a:solidFill>
+              <a:cs typeface="Trebuchet MS" charset="0"/>
+            </a:endParaRPr>
+          </a:p>
+        </p:txBody>
+      </p:sp>
     </p:spTree>
     <p:extLst>
       <p:ext uri="{BB962C8B-B14F-4D97-AF65-F5344CB8AC3E}">
@@ -13137,6 +15216,195 @@
           </a:p>
         </p:txBody>
       </p:sp>
+      <p:sp>
+        <p:nvSpPr>
+          <p:cNvPr id="7" name="Slide Number Placeholder 5"/>
+          <p:cNvSpPr>
+            <a:spLocks noGrp="1"/>
+          </p:cNvSpPr>
+          <p:nvPr>
+            <p:ph type="sldNum" sz="quarter" idx="12"/>
+          </p:nvPr>
+        </p:nvSpPr>
+        <p:spPr bwMode="auto">
+          <a:xfrm>
+            <a:off x="203200" y="6400800"/>
+            <a:ext cx="2133600" cy="365125"/>
+          </a:xfrm>
+          <a:noFill/>
+          <a:extLst>
+            <a:ext uri="{909E8E84-426E-40dd-AFC4-6F175D3DCCD1}">
+              <a14:hiddenFill xmlns:a14="http://schemas.microsoft.com/office/drawing/2010/main">
+                <a:solidFill>
+                  <a:srgbClr val="FFFFFF"/>
+                </a:solidFill>
+              </a14:hiddenFill>
+            </a:ext>
+            <a:ext uri="{91240B29-F687-4f45-9708-019B960494DF}">
+              <a14:hiddenLine xmlns:a14="http://schemas.microsoft.com/office/drawing/2010/main" w="9525">
+                <a:solidFill>
+                  <a:srgbClr val="000000"/>
+                </a:solidFill>
+                <a:miter lim="800000"/>
+                <a:headEnd/>
+                <a:tailEnd/>
+              </a14:hiddenLine>
+            </a:ext>
+          </a:extLst>
+        </p:spPr>
+        <p:txBody>
+          <a:bodyPr vert="horz" wrap="square" lIns="91440" tIns="45720" rIns="91440" bIns="45720" numCol="1" anchor="ctr" anchorCtr="0" compatLnSpc="1">
+            <a:prstTxWarp prst="textNoShape">
+              <a:avLst/>
+            </a:prstTxWarp>
+          </a:bodyPr>
+          <a:lstStyle>
+            <a:lvl1pPr eaLnBrk="0" hangingPunct="0">
+              <a:defRPr sz="2400">
+                <a:solidFill>
+                  <a:schemeClr val="tx1"/>
+                </a:solidFill>
+                <a:latin typeface="Trebuchet MS" charset="0"/>
+                <a:ea typeface="ＭＳ Ｐゴシック" charset="0"/>
+                <a:cs typeface="ＭＳ Ｐゴシック" charset="0"/>
+              </a:defRPr>
+            </a:lvl1pPr>
+            <a:lvl2pPr marL="742950" indent="-285750" eaLnBrk="0" hangingPunct="0">
+              <a:defRPr sz="2400">
+                <a:solidFill>
+                  <a:schemeClr val="tx1"/>
+                </a:solidFill>
+                <a:latin typeface="Trebuchet MS" charset="0"/>
+                <a:ea typeface="ＭＳ Ｐゴシック" charset="0"/>
+              </a:defRPr>
+            </a:lvl2pPr>
+            <a:lvl3pPr marL="1143000" indent="-228600" eaLnBrk="0" hangingPunct="0">
+              <a:defRPr sz="2400">
+                <a:solidFill>
+                  <a:schemeClr val="tx1"/>
+                </a:solidFill>
+                <a:latin typeface="Trebuchet MS" charset="0"/>
+                <a:ea typeface="ＭＳ Ｐゴシック" charset="0"/>
+              </a:defRPr>
+            </a:lvl3pPr>
+            <a:lvl4pPr marL="1600200" indent="-228600" eaLnBrk="0" hangingPunct="0">
+              <a:defRPr sz="2400">
+                <a:solidFill>
+                  <a:schemeClr val="tx1"/>
+                </a:solidFill>
+                <a:latin typeface="Trebuchet MS" charset="0"/>
+                <a:ea typeface="ＭＳ Ｐゴシック" charset="0"/>
+              </a:defRPr>
+            </a:lvl4pPr>
+            <a:lvl5pPr marL="2057400" indent="-228600" eaLnBrk="0" hangingPunct="0">
+              <a:defRPr sz="2400">
+                <a:solidFill>
+                  <a:schemeClr val="tx1"/>
+                </a:solidFill>
+                <a:latin typeface="Trebuchet MS" charset="0"/>
+                <a:ea typeface="ＭＳ Ｐゴシック" charset="0"/>
+              </a:defRPr>
+            </a:lvl5pPr>
+            <a:lvl6pPr marL="2514600" indent="-228600" eaLnBrk="0" fontAlgn="base" hangingPunct="0">
+              <a:spcBef>
+                <a:spcPct val="0"/>
+              </a:spcBef>
+              <a:spcAft>
+                <a:spcPct val="0"/>
+              </a:spcAft>
+              <a:defRPr sz="2400">
+                <a:solidFill>
+                  <a:schemeClr val="tx1"/>
+                </a:solidFill>
+                <a:latin typeface="Trebuchet MS" charset="0"/>
+                <a:ea typeface="ＭＳ Ｐゴシック" charset="0"/>
+              </a:defRPr>
+            </a:lvl6pPr>
+            <a:lvl7pPr marL="2971800" indent="-228600" eaLnBrk="0" fontAlgn="base" hangingPunct="0">
+              <a:spcBef>
+                <a:spcPct val="0"/>
+              </a:spcBef>
+              <a:spcAft>
+                <a:spcPct val="0"/>
+              </a:spcAft>
+              <a:defRPr sz="2400">
+                <a:solidFill>
+                  <a:schemeClr val="tx1"/>
+                </a:solidFill>
+                <a:latin typeface="Trebuchet MS" charset="0"/>
+                <a:ea typeface="ＭＳ Ｐゴシック" charset="0"/>
+              </a:defRPr>
+            </a:lvl7pPr>
+            <a:lvl8pPr marL="3429000" indent="-228600" eaLnBrk="0" fontAlgn="base" hangingPunct="0">
+              <a:spcBef>
+                <a:spcPct val="0"/>
+              </a:spcBef>
+              <a:spcAft>
+                <a:spcPct val="0"/>
+              </a:spcAft>
+              <a:defRPr sz="2400">
+                <a:solidFill>
+                  <a:schemeClr val="tx1"/>
+                </a:solidFill>
+                <a:latin typeface="Trebuchet MS" charset="0"/>
+                <a:ea typeface="ＭＳ Ｐゴシック" charset="0"/>
+              </a:defRPr>
+            </a:lvl8pPr>
+            <a:lvl9pPr marL="3886200" indent="-228600" eaLnBrk="0" fontAlgn="base" hangingPunct="0">
+              <a:spcBef>
+                <a:spcPct val="0"/>
+              </a:spcBef>
+              <a:spcAft>
+                <a:spcPct val="0"/>
+              </a:spcAft>
+              <a:defRPr sz="2400">
+                <a:solidFill>
+                  <a:schemeClr val="tx1"/>
+                </a:solidFill>
+                <a:latin typeface="Trebuchet MS" charset="0"/>
+                <a:ea typeface="ＭＳ Ｐゴシック" charset="0"/>
+              </a:defRPr>
+            </a:lvl9pPr>
+          </a:lstStyle>
+          <a:p>
+            <a:pPr algn="l" eaLnBrk="1" hangingPunct="1"/>
+            <a:r>
+              <a:rPr lang="en-US" sz="1200" b="1" dirty="0">
+                <a:solidFill>
+                  <a:srgbClr val="122956"/>
+                </a:solidFill>
+                <a:cs typeface="Trebuchet MS" charset="0"/>
+              </a:rPr>
+              <a:t>9</a:t>
+            </a:r>
+            <a:r>
+              <a:rPr lang="en-US" sz="1200" b="1" dirty="0" smtClean="0">
+                <a:solidFill>
+                  <a:srgbClr val="122956"/>
+                </a:solidFill>
+                <a:cs typeface="Trebuchet MS" charset="0"/>
+              </a:rPr>
+              <a:t>-</a:t>
+            </a:r>
+            <a:fld id="{31B56995-E14C-B64F-86C9-12D6DB74A41E}" type="slidenum">
+              <a:rPr lang="en-US" sz="1200" b="1">
+                <a:solidFill>
+                  <a:srgbClr val="122956"/>
+                </a:solidFill>
+                <a:cs typeface="Trebuchet MS" charset="0"/>
+              </a:rPr>
+              <a:pPr algn="l" eaLnBrk="1" hangingPunct="1"/>
+              <a:t>2</a:t>
+            </a:fld>
+            <a:endParaRPr lang="en-US" sz="1200" b="1" dirty="0">
+              <a:solidFill>
+                <a:srgbClr val="122956"/>
+              </a:solidFill>
+              <a:cs typeface="Trebuchet MS" charset="0"/>
+            </a:endParaRPr>
+          </a:p>
+        </p:txBody>
+      </p:sp>
     </p:spTree>
   </p:cSld>
   <p:clrMapOvr>
@@ -13459,6 +15727,195 @@
               <a:latin typeface="Trebuchet MS" charset="0"/>
               <a:ea typeface="ヒラギノ角ゴ ProN W3" charset="0"/>
               <a:cs typeface="ヒラギノ角ゴ ProN W3" charset="0"/>
+            </a:endParaRPr>
+          </a:p>
+        </p:txBody>
+      </p:sp>
+      <p:sp>
+        <p:nvSpPr>
+          <p:cNvPr id="7" name="Slide Number Placeholder 5"/>
+          <p:cNvSpPr>
+            <a:spLocks noGrp="1"/>
+          </p:cNvSpPr>
+          <p:nvPr>
+            <p:ph type="sldNum" sz="quarter" idx="12"/>
+          </p:nvPr>
+        </p:nvSpPr>
+        <p:spPr bwMode="auto">
+          <a:xfrm>
+            <a:off x="203200" y="6400800"/>
+            <a:ext cx="2133600" cy="365125"/>
+          </a:xfrm>
+          <a:noFill/>
+          <a:extLst>
+            <a:ext uri="{909E8E84-426E-40dd-AFC4-6F175D3DCCD1}">
+              <a14:hiddenFill xmlns:a14="http://schemas.microsoft.com/office/drawing/2010/main">
+                <a:solidFill>
+                  <a:srgbClr val="FFFFFF"/>
+                </a:solidFill>
+              </a14:hiddenFill>
+            </a:ext>
+            <a:ext uri="{91240B29-F687-4f45-9708-019B960494DF}">
+              <a14:hiddenLine xmlns:a14="http://schemas.microsoft.com/office/drawing/2010/main" w="9525">
+                <a:solidFill>
+                  <a:srgbClr val="000000"/>
+                </a:solidFill>
+                <a:miter lim="800000"/>
+                <a:headEnd/>
+                <a:tailEnd/>
+              </a14:hiddenLine>
+            </a:ext>
+          </a:extLst>
+        </p:spPr>
+        <p:txBody>
+          <a:bodyPr vert="horz" wrap="square" lIns="91440" tIns="45720" rIns="91440" bIns="45720" numCol="1" anchor="ctr" anchorCtr="0" compatLnSpc="1">
+            <a:prstTxWarp prst="textNoShape">
+              <a:avLst/>
+            </a:prstTxWarp>
+          </a:bodyPr>
+          <a:lstStyle>
+            <a:lvl1pPr eaLnBrk="0" hangingPunct="0">
+              <a:defRPr sz="2400">
+                <a:solidFill>
+                  <a:schemeClr val="tx1"/>
+                </a:solidFill>
+                <a:latin typeface="Trebuchet MS" charset="0"/>
+                <a:ea typeface="ＭＳ Ｐゴシック" charset="0"/>
+                <a:cs typeface="ＭＳ Ｐゴシック" charset="0"/>
+              </a:defRPr>
+            </a:lvl1pPr>
+            <a:lvl2pPr marL="742950" indent="-285750" eaLnBrk="0" hangingPunct="0">
+              <a:defRPr sz="2400">
+                <a:solidFill>
+                  <a:schemeClr val="tx1"/>
+                </a:solidFill>
+                <a:latin typeface="Trebuchet MS" charset="0"/>
+                <a:ea typeface="ＭＳ Ｐゴシック" charset="0"/>
+              </a:defRPr>
+            </a:lvl2pPr>
+            <a:lvl3pPr marL="1143000" indent="-228600" eaLnBrk="0" hangingPunct="0">
+              <a:defRPr sz="2400">
+                <a:solidFill>
+                  <a:schemeClr val="tx1"/>
+                </a:solidFill>
+                <a:latin typeface="Trebuchet MS" charset="0"/>
+                <a:ea typeface="ＭＳ Ｐゴシック" charset="0"/>
+              </a:defRPr>
+            </a:lvl3pPr>
+            <a:lvl4pPr marL="1600200" indent="-228600" eaLnBrk="0" hangingPunct="0">
+              <a:defRPr sz="2400">
+                <a:solidFill>
+                  <a:schemeClr val="tx1"/>
+                </a:solidFill>
+                <a:latin typeface="Trebuchet MS" charset="0"/>
+                <a:ea typeface="ＭＳ Ｐゴシック" charset="0"/>
+              </a:defRPr>
+            </a:lvl4pPr>
+            <a:lvl5pPr marL="2057400" indent="-228600" eaLnBrk="0" hangingPunct="0">
+              <a:defRPr sz="2400">
+                <a:solidFill>
+                  <a:schemeClr val="tx1"/>
+                </a:solidFill>
+                <a:latin typeface="Trebuchet MS" charset="0"/>
+                <a:ea typeface="ＭＳ Ｐゴシック" charset="0"/>
+              </a:defRPr>
+            </a:lvl5pPr>
+            <a:lvl6pPr marL="2514600" indent="-228600" eaLnBrk="0" fontAlgn="base" hangingPunct="0">
+              <a:spcBef>
+                <a:spcPct val="0"/>
+              </a:spcBef>
+              <a:spcAft>
+                <a:spcPct val="0"/>
+              </a:spcAft>
+              <a:defRPr sz="2400">
+                <a:solidFill>
+                  <a:schemeClr val="tx1"/>
+                </a:solidFill>
+                <a:latin typeface="Trebuchet MS" charset="0"/>
+                <a:ea typeface="ＭＳ Ｐゴシック" charset="0"/>
+              </a:defRPr>
+            </a:lvl6pPr>
+            <a:lvl7pPr marL="2971800" indent="-228600" eaLnBrk="0" fontAlgn="base" hangingPunct="0">
+              <a:spcBef>
+                <a:spcPct val="0"/>
+              </a:spcBef>
+              <a:spcAft>
+                <a:spcPct val="0"/>
+              </a:spcAft>
+              <a:defRPr sz="2400">
+                <a:solidFill>
+                  <a:schemeClr val="tx1"/>
+                </a:solidFill>
+                <a:latin typeface="Trebuchet MS" charset="0"/>
+                <a:ea typeface="ＭＳ Ｐゴシック" charset="0"/>
+              </a:defRPr>
+            </a:lvl7pPr>
+            <a:lvl8pPr marL="3429000" indent="-228600" eaLnBrk="0" fontAlgn="base" hangingPunct="0">
+              <a:spcBef>
+                <a:spcPct val="0"/>
+              </a:spcBef>
+              <a:spcAft>
+                <a:spcPct val="0"/>
+              </a:spcAft>
+              <a:defRPr sz="2400">
+                <a:solidFill>
+                  <a:schemeClr val="tx1"/>
+                </a:solidFill>
+                <a:latin typeface="Trebuchet MS" charset="0"/>
+                <a:ea typeface="ＭＳ Ｐゴシック" charset="0"/>
+              </a:defRPr>
+            </a:lvl8pPr>
+            <a:lvl9pPr marL="3886200" indent="-228600" eaLnBrk="0" fontAlgn="base" hangingPunct="0">
+              <a:spcBef>
+                <a:spcPct val="0"/>
+              </a:spcBef>
+              <a:spcAft>
+                <a:spcPct val="0"/>
+              </a:spcAft>
+              <a:defRPr sz="2400">
+                <a:solidFill>
+                  <a:schemeClr val="tx1"/>
+                </a:solidFill>
+                <a:latin typeface="Trebuchet MS" charset="0"/>
+                <a:ea typeface="ＭＳ Ｐゴシック" charset="0"/>
+              </a:defRPr>
+            </a:lvl9pPr>
+          </a:lstStyle>
+          <a:p>
+            <a:pPr algn="l" eaLnBrk="1" hangingPunct="1"/>
+            <a:r>
+              <a:rPr lang="en-US" sz="1200" b="1" dirty="0">
+                <a:solidFill>
+                  <a:srgbClr val="122956"/>
+                </a:solidFill>
+                <a:cs typeface="Trebuchet MS" charset="0"/>
+              </a:rPr>
+              <a:t>9</a:t>
+            </a:r>
+            <a:r>
+              <a:rPr lang="en-US" sz="1200" b="1" dirty="0" smtClean="0">
+                <a:solidFill>
+                  <a:srgbClr val="122956"/>
+                </a:solidFill>
+                <a:cs typeface="Trebuchet MS" charset="0"/>
+              </a:rPr>
+              <a:t>-</a:t>
+            </a:r>
+            <a:fld id="{31B56995-E14C-B64F-86C9-12D6DB74A41E}" type="slidenum">
+              <a:rPr lang="en-US" sz="1200" b="1">
+                <a:solidFill>
+                  <a:srgbClr val="122956"/>
+                </a:solidFill>
+                <a:cs typeface="Trebuchet MS" charset="0"/>
+              </a:rPr>
+              <a:pPr algn="l" eaLnBrk="1" hangingPunct="1"/>
+              <a:t>20</a:t>
+            </a:fld>
+            <a:endParaRPr lang="en-US" sz="1200" b="1" dirty="0">
+              <a:solidFill>
+                <a:srgbClr val="122956"/>
+              </a:solidFill>
+              <a:cs typeface="Trebuchet MS" charset="0"/>
             </a:endParaRPr>
           </a:p>
         </p:txBody>
@@ -13600,6 +16057,195 @@
           </a:p>
         </p:txBody>
       </p:sp>
+      <p:sp>
+        <p:nvSpPr>
+          <p:cNvPr id="4" name="Slide Number Placeholder 5"/>
+          <p:cNvSpPr>
+            <a:spLocks noGrp="1"/>
+          </p:cNvSpPr>
+          <p:nvPr>
+            <p:ph type="sldNum" sz="quarter" idx="12"/>
+          </p:nvPr>
+        </p:nvSpPr>
+        <p:spPr bwMode="auto">
+          <a:xfrm>
+            <a:off x="203200" y="6400800"/>
+            <a:ext cx="2133600" cy="365125"/>
+          </a:xfrm>
+          <a:noFill/>
+          <a:extLst>
+            <a:ext uri="{909E8E84-426E-40dd-AFC4-6F175D3DCCD1}">
+              <a14:hiddenFill xmlns:a14="http://schemas.microsoft.com/office/drawing/2010/main">
+                <a:solidFill>
+                  <a:srgbClr val="FFFFFF"/>
+                </a:solidFill>
+              </a14:hiddenFill>
+            </a:ext>
+            <a:ext uri="{91240B29-F687-4f45-9708-019B960494DF}">
+              <a14:hiddenLine xmlns:a14="http://schemas.microsoft.com/office/drawing/2010/main" w="9525">
+                <a:solidFill>
+                  <a:srgbClr val="000000"/>
+                </a:solidFill>
+                <a:miter lim="800000"/>
+                <a:headEnd/>
+                <a:tailEnd/>
+              </a14:hiddenLine>
+            </a:ext>
+          </a:extLst>
+        </p:spPr>
+        <p:txBody>
+          <a:bodyPr vert="horz" wrap="square" lIns="91440" tIns="45720" rIns="91440" bIns="45720" numCol="1" anchor="ctr" anchorCtr="0" compatLnSpc="1">
+            <a:prstTxWarp prst="textNoShape">
+              <a:avLst/>
+            </a:prstTxWarp>
+          </a:bodyPr>
+          <a:lstStyle>
+            <a:lvl1pPr eaLnBrk="0" hangingPunct="0">
+              <a:defRPr sz="2400">
+                <a:solidFill>
+                  <a:schemeClr val="tx1"/>
+                </a:solidFill>
+                <a:latin typeface="Trebuchet MS" charset="0"/>
+                <a:ea typeface="ＭＳ Ｐゴシック" charset="0"/>
+                <a:cs typeface="ＭＳ Ｐゴシック" charset="0"/>
+              </a:defRPr>
+            </a:lvl1pPr>
+            <a:lvl2pPr marL="742950" indent="-285750" eaLnBrk="0" hangingPunct="0">
+              <a:defRPr sz="2400">
+                <a:solidFill>
+                  <a:schemeClr val="tx1"/>
+                </a:solidFill>
+                <a:latin typeface="Trebuchet MS" charset="0"/>
+                <a:ea typeface="ＭＳ Ｐゴシック" charset="0"/>
+              </a:defRPr>
+            </a:lvl2pPr>
+            <a:lvl3pPr marL="1143000" indent="-228600" eaLnBrk="0" hangingPunct="0">
+              <a:defRPr sz="2400">
+                <a:solidFill>
+                  <a:schemeClr val="tx1"/>
+                </a:solidFill>
+                <a:latin typeface="Trebuchet MS" charset="0"/>
+                <a:ea typeface="ＭＳ Ｐゴシック" charset="0"/>
+              </a:defRPr>
+            </a:lvl3pPr>
+            <a:lvl4pPr marL="1600200" indent="-228600" eaLnBrk="0" hangingPunct="0">
+              <a:defRPr sz="2400">
+                <a:solidFill>
+                  <a:schemeClr val="tx1"/>
+                </a:solidFill>
+                <a:latin typeface="Trebuchet MS" charset="0"/>
+                <a:ea typeface="ＭＳ Ｐゴシック" charset="0"/>
+              </a:defRPr>
+            </a:lvl4pPr>
+            <a:lvl5pPr marL="2057400" indent="-228600" eaLnBrk="0" hangingPunct="0">
+              <a:defRPr sz="2400">
+                <a:solidFill>
+                  <a:schemeClr val="tx1"/>
+                </a:solidFill>
+                <a:latin typeface="Trebuchet MS" charset="0"/>
+                <a:ea typeface="ＭＳ Ｐゴシック" charset="0"/>
+              </a:defRPr>
+            </a:lvl5pPr>
+            <a:lvl6pPr marL="2514600" indent="-228600" eaLnBrk="0" fontAlgn="base" hangingPunct="0">
+              <a:spcBef>
+                <a:spcPct val="0"/>
+              </a:spcBef>
+              <a:spcAft>
+                <a:spcPct val="0"/>
+              </a:spcAft>
+              <a:defRPr sz="2400">
+                <a:solidFill>
+                  <a:schemeClr val="tx1"/>
+                </a:solidFill>
+                <a:latin typeface="Trebuchet MS" charset="0"/>
+                <a:ea typeface="ＭＳ Ｐゴシック" charset="0"/>
+              </a:defRPr>
+            </a:lvl6pPr>
+            <a:lvl7pPr marL="2971800" indent="-228600" eaLnBrk="0" fontAlgn="base" hangingPunct="0">
+              <a:spcBef>
+                <a:spcPct val="0"/>
+              </a:spcBef>
+              <a:spcAft>
+                <a:spcPct val="0"/>
+              </a:spcAft>
+              <a:defRPr sz="2400">
+                <a:solidFill>
+                  <a:schemeClr val="tx1"/>
+                </a:solidFill>
+                <a:latin typeface="Trebuchet MS" charset="0"/>
+                <a:ea typeface="ＭＳ Ｐゴシック" charset="0"/>
+              </a:defRPr>
+            </a:lvl7pPr>
+            <a:lvl8pPr marL="3429000" indent="-228600" eaLnBrk="0" fontAlgn="base" hangingPunct="0">
+              <a:spcBef>
+                <a:spcPct val="0"/>
+              </a:spcBef>
+              <a:spcAft>
+                <a:spcPct val="0"/>
+              </a:spcAft>
+              <a:defRPr sz="2400">
+                <a:solidFill>
+                  <a:schemeClr val="tx1"/>
+                </a:solidFill>
+                <a:latin typeface="Trebuchet MS" charset="0"/>
+                <a:ea typeface="ＭＳ Ｐゴシック" charset="0"/>
+              </a:defRPr>
+            </a:lvl8pPr>
+            <a:lvl9pPr marL="3886200" indent="-228600" eaLnBrk="0" fontAlgn="base" hangingPunct="0">
+              <a:spcBef>
+                <a:spcPct val="0"/>
+              </a:spcBef>
+              <a:spcAft>
+                <a:spcPct val="0"/>
+              </a:spcAft>
+              <a:defRPr sz="2400">
+                <a:solidFill>
+                  <a:schemeClr val="tx1"/>
+                </a:solidFill>
+                <a:latin typeface="Trebuchet MS" charset="0"/>
+                <a:ea typeface="ＭＳ Ｐゴシック" charset="0"/>
+              </a:defRPr>
+            </a:lvl9pPr>
+          </a:lstStyle>
+          <a:p>
+            <a:pPr algn="l" eaLnBrk="1" hangingPunct="1"/>
+            <a:r>
+              <a:rPr lang="en-US" sz="1200" b="1" dirty="0">
+                <a:solidFill>
+                  <a:srgbClr val="122956"/>
+                </a:solidFill>
+                <a:cs typeface="Trebuchet MS" charset="0"/>
+              </a:rPr>
+              <a:t>9</a:t>
+            </a:r>
+            <a:r>
+              <a:rPr lang="en-US" sz="1200" b="1" dirty="0" smtClean="0">
+                <a:solidFill>
+                  <a:srgbClr val="122956"/>
+                </a:solidFill>
+                <a:cs typeface="Trebuchet MS" charset="0"/>
+              </a:rPr>
+              <a:t>-</a:t>
+            </a:r>
+            <a:fld id="{31B56995-E14C-B64F-86C9-12D6DB74A41E}" type="slidenum">
+              <a:rPr lang="en-US" sz="1200" b="1">
+                <a:solidFill>
+                  <a:srgbClr val="122956"/>
+                </a:solidFill>
+                <a:cs typeface="Trebuchet MS" charset="0"/>
+              </a:rPr>
+              <a:pPr algn="l" eaLnBrk="1" hangingPunct="1"/>
+              <a:t>21</a:t>
+            </a:fld>
+            <a:endParaRPr lang="en-US" sz="1200" b="1" dirty="0">
+              <a:solidFill>
+                <a:srgbClr val="122956"/>
+              </a:solidFill>
+              <a:cs typeface="Trebuchet MS" charset="0"/>
+            </a:endParaRPr>
+          </a:p>
+        </p:txBody>
+      </p:sp>
     </p:spTree>
     <p:extLst>
       <p:ext uri="{BB962C8B-B14F-4D97-AF65-F5344CB8AC3E}">
@@ -13927,6 +16573,195 @@
               <a:latin typeface="Trebuchet MS" charset="0"/>
               <a:ea typeface="ヒラギノ角ゴ ProN W3" charset="0"/>
               <a:cs typeface="ヒラギノ角ゴ ProN W3" charset="0"/>
+            </a:endParaRPr>
+          </a:p>
+        </p:txBody>
+      </p:sp>
+      <p:sp>
+        <p:nvSpPr>
+          <p:cNvPr id="7" name="Slide Number Placeholder 5"/>
+          <p:cNvSpPr>
+            <a:spLocks noGrp="1"/>
+          </p:cNvSpPr>
+          <p:nvPr>
+            <p:ph type="sldNum" sz="quarter" idx="12"/>
+          </p:nvPr>
+        </p:nvSpPr>
+        <p:spPr bwMode="auto">
+          <a:xfrm>
+            <a:off x="203200" y="6400800"/>
+            <a:ext cx="2133600" cy="365125"/>
+          </a:xfrm>
+          <a:noFill/>
+          <a:extLst>
+            <a:ext uri="{909E8E84-426E-40dd-AFC4-6F175D3DCCD1}">
+              <a14:hiddenFill xmlns:a14="http://schemas.microsoft.com/office/drawing/2010/main">
+                <a:solidFill>
+                  <a:srgbClr val="FFFFFF"/>
+                </a:solidFill>
+              </a14:hiddenFill>
+            </a:ext>
+            <a:ext uri="{91240B29-F687-4f45-9708-019B960494DF}">
+              <a14:hiddenLine xmlns:a14="http://schemas.microsoft.com/office/drawing/2010/main" w="9525">
+                <a:solidFill>
+                  <a:srgbClr val="000000"/>
+                </a:solidFill>
+                <a:miter lim="800000"/>
+                <a:headEnd/>
+                <a:tailEnd/>
+              </a14:hiddenLine>
+            </a:ext>
+          </a:extLst>
+        </p:spPr>
+        <p:txBody>
+          <a:bodyPr vert="horz" wrap="square" lIns="91440" tIns="45720" rIns="91440" bIns="45720" numCol="1" anchor="ctr" anchorCtr="0" compatLnSpc="1">
+            <a:prstTxWarp prst="textNoShape">
+              <a:avLst/>
+            </a:prstTxWarp>
+          </a:bodyPr>
+          <a:lstStyle>
+            <a:lvl1pPr eaLnBrk="0" hangingPunct="0">
+              <a:defRPr sz="2400">
+                <a:solidFill>
+                  <a:schemeClr val="tx1"/>
+                </a:solidFill>
+                <a:latin typeface="Trebuchet MS" charset="0"/>
+                <a:ea typeface="ＭＳ Ｐゴシック" charset="0"/>
+                <a:cs typeface="ＭＳ Ｐゴシック" charset="0"/>
+              </a:defRPr>
+            </a:lvl1pPr>
+            <a:lvl2pPr marL="742950" indent="-285750" eaLnBrk="0" hangingPunct="0">
+              <a:defRPr sz="2400">
+                <a:solidFill>
+                  <a:schemeClr val="tx1"/>
+                </a:solidFill>
+                <a:latin typeface="Trebuchet MS" charset="0"/>
+                <a:ea typeface="ＭＳ Ｐゴシック" charset="0"/>
+              </a:defRPr>
+            </a:lvl2pPr>
+            <a:lvl3pPr marL="1143000" indent="-228600" eaLnBrk="0" hangingPunct="0">
+              <a:defRPr sz="2400">
+                <a:solidFill>
+                  <a:schemeClr val="tx1"/>
+                </a:solidFill>
+                <a:latin typeface="Trebuchet MS" charset="0"/>
+                <a:ea typeface="ＭＳ Ｐゴシック" charset="0"/>
+              </a:defRPr>
+            </a:lvl3pPr>
+            <a:lvl4pPr marL="1600200" indent="-228600" eaLnBrk="0" hangingPunct="0">
+              <a:defRPr sz="2400">
+                <a:solidFill>
+                  <a:schemeClr val="tx1"/>
+                </a:solidFill>
+                <a:latin typeface="Trebuchet MS" charset="0"/>
+                <a:ea typeface="ＭＳ Ｐゴシック" charset="0"/>
+              </a:defRPr>
+            </a:lvl4pPr>
+            <a:lvl5pPr marL="2057400" indent="-228600" eaLnBrk="0" hangingPunct="0">
+              <a:defRPr sz="2400">
+                <a:solidFill>
+                  <a:schemeClr val="tx1"/>
+                </a:solidFill>
+                <a:latin typeface="Trebuchet MS" charset="0"/>
+                <a:ea typeface="ＭＳ Ｐゴシック" charset="0"/>
+              </a:defRPr>
+            </a:lvl5pPr>
+            <a:lvl6pPr marL="2514600" indent="-228600" eaLnBrk="0" fontAlgn="base" hangingPunct="0">
+              <a:spcBef>
+                <a:spcPct val="0"/>
+              </a:spcBef>
+              <a:spcAft>
+                <a:spcPct val="0"/>
+              </a:spcAft>
+              <a:defRPr sz="2400">
+                <a:solidFill>
+                  <a:schemeClr val="tx1"/>
+                </a:solidFill>
+                <a:latin typeface="Trebuchet MS" charset="0"/>
+                <a:ea typeface="ＭＳ Ｐゴシック" charset="0"/>
+              </a:defRPr>
+            </a:lvl6pPr>
+            <a:lvl7pPr marL="2971800" indent="-228600" eaLnBrk="0" fontAlgn="base" hangingPunct="0">
+              <a:spcBef>
+                <a:spcPct val="0"/>
+              </a:spcBef>
+              <a:spcAft>
+                <a:spcPct val="0"/>
+              </a:spcAft>
+              <a:defRPr sz="2400">
+                <a:solidFill>
+                  <a:schemeClr val="tx1"/>
+                </a:solidFill>
+                <a:latin typeface="Trebuchet MS" charset="0"/>
+                <a:ea typeface="ＭＳ Ｐゴシック" charset="0"/>
+              </a:defRPr>
+            </a:lvl7pPr>
+            <a:lvl8pPr marL="3429000" indent="-228600" eaLnBrk="0" fontAlgn="base" hangingPunct="0">
+              <a:spcBef>
+                <a:spcPct val="0"/>
+              </a:spcBef>
+              <a:spcAft>
+                <a:spcPct val="0"/>
+              </a:spcAft>
+              <a:defRPr sz="2400">
+                <a:solidFill>
+                  <a:schemeClr val="tx1"/>
+                </a:solidFill>
+                <a:latin typeface="Trebuchet MS" charset="0"/>
+                <a:ea typeface="ＭＳ Ｐゴシック" charset="0"/>
+              </a:defRPr>
+            </a:lvl8pPr>
+            <a:lvl9pPr marL="3886200" indent="-228600" eaLnBrk="0" fontAlgn="base" hangingPunct="0">
+              <a:spcBef>
+                <a:spcPct val="0"/>
+              </a:spcBef>
+              <a:spcAft>
+                <a:spcPct val="0"/>
+              </a:spcAft>
+              <a:defRPr sz="2400">
+                <a:solidFill>
+                  <a:schemeClr val="tx1"/>
+                </a:solidFill>
+                <a:latin typeface="Trebuchet MS" charset="0"/>
+                <a:ea typeface="ＭＳ Ｐゴシック" charset="0"/>
+              </a:defRPr>
+            </a:lvl9pPr>
+          </a:lstStyle>
+          <a:p>
+            <a:pPr algn="l" eaLnBrk="1" hangingPunct="1"/>
+            <a:r>
+              <a:rPr lang="en-US" sz="1200" b="1" dirty="0">
+                <a:solidFill>
+                  <a:srgbClr val="122956"/>
+                </a:solidFill>
+                <a:cs typeface="Trebuchet MS" charset="0"/>
+              </a:rPr>
+              <a:t>9</a:t>
+            </a:r>
+            <a:r>
+              <a:rPr lang="en-US" sz="1200" b="1" dirty="0" smtClean="0">
+                <a:solidFill>
+                  <a:srgbClr val="122956"/>
+                </a:solidFill>
+                <a:cs typeface="Trebuchet MS" charset="0"/>
+              </a:rPr>
+              <a:t>-</a:t>
+            </a:r>
+            <a:fld id="{31B56995-E14C-B64F-86C9-12D6DB74A41E}" type="slidenum">
+              <a:rPr lang="en-US" sz="1200" b="1">
+                <a:solidFill>
+                  <a:srgbClr val="122956"/>
+                </a:solidFill>
+                <a:cs typeface="Trebuchet MS" charset="0"/>
+              </a:rPr>
+              <a:pPr algn="l" eaLnBrk="1" hangingPunct="1"/>
+              <a:t>22</a:t>
+            </a:fld>
+            <a:endParaRPr lang="en-US" sz="1200" b="1" dirty="0">
+              <a:solidFill>
+                <a:srgbClr val="122956"/>
+              </a:solidFill>
+              <a:cs typeface="Trebuchet MS" charset="0"/>
             </a:endParaRPr>
           </a:p>
         </p:txBody>
@@ -14243,6 +17078,195 @@
           </a:p>
         </p:txBody>
       </p:sp>
+      <p:sp>
+        <p:nvSpPr>
+          <p:cNvPr id="7" name="Slide Number Placeholder 5"/>
+          <p:cNvSpPr>
+            <a:spLocks noGrp="1"/>
+          </p:cNvSpPr>
+          <p:nvPr>
+            <p:ph type="sldNum" sz="quarter" idx="12"/>
+          </p:nvPr>
+        </p:nvSpPr>
+        <p:spPr bwMode="auto">
+          <a:xfrm>
+            <a:off x="203200" y="6400800"/>
+            <a:ext cx="2133600" cy="365125"/>
+          </a:xfrm>
+          <a:noFill/>
+          <a:extLst>
+            <a:ext uri="{909E8E84-426E-40dd-AFC4-6F175D3DCCD1}">
+              <a14:hiddenFill xmlns:a14="http://schemas.microsoft.com/office/drawing/2010/main">
+                <a:solidFill>
+                  <a:srgbClr val="FFFFFF"/>
+                </a:solidFill>
+              </a14:hiddenFill>
+            </a:ext>
+            <a:ext uri="{91240B29-F687-4f45-9708-019B960494DF}">
+              <a14:hiddenLine xmlns:a14="http://schemas.microsoft.com/office/drawing/2010/main" w="9525">
+                <a:solidFill>
+                  <a:srgbClr val="000000"/>
+                </a:solidFill>
+                <a:miter lim="800000"/>
+                <a:headEnd/>
+                <a:tailEnd/>
+              </a14:hiddenLine>
+            </a:ext>
+          </a:extLst>
+        </p:spPr>
+        <p:txBody>
+          <a:bodyPr vert="horz" wrap="square" lIns="91440" tIns="45720" rIns="91440" bIns="45720" numCol="1" anchor="ctr" anchorCtr="0" compatLnSpc="1">
+            <a:prstTxWarp prst="textNoShape">
+              <a:avLst/>
+            </a:prstTxWarp>
+          </a:bodyPr>
+          <a:lstStyle>
+            <a:lvl1pPr eaLnBrk="0" hangingPunct="0">
+              <a:defRPr sz="2400">
+                <a:solidFill>
+                  <a:schemeClr val="tx1"/>
+                </a:solidFill>
+                <a:latin typeface="Trebuchet MS" charset="0"/>
+                <a:ea typeface="ＭＳ Ｐゴシック" charset="0"/>
+                <a:cs typeface="ＭＳ Ｐゴシック" charset="0"/>
+              </a:defRPr>
+            </a:lvl1pPr>
+            <a:lvl2pPr marL="742950" indent="-285750" eaLnBrk="0" hangingPunct="0">
+              <a:defRPr sz="2400">
+                <a:solidFill>
+                  <a:schemeClr val="tx1"/>
+                </a:solidFill>
+                <a:latin typeface="Trebuchet MS" charset="0"/>
+                <a:ea typeface="ＭＳ Ｐゴシック" charset="0"/>
+              </a:defRPr>
+            </a:lvl2pPr>
+            <a:lvl3pPr marL="1143000" indent="-228600" eaLnBrk="0" hangingPunct="0">
+              <a:defRPr sz="2400">
+                <a:solidFill>
+                  <a:schemeClr val="tx1"/>
+                </a:solidFill>
+                <a:latin typeface="Trebuchet MS" charset="0"/>
+                <a:ea typeface="ＭＳ Ｐゴシック" charset="0"/>
+              </a:defRPr>
+            </a:lvl3pPr>
+            <a:lvl4pPr marL="1600200" indent="-228600" eaLnBrk="0" hangingPunct="0">
+              <a:defRPr sz="2400">
+                <a:solidFill>
+                  <a:schemeClr val="tx1"/>
+                </a:solidFill>
+                <a:latin typeface="Trebuchet MS" charset="0"/>
+                <a:ea typeface="ＭＳ Ｐゴシック" charset="0"/>
+              </a:defRPr>
+            </a:lvl4pPr>
+            <a:lvl5pPr marL="2057400" indent="-228600" eaLnBrk="0" hangingPunct="0">
+              <a:defRPr sz="2400">
+                <a:solidFill>
+                  <a:schemeClr val="tx1"/>
+                </a:solidFill>
+                <a:latin typeface="Trebuchet MS" charset="0"/>
+                <a:ea typeface="ＭＳ Ｐゴシック" charset="0"/>
+              </a:defRPr>
+            </a:lvl5pPr>
+            <a:lvl6pPr marL="2514600" indent="-228600" eaLnBrk="0" fontAlgn="base" hangingPunct="0">
+              <a:spcBef>
+                <a:spcPct val="0"/>
+              </a:spcBef>
+              <a:spcAft>
+                <a:spcPct val="0"/>
+              </a:spcAft>
+              <a:defRPr sz="2400">
+                <a:solidFill>
+                  <a:schemeClr val="tx1"/>
+                </a:solidFill>
+                <a:latin typeface="Trebuchet MS" charset="0"/>
+                <a:ea typeface="ＭＳ Ｐゴシック" charset="0"/>
+              </a:defRPr>
+            </a:lvl6pPr>
+            <a:lvl7pPr marL="2971800" indent="-228600" eaLnBrk="0" fontAlgn="base" hangingPunct="0">
+              <a:spcBef>
+                <a:spcPct val="0"/>
+              </a:spcBef>
+              <a:spcAft>
+                <a:spcPct val="0"/>
+              </a:spcAft>
+              <a:defRPr sz="2400">
+                <a:solidFill>
+                  <a:schemeClr val="tx1"/>
+                </a:solidFill>
+                <a:latin typeface="Trebuchet MS" charset="0"/>
+                <a:ea typeface="ＭＳ Ｐゴシック" charset="0"/>
+              </a:defRPr>
+            </a:lvl7pPr>
+            <a:lvl8pPr marL="3429000" indent="-228600" eaLnBrk="0" fontAlgn="base" hangingPunct="0">
+              <a:spcBef>
+                <a:spcPct val="0"/>
+              </a:spcBef>
+              <a:spcAft>
+                <a:spcPct val="0"/>
+              </a:spcAft>
+              <a:defRPr sz="2400">
+                <a:solidFill>
+                  <a:schemeClr val="tx1"/>
+                </a:solidFill>
+                <a:latin typeface="Trebuchet MS" charset="0"/>
+                <a:ea typeface="ＭＳ Ｐゴシック" charset="0"/>
+              </a:defRPr>
+            </a:lvl8pPr>
+            <a:lvl9pPr marL="3886200" indent="-228600" eaLnBrk="0" fontAlgn="base" hangingPunct="0">
+              <a:spcBef>
+                <a:spcPct val="0"/>
+              </a:spcBef>
+              <a:spcAft>
+                <a:spcPct val="0"/>
+              </a:spcAft>
+              <a:defRPr sz="2400">
+                <a:solidFill>
+                  <a:schemeClr val="tx1"/>
+                </a:solidFill>
+                <a:latin typeface="Trebuchet MS" charset="0"/>
+                <a:ea typeface="ＭＳ Ｐゴシック" charset="0"/>
+              </a:defRPr>
+            </a:lvl9pPr>
+          </a:lstStyle>
+          <a:p>
+            <a:pPr algn="l" eaLnBrk="1" hangingPunct="1"/>
+            <a:r>
+              <a:rPr lang="en-US" sz="1200" b="1" dirty="0">
+                <a:solidFill>
+                  <a:srgbClr val="122956"/>
+                </a:solidFill>
+                <a:cs typeface="Trebuchet MS" charset="0"/>
+              </a:rPr>
+              <a:t>9</a:t>
+            </a:r>
+            <a:r>
+              <a:rPr lang="en-US" sz="1200" b="1" dirty="0" smtClean="0">
+                <a:solidFill>
+                  <a:srgbClr val="122956"/>
+                </a:solidFill>
+                <a:cs typeface="Trebuchet MS" charset="0"/>
+              </a:rPr>
+              <a:t>-</a:t>
+            </a:r>
+            <a:fld id="{31B56995-E14C-B64F-86C9-12D6DB74A41E}" type="slidenum">
+              <a:rPr lang="en-US" sz="1200" b="1">
+                <a:solidFill>
+                  <a:srgbClr val="122956"/>
+                </a:solidFill>
+                <a:cs typeface="Trebuchet MS" charset="0"/>
+              </a:rPr>
+              <a:pPr algn="l" eaLnBrk="1" hangingPunct="1"/>
+              <a:t>23</a:t>
+            </a:fld>
+            <a:endParaRPr lang="en-US" sz="1200" b="1" dirty="0">
+              <a:solidFill>
+                <a:srgbClr val="122956"/>
+              </a:solidFill>
+              <a:cs typeface="Trebuchet MS" charset="0"/>
+            </a:endParaRPr>
+          </a:p>
+        </p:txBody>
+      </p:sp>
     </p:spTree>
     <p:extLst>
       <p:ext uri="{BB962C8B-B14F-4D97-AF65-F5344CB8AC3E}">
@@ -14551,6 +17575,195 @@
               <a:latin typeface="Trebuchet MS" charset="0"/>
               <a:ea typeface="ヒラギノ角ゴ ProN W3" charset="0"/>
               <a:cs typeface="ヒラギノ角ゴ ProN W3" charset="0"/>
+            </a:endParaRPr>
+          </a:p>
+        </p:txBody>
+      </p:sp>
+      <p:sp>
+        <p:nvSpPr>
+          <p:cNvPr id="7" name="Slide Number Placeholder 5"/>
+          <p:cNvSpPr>
+            <a:spLocks noGrp="1"/>
+          </p:cNvSpPr>
+          <p:nvPr>
+            <p:ph type="sldNum" sz="quarter" idx="12"/>
+          </p:nvPr>
+        </p:nvSpPr>
+        <p:spPr bwMode="auto">
+          <a:xfrm>
+            <a:off x="203200" y="6400800"/>
+            <a:ext cx="2133600" cy="365125"/>
+          </a:xfrm>
+          <a:noFill/>
+          <a:extLst>
+            <a:ext uri="{909E8E84-426E-40dd-AFC4-6F175D3DCCD1}">
+              <a14:hiddenFill xmlns:a14="http://schemas.microsoft.com/office/drawing/2010/main">
+                <a:solidFill>
+                  <a:srgbClr val="FFFFFF"/>
+                </a:solidFill>
+              </a14:hiddenFill>
+            </a:ext>
+            <a:ext uri="{91240B29-F687-4f45-9708-019B960494DF}">
+              <a14:hiddenLine xmlns:a14="http://schemas.microsoft.com/office/drawing/2010/main" w="9525">
+                <a:solidFill>
+                  <a:srgbClr val="000000"/>
+                </a:solidFill>
+                <a:miter lim="800000"/>
+                <a:headEnd/>
+                <a:tailEnd/>
+              </a14:hiddenLine>
+            </a:ext>
+          </a:extLst>
+        </p:spPr>
+        <p:txBody>
+          <a:bodyPr vert="horz" wrap="square" lIns="91440" tIns="45720" rIns="91440" bIns="45720" numCol="1" anchor="ctr" anchorCtr="0" compatLnSpc="1">
+            <a:prstTxWarp prst="textNoShape">
+              <a:avLst/>
+            </a:prstTxWarp>
+          </a:bodyPr>
+          <a:lstStyle>
+            <a:lvl1pPr eaLnBrk="0" hangingPunct="0">
+              <a:defRPr sz="2400">
+                <a:solidFill>
+                  <a:schemeClr val="tx1"/>
+                </a:solidFill>
+                <a:latin typeface="Trebuchet MS" charset="0"/>
+                <a:ea typeface="ＭＳ Ｐゴシック" charset="0"/>
+                <a:cs typeface="ＭＳ Ｐゴシック" charset="0"/>
+              </a:defRPr>
+            </a:lvl1pPr>
+            <a:lvl2pPr marL="742950" indent="-285750" eaLnBrk="0" hangingPunct="0">
+              <a:defRPr sz="2400">
+                <a:solidFill>
+                  <a:schemeClr val="tx1"/>
+                </a:solidFill>
+                <a:latin typeface="Trebuchet MS" charset="0"/>
+                <a:ea typeface="ＭＳ Ｐゴシック" charset="0"/>
+              </a:defRPr>
+            </a:lvl2pPr>
+            <a:lvl3pPr marL="1143000" indent="-228600" eaLnBrk="0" hangingPunct="0">
+              <a:defRPr sz="2400">
+                <a:solidFill>
+                  <a:schemeClr val="tx1"/>
+                </a:solidFill>
+                <a:latin typeface="Trebuchet MS" charset="0"/>
+                <a:ea typeface="ＭＳ Ｐゴシック" charset="0"/>
+              </a:defRPr>
+            </a:lvl3pPr>
+            <a:lvl4pPr marL="1600200" indent="-228600" eaLnBrk="0" hangingPunct="0">
+              <a:defRPr sz="2400">
+                <a:solidFill>
+                  <a:schemeClr val="tx1"/>
+                </a:solidFill>
+                <a:latin typeface="Trebuchet MS" charset="0"/>
+                <a:ea typeface="ＭＳ Ｐゴシック" charset="0"/>
+              </a:defRPr>
+            </a:lvl4pPr>
+            <a:lvl5pPr marL="2057400" indent="-228600" eaLnBrk="0" hangingPunct="0">
+              <a:defRPr sz="2400">
+                <a:solidFill>
+                  <a:schemeClr val="tx1"/>
+                </a:solidFill>
+                <a:latin typeface="Trebuchet MS" charset="0"/>
+                <a:ea typeface="ＭＳ Ｐゴシック" charset="0"/>
+              </a:defRPr>
+            </a:lvl5pPr>
+            <a:lvl6pPr marL="2514600" indent="-228600" eaLnBrk="0" fontAlgn="base" hangingPunct="0">
+              <a:spcBef>
+                <a:spcPct val="0"/>
+              </a:spcBef>
+              <a:spcAft>
+                <a:spcPct val="0"/>
+              </a:spcAft>
+              <a:defRPr sz="2400">
+                <a:solidFill>
+                  <a:schemeClr val="tx1"/>
+                </a:solidFill>
+                <a:latin typeface="Trebuchet MS" charset="0"/>
+                <a:ea typeface="ＭＳ Ｐゴシック" charset="0"/>
+              </a:defRPr>
+            </a:lvl6pPr>
+            <a:lvl7pPr marL="2971800" indent="-228600" eaLnBrk="0" fontAlgn="base" hangingPunct="0">
+              <a:spcBef>
+                <a:spcPct val="0"/>
+              </a:spcBef>
+              <a:spcAft>
+                <a:spcPct val="0"/>
+              </a:spcAft>
+              <a:defRPr sz="2400">
+                <a:solidFill>
+                  <a:schemeClr val="tx1"/>
+                </a:solidFill>
+                <a:latin typeface="Trebuchet MS" charset="0"/>
+                <a:ea typeface="ＭＳ Ｐゴシック" charset="0"/>
+              </a:defRPr>
+            </a:lvl7pPr>
+            <a:lvl8pPr marL="3429000" indent="-228600" eaLnBrk="0" fontAlgn="base" hangingPunct="0">
+              <a:spcBef>
+                <a:spcPct val="0"/>
+              </a:spcBef>
+              <a:spcAft>
+                <a:spcPct val="0"/>
+              </a:spcAft>
+              <a:defRPr sz="2400">
+                <a:solidFill>
+                  <a:schemeClr val="tx1"/>
+                </a:solidFill>
+                <a:latin typeface="Trebuchet MS" charset="0"/>
+                <a:ea typeface="ＭＳ Ｐゴシック" charset="0"/>
+              </a:defRPr>
+            </a:lvl8pPr>
+            <a:lvl9pPr marL="3886200" indent="-228600" eaLnBrk="0" fontAlgn="base" hangingPunct="0">
+              <a:spcBef>
+                <a:spcPct val="0"/>
+              </a:spcBef>
+              <a:spcAft>
+                <a:spcPct val="0"/>
+              </a:spcAft>
+              <a:defRPr sz="2400">
+                <a:solidFill>
+                  <a:schemeClr val="tx1"/>
+                </a:solidFill>
+                <a:latin typeface="Trebuchet MS" charset="0"/>
+                <a:ea typeface="ＭＳ Ｐゴシック" charset="0"/>
+              </a:defRPr>
+            </a:lvl9pPr>
+          </a:lstStyle>
+          <a:p>
+            <a:pPr algn="l" eaLnBrk="1" hangingPunct="1"/>
+            <a:r>
+              <a:rPr lang="en-US" sz="1200" b="1" dirty="0">
+                <a:solidFill>
+                  <a:srgbClr val="122956"/>
+                </a:solidFill>
+                <a:cs typeface="Trebuchet MS" charset="0"/>
+              </a:rPr>
+              <a:t>9</a:t>
+            </a:r>
+            <a:r>
+              <a:rPr lang="en-US" sz="1200" b="1" dirty="0" smtClean="0">
+                <a:solidFill>
+                  <a:srgbClr val="122956"/>
+                </a:solidFill>
+                <a:cs typeface="Trebuchet MS" charset="0"/>
+              </a:rPr>
+              <a:t>-</a:t>
+            </a:r>
+            <a:fld id="{31B56995-E14C-B64F-86C9-12D6DB74A41E}" type="slidenum">
+              <a:rPr lang="en-US" sz="1200" b="1">
+                <a:solidFill>
+                  <a:srgbClr val="122956"/>
+                </a:solidFill>
+                <a:cs typeface="Trebuchet MS" charset="0"/>
+              </a:rPr>
+              <a:pPr algn="l" eaLnBrk="1" hangingPunct="1"/>
+              <a:t>24</a:t>
+            </a:fld>
+            <a:endParaRPr lang="en-US" sz="1200" b="1" dirty="0">
+              <a:solidFill>
+                <a:srgbClr val="122956"/>
+              </a:solidFill>
+              <a:cs typeface="Trebuchet MS" charset="0"/>
             </a:endParaRPr>
           </a:p>
         </p:txBody>
@@ -14989,6 +18202,195 @@
           </a:p>
         </p:txBody>
       </p:sp>
+      <p:sp>
+        <p:nvSpPr>
+          <p:cNvPr id="7" name="Slide Number Placeholder 5"/>
+          <p:cNvSpPr>
+            <a:spLocks noGrp="1"/>
+          </p:cNvSpPr>
+          <p:nvPr>
+            <p:ph type="sldNum" sz="quarter" idx="12"/>
+          </p:nvPr>
+        </p:nvSpPr>
+        <p:spPr bwMode="auto">
+          <a:xfrm>
+            <a:off x="203200" y="6400800"/>
+            <a:ext cx="2133600" cy="365125"/>
+          </a:xfrm>
+          <a:noFill/>
+          <a:extLst>
+            <a:ext uri="{909E8E84-426E-40dd-AFC4-6F175D3DCCD1}">
+              <a14:hiddenFill xmlns:a14="http://schemas.microsoft.com/office/drawing/2010/main">
+                <a:solidFill>
+                  <a:srgbClr val="FFFFFF"/>
+                </a:solidFill>
+              </a14:hiddenFill>
+            </a:ext>
+            <a:ext uri="{91240B29-F687-4f45-9708-019B960494DF}">
+              <a14:hiddenLine xmlns:a14="http://schemas.microsoft.com/office/drawing/2010/main" w="9525">
+                <a:solidFill>
+                  <a:srgbClr val="000000"/>
+                </a:solidFill>
+                <a:miter lim="800000"/>
+                <a:headEnd/>
+                <a:tailEnd/>
+              </a14:hiddenLine>
+            </a:ext>
+          </a:extLst>
+        </p:spPr>
+        <p:txBody>
+          <a:bodyPr vert="horz" wrap="square" lIns="91440" tIns="45720" rIns="91440" bIns="45720" numCol="1" anchor="ctr" anchorCtr="0" compatLnSpc="1">
+            <a:prstTxWarp prst="textNoShape">
+              <a:avLst/>
+            </a:prstTxWarp>
+          </a:bodyPr>
+          <a:lstStyle>
+            <a:lvl1pPr eaLnBrk="0" hangingPunct="0">
+              <a:defRPr sz="2400">
+                <a:solidFill>
+                  <a:schemeClr val="tx1"/>
+                </a:solidFill>
+                <a:latin typeface="Trebuchet MS" charset="0"/>
+                <a:ea typeface="ＭＳ Ｐゴシック" charset="0"/>
+                <a:cs typeface="ＭＳ Ｐゴシック" charset="0"/>
+              </a:defRPr>
+            </a:lvl1pPr>
+            <a:lvl2pPr marL="742950" indent="-285750" eaLnBrk="0" hangingPunct="0">
+              <a:defRPr sz="2400">
+                <a:solidFill>
+                  <a:schemeClr val="tx1"/>
+                </a:solidFill>
+                <a:latin typeface="Trebuchet MS" charset="0"/>
+                <a:ea typeface="ＭＳ Ｐゴシック" charset="0"/>
+              </a:defRPr>
+            </a:lvl2pPr>
+            <a:lvl3pPr marL="1143000" indent="-228600" eaLnBrk="0" hangingPunct="0">
+              <a:defRPr sz="2400">
+                <a:solidFill>
+                  <a:schemeClr val="tx1"/>
+                </a:solidFill>
+                <a:latin typeface="Trebuchet MS" charset="0"/>
+                <a:ea typeface="ＭＳ Ｐゴシック" charset="0"/>
+              </a:defRPr>
+            </a:lvl3pPr>
+            <a:lvl4pPr marL="1600200" indent="-228600" eaLnBrk="0" hangingPunct="0">
+              <a:defRPr sz="2400">
+                <a:solidFill>
+                  <a:schemeClr val="tx1"/>
+                </a:solidFill>
+                <a:latin typeface="Trebuchet MS" charset="0"/>
+                <a:ea typeface="ＭＳ Ｐゴシック" charset="0"/>
+              </a:defRPr>
+            </a:lvl4pPr>
+            <a:lvl5pPr marL="2057400" indent="-228600" eaLnBrk="0" hangingPunct="0">
+              <a:defRPr sz="2400">
+                <a:solidFill>
+                  <a:schemeClr val="tx1"/>
+                </a:solidFill>
+                <a:latin typeface="Trebuchet MS" charset="0"/>
+                <a:ea typeface="ＭＳ Ｐゴシック" charset="0"/>
+              </a:defRPr>
+            </a:lvl5pPr>
+            <a:lvl6pPr marL="2514600" indent="-228600" eaLnBrk="0" fontAlgn="base" hangingPunct="0">
+              <a:spcBef>
+                <a:spcPct val="0"/>
+              </a:spcBef>
+              <a:spcAft>
+                <a:spcPct val="0"/>
+              </a:spcAft>
+              <a:defRPr sz="2400">
+                <a:solidFill>
+                  <a:schemeClr val="tx1"/>
+                </a:solidFill>
+                <a:latin typeface="Trebuchet MS" charset="0"/>
+                <a:ea typeface="ＭＳ Ｐゴシック" charset="0"/>
+              </a:defRPr>
+            </a:lvl6pPr>
+            <a:lvl7pPr marL="2971800" indent="-228600" eaLnBrk="0" fontAlgn="base" hangingPunct="0">
+              <a:spcBef>
+                <a:spcPct val="0"/>
+              </a:spcBef>
+              <a:spcAft>
+                <a:spcPct val="0"/>
+              </a:spcAft>
+              <a:defRPr sz="2400">
+                <a:solidFill>
+                  <a:schemeClr val="tx1"/>
+                </a:solidFill>
+                <a:latin typeface="Trebuchet MS" charset="0"/>
+                <a:ea typeface="ＭＳ Ｐゴシック" charset="0"/>
+              </a:defRPr>
+            </a:lvl7pPr>
+            <a:lvl8pPr marL="3429000" indent="-228600" eaLnBrk="0" fontAlgn="base" hangingPunct="0">
+              <a:spcBef>
+                <a:spcPct val="0"/>
+              </a:spcBef>
+              <a:spcAft>
+                <a:spcPct val="0"/>
+              </a:spcAft>
+              <a:defRPr sz="2400">
+                <a:solidFill>
+                  <a:schemeClr val="tx1"/>
+                </a:solidFill>
+                <a:latin typeface="Trebuchet MS" charset="0"/>
+                <a:ea typeface="ＭＳ Ｐゴシック" charset="0"/>
+              </a:defRPr>
+            </a:lvl8pPr>
+            <a:lvl9pPr marL="3886200" indent="-228600" eaLnBrk="0" fontAlgn="base" hangingPunct="0">
+              <a:spcBef>
+                <a:spcPct val="0"/>
+              </a:spcBef>
+              <a:spcAft>
+                <a:spcPct val="0"/>
+              </a:spcAft>
+              <a:defRPr sz="2400">
+                <a:solidFill>
+                  <a:schemeClr val="tx1"/>
+                </a:solidFill>
+                <a:latin typeface="Trebuchet MS" charset="0"/>
+                <a:ea typeface="ＭＳ Ｐゴシック" charset="0"/>
+              </a:defRPr>
+            </a:lvl9pPr>
+          </a:lstStyle>
+          <a:p>
+            <a:pPr algn="l" eaLnBrk="1" hangingPunct="1"/>
+            <a:r>
+              <a:rPr lang="en-US" sz="1200" b="1" dirty="0">
+                <a:solidFill>
+                  <a:srgbClr val="122956"/>
+                </a:solidFill>
+                <a:cs typeface="Trebuchet MS" charset="0"/>
+              </a:rPr>
+              <a:t>9</a:t>
+            </a:r>
+            <a:r>
+              <a:rPr lang="en-US" sz="1200" b="1" dirty="0" smtClean="0">
+                <a:solidFill>
+                  <a:srgbClr val="122956"/>
+                </a:solidFill>
+                <a:cs typeface="Trebuchet MS" charset="0"/>
+              </a:rPr>
+              <a:t>-</a:t>
+            </a:r>
+            <a:fld id="{31B56995-E14C-B64F-86C9-12D6DB74A41E}" type="slidenum">
+              <a:rPr lang="en-US" sz="1200" b="1">
+                <a:solidFill>
+                  <a:srgbClr val="122956"/>
+                </a:solidFill>
+                <a:cs typeface="Trebuchet MS" charset="0"/>
+              </a:rPr>
+              <a:pPr algn="l" eaLnBrk="1" hangingPunct="1"/>
+              <a:t>25</a:t>
+            </a:fld>
+            <a:endParaRPr lang="en-US" sz="1200" b="1" dirty="0">
+              <a:solidFill>
+                <a:srgbClr val="122956"/>
+              </a:solidFill>
+              <a:cs typeface="Trebuchet MS" charset="0"/>
+            </a:endParaRPr>
+          </a:p>
+        </p:txBody>
+      </p:sp>
     </p:spTree>
     <p:extLst>
       <p:ext uri="{BB962C8B-B14F-4D97-AF65-F5344CB8AC3E}">
@@ -15122,6 +18524,195 @@
               <a:ea typeface="ヒラギノ角ゴ ProN W6" charset="0"/>
               <a:cs typeface="ヒラギノ角ゴ ProN W6" charset="0"/>
               <a:sym typeface="Trebuchet MS Bold Italic" charset="0"/>
+            </a:endParaRPr>
+          </a:p>
+        </p:txBody>
+      </p:sp>
+      <p:sp>
+        <p:nvSpPr>
+          <p:cNvPr id="4" name="Slide Number Placeholder 5"/>
+          <p:cNvSpPr>
+            <a:spLocks noGrp="1"/>
+          </p:cNvSpPr>
+          <p:nvPr>
+            <p:ph type="sldNum" sz="quarter" idx="12"/>
+          </p:nvPr>
+        </p:nvSpPr>
+        <p:spPr bwMode="auto">
+          <a:xfrm>
+            <a:off x="203200" y="6400800"/>
+            <a:ext cx="2133600" cy="365125"/>
+          </a:xfrm>
+          <a:noFill/>
+          <a:extLst>
+            <a:ext uri="{909E8E84-426E-40dd-AFC4-6F175D3DCCD1}">
+              <a14:hiddenFill xmlns:a14="http://schemas.microsoft.com/office/drawing/2010/main">
+                <a:solidFill>
+                  <a:srgbClr val="FFFFFF"/>
+                </a:solidFill>
+              </a14:hiddenFill>
+            </a:ext>
+            <a:ext uri="{91240B29-F687-4f45-9708-019B960494DF}">
+              <a14:hiddenLine xmlns:a14="http://schemas.microsoft.com/office/drawing/2010/main" w="9525">
+                <a:solidFill>
+                  <a:srgbClr val="000000"/>
+                </a:solidFill>
+                <a:miter lim="800000"/>
+                <a:headEnd/>
+                <a:tailEnd/>
+              </a14:hiddenLine>
+            </a:ext>
+          </a:extLst>
+        </p:spPr>
+        <p:txBody>
+          <a:bodyPr vert="horz" wrap="square" lIns="91440" tIns="45720" rIns="91440" bIns="45720" numCol="1" anchor="ctr" anchorCtr="0" compatLnSpc="1">
+            <a:prstTxWarp prst="textNoShape">
+              <a:avLst/>
+            </a:prstTxWarp>
+          </a:bodyPr>
+          <a:lstStyle>
+            <a:lvl1pPr eaLnBrk="0" hangingPunct="0">
+              <a:defRPr sz="2400">
+                <a:solidFill>
+                  <a:schemeClr val="tx1"/>
+                </a:solidFill>
+                <a:latin typeface="Trebuchet MS" charset="0"/>
+                <a:ea typeface="ＭＳ Ｐゴシック" charset="0"/>
+                <a:cs typeface="ＭＳ Ｐゴシック" charset="0"/>
+              </a:defRPr>
+            </a:lvl1pPr>
+            <a:lvl2pPr marL="742950" indent="-285750" eaLnBrk="0" hangingPunct="0">
+              <a:defRPr sz="2400">
+                <a:solidFill>
+                  <a:schemeClr val="tx1"/>
+                </a:solidFill>
+                <a:latin typeface="Trebuchet MS" charset="0"/>
+                <a:ea typeface="ＭＳ Ｐゴシック" charset="0"/>
+              </a:defRPr>
+            </a:lvl2pPr>
+            <a:lvl3pPr marL="1143000" indent="-228600" eaLnBrk="0" hangingPunct="0">
+              <a:defRPr sz="2400">
+                <a:solidFill>
+                  <a:schemeClr val="tx1"/>
+                </a:solidFill>
+                <a:latin typeface="Trebuchet MS" charset="0"/>
+                <a:ea typeface="ＭＳ Ｐゴシック" charset="0"/>
+              </a:defRPr>
+            </a:lvl3pPr>
+            <a:lvl4pPr marL="1600200" indent="-228600" eaLnBrk="0" hangingPunct="0">
+              <a:defRPr sz="2400">
+                <a:solidFill>
+                  <a:schemeClr val="tx1"/>
+                </a:solidFill>
+                <a:latin typeface="Trebuchet MS" charset="0"/>
+                <a:ea typeface="ＭＳ Ｐゴシック" charset="0"/>
+              </a:defRPr>
+            </a:lvl4pPr>
+            <a:lvl5pPr marL="2057400" indent="-228600" eaLnBrk="0" hangingPunct="0">
+              <a:defRPr sz="2400">
+                <a:solidFill>
+                  <a:schemeClr val="tx1"/>
+                </a:solidFill>
+                <a:latin typeface="Trebuchet MS" charset="0"/>
+                <a:ea typeface="ＭＳ Ｐゴシック" charset="0"/>
+              </a:defRPr>
+            </a:lvl5pPr>
+            <a:lvl6pPr marL="2514600" indent="-228600" eaLnBrk="0" fontAlgn="base" hangingPunct="0">
+              <a:spcBef>
+                <a:spcPct val="0"/>
+              </a:spcBef>
+              <a:spcAft>
+                <a:spcPct val="0"/>
+              </a:spcAft>
+              <a:defRPr sz="2400">
+                <a:solidFill>
+                  <a:schemeClr val="tx1"/>
+                </a:solidFill>
+                <a:latin typeface="Trebuchet MS" charset="0"/>
+                <a:ea typeface="ＭＳ Ｐゴシック" charset="0"/>
+              </a:defRPr>
+            </a:lvl6pPr>
+            <a:lvl7pPr marL="2971800" indent="-228600" eaLnBrk="0" fontAlgn="base" hangingPunct="0">
+              <a:spcBef>
+                <a:spcPct val="0"/>
+              </a:spcBef>
+              <a:spcAft>
+                <a:spcPct val="0"/>
+              </a:spcAft>
+              <a:defRPr sz="2400">
+                <a:solidFill>
+                  <a:schemeClr val="tx1"/>
+                </a:solidFill>
+                <a:latin typeface="Trebuchet MS" charset="0"/>
+                <a:ea typeface="ＭＳ Ｐゴシック" charset="0"/>
+              </a:defRPr>
+            </a:lvl7pPr>
+            <a:lvl8pPr marL="3429000" indent="-228600" eaLnBrk="0" fontAlgn="base" hangingPunct="0">
+              <a:spcBef>
+                <a:spcPct val="0"/>
+              </a:spcBef>
+              <a:spcAft>
+                <a:spcPct val="0"/>
+              </a:spcAft>
+              <a:defRPr sz="2400">
+                <a:solidFill>
+                  <a:schemeClr val="tx1"/>
+                </a:solidFill>
+                <a:latin typeface="Trebuchet MS" charset="0"/>
+                <a:ea typeface="ＭＳ Ｐゴシック" charset="0"/>
+              </a:defRPr>
+            </a:lvl8pPr>
+            <a:lvl9pPr marL="3886200" indent="-228600" eaLnBrk="0" fontAlgn="base" hangingPunct="0">
+              <a:spcBef>
+                <a:spcPct val="0"/>
+              </a:spcBef>
+              <a:spcAft>
+                <a:spcPct val="0"/>
+              </a:spcAft>
+              <a:defRPr sz="2400">
+                <a:solidFill>
+                  <a:schemeClr val="tx1"/>
+                </a:solidFill>
+                <a:latin typeface="Trebuchet MS" charset="0"/>
+                <a:ea typeface="ＭＳ Ｐゴシック" charset="0"/>
+              </a:defRPr>
+            </a:lvl9pPr>
+          </a:lstStyle>
+          <a:p>
+            <a:pPr algn="l" eaLnBrk="1" hangingPunct="1"/>
+            <a:r>
+              <a:rPr lang="en-US" sz="1200" b="1" dirty="0">
+                <a:solidFill>
+                  <a:srgbClr val="122956"/>
+                </a:solidFill>
+                <a:cs typeface="Trebuchet MS" charset="0"/>
+              </a:rPr>
+              <a:t>9</a:t>
+            </a:r>
+            <a:r>
+              <a:rPr lang="en-US" sz="1200" b="1" dirty="0" smtClean="0">
+                <a:solidFill>
+                  <a:srgbClr val="122956"/>
+                </a:solidFill>
+                <a:cs typeface="Trebuchet MS" charset="0"/>
+              </a:rPr>
+              <a:t>-</a:t>
+            </a:r>
+            <a:fld id="{31B56995-E14C-B64F-86C9-12D6DB74A41E}" type="slidenum">
+              <a:rPr lang="en-US" sz="1200" b="1">
+                <a:solidFill>
+                  <a:srgbClr val="122956"/>
+                </a:solidFill>
+                <a:cs typeface="Trebuchet MS" charset="0"/>
+              </a:rPr>
+              <a:pPr algn="l" eaLnBrk="1" hangingPunct="1"/>
+              <a:t>26</a:t>
+            </a:fld>
+            <a:endParaRPr lang="en-US" sz="1200" b="1" dirty="0">
+              <a:solidFill>
+                <a:srgbClr val="122956"/>
+              </a:solidFill>
+              <a:cs typeface="Trebuchet MS" charset="0"/>
             </a:endParaRPr>
           </a:p>
         </p:txBody>
@@ -15419,6 +19010,195 @@
           </a:p>
         </p:txBody>
       </p:sp>
+      <p:sp>
+        <p:nvSpPr>
+          <p:cNvPr id="7" name="Slide Number Placeholder 5"/>
+          <p:cNvSpPr>
+            <a:spLocks noGrp="1"/>
+          </p:cNvSpPr>
+          <p:nvPr>
+            <p:ph type="sldNum" sz="quarter" idx="12"/>
+          </p:nvPr>
+        </p:nvSpPr>
+        <p:spPr bwMode="auto">
+          <a:xfrm>
+            <a:off x="203200" y="6400800"/>
+            <a:ext cx="2133600" cy="365125"/>
+          </a:xfrm>
+          <a:noFill/>
+          <a:extLst>
+            <a:ext uri="{909E8E84-426E-40dd-AFC4-6F175D3DCCD1}">
+              <a14:hiddenFill xmlns:a14="http://schemas.microsoft.com/office/drawing/2010/main">
+                <a:solidFill>
+                  <a:srgbClr val="FFFFFF"/>
+                </a:solidFill>
+              </a14:hiddenFill>
+            </a:ext>
+            <a:ext uri="{91240B29-F687-4f45-9708-019B960494DF}">
+              <a14:hiddenLine xmlns:a14="http://schemas.microsoft.com/office/drawing/2010/main" w="9525">
+                <a:solidFill>
+                  <a:srgbClr val="000000"/>
+                </a:solidFill>
+                <a:miter lim="800000"/>
+                <a:headEnd/>
+                <a:tailEnd/>
+              </a14:hiddenLine>
+            </a:ext>
+          </a:extLst>
+        </p:spPr>
+        <p:txBody>
+          <a:bodyPr vert="horz" wrap="square" lIns="91440" tIns="45720" rIns="91440" bIns="45720" numCol="1" anchor="ctr" anchorCtr="0" compatLnSpc="1">
+            <a:prstTxWarp prst="textNoShape">
+              <a:avLst/>
+            </a:prstTxWarp>
+          </a:bodyPr>
+          <a:lstStyle>
+            <a:lvl1pPr eaLnBrk="0" hangingPunct="0">
+              <a:defRPr sz="2400">
+                <a:solidFill>
+                  <a:schemeClr val="tx1"/>
+                </a:solidFill>
+                <a:latin typeface="Trebuchet MS" charset="0"/>
+                <a:ea typeface="ＭＳ Ｐゴシック" charset="0"/>
+                <a:cs typeface="ＭＳ Ｐゴシック" charset="0"/>
+              </a:defRPr>
+            </a:lvl1pPr>
+            <a:lvl2pPr marL="742950" indent="-285750" eaLnBrk="0" hangingPunct="0">
+              <a:defRPr sz="2400">
+                <a:solidFill>
+                  <a:schemeClr val="tx1"/>
+                </a:solidFill>
+                <a:latin typeface="Trebuchet MS" charset="0"/>
+                <a:ea typeface="ＭＳ Ｐゴシック" charset="0"/>
+              </a:defRPr>
+            </a:lvl2pPr>
+            <a:lvl3pPr marL="1143000" indent="-228600" eaLnBrk="0" hangingPunct="0">
+              <a:defRPr sz="2400">
+                <a:solidFill>
+                  <a:schemeClr val="tx1"/>
+                </a:solidFill>
+                <a:latin typeface="Trebuchet MS" charset="0"/>
+                <a:ea typeface="ＭＳ Ｐゴシック" charset="0"/>
+              </a:defRPr>
+            </a:lvl3pPr>
+            <a:lvl4pPr marL="1600200" indent="-228600" eaLnBrk="0" hangingPunct="0">
+              <a:defRPr sz="2400">
+                <a:solidFill>
+                  <a:schemeClr val="tx1"/>
+                </a:solidFill>
+                <a:latin typeface="Trebuchet MS" charset="0"/>
+                <a:ea typeface="ＭＳ Ｐゴシック" charset="0"/>
+              </a:defRPr>
+            </a:lvl4pPr>
+            <a:lvl5pPr marL="2057400" indent="-228600" eaLnBrk="0" hangingPunct="0">
+              <a:defRPr sz="2400">
+                <a:solidFill>
+                  <a:schemeClr val="tx1"/>
+                </a:solidFill>
+                <a:latin typeface="Trebuchet MS" charset="0"/>
+                <a:ea typeface="ＭＳ Ｐゴシック" charset="0"/>
+              </a:defRPr>
+            </a:lvl5pPr>
+            <a:lvl6pPr marL="2514600" indent="-228600" eaLnBrk="0" fontAlgn="base" hangingPunct="0">
+              <a:spcBef>
+                <a:spcPct val="0"/>
+              </a:spcBef>
+              <a:spcAft>
+                <a:spcPct val="0"/>
+              </a:spcAft>
+              <a:defRPr sz="2400">
+                <a:solidFill>
+                  <a:schemeClr val="tx1"/>
+                </a:solidFill>
+                <a:latin typeface="Trebuchet MS" charset="0"/>
+                <a:ea typeface="ＭＳ Ｐゴシック" charset="0"/>
+              </a:defRPr>
+            </a:lvl6pPr>
+            <a:lvl7pPr marL="2971800" indent="-228600" eaLnBrk="0" fontAlgn="base" hangingPunct="0">
+              <a:spcBef>
+                <a:spcPct val="0"/>
+              </a:spcBef>
+              <a:spcAft>
+                <a:spcPct val="0"/>
+              </a:spcAft>
+              <a:defRPr sz="2400">
+                <a:solidFill>
+                  <a:schemeClr val="tx1"/>
+                </a:solidFill>
+                <a:latin typeface="Trebuchet MS" charset="0"/>
+                <a:ea typeface="ＭＳ Ｐゴシック" charset="0"/>
+              </a:defRPr>
+            </a:lvl7pPr>
+            <a:lvl8pPr marL="3429000" indent="-228600" eaLnBrk="0" fontAlgn="base" hangingPunct="0">
+              <a:spcBef>
+                <a:spcPct val="0"/>
+              </a:spcBef>
+              <a:spcAft>
+                <a:spcPct val="0"/>
+              </a:spcAft>
+              <a:defRPr sz="2400">
+                <a:solidFill>
+                  <a:schemeClr val="tx1"/>
+                </a:solidFill>
+                <a:latin typeface="Trebuchet MS" charset="0"/>
+                <a:ea typeface="ＭＳ Ｐゴシック" charset="0"/>
+              </a:defRPr>
+            </a:lvl8pPr>
+            <a:lvl9pPr marL="3886200" indent="-228600" eaLnBrk="0" fontAlgn="base" hangingPunct="0">
+              <a:spcBef>
+                <a:spcPct val="0"/>
+              </a:spcBef>
+              <a:spcAft>
+                <a:spcPct val="0"/>
+              </a:spcAft>
+              <a:defRPr sz="2400">
+                <a:solidFill>
+                  <a:schemeClr val="tx1"/>
+                </a:solidFill>
+                <a:latin typeface="Trebuchet MS" charset="0"/>
+                <a:ea typeface="ＭＳ Ｐゴシック" charset="0"/>
+              </a:defRPr>
+            </a:lvl9pPr>
+          </a:lstStyle>
+          <a:p>
+            <a:pPr algn="l" eaLnBrk="1" hangingPunct="1"/>
+            <a:r>
+              <a:rPr lang="en-US" sz="1200" b="1" dirty="0">
+                <a:solidFill>
+                  <a:srgbClr val="122956"/>
+                </a:solidFill>
+                <a:cs typeface="Trebuchet MS" charset="0"/>
+              </a:rPr>
+              <a:t>9</a:t>
+            </a:r>
+            <a:r>
+              <a:rPr lang="en-US" sz="1200" b="1" dirty="0" smtClean="0">
+                <a:solidFill>
+                  <a:srgbClr val="122956"/>
+                </a:solidFill>
+                <a:cs typeface="Trebuchet MS" charset="0"/>
+              </a:rPr>
+              <a:t>-</a:t>
+            </a:r>
+            <a:fld id="{31B56995-E14C-B64F-86C9-12D6DB74A41E}" type="slidenum">
+              <a:rPr lang="en-US" sz="1200" b="1">
+                <a:solidFill>
+                  <a:srgbClr val="122956"/>
+                </a:solidFill>
+                <a:cs typeface="Trebuchet MS" charset="0"/>
+              </a:rPr>
+              <a:pPr algn="l" eaLnBrk="1" hangingPunct="1"/>
+              <a:t>27</a:t>
+            </a:fld>
+            <a:endParaRPr lang="en-US" sz="1200" b="1" dirty="0">
+              <a:solidFill>
+                <a:srgbClr val="122956"/>
+              </a:solidFill>
+              <a:cs typeface="Trebuchet MS" charset="0"/>
+            </a:endParaRPr>
+          </a:p>
+        </p:txBody>
+      </p:sp>
     </p:spTree>
     <p:extLst>
       <p:ext uri="{BB962C8B-B14F-4D97-AF65-F5344CB8AC3E}">
@@ -15552,6 +19332,195 @@
               <a:ea typeface="ヒラギノ角ゴ ProN W6" charset="0"/>
               <a:cs typeface="ヒラギノ角ゴ ProN W6" charset="0"/>
               <a:sym typeface="Trebuchet MS Bold Italic" charset="0"/>
+            </a:endParaRPr>
+          </a:p>
+        </p:txBody>
+      </p:sp>
+      <p:sp>
+        <p:nvSpPr>
+          <p:cNvPr id="4" name="Slide Number Placeholder 5"/>
+          <p:cNvSpPr>
+            <a:spLocks noGrp="1"/>
+          </p:cNvSpPr>
+          <p:nvPr>
+            <p:ph type="sldNum" sz="quarter" idx="12"/>
+          </p:nvPr>
+        </p:nvSpPr>
+        <p:spPr bwMode="auto">
+          <a:xfrm>
+            <a:off x="203200" y="6400800"/>
+            <a:ext cx="2133600" cy="365125"/>
+          </a:xfrm>
+          <a:noFill/>
+          <a:extLst>
+            <a:ext uri="{909E8E84-426E-40dd-AFC4-6F175D3DCCD1}">
+              <a14:hiddenFill xmlns:a14="http://schemas.microsoft.com/office/drawing/2010/main">
+                <a:solidFill>
+                  <a:srgbClr val="FFFFFF"/>
+                </a:solidFill>
+              </a14:hiddenFill>
+            </a:ext>
+            <a:ext uri="{91240B29-F687-4f45-9708-019B960494DF}">
+              <a14:hiddenLine xmlns:a14="http://schemas.microsoft.com/office/drawing/2010/main" w="9525">
+                <a:solidFill>
+                  <a:srgbClr val="000000"/>
+                </a:solidFill>
+                <a:miter lim="800000"/>
+                <a:headEnd/>
+                <a:tailEnd/>
+              </a14:hiddenLine>
+            </a:ext>
+          </a:extLst>
+        </p:spPr>
+        <p:txBody>
+          <a:bodyPr vert="horz" wrap="square" lIns="91440" tIns="45720" rIns="91440" bIns="45720" numCol="1" anchor="ctr" anchorCtr="0" compatLnSpc="1">
+            <a:prstTxWarp prst="textNoShape">
+              <a:avLst/>
+            </a:prstTxWarp>
+          </a:bodyPr>
+          <a:lstStyle>
+            <a:lvl1pPr eaLnBrk="0" hangingPunct="0">
+              <a:defRPr sz="2400">
+                <a:solidFill>
+                  <a:schemeClr val="tx1"/>
+                </a:solidFill>
+                <a:latin typeface="Trebuchet MS" charset="0"/>
+                <a:ea typeface="ＭＳ Ｐゴシック" charset="0"/>
+                <a:cs typeface="ＭＳ Ｐゴシック" charset="0"/>
+              </a:defRPr>
+            </a:lvl1pPr>
+            <a:lvl2pPr marL="742950" indent="-285750" eaLnBrk="0" hangingPunct="0">
+              <a:defRPr sz="2400">
+                <a:solidFill>
+                  <a:schemeClr val="tx1"/>
+                </a:solidFill>
+                <a:latin typeface="Trebuchet MS" charset="0"/>
+                <a:ea typeface="ＭＳ Ｐゴシック" charset="0"/>
+              </a:defRPr>
+            </a:lvl2pPr>
+            <a:lvl3pPr marL="1143000" indent="-228600" eaLnBrk="0" hangingPunct="0">
+              <a:defRPr sz="2400">
+                <a:solidFill>
+                  <a:schemeClr val="tx1"/>
+                </a:solidFill>
+                <a:latin typeface="Trebuchet MS" charset="0"/>
+                <a:ea typeface="ＭＳ Ｐゴシック" charset="0"/>
+              </a:defRPr>
+            </a:lvl3pPr>
+            <a:lvl4pPr marL="1600200" indent="-228600" eaLnBrk="0" hangingPunct="0">
+              <a:defRPr sz="2400">
+                <a:solidFill>
+                  <a:schemeClr val="tx1"/>
+                </a:solidFill>
+                <a:latin typeface="Trebuchet MS" charset="0"/>
+                <a:ea typeface="ＭＳ Ｐゴシック" charset="0"/>
+              </a:defRPr>
+            </a:lvl4pPr>
+            <a:lvl5pPr marL="2057400" indent="-228600" eaLnBrk="0" hangingPunct="0">
+              <a:defRPr sz="2400">
+                <a:solidFill>
+                  <a:schemeClr val="tx1"/>
+                </a:solidFill>
+                <a:latin typeface="Trebuchet MS" charset="0"/>
+                <a:ea typeface="ＭＳ Ｐゴシック" charset="0"/>
+              </a:defRPr>
+            </a:lvl5pPr>
+            <a:lvl6pPr marL="2514600" indent="-228600" eaLnBrk="0" fontAlgn="base" hangingPunct="0">
+              <a:spcBef>
+                <a:spcPct val="0"/>
+              </a:spcBef>
+              <a:spcAft>
+                <a:spcPct val="0"/>
+              </a:spcAft>
+              <a:defRPr sz="2400">
+                <a:solidFill>
+                  <a:schemeClr val="tx1"/>
+                </a:solidFill>
+                <a:latin typeface="Trebuchet MS" charset="0"/>
+                <a:ea typeface="ＭＳ Ｐゴシック" charset="0"/>
+              </a:defRPr>
+            </a:lvl6pPr>
+            <a:lvl7pPr marL="2971800" indent="-228600" eaLnBrk="0" fontAlgn="base" hangingPunct="0">
+              <a:spcBef>
+                <a:spcPct val="0"/>
+              </a:spcBef>
+              <a:spcAft>
+                <a:spcPct val="0"/>
+              </a:spcAft>
+              <a:defRPr sz="2400">
+                <a:solidFill>
+                  <a:schemeClr val="tx1"/>
+                </a:solidFill>
+                <a:latin typeface="Trebuchet MS" charset="0"/>
+                <a:ea typeface="ＭＳ Ｐゴシック" charset="0"/>
+              </a:defRPr>
+            </a:lvl7pPr>
+            <a:lvl8pPr marL="3429000" indent="-228600" eaLnBrk="0" fontAlgn="base" hangingPunct="0">
+              <a:spcBef>
+                <a:spcPct val="0"/>
+              </a:spcBef>
+              <a:spcAft>
+                <a:spcPct val="0"/>
+              </a:spcAft>
+              <a:defRPr sz="2400">
+                <a:solidFill>
+                  <a:schemeClr val="tx1"/>
+                </a:solidFill>
+                <a:latin typeface="Trebuchet MS" charset="0"/>
+                <a:ea typeface="ＭＳ Ｐゴシック" charset="0"/>
+              </a:defRPr>
+            </a:lvl8pPr>
+            <a:lvl9pPr marL="3886200" indent="-228600" eaLnBrk="0" fontAlgn="base" hangingPunct="0">
+              <a:spcBef>
+                <a:spcPct val="0"/>
+              </a:spcBef>
+              <a:spcAft>
+                <a:spcPct val="0"/>
+              </a:spcAft>
+              <a:defRPr sz="2400">
+                <a:solidFill>
+                  <a:schemeClr val="tx1"/>
+                </a:solidFill>
+                <a:latin typeface="Trebuchet MS" charset="0"/>
+                <a:ea typeface="ＭＳ Ｐゴシック" charset="0"/>
+              </a:defRPr>
+            </a:lvl9pPr>
+          </a:lstStyle>
+          <a:p>
+            <a:pPr algn="l" eaLnBrk="1" hangingPunct="1"/>
+            <a:r>
+              <a:rPr lang="en-US" sz="1200" b="1" dirty="0">
+                <a:solidFill>
+                  <a:srgbClr val="122956"/>
+                </a:solidFill>
+                <a:cs typeface="Trebuchet MS" charset="0"/>
+              </a:rPr>
+              <a:t>9</a:t>
+            </a:r>
+            <a:r>
+              <a:rPr lang="en-US" sz="1200" b="1" dirty="0" smtClean="0">
+                <a:solidFill>
+                  <a:srgbClr val="122956"/>
+                </a:solidFill>
+                <a:cs typeface="Trebuchet MS" charset="0"/>
+              </a:rPr>
+              <a:t>-</a:t>
+            </a:r>
+            <a:fld id="{31B56995-E14C-B64F-86C9-12D6DB74A41E}" type="slidenum">
+              <a:rPr lang="en-US" sz="1200" b="1">
+                <a:solidFill>
+                  <a:srgbClr val="122956"/>
+                </a:solidFill>
+                <a:cs typeface="Trebuchet MS" charset="0"/>
+              </a:rPr>
+              <a:pPr algn="l" eaLnBrk="1" hangingPunct="1"/>
+              <a:t>28</a:t>
+            </a:fld>
+            <a:endParaRPr lang="en-US" sz="1200" b="1" dirty="0">
+              <a:solidFill>
+                <a:srgbClr val="122956"/>
+              </a:solidFill>
+              <a:cs typeface="Trebuchet MS" charset="0"/>
             </a:endParaRPr>
           </a:p>
         </p:txBody>
@@ -15917,6 +19886,195 @@
           </a:p>
         </p:txBody>
       </p:sp>
+      <p:sp>
+        <p:nvSpPr>
+          <p:cNvPr id="7" name="Slide Number Placeholder 5"/>
+          <p:cNvSpPr>
+            <a:spLocks noGrp="1"/>
+          </p:cNvSpPr>
+          <p:nvPr>
+            <p:ph type="sldNum" sz="quarter" idx="12"/>
+          </p:nvPr>
+        </p:nvSpPr>
+        <p:spPr bwMode="auto">
+          <a:xfrm>
+            <a:off x="203200" y="6400800"/>
+            <a:ext cx="2133600" cy="365125"/>
+          </a:xfrm>
+          <a:noFill/>
+          <a:extLst>
+            <a:ext uri="{909E8E84-426E-40dd-AFC4-6F175D3DCCD1}">
+              <a14:hiddenFill xmlns:a14="http://schemas.microsoft.com/office/drawing/2010/main">
+                <a:solidFill>
+                  <a:srgbClr val="FFFFFF"/>
+                </a:solidFill>
+              </a14:hiddenFill>
+            </a:ext>
+            <a:ext uri="{91240B29-F687-4f45-9708-019B960494DF}">
+              <a14:hiddenLine xmlns:a14="http://schemas.microsoft.com/office/drawing/2010/main" w="9525">
+                <a:solidFill>
+                  <a:srgbClr val="000000"/>
+                </a:solidFill>
+                <a:miter lim="800000"/>
+                <a:headEnd/>
+                <a:tailEnd/>
+              </a14:hiddenLine>
+            </a:ext>
+          </a:extLst>
+        </p:spPr>
+        <p:txBody>
+          <a:bodyPr vert="horz" wrap="square" lIns="91440" tIns="45720" rIns="91440" bIns="45720" numCol="1" anchor="ctr" anchorCtr="0" compatLnSpc="1">
+            <a:prstTxWarp prst="textNoShape">
+              <a:avLst/>
+            </a:prstTxWarp>
+          </a:bodyPr>
+          <a:lstStyle>
+            <a:lvl1pPr eaLnBrk="0" hangingPunct="0">
+              <a:defRPr sz="2400">
+                <a:solidFill>
+                  <a:schemeClr val="tx1"/>
+                </a:solidFill>
+                <a:latin typeface="Trebuchet MS" charset="0"/>
+                <a:ea typeface="ＭＳ Ｐゴシック" charset="0"/>
+                <a:cs typeface="ＭＳ Ｐゴシック" charset="0"/>
+              </a:defRPr>
+            </a:lvl1pPr>
+            <a:lvl2pPr marL="742950" indent="-285750" eaLnBrk="0" hangingPunct="0">
+              <a:defRPr sz="2400">
+                <a:solidFill>
+                  <a:schemeClr val="tx1"/>
+                </a:solidFill>
+                <a:latin typeface="Trebuchet MS" charset="0"/>
+                <a:ea typeface="ＭＳ Ｐゴシック" charset="0"/>
+              </a:defRPr>
+            </a:lvl2pPr>
+            <a:lvl3pPr marL="1143000" indent="-228600" eaLnBrk="0" hangingPunct="0">
+              <a:defRPr sz="2400">
+                <a:solidFill>
+                  <a:schemeClr val="tx1"/>
+                </a:solidFill>
+                <a:latin typeface="Trebuchet MS" charset="0"/>
+                <a:ea typeface="ＭＳ Ｐゴシック" charset="0"/>
+              </a:defRPr>
+            </a:lvl3pPr>
+            <a:lvl4pPr marL="1600200" indent="-228600" eaLnBrk="0" hangingPunct="0">
+              <a:defRPr sz="2400">
+                <a:solidFill>
+                  <a:schemeClr val="tx1"/>
+                </a:solidFill>
+                <a:latin typeface="Trebuchet MS" charset="0"/>
+                <a:ea typeface="ＭＳ Ｐゴシック" charset="0"/>
+              </a:defRPr>
+            </a:lvl4pPr>
+            <a:lvl5pPr marL="2057400" indent="-228600" eaLnBrk="0" hangingPunct="0">
+              <a:defRPr sz="2400">
+                <a:solidFill>
+                  <a:schemeClr val="tx1"/>
+                </a:solidFill>
+                <a:latin typeface="Trebuchet MS" charset="0"/>
+                <a:ea typeface="ＭＳ Ｐゴシック" charset="0"/>
+              </a:defRPr>
+            </a:lvl5pPr>
+            <a:lvl6pPr marL="2514600" indent="-228600" eaLnBrk="0" fontAlgn="base" hangingPunct="0">
+              <a:spcBef>
+                <a:spcPct val="0"/>
+              </a:spcBef>
+              <a:spcAft>
+                <a:spcPct val="0"/>
+              </a:spcAft>
+              <a:defRPr sz="2400">
+                <a:solidFill>
+                  <a:schemeClr val="tx1"/>
+                </a:solidFill>
+                <a:latin typeface="Trebuchet MS" charset="0"/>
+                <a:ea typeface="ＭＳ Ｐゴシック" charset="0"/>
+              </a:defRPr>
+            </a:lvl6pPr>
+            <a:lvl7pPr marL="2971800" indent="-228600" eaLnBrk="0" fontAlgn="base" hangingPunct="0">
+              <a:spcBef>
+                <a:spcPct val="0"/>
+              </a:spcBef>
+              <a:spcAft>
+                <a:spcPct val="0"/>
+              </a:spcAft>
+              <a:defRPr sz="2400">
+                <a:solidFill>
+                  <a:schemeClr val="tx1"/>
+                </a:solidFill>
+                <a:latin typeface="Trebuchet MS" charset="0"/>
+                <a:ea typeface="ＭＳ Ｐゴシック" charset="0"/>
+              </a:defRPr>
+            </a:lvl7pPr>
+            <a:lvl8pPr marL="3429000" indent="-228600" eaLnBrk="0" fontAlgn="base" hangingPunct="0">
+              <a:spcBef>
+                <a:spcPct val="0"/>
+              </a:spcBef>
+              <a:spcAft>
+                <a:spcPct val="0"/>
+              </a:spcAft>
+              <a:defRPr sz="2400">
+                <a:solidFill>
+                  <a:schemeClr val="tx1"/>
+                </a:solidFill>
+                <a:latin typeface="Trebuchet MS" charset="0"/>
+                <a:ea typeface="ＭＳ Ｐゴシック" charset="0"/>
+              </a:defRPr>
+            </a:lvl8pPr>
+            <a:lvl9pPr marL="3886200" indent="-228600" eaLnBrk="0" fontAlgn="base" hangingPunct="0">
+              <a:spcBef>
+                <a:spcPct val="0"/>
+              </a:spcBef>
+              <a:spcAft>
+                <a:spcPct val="0"/>
+              </a:spcAft>
+              <a:defRPr sz="2400">
+                <a:solidFill>
+                  <a:schemeClr val="tx1"/>
+                </a:solidFill>
+                <a:latin typeface="Trebuchet MS" charset="0"/>
+                <a:ea typeface="ＭＳ Ｐゴシック" charset="0"/>
+              </a:defRPr>
+            </a:lvl9pPr>
+          </a:lstStyle>
+          <a:p>
+            <a:pPr algn="l" eaLnBrk="1" hangingPunct="1"/>
+            <a:r>
+              <a:rPr lang="en-US" sz="1200" b="1" dirty="0">
+                <a:solidFill>
+                  <a:srgbClr val="122956"/>
+                </a:solidFill>
+                <a:cs typeface="Trebuchet MS" charset="0"/>
+              </a:rPr>
+              <a:t>9</a:t>
+            </a:r>
+            <a:r>
+              <a:rPr lang="en-US" sz="1200" b="1" dirty="0" smtClean="0">
+                <a:solidFill>
+                  <a:srgbClr val="122956"/>
+                </a:solidFill>
+                <a:cs typeface="Trebuchet MS" charset="0"/>
+              </a:rPr>
+              <a:t>-</a:t>
+            </a:r>
+            <a:fld id="{31B56995-E14C-B64F-86C9-12D6DB74A41E}" type="slidenum">
+              <a:rPr lang="en-US" sz="1200" b="1">
+                <a:solidFill>
+                  <a:srgbClr val="122956"/>
+                </a:solidFill>
+                <a:cs typeface="Trebuchet MS" charset="0"/>
+              </a:rPr>
+              <a:pPr algn="l" eaLnBrk="1" hangingPunct="1"/>
+              <a:t>3</a:t>
+            </a:fld>
+            <a:endParaRPr lang="en-US" sz="1200" b="1" dirty="0">
+              <a:solidFill>
+                <a:srgbClr val="122956"/>
+              </a:solidFill>
+              <a:cs typeface="Trebuchet MS" charset="0"/>
+            </a:endParaRPr>
+          </a:p>
+        </p:txBody>
+      </p:sp>
     </p:spTree>
     <p:extLst>
       <p:ext uri="{BB962C8B-B14F-4D97-AF65-F5344CB8AC3E}">
@@ -16240,6 +20398,195 @@
               </a:rPr>
               <a:t>Easy to deploy apps to market</a:t>
             </a:r>
+          </a:p>
+        </p:txBody>
+      </p:sp>
+      <p:sp>
+        <p:nvSpPr>
+          <p:cNvPr id="7" name="Slide Number Placeholder 5"/>
+          <p:cNvSpPr>
+            <a:spLocks noGrp="1"/>
+          </p:cNvSpPr>
+          <p:nvPr>
+            <p:ph type="sldNum" sz="quarter" idx="12"/>
+          </p:nvPr>
+        </p:nvSpPr>
+        <p:spPr bwMode="auto">
+          <a:xfrm>
+            <a:off x="203200" y="6400800"/>
+            <a:ext cx="2133600" cy="365125"/>
+          </a:xfrm>
+          <a:noFill/>
+          <a:extLst>
+            <a:ext uri="{909E8E84-426E-40dd-AFC4-6F175D3DCCD1}">
+              <a14:hiddenFill xmlns:a14="http://schemas.microsoft.com/office/drawing/2010/main">
+                <a:solidFill>
+                  <a:srgbClr val="FFFFFF"/>
+                </a:solidFill>
+              </a14:hiddenFill>
+            </a:ext>
+            <a:ext uri="{91240B29-F687-4f45-9708-019B960494DF}">
+              <a14:hiddenLine xmlns:a14="http://schemas.microsoft.com/office/drawing/2010/main" w="9525">
+                <a:solidFill>
+                  <a:srgbClr val="000000"/>
+                </a:solidFill>
+                <a:miter lim="800000"/>
+                <a:headEnd/>
+                <a:tailEnd/>
+              </a14:hiddenLine>
+            </a:ext>
+          </a:extLst>
+        </p:spPr>
+        <p:txBody>
+          <a:bodyPr vert="horz" wrap="square" lIns="91440" tIns="45720" rIns="91440" bIns="45720" numCol="1" anchor="ctr" anchorCtr="0" compatLnSpc="1">
+            <a:prstTxWarp prst="textNoShape">
+              <a:avLst/>
+            </a:prstTxWarp>
+          </a:bodyPr>
+          <a:lstStyle>
+            <a:lvl1pPr eaLnBrk="0" hangingPunct="0">
+              <a:defRPr sz="2400">
+                <a:solidFill>
+                  <a:schemeClr val="tx1"/>
+                </a:solidFill>
+                <a:latin typeface="Trebuchet MS" charset="0"/>
+                <a:ea typeface="ＭＳ Ｐゴシック" charset="0"/>
+                <a:cs typeface="ＭＳ Ｐゴシック" charset="0"/>
+              </a:defRPr>
+            </a:lvl1pPr>
+            <a:lvl2pPr marL="742950" indent="-285750" eaLnBrk="0" hangingPunct="0">
+              <a:defRPr sz="2400">
+                <a:solidFill>
+                  <a:schemeClr val="tx1"/>
+                </a:solidFill>
+                <a:latin typeface="Trebuchet MS" charset="0"/>
+                <a:ea typeface="ＭＳ Ｐゴシック" charset="0"/>
+              </a:defRPr>
+            </a:lvl2pPr>
+            <a:lvl3pPr marL="1143000" indent="-228600" eaLnBrk="0" hangingPunct="0">
+              <a:defRPr sz="2400">
+                <a:solidFill>
+                  <a:schemeClr val="tx1"/>
+                </a:solidFill>
+                <a:latin typeface="Trebuchet MS" charset="0"/>
+                <a:ea typeface="ＭＳ Ｐゴシック" charset="0"/>
+              </a:defRPr>
+            </a:lvl3pPr>
+            <a:lvl4pPr marL="1600200" indent="-228600" eaLnBrk="0" hangingPunct="0">
+              <a:defRPr sz="2400">
+                <a:solidFill>
+                  <a:schemeClr val="tx1"/>
+                </a:solidFill>
+                <a:latin typeface="Trebuchet MS" charset="0"/>
+                <a:ea typeface="ＭＳ Ｐゴシック" charset="0"/>
+              </a:defRPr>
+            </a:lvl4pPr>
+            <a:lvl5pPr marL="2057400" indent="-228600" eaLnBrk="0" hangingPunct="0">
+              <a:defRPr sz="2400">
+                <a:solidFill>
+                  <a:schemeClr val="tx1"/>
+                </a:solidFill>
+                <a:latin typeface="Trebuchet MS" charset="0"/>
+                <a:ea typeface="ＭＳ Ｐゴシック" charset="0"/>
+              </a:defRPr>
+            </a:lvl5pPr>
+            <a:lvl6pPr marL="2514600" indent="-228600" eaLnBrk="0" fontAlgn="base" hangingPunct="0">
+              <a:spcBef>
+                <a:spcPct val="0"/>
+              </a:spcBef>
+              <a:spcAft>
+                <a:spcPct val="0"/>
+              </a:spcAft>
+              <a:defRPr sz="2400">
+                <a:solidFill>
+                  <a:schemeClr val="tx1"/>
+                </a:solidFill>
+                <a:latin typeface="Trebuchet MS" charset="0"/>
+                <a:ea typeface="ＭＳ Ｐゴシック" charset="0"/>
+              </a:defRPr>
+            </a:lvl6pPr>
+            <a:lvl7pPr marL="2971800" indent="-228600" eaLnBrk="0" fontAlgn="base" hangingPunct="0">
+              <a:spcBef>
+                <a:spcPct val="0"/>
+              </a:spcBef>
+              <a:spcAft>
+                <a:spcPct val="0"/>
+              </a:spcAft>
+              <a:defRPr sz="2400">
+                <a:solidFill>
+                  <a:schemeClr val="tx1"/>
+                </a:solidFill>
+                <a:latin typeface="Trebuchet MS" charset="0"/>
+                <a:ea typeface="ＭＳ Ｐゴシック" charset="0"/>
+              </a:defRPr>
+            </a:lvl7pPr>
+            <a:lvl8pPr marL="3429000" indent="-228600" eaLnBrk="0" fontAlgn="base" hangingPunct="0">
+              <a:spcBef>
+                <a:spcPct val="0"/>
+              </a:spcBef>
+              <a:spcAft>
+                <a:spcPct val="0"/>
+              </a:spcAft>
+              <a:defRPr sz="2400">
+                <a:solidFill>
+                  <a:schemeClr val="tx1"/>
+                </a:solidFill>
+                <a:latin typeface="Trebuchet MS" charset="0"/>
+                <a:ea typeface="ＭＳ Ｐゴシック" charset="0"/>
+              </a:defRPr>
+            </a:lvl8pPr>
+            <a:lvl9pPr marL="3886200" indent="-228600" eaLnBrk="0" fontAlgn="base" hangingPunct="0">
+              <a:spcBef>
+                <a:spcPct val="0"/>
+              </a:spcBef>
+              <a:spcAft>
+                <a:spcPct val="0"/>
+              </a:spcAft>
+              <a:defRPr sz="2400">
+                <a:solidFill>
+                  <a:schemeClr val="tx1"/>
+                </a:solidFill>
+                <a:latin typeface="Trebuchet MS" charset="0"/>
+                <a:ea typeface="ＭＳ Ｐゴシック" charset="0"/>
+              </a:defRPr>
+            </a:lvl9pPr>
+          </a:lstStyle>
+          <a:p>
+            <a:pPr algn="l" eaLnBrk="1" hangingPunct="1"/>
+            <a:r>
+              <a:rPr lang="en-US" sz="1200" b="1" dirty="0">
+                <a:solidFill>
+                  <a:srgbClr val="122956"/>
+                </a:solidFill>
+                <a:cs typeface="Trebuchet MS" charset="0"/>
+              </a:rPr>
+              <a:t>9</a:t>
+            </a:r>
+            <a:r>
+              <a:rPr lang="en-US" sz="1200" b="1" dirty="0" smtClean="0">
+                <a:solidFill>
+                  <a:srgbClr val="122956"/>
+                </a:solidFill>
+                <a:cs typeface="Trebuchet MS" charset="0"/>
+              </a:rPr>
+              <a:t>-</a:t>
+            </a:r>
+            <a:fld id="{31B56995-E14C-B64F-86C9-12D6DB74A41E}" type="slidenum">
+              <a:rPr lang="en-US" sz="1200" b="1">
+                <a:solidFill>
+                  <a:srgbClr val="122956"/>
+                </a:solidFill>
+                <a:cs typeface="Trebuchet MS" charset="0"/>
+              </a:rPr>
+              <a:pPr algn="l" eaLnBrk="1" hangingPunct="1"/>
+              <a:t>4</a:t>
+            </a:fld>
+            <a:endParaRPr lang="en-US" sz="1200" b="1" dirty="0">
+              <a:solidFill>
+                <a:srgbClr val="122956"/>
+              </a:solidFill>
+              <a:cs typeface="Trebuchet MS" charset="0"/>
+            </a:endParaRPr>
           </a:p>
         </p:txBody>
       </p:sp>
@@ -16585,6 +20932,195 @@
           </a:p>
         </p:txBody>
       </p:sp>
+      <p:sp>
+        <p:nvSpPr>
+          <p:cNvPr id="7" name="Slide Number Placeholder 5"/>
+          <p:cNvSpPr>
+            <a:spLocks noGrp="1"/>
+          </p:cNvSpPr>
+          <p:nvPr>
+            <p:ph type="sldNum" sz="quarter" idx="12"/>
+          </p:nvPr>
+        </p:nvSpPr>
+        <p:spPr bwMode="auto">
+          <a:xfrm>
+            <a:off x="203200" y="6400800"/>
+            <a:ext cx="2133600" cy="365125"/>
+          </a:xfrm>
+          <a:noFill/>
+          <a:extLst>
+            <a:ext uri="{909E8E84-426E-40dd-AFC4-6F175D3DCCD1}">
+              <a14:hiddenFill xmlns:a14="http://schemas.microsoft.com/office/drawing/2010/main">
+                <a:solidFill>
+                  <a:srgbClr val="FFFFFF"/>
+                </a:solidFill>
+              </a14:hiddenFill>
+            </a:ext>
+            <a:ext uri="{91240B29-F687-4f45-9708-019B960494DF}">
+              <a14:hiddenLine xmlns:a14="http://schemas.microsoft.com/office/drawing/2010/main" w="9525">
+                <a:solidFill>
+                  <a:srgbClr val="000000"/>
+                </a:solidFill>
+                <a:miter lim="800000"/>
+                <a:headEnd/>
+                <a:tailEnd/>
+              </a14:hiddenLine>
+            </a:ext>
+          </a:extLst>
+        </p:spPr>
+        <p:txBody>
+          <a:bodyPr vert="horz" wrap="square" lIns="91440" tIns="45720" rIns="91440" bIns="45720" numCol="1" anchor="ctr" anchorCtr="0" compatLnSpc="1">
+            <a:prstTxWarp prst="textNoShape">
+              <a:avLst/>
+            </a:prstTxWarp>
+          </a:bodyPr>
+          <a:lstStyle>
+            <a:lvl1pPr eaLnBrk="0" hangingPunct="0">
+              <a:defRPr sz="2400">
+                <a:solidFill>
+                  <a:schemeClr val="tx1"/>
+                </a:solidFill>
+                <a:latin typeface="Trebuchet MS" charset="0"/>
+                <a:ea typeface="ＭＳ Ｐゴシック" charset="0"/>
+                <a:cs typeface="ＭＳ Ｐゴシック" charset="0"/>
+              </a:defRPr>
+            </a:lvl1pPr>
+            <a:lvl2pPr marL="742950" indent="-285750" eaLnBrk="0" hangingPunct="0">
+              <a:defRPr sz="2400">
+                <a:solidFill>
+                  <a:schemeClr val="tx1"/>
+                </a:solidFill>
+                <a:latin typeface="Trebuchet MS" charset="0"/>
+                <a:ea typeface="ＭＳ Ｐゴシック" charset="0"/>
+              </a:defRPr>
+            </a:lvl2pPr>
+            <a:lvl3pPr marL="1143000" indent="-228600" eaLnBrk="0" hangingPunct="0">
+              <a:defRPr sz="2400">
+                <a:solidFill>
+                  <a:schemeClr val="tx1"/>
+                </a:solidFill>
+                <a:latin typeface="Trebuchet MS" charset="0"/>
+                <a:ea typeface="ＭＳ Ｐゴシック" charset="0"/>
+              </a:defRPr>
+            </a:lvl3pPr>
+            <a:lvl4pPr marL="1600200" indent="-228600" eaLnBrk="0" hangingPunct="0">
+              <a:defRPr sz="2400">
+                <a:solidFill>
+                  <a:schemeClr val="tx1"/>
+                </a:solidFill>
+                <a:latin typeface="Trebuchet MS" charset="0"/>
+                <a:ea typeface="ＭＳ Ｐゴシック" charset="0"/>
+              </a:defRPr>
+            </a:lvl4pPr>
+            <a:lvl5pPr marL="2057400" indent="-228600" eaLnBrk="0" hangingPunct="0">
+              <a:defRPr sz="2400">
+                <a:solidFill>
+                  <a:schemeClr val="tx1"/>
+                </a:solidFill>
+                <a:latin typeface="Trebuchet MS" charset="0"/>
+                <a:ea typeface="ＭＳ Ｐゴシック" charset="0"/>
+              </a:defRPr>
+            </a:lvl5pPr>
+            <a:lvl6pPr marL="2514600" indent="-228600" eaLnBrk="0" fontAlgn="base" hangingPunct="0">
+              <a:spcBef>
+                <a:spcPct val="0"/>
+              </a:spcBef>
+              <a:spcAft>
+                <a:spcPct val="0"/>
+              </a:spcAft>
+              <a:defRPr sz="2400">
+                <a:solidFill>
+                  <a:schemeClr val="tx1"/>
+                </a:solidFill>
+                <a:latin typeface="Trebuchet MS" charset="0"/>
+                <a:ea typeface="ＭＳ Ｐゴシック" charset="0"/>
+              </a:defRPr>
+            </a:lvl6pPr>
+            <a:lvl7pPr marL="2971800" indent="-228600" eaLnBrk="0" fontAlgn="base" hangingPunct="0">
+              <a:spcBef>
+                <a:spcPct val="0"/>
+              </a:spcBef>
+              <a:spcAft>
+                <a:spcPct val="0"/>
+              </a:spcAft>
+              <a:defRPr sz="2400">
+                <a:solidFill>
+                  <a:schemeClr val="tx1"/>
+                </a:solidFill>
+                <a:latin typeface="Trebuchet MS" charset="0"/>
+                <a:ea typeface="ＭＳ Ｐゴシック" charset="0"/>
+              </a:defRPr>
+            </a:lvl7pPr>
+            <a:lvl8pPr marL="3429000" indent="-228600" eaLnBrk="0" fontAlgn="base" hangingPunct="0">
+              <a:spcBef>
+                <a:spcPct val="0"/>
+              </a:spcBef>
+              <a:spcAft>
+                <a:spcPct val="0"/>
+              </a:spcAft>
+              <a:defRPr sz="2400">
+                <a:solidFill>
+                  <a:schemeClr val="tx1"/>
+                </a:solidFill>
+                <a:latin typeface="Trebuchet MS" charset="0"/>
+                <a:ea typeface="ＭＳ Ｐゴシック" charset="0"/>
+              </a:defRPr>
+            </a:lvl8pPr>
+            <a:lvl9pPr marL="3886200" indent="-228600" eaLnBrk="0" fontAlgn="base" hangingPunct="0">
+              <a:spcBef>
+                <a:spcPct val="0"/>
+              </a:spcBef>
+              <a:spcAft>
+                <a:spcPct val="0"/>
+              </a:spcAft>
+              <a:defRPr sz="2400">
+                <a:solidFill>
+                  <a:schemeClr val="tx1"/>
+                </a:solidFill>
+                <a:latin typeface="Trebuchet MS" charset="0"/>
+                <a:ea typeface="ＭＳ Ｐゴシック" charset="0"/>
+              </a:defRPr>
+            </a:lvl9pPr>
+          </a:lstStyle>
+          <a:p>
+            <a:pPr algn="l" eaLnBrk="1" hangingPunct="1"/>
+            <a:r>
+              <a:rPr lang="en-US" sz="1200" b="1" dirty="0">
+                <a:solidFill>
+                  <a:srgbClr val="122956"/>
+                </a:solidFill>
+                <a:cs typeface="Trebuchet MS" charset="0"/>
+              </a:rPr>
+              <a:t>9</a:t>
+            </a:r>
+            <a:r>
+              <a:rPr lang="en-US" sz="1200" b="1" dirty="0" smtClean="0">
+                <a:solidFill>
+                  <a:srgbClr val="122956"/>
+                </a:solidFill>
+                <a:cs typeface="Trebuchet MS" charset="0"/>
+              </a:rPr>
+              <a:t>-</a:t>
+            </a:r>
+            <a:fld id="{31B56995-E14C-B64F-86C9-12D6DB74A41E}" type="slidenum">
+              <a:rPr lang="en-US" sz="1200" b="1">
+                <a:solidFill>
+                  <a:srgbClr val="122956"/>
+                </a:solidFill>
+                <a:cs typeface="Trebuchet MS" charset="0"/>
+              </a:rPr>
+              <a:pPr algn="l" eaLnBrk="1" hangingPunct="1"/>
+              <a:t>5</a:t>
+            </a:fld>
+            <a:endParaRPr lang="en-US" sz="1200" b="1" dirty="0">
+              <a:solidFill>
+                <a:srgbClr val="122956"/>
+              </a:solidFill>
+              <a:cs typeface="Trebuchet MS" charset="0"/>
+            </a:endParaRPr>
+          </a:p>
+        </p:txBody>
+      </p:sp>
     </p:spTree>
     <p:extLst>
       <p:ext uri="{BB962C8B-B14F-4D97-AF65-F5344CB8AC3E}">
@@ -16896,6 +21432,195 @@
               <a:latin typeface="Trebuchet MS" charset="0"/>
               <a:ea typeface="ヒラギノ角ゴ ProN W3" charset="0"/>
               <a:cs typeface="ヒラギノ角ゴ ProN W3" charset="0"/>
+            </a:endParaRPr>
+          </a:p>
+        </p:txBody>
+      </p:sp>
+      <p:sp>
+        <p:nvSpPr>
+          <p:cNvPr id="7" name="Slide Number Placeholder 5"/>
+          <p:cNvSpPr>
+            <a:spLocks noGrp="1"/>
+          </p:cNvSpPr>
+          <p:nvPr>
+            <p:ph type="sldNum" sz="quarter" idx="12"/>
+          </p:nvPr>
+        </p:nvSpPr>
+        <p:spPr bwMode="auto">
+          <a:xfrm>
+            <a:off x="203200" y="6400800"/>
+            <a:ext cx="2133600" cy="365125"/>
+          </a:xfrm>
+          <a:noFill/>
+          <a:extLst>
+            <a:ext uri="{909E8E84-426E-40dd-AFC4-6F175D3DCCD1}">
+              <a14:hiddenFill xmlns:a14="http://schemas.microsoft.com/office/drawing/2010/main">
+                <a:solidFill>
+                  <a:srgbClr val="FFFFFF"/>
+                </a:solidFill>
+              </a14:hiddenFill>
+            </a:ext>
+            <a:ext uri="{91240B29-F687-4f45-9708-019B960494DF}">
+              <a14:hiddenLine xmlns:a14="http://schemas.microsoft.com/office/drawing/2010/main" w="9525">
+                <a:solidFill>
+                  <a:srgbClr val="000000"/>
+                </a:solidFill>
+                <a:miter lim="800000"/>
+                <a:headEnd/>
+                <a:tailEnd/>
+              </a14:hiddenLine>
+            </a:ext>
+          </a:extLst>
+        </p:spPr>
+        <p:txBody>
+          <a:bodyPr vert="horz" wrap="square" lIns="91440" tIns="45720" rIns="91440" bIns="45720" numCol="1" anchor="ctr" anchorCtr="0" compatLnSpc="1">
+            <a:prstTxWarp prst="textNoShape">
+              <a:avLst/>
+            </a:prstTxWarp>
+          </a:bodyPr>
+          <a:lstStyle>
+            <a:lvl1pPr eaLnBrk="0" hangingPunct="0">
+              <a:defRPr sz="2400">
+                <a:solidFill>
+                  <a:schemeClr val="tx1"/>
+                </a:solidFill>
+                <a:latin typeface="Trebuchet MS" charset="0"/>
+                <a:ea typeface="ＭＳ Ｐゴシック" charset="0"/>
+                <a:cs typeface="ＭＳ Ｐゴシック" charset="0"/>
+              </a:defRPr>
+            </a:lvl1pPr>
+            <a:lvl2pPr marL="742950" indent="-285750" eaLnBrk="0" hangingPunct="0">
+              <a:defRPr sz="2400">
+                <a:solidFill>
+                  <a:schemeClr val="tx1"/>
+                </a:solidFill>
+                <a:latin typeface="Trebuchet MS" charset="0"/>
+                <a:ea typeface="ＭＳ Ｐゴシック" charset="0"/>
+              </a:defRPr>
+            </a:lvl2pPr>
+            <a:lvl3pPr marL="1143000" indent="-228600" eaLnBrk="0" hangingPunct="0">
+              <a:defRPr sz="2400">
+                <a:solidFill>
+                  <a:schemeClr val="tx1"/>
+                </a:solidFill>
+                <a:latin typeface="Trebuchet MS" charset="0"/>
+                <a:ea typeface="ＭＳ Ｐゴシック" charset="0"/>
+              </a:defRPr>
+            </a:lvl3pPr>
+            <a:lvl4pPr marL="1600200" indent="-228600" eaLnBrk="0" hangingPunct="0">
+              <a:defRPr sz="2400">
+                <a:solidFill>
+                  <a:schemeClr val="tx1"/>
+                </a:solidFill>
+                <a:latin typeface="Trebuchet MS" charset="0"/>
+                <a:ea typeface="ＭＳ Ｐゴシック" charset="0"/>
+              </a:defRPr>
+            </a:lvl4pPr>
+            <a:lvl5pPr marL="2057400" indent="-228600" eaLnBrk="0" hangingPunct="0">
+              <a:defRPr sz="2400">
+                <a:solidFill>
+                  <a:schemeClr val="tx1"/>
+                </a:solidFill>
+                <a:latin typeface="Trebuchet MS" charset="0"/>
+                <a:ea typeface="ＭＳ Ｐゴシック" charset="0"/>
+              </a:defRPr>
+            </a:lvl5pPr>
+            <a:lvl6pPr marL="2514600" indent="-228600" eaLnBrk="0" fontAlgn="base" hangingPunct="0">
+              <a:spcBef>
+                <a:spcPct val="0"/>
+              </a:spcBef>
+              <a:spcAft>
+                <a:spcPct val="0"/>
+              </a:spcAft>
+              <a:defRPr sz="2400">
+                <a:solidFill>
+                  <a:schemeClr val="tx1"/>
+                </a:solidFill>
+                <a:latin typeface="Trebuchet MS" charset="0"/>
+                <a:ea typeface="ＭＳ Ｐゴシック" charset="0"/>
+              </a:defRPr>
+            </a:lvl6pPr>
+            <a:lvl7pPr marL="2971800" indent="-228600" eaLnBrk="0" fontAlgn="base" hangingPunct="0">
+              <a:spcBef>
+                <a:spcPct val="0"/>
+              </a:spcBef>
+              <a:spcAft>
+                <a:spcPct val="0"/>
+              </a:spcAft>
+              <a:defRPr sz="2400">
+                <a:solidFill>
+                  <a:schemeClr val="tx1"/>
+                </a:solidFill>
+                <a:latin typeface="Trebuchet MS" charset="0"/>
+                <a:ea typeface="ＭＳ Ｐゴシック" charset="0"/>
+              </a:defRPr>
+            </a:lvl7pPr>
+            <a:lvl8pPr marL="3429000" indent="-228600" eaLnBrk="0" fontAlgn="base" hangingPunct="0">
+              <a:spcBef>
+                <a:spcPct val="0"/>
+              </a:spcBef>
+              <a:spcAft>
+                <a:spcPct val="0"/>
+              </a:spcAft>
+              <a:defRPr sz="2400">
+                <a:solidFill>
+                  <a:schemeClr val="tx1"/>
+                </a:solidFill>
+                <a:latin typeface="Trebuchet MS" charset="0"/>
+                <a:ea typeface="ＭＳ Ｐゴシック" charset="0"/>
+              </a:defRPr>
+            </a:lvl8pPr>
+            <a:lvl9pPr marL="3886200" indent="-228600" eaLnBrk="0" fontAlgn="base" hangingPunct="0">
+              <a:spcBef>
+                <a:spcPct val="0"/>
+              </a:spcBef>
+              <a:spcAft>
+                <a:spcPct val="0"/>
+              </a:spcAft>
+              <a:defRPr sz="2400">
+                <a:solidFill>
+                  <a:schemeClr val="tx1"/>
+                </a:solidFill>
+                <a:latin typeface="Trebuchet MS" charset="0"/>
+                <a:ea typeface="ＭＳ Ｐゴシック" charset="0"/>
+              </a:defRPr>
+            </a:lvl9pPr>
+          </a:lstStyle>
+          <a:p>
+            <a:pPr algn="l" eaLnBrk="1" hangingPunct="1"/>
+            <a:r>
+              <a:rPr lang="en-US" sz="1200" b="1" dirty="0">
+                <a:solidFill>
+                  <a:srgbClr val="122956"/>
+                </a:solidFill>
+                <a:cs typeface="Trebuchet MS" charset="0"/>
+              </a:rPr>
+              <a:t>9</a:t>
+            </a:r>
+            <a:r>
+              <a:rPr lang="en-US" sz="1200" b="1" dirty="0" smtClean="0">
+                <a:solidFill>
+                  <a:srgbClr val="122956"/>
+                </a:solidFill>
+                <a:cs typeface="Trebuchet MS" charset="0"/>
+              </a:rPr>
+              <a:t>-</a:t>
+            </a:r>
+            <a:fld id="{31B56995-E14C-B64F-86C9-12D6DB74A41E}" type="slidenum">
+              <a:rPr lang="en-US" sz="1200" b="1">
+                <a:solidFill>
+                  <a:srgbClr val="122956"/>
+                </a:solidFill>
+                <a:cs typeface="Trebuchet MS" charset="0"/>
+              </a:rPr>
+              <a:pPr algn="l" eaLnBrk="1" hangingPunct="1"/>
+              <a:t>6</a:t>
+            </a:fld>
+            <a:endParaRPr lang="en-US" sz="1200" b="1" dirty="0">
+              <a:solidFill>
+                <a:srgbClr val="122956"/>
+              </a:solidFill>
+              <a:cs typeface="Trebuchet MS" charset="0"/>
             </a:endParaRPr>
           </a:p>
         </p:txBody>
@@ -17060,6 +21785,195 @@
           </a:p>
         </p:txBody>
       </p:sp>
+      <p:sp>
+        <p:nvSpPr>
+          <p:cNvPr id="4" name="Slide Number Placeholder 5"/>
+          <p:cNvSpPr>
+            <a:spLocks noGrp="1"/>
+          </p:cNvSpPr>
+          <p:nvPr>
+            <p:ph type="sldNum" sz="quarter" idx="12"/>
+          </p:nvPr>
+        </p:nvSpPr>
+        <p:spPr bwMode="auto">
+          <a:xfrm>
+            <a:off x="203200" y="6400800"/>
+            <a:ext cx="2133600" cy="365125"/>
+          </a:xfrm>
+          <a:noFill/>
+          <a:extLst>
+            <a:ext uri="{909E8E84-426E-40dd-AFC4-6F175D3DCCD1}">
+              <a14:hiddenFill xmlns:a14="http://schemas.microsoft.com/office/drawing/2010/main">
+                <a:solidFill>
+                  <a:srgbClr val="FFFFFF"/>
+                </a:solidFill>
+              </a14:hiddenFill>
+            </a:ext>
+            <a:ext uri="{91240B29-F687-4f45-9708-019B960494DF}">
+              <a14:hiddenLine xmlns:a14="http://schemas.microsoft.com/office/drawing/2010/main" w="9525">
+                <a:solidFill>
+                  <a:srgbClr val="000000"/>
+                </a:solidFill>
+                <a:miter lim="800000"/>
+                <a:headEnd/>
+                <a:tailEnd/>
+              </a14:hiddenLine>
+            </a:ext>
+          </a:extLst>
+        </p:spPr>
+        <p:txBody>
+          <a:bodyPr vert="horz" wrap="square" lIns="91440" tIns="45720" rIns="91440" bIns="45720" numCol="1" anchor="ctr" anchorCtr="0" compatLnSpc="1">
+            <a:prstTxWarp prst="textNoShape">
+              <a:avLst/>
+            </a:prstTxWarp>
+          </a:bodyPr>
+          <a:lstStyle>
+            <a:lvl1pPr eaLnBrk="0" hangingPunct="0">
+              <a:defRPr sz="2400">
+                <a:solidFill>
+                  <a:schemeClr val="tx1"/>
+                </a:solidFill>
+                <a:latin typeface="Trebuchet MS" charset="0"/>
+                <a:ea typeface="ＭＳ Ｐゴシック" charset="0"/>
+                <a:cs typeface="ＭＳ Ｐゴシック" charset="0"/>
+              </a:defRPr>
+            </a:lvl1pPr>
+            <a:lvl2pPr marL="742950" indent="-285750" eaLnBrk="0" hangingPunct="0">
+              <a:defRPr sz="2400">
+                <a:solidFill>
+                  <a:schemeClr val="tx1"/>
+                </a:solidFill>
+                <a:latin typeface="Trebuchet MS" charset="0"/>
+                <a:ea typeface="ＭＳ Ｐゴシック" charset="0"/>
+              </a:defRPr>
+            </a:lvl2pPr>
+            <a:lvl3pPr marL="1143000" indent="-228600" eaLnBrk="0" hangingPunct="0">
+              <a:defRPr sz="2400">
+                <a:solidFill>
+                  <a:schemeClr val="tx1"/>
+                </a:solidFill>
+                <a:latin typeface="Trebuchet MS" charset="0"/>
+                <a:ea typeface="ＭＳ Ｐゴシック" charset="0"/>
+              </a:defRPr>
+            </a:lvl3pPr>
+            <a:lvl4pPr marL="1600200" indent="-228600" eaLnBrk="0" hangingPunct="0">
+              <a:defRPr sz="2400">
+                <a:solidFill>
+                  <a:schemeClr val="tx1"/>
+                </a:solidFill>
+                <a:latin typeface="Trebuchet MS" charset="0"/>
+                <a:ea typeface="ＭＳ Ｐゴシック" charset="0"/>
+              </a:defRPr>
+            </a:lvl4pPr>
+            <a:lvl5pPr marL="2057400" indent="-228600" eaLnBrk="0" hangingPunct="0">
+              <a:defRPr sz="2400">
+                <a:solidFill>
+                  <a:schemeClr val="tx1"/>
+                </a:solidFill>
+                <a:latin typeface="Trebuchet MS" charset="0"/>
+                <a:ea typeface="ＭＳ Ｐゴシック" charset="0"/>
+              </a:defRPr>
+            </a:lvl5pPr>
+            <a:lvl6pPr marL="2514600" indent="-228600" eaLnBrk="0" fontAlgn="base" hangingPunct="0">
+              <a:spcBef>
+                <a:spcPct val="0"/>
+              </a:spcBef>
+              <a:spcAft>
+                <a:spcPct val="0"/>
+              </a:spcAft>
+              <a:defRPr sz="2400">
+                <a:solidFill>
+                  <a:schemeClr val="tx1"/>
+                </a:solidFill>
+                <a:latin typeface="Trebuchet MS" charset="0"/>
+                <a:ea typeface="ＭＳ Ｐゴシック" charset="0"/>
+              </a:defRPr>
+            </a:lvl6pPr>
+            <a:lvl7pPr marL="2971800" indent="-228600" eaLnBrk="0" fontAlgn="base" hangingPunct="0">
+              <a:spcBef>
+                <a:spcPct val="0"/>
+              </a:spcBef>
+              <a:spcAft>
+                <a:spcPct val="0"/>
+              </a:spcAft>
+              <a:defRPr sz="2400">
+                <a:solidFill>
+                  <a:schemeClr val="tx1"/>
+                </a:solidFill>
+                <a:latin typeface="Trebuchet MS" charset="0"/>
+                <a:ea typeface="ＭＳ Ｐゴシック" charset="0"/>
+              </a:defRPr>
+            </a:lvl7pPr>
+            <a:lvl8pPr marL="3429000" indent="-228600" eaLnBrk="0" fontAlgn="base" hangingPunct="0">
+              <a:spcBef>
+                <a:spcPct val="0"/>
+              </a:spcBef>
+              <a:spcAft>
+                <a:spcPct val="0"/>
+              </a:spcAft>
+              <a:defRPr sz="2400">
+                <a:solidFill>
+                  <a:schemeClr val="tx1"/>
+                </a:solidFill>
+                <a:latin typeface="Trebuchet MS" charset="0"/>
+                <a:ea typeface="ＭＳ Ｐゴシック" charset="0"/>
+              </a:defRPr>
+            </a:lvl8pPr>
+            <a:lvl9pPr marL="3886200" indent="-228600" eaLnBrk="0" fontAlgn="base" hangingPunct="0">
+              <a:spcBef>
+                <a:spcPct val="0"/>
+              </a:spcBef>
+              <a:spcAft>
+                <a:spcPct val="0"/>
+              </a:spcAft>
+              <a:defRPr sz="2400">
+                <a:solidFill>
+                  <a:schemeClr val="tx1"/>
+                </a:solidFill>
+                <a:latin typeface="Trebuchet MS" charset="0"/>
+                <a:ea typeface="ＭＳ Ｐゴシック" charset="0"/>
+              </a:defRPr>
+            </a:lvl9pPr>
+          </a:lstStyle>
+          <a:p>
+            <a:pPr algn="l" eaLnBrk="1" hangingPunct="1"/>
+            <a:r>
+              <a:rPr lang="en-US" sz="1200" b="1" dirty="0">
+                <a:solidFill>
+                  <a:srgbClr val="122956"/>
+                </a:solidFill>
+                <a:cs typeface="Trebuchet MS" charset="0"/>
+              </a:rPr>
+              <a:t>9</a:t>
+            </a:r>
+            <a:r>
+              <a:rPr lang="en-US" sz="1200" b="1" dirty="0" smtClean="0">
+                <a:solidFill>
+                  <a:srgbClr val="122956"/>
+                </a:solidFill>
+                <a:cs typeface="Trebuchet MS" charset="0"/>
+              </a:rPr>
+              <a:t>-</a:t>
+            </a:r>
+            <a:fld id="{31B56995-E14C-B64F-86C9-12D6DB74A41E}" type="slidenum">
+              <a:rPr lang="en-US" sz="1200" b="1">
+                <a:solidFill>
+                  <a:srgbClr val="122956"/>
+                </a:solidFill>
+                <a:cs typeface="Trebuchet MS" charset="0"/>
+              </a:rPr>
+              <a:pPr algn="l" eaLnBrk="1" hangingPunct="1"/>
+              <a:t>7</a:t>
+            </a:fld>
+            <a:endParaRPr lang="en-US" sz="1200" b="1" dirty="0">
+              <a:solidFill>
+                <a:srgbClr val="122956"/>
+              </a:solidFill>
+              <a:cs typeface="Trebuchet MS" charset="0"/>
+            </a:endParaRPr>
+          </a:p>
+        </p:txBody>
+      </p:sp>
     </p:spTree>
     <p:extLst>
       <p:ext uri="{BB962C8B-B14F-4D97-AF65-F5344CB8AC3E}">
@@ -17440,6 +22354,195 @@
               <a:latin typeface="Trebuchet MS" charset="0"/>
               <a:ea typeface="ヒラギノ角ゴ ProN W3" charset="0"/>
               <a:cs typeface="ヒラギノ角ゴ ProN W3" charset="0"/>
+            </a:endParaRPr>
+          </a:p>
+        </p:txBody>
+      </p:sp>
+      <p:sp>
+        <p:nvSpPr>
+          <p:cNvPr id="7" name="Slide Number Placeholder 5"/>
+          <p:cNvSpPr>
+            <a:spLocks noGrp="1"/>
+          </p:cNvSpPr>
+          <p:nvPr>
+            <p:ph type="sldNum" sz="quarter" idx="12"/>
+          </p:nvPr>
+        </p:nvSpPr>
+        <p:spPr bwMode="auto">
+          <a:xfrm>
+            <a:off x="203200" y="6400800"/>
+            <a:ext cx="2133600" cy="365125"/>
+          </a:xfrm>
+          <a:noFill/>
+          <a:extLst>
+            <a:ext uri="{909E8E84-426E-40dd-AFC4-6F175D3DCCD1}">
+              <a14:hiddenFill xmlns:a14="http://schemas.microsoft.com/office/drawing/2010/main">
+                <a:solidFill>
+                  <a:srgbClr val="FFFFFF"/>
+                </a:solidFill>
+              </a14:hiddenFill>
+            </a:ext>
+            <a:ext uri="{91240B29-F687-4f45-9708-019B960494DF}">
+              <a14:hiddenLine xmlns:a14="http://schemas.microsoft.com/office/drawing/2010/main" w="9525">
+                <a:solidFill>
+                  <a:srgbClr val="000000"/>
+                </a:solidFill>
+                <a:miter lim="800000"/>
+                <a:headEnd/>
+                <a:tailEnd/>
+              </a14:hiddenLine>
+            </a:ext>
+          </a:extLst>
+        </p:spPr>
+        <p:txBody>
+          <a:bodyPr vert="horz" wrap="square" lIns="91440" tIns="45720" rIns="91440" bIns="45720" numCol="1" anchor="ctr" anchorCtr="0" compatLnSpc="1">
+            <a:prstTxWarp prst="textNoShape">
+              <a:avLst/>
+            </a:prstTxWarp>
+          </a:bodyPr>
+          <a:lstStyle>
+            <a:lvl1pPr eaLnBrk="0" hangingPunct="0">
+              <a:defRPr sz="2400">
+                <a:solidFill>
+                  <a:schemeClr val="tx1"/>
+                </a:solidFill>
+                <a:latin typeface="Trebuchet MS" charset="0"/>
+                <a:ea typeface="ＭＳ Ｐゴシック" charset="0"/>
+                <a:cs typeface="ＭＳ Ｐゴシック" charset="0"/>
+              </a:defRPr>
+            </a:lvl1pPr>
+            <a:lvl2pPr marL="742950" indent="-285750" eaLnBrk="0" hangingPunct="0">
+              <a:defRPr sz="2400">
+                <a:solidFill>
+                  <a:schemeClr val="tx1"/>
+                </a:solidFill>
+                <a:latin typeface="Trebuchet MS" charset="0"/>
+                <a:ea typeface="ＭＳ Ｐゴシック" charset="0"/>
+              </a:defRPr>
+            </a:lvl2pPr>
+            <a:lvl3pPr marL="1143000" indent="-228600" eaLnBrk="0" hangingPunct="0">
+              <a:defRPr sz="2400">
+                <a:solidFill>
+                  <a:schemeClr val="tx1"/>
+                </a:solidFill>
+                <a:latin typeface="Trebuchet MS" charset="0"/>
+                <a:ea typeface="ＭＳ Ｐゴシック" charset="0"/>
+              </a:defRPr>
+            </a:lvl3pPr>
+            <a:lvl4pPr marL="1600200" indent="-228600" eaLnBrk="0" hangingPunct="0">
+              <a:defRPr sz="2400">
+                <a:solidFill>
+                  <a:schemeClr val="tx1"/>
+                </a:solidFill>
+                <a:latin typeface="Trebuchet MS" charset="0"/>
+                <a:ea typeface="ＭＳ Ｐゴシック" charset="0"/>
+              </a:defRPr>
+            </a:lvl4pPr>
+            <a:lvl5pPr marL="2057400" indent="-228600" eaLnBrk="0" hangingPunct="0">
+              <a:defRPr sz="2400">
+                <a:solidFill>
+                  <a:schemeClr val="tx1"/>
+                </a:solidFill>
+                <a:latin typeface="Trebuchet MS" charset="0"/>
+                <a:ea typeface="ＭＳ Ｐゴシック" charset="0"/>
+              </a:defRPr>
+            </a:lvl5pPr>
+            <a:lvl6pPr marL="2514600" indent="-228600" eaLnBrk="0" fontAlgn="base" hangingPunct="0">
+              <a:spcBef>
+                <a:spcPct val="0"/>
+              </a:spcBef>
+              <a:spcAft>
+                <a:spcPct val="0"/>
+              </a:spcAft>
+              <a:defRPr sz="2400">
+                <a:solidFill>
+                  <a:schemeClr val="tx1"/>
+                </a:solidFill>
+                <a:latin typeface="Trebuchet MS" charset="0"/>
+                <a:ea typeface="ＭＳ Ｐゴシック" charset="0"/>
+              </a:defRPr>
+            </a:lvl6pPr>
+            <a:lvl7pPr marL="2971800" indent="-228600" eaLnBrk="0" fontAlgn="base" hangingPunct="0">
+              <a:spcBef>
+                <a:spcPct val="0"/>
+              </a:spcBef>
+              <a:spcAft>
+                <a:spcPct val="0"/>
+              </a:spcAft>
+              <a:defRPr sz="2400">
+                <a:solidFill>
+                  <a:schemeClr val="tx1"/>
+                </a:solidFill>
+                <a:latin typeface="Trebuchet MS" charset="0"/>
+                <a:ea typeface="ＭＳ Ｐゴシック" charset="0"/>
+              </a:defRPr>
+            </a:lvl7pPr>
+            <a:lvl8pPr marL="3429000" indent="-228600" eaLnBrk="0" fontAlgn="base" hangingPunct="0">
+              <a:spcBef>
+                <a:spcPct val="0"/>
+              </a:spcBef>
+              <a:spcAft>
+                <a:spcPct val="0"/>
+              </a:spcAft>
+              <a:defRPr sz="2400">
+                <a:solidFill>
+                  <a:schemeClr val="tx1"/>
+                </a:solidFill>
+                <a:latin typeface="Trebuchet MS" charset="0"/>
+                <a:ea typeface="ＭＳ Ｐゴシック" charset="0"/>
+              </a:defRPr>
+            </a:lvl8pPr>
+            <a:lvl9pPr marL="3886200" indent="-228600" eaLnBrk="0" fontAlgn="base" hangingPunct="0">
+              <a:spcBef>
+                <a:spcPct val="0"/>
+              </a:spcBef>
+              <a:spcAft>
+                <a:spcPct val="0"/>
+              </a:spcAft>
+              <a:defRPr sz="2400">
+                <a:solidFill>
+                  <a:schemeClr val="tx1"/>
+                </a:solidFill>
+                <a:latin typeface="Trebuchet MS" charset="0"/>
+                <a:ea typeface="ＭＳ Ｐゴシック" charset="0"/>
+              </a:defRPr>
+            </a:lvl9pPr>
+          </a:lstStyle>
+          <a:p>
+            <a:pPr algn="l" eaLnBrk="1" hangingPunct="1"/>
+            <a:r>
+              <a:rPr lang="en-US" sz="1200" b="1" dirty="0">
+                <a:solidFill>
+                  <a:srgbClr val="122956"/>
+                </a:solidFill>
+                <a:cs typeface="Trebuchet MS" charset="0"/>
+              </a:rPr>
+              <a:t>9</a:t>
+            </a:r>
+            <a:r>
+              <a:rPr lang="en-US" sz="1200" b="1" dirty="0" smtClean="0">
+                <a:solidFill>
+                  <a:srgbClr val="122956"/>
+                </a:solidFill>
+                <a:cs typeface="Trebuchet MS" charset="0"/>
+              </a:rPr>
+              <a:t>-</a:t>
+            </a:r>
+            <a:fld id="{31B56995-E14C-B64F-86C9-12D6DB74A41E}" type="slidenum">
+              <a:rPr lang="en-US" sz="1200" b="1">
+                <a:solidFill>
+                  <a:srgbClr val="122956"/>
+                </a:solidFill>
+                <a:cs typeface="Trebuchet MS" charset="0"/>
+              </a:rPr>
+              <a:pPr algn="l" eaLnBrk="1" hangingPunct="1"/>
+              <a:t>8</a:t>
+            </a:fld>
+            <a:endParaRPr lang="en-US" sz="1200" b="1" dirty="0">
+              <a:solidFill>
+                <a:srgbClr val="122956"/>
+              </a:solidFill>
+              <a:cs typeface="Trebuchet MS" charset="0"/>
             </a:endParaRPr>
           </a:p>
         </p:txBody>
@@ -17794,6 +22897,195 @@
               <a:latin typeface="Trebuchet MS" charset="0"/>
               <a:ea typeface="ヒラギノ角ゴ ProN W3" charset="0"/>
               <a:cs typeface="ヒラギノ角ゴ ProN W3" charset="0"/>
+            </a:endParaRPr>
+          </a:p>
+        </p:txBody>
+      </p:sp>
+      <p:sp>
+        <p:nvSpPr>
+          <p:cNvPr id="7" name="Slide Number Placeholder 5"/>
+          <p:cNvSpPr>
+            <a:spLocks noGrp="1"/>
+          </p:cNvSpPr>
+          <p:nvPr>
+            <p:ph type="sldNum" sz="quarter" idx="12"/>
+          </p:nvPr>
+        </p:nvSpPr>
+        <p:spPr bwMode="auto">
+          <a:xfrm>
+            <a:off x="203200" y="6400800"/>
+            <a:ext cx="2133600" cy="365125"/>
+          </a:xfrm>
+          <a:noFill/>
+          <a:extLst>
+            <a:ext uri="{909E8E84-426E-40dd-AFC4-6F175D3DCCD1}">
+              <a14:hiddenFill xmlns:a14="http://schemas.microsoft.com/office/drawing/2010/main">
+                <a:solidFill>
+                  <a:srgbClr val="FFFFFF"/>
+                </a:solidFill>
+              </a14:hiddenFill>
+            </a:ext>
+            <a:ext uri="{91240B29-F687-4f45-9708-019B960494DF}">
+              <a14:hiddenLine xmlns:a14="http://schemas.microsoft.com/office/drawing/2010/main" w="9525">
+                <a:solidFill>
+                  <a:srgbClr val="000000"/>
+                </a:solidFill>
+                <a:miter lim="800000"/>
+                <a:headEnd/>
+                <a:tailEnd/>
+              </a14:hiddenLine>
+            </a:ext>
+          </a:extLst>
+        </p:spPr>
+        <p:txBody>
+          <a:bodyPr vert="horz" wrap="square" lIns="91440" tIns="45720" rIns="91440" bIns="45720" numCol="1" anchor="ctr" anchorCtr="0" compatLnSpc="1">
+            <a:prstTxWarp prst="textNoShape">
+              <a:avLst/>
+            </a:prstTxWarp>
+          </a:bodyPr>
+          <a:lstStyle>
+            <a:lvl1pPr eaLnBrk="0" hangingPunct="0">
+              <a:defRPr sz="2400">
+                <a:solidFill>
+                  <a:schemeClr val="tx1"/>
+                </a:solidFill>
+                <a:latin typeface="Trebuchet MS" charset="0"/>
+                <a:ea typeface="ＭＳ Ｐゴシック" charset="0"/>
+                <a:cs typeface="ＭＳ Ｐゴシック" charset="0"/>
+              </a:defRPr>
+            </a:lvl1pPr>
+            <a:lvl2pPr marL="742950" indent="-285750" eaLnBrk="0" hangingPunct="0">
+              <a:defRPr sz="2400">
+                <a:solidFill>
+                  <a:schemeClr val="tx1"/>
+                </a:solidFill>
+                <a:latin typeface="Trebuchet MS" charset="0"/>
+                <a:ea typeface="ＭＳ Ｐゴシック" charset="0"/>
+              </a:defRPr>
+            </a:lvl2pPr>
+            <a:lvl3pPr marL="1143000" indent="-228600" eaLnBrk="0" hangingPunct="0">
+              <a:defRPr sz="2400">
+                <a:solidFill>
+                  <a:schemeClr val="tx1"/>
+                </a:solidFill>
+                <a:latin typeface="Trebuchet MS" charset="0"/>
+                <a:ea typeface="ＭＳ Ｐゴシック" charset="0"/>
+              </a:defRPr>
+            </a:lvl3pPr>
+            <a:lvl4pPr marL="1600200" indent="-228600" eaLnBrk="0" hangingPunct="0">
+              <a:defRPr sz="2400">
+                <a:solidFill>
+                  <a:schemeClr val="tx1"/>
+                </a:solidFill>
+                <a:latin typeface="Trebuchet MS" charset="0"/>
+                <a:ea typeface="ＭＳ Ｐゴシック" charset="0"/>
+              </a:defRPr>
+            </a:lvl4pPr>
+            <a:lvl5pPr marL="2057400" indent="-228600" eaLnBrk="0" hangingPunct="0">
+              <a:defRPr sz="2400">
+                <a:solidFill>
+                  <a:schemeClr val="tx1"/>
+                </a:solidFill>
+                <a:latin typeface="Trebuchet MS" charset="0"/>
+                <a:ea typeface="ＭＳ Ｐゴシック" charset="0"/>
+              </a:defRPr>
+            </a:lvl5pPr>
+            <a:lvl6pPr marL="2514600" indent="-228600" eaLnBrk="0" fontAlgn="base" hangingPunct="0">
+              <a:spcBef>
+                <a:spcPct val="0"/>
+              </a:spcBef>
+              <a:spcAft>
+                <a:spcPct val="0"/>
+              </a:spcAft>
+              <a:defRPr sz="2400">
+                <a:solidFill>
+                  <a:schemeClr val="tx1"/>
+                </a:solidFill>
+                <a:latin typeface="Trebuchet MS" charset="0"/>
+                <a:ea typeface="ＭＳ Ｐゴシック" charset="0"/>
+              </a:defRPr>
+            </a:lvl6pPr>
+            <a:lvl7pPr marL="2971800" indent="-228600" eaLnBrk="0" fontAlgn="base" hangingPunct="0">
+              <a:spcBef>
+                <a:spcPct val="0"/>
+              </a:spcBef>
+              <a:spcAft>
+                <a:spcPct val="0"/>
+              </a:spcAft>
+              <a:defRPr sz="2400">
+                <a:solidFill>
+                  <a:schemeClr val="tx1"/>
+                </a:solidFill>
+                <a:latin typeface="Trebuchet MS" charset="0"/>
+                <a:ea typeface="ＭＳ Ｐゴシック" charset="0"/>
+              </a:defRPr>
+            </a:lvl7pPr>
+            <a:lvl8pPr marL="3429000" indent="-228600" eaLnBrk="0" fontAlgn="base" hangingPunct="0">
+              <a:spcBef>
+                <a:spcPct val="0"/>
+              </a:spcBef>
+              <a:spcAft>
+                <a:spcPct val="0"/>
+              </a:spcAft>
+              <a:defRPr sz="2400">
+                <a:solidFill>
+                  <a:schemeClr val="tx1"/>
+                </a:solidFill>
+                <a:latin typeface="Trebuchet MS" charset="0"/>
+                <a:ea typeface="ＭＳ Ｐゴシック" charset="0"/>
+              </a:defRPr>
+            </a:lvl8pPr>
+            <a:lvl9pPr marL="3886200" indent="-228600" eaLnBrk="0" fontAlgn="base" hangingPunct="0">
+              <a:spcBef>
+                <a:spcPct val="0"/>
+              </a:spcBef>
+              <a:spcAft>
+                <a:spcPct val="0"/>
+              </a:spcAft>
+              <a:defRPr sz="2400">
+                <a:solidFill>
+                  <a:schemeClr val="tx1"/>
+                </a:solidFill>
+                <a:latin typeface="Trebuchet MS" charset="0"/>
+                <a:ea typeface="ＭＳ Ｐゴシック" charset="0"/>
+              </a:defRPr>
+            </a:lvl9pPr>
+          </a:lstStyle>
+          <a:p>
+            <a:pPr algn="l" eaLnBrk="1" hangingPunct="1"/>
+            <a:r>
+              <a:rPr lang="en-US" sz="1200" b="1" dirty="0">
+                <a:solidFill>
+                  <a:srgbClr val="122956"/>
+                </a:solidFill>
+                <a:cs typeface="Trebuchet MS" charset="0"/>
+              </a:rPr>
+              <a:t>9</a:t>
+            </a:r>
+            <a:r>
+              <a:rPr lang="en-US" sz="1200" b="1" dirty="0" smtClean="0">
+                <a:solidFill>
+                  <a:srgbClr val="122956"/>
+                </a:solidFill>
+                <a:cs typeface="Trebuchet MS" charset="0"/>
+              </a:rPr>
+              <a:t>-</a:t>
+            </a:r>
+            <a:fld id="{31B56995-E14C-B64F-86C9-12D6DB74A41E}" type="slidenum">
+              <a:rPr lang="en-US" sz="1200" b="1">
+                <a:solidFill>
+                  <a:srgbClr val="122956"/>
+                </a:solidFill>
+                <a:cs typeface="Trebuchet MS" charset="0"/>
+              </a:rPr>
+              <a:pPr algn="l" eaLnBrk="1" hangingPunct="1"/>
+              <a:t>9</a:t>
+            </a:fld>
+            <a:endParaRPr lang="en-US" sz="1200" b="1" dirty="0">
+              <a:solidFill>
+                <a:srgbClr val="122956"/>
+              </a:solidFill>
+              <a:cs typeface="Trebuchet MS" charset="0"/>
             </a:endParaRPr>
           </a:p>
         </p:txBody>

--- a/350.pptx
+++ b/350.pptx
@@ -15201,7 +15201,7 @@
           <a:p>
             <a:pPr indent="0" eaLnBrk="1" hangingPunct="1"/>
             <a:r>
-              <a:rPr lang="en-US" dirty="0" smtClean="0">
+              <a:rPr lang="en-US" smtClean="0">
                 <a:latin typeface="Trebuchet MS" charset="0"/>
                 <a:ea typeface="ヒラギノ角ゴ ProN W3" charset="0"/>
                 <a:cs typeface="ヒラギノ角ゴ ProN W3" charset="0"/>

--- a/350.pptx
+++ b/350.pptx
@@ -550,7 +550,7 @@
                 <a:ea typeface="ＭＳ Ｐゴシック" charset="0"/>
                 <a:cs typeface="ＭＳ Ｐゴシック" charset="0"/>
               </a:rPr>
-              <a:t>60 </a:t>
+              <a:t>90 </a:t>
             </a:r>
             <a:r>
               <a:rPr lang="en-US" b="1" dirty="0" err="1" smtClean="0">
@@ -561,12 +561,52 @@
               <a:t>mins</a:t>
             </a:r>
             <a:r>
-              <a:rPr lang="en-US" b="1" smtClean="0">
+              <a:rPr lang="en-US" b="1" dirty="0" smtClean="0">
                 <a:latin typeface="Calibri" charset="0"/>
                 <a:ea typeface="ＭＳ Ｐゴシック" charset="0"/>
                 <a:cs typeface="ＭＳ Ｐゴシック" charset="0"/>
               </a:rPr>
               <a:t> </a:t>
+            </a:r>
+            <a:r>
+              <a:rPr lang="en-US" dirty="0" smtClean="0">
+                <a:latin typeface="Calibri" charset="0"/>
+                <a:ea typeface="ＭＳ Ｐゴシック" charset="0"/>
+                <a:cs typeface="ＭＳ Ｐゴシック" charset="0"/>
+              </a:rPr>
+              <a:t>(60 </a:t>
+            </a:r>
+            <a:r>
+              <a:rPr lang="en-US" dirty="0" err="1" smtClean="0">
+                <a:latin typeface="Calibri" charset="0"/>
+                <a:ea typeface="ＭＳ Ｐゴシック" charset="0"/>
+                <a:cs typeface="ＭＳ Ｐゴシック" charset="0"/>
+              </a:rPr>
+              <a:t>mins</a:t>
+            </a:r>
+            <a:r>
+              <a:rPr lang="en-US" dirty="0" smtClean="0">
+                <a:latin typeface="Calibri" charset="0"/>
+                <a:ea typeface="ＭＳ Ｐゴシック" charset="0"/>
+                <a:cs typeface="ＭＳ Ｐゴシック" charset="0"/>
+              </a:rPr>
+              <a:t> </a:t>
+            </a:r>
+            <a:r>
+              <a:rPr lang="en-US" dirty="0">
+                <a:latin typeface="Calibri" charset="0"/>
+                <a:ea typeface="ＭＳ Ｐゴシック" charset="0"/>
+                <a:cs typeface="ＭＳ Ｐゴシック" charset="0"/>
+              </a:rPr>
+              <a:t>teaching</a:t>
+            </a:r>
+            <a:r>
+              <a:rPr lang="en-US">
+                <a:latin typeface="Calibri" charset="0"/>
+                <a:ea typeface="ＭＳ Ｐゴシック" charset="0"/>
+                <a:cs typeface="ＭＳ Ｐゴシック" charset="0"/>
+              </a:rPr>
+              <a:t>, </a:t>
             </a:r>
             <a:r>
               <a:rPr lang="en-US" smtClean="0">
@@ -574,39 +614,7 @@
                 <a:ea typeface="ＭＳ Ｐゴシック" charset="0"/>
                 <a:cs typeface="ＭＳ Ｐゴシック" charset="0"/>
               </a:rPr>
-              <a:t>(40 </a:t>
-            </a:r>
-            <a:r>
-              <a:rPr lang="en-US" dirty="0" err="1" smtClean="0">
-                <a:latin typeface="Calibri" charset="0"/>
-                <a:ea typeface="ＭＳ Ｐゴシック" charset="0"/>
-                <a:cs typeface="ＭＳ Ｐゴシック" charset="0"/>
-              </a:rPr>
-              <a:t>mins</a:t>
-            </a:r>
-            <a:r>
-              <a:rPr lang="en-US" dirty="0" smtClean="0">
-                <a:latin typeface="Calibri" charset="0"/>
-                <a:ea typeface="ＭＳ Ｐゴシック" charset="0"/>
-                <a:cs typeface="ＭＳ Ｐゴシック" charset="0"/>
-              </a:rPr>
-              <a:t> </a:t>
-            </a:r>
-            <a:r>
-              <a:rPr lang="en-US" dirty="0">
-                <a:latin typeface="Calibri" charset="0"/>
-                <a:ea typeface="ＭＳ Ｐゴシック" charset="0"/>
-                <a:cs typeface="ＭＳ Ｐゴシック" charset="0"/>
-              </a:rPr>
-              <a:t>teaching, </a:t>
-            </a:r>
-            <a:r>
-              <a:rPr lang="en-US" dirty="0" smtClean="0">
-                <a:latin typeface="Calibri" charset="0"/>
-                <a:ea typeface="ＭＳ Ｐゴシック" charset="0"/>
-                <a:cs typeface="ＭＳ Ｐゴシック" charset="0"/>
-              </a:rPr>
-              <a:t>20 </a:t>
+              <a:t>30 </a:t>
             </a:r>
             <a:r>
               <a:rPr lang="en-US" dirty="0" err="1">
@@ -5660,7 +5668,7 @@
               <a:pPr>
                 <a:defRPr/>
               </a:pPr>
-              <a:t>8/19/11</a:t>
+              <a:t>8/24/11</a:t>
             </a:fld>
             <a:endParaRPr lang="en-US"/>
           </a:p>
@@ -6081,7 +6089,7 @@
               <a:pPr>
                 <a:defRPr/>
               </a:pPr>
-              <a:t>8/19/11</a:t>
+              <a:t>8/24/11</a:t>
             </a:fld>
             <a:endParaRPr lang="en-US"/>
           </a:p>
@@ -6806,7 +6814,7 @@
               <a:pPr>
                 <a:defRPr/>
               </a:pPr>
-              <a:t>8/19/11</a:t>
+              <a:t>8/24/11</a:t>
             </a:fld>
             <a:endParaRPr lang="en-US"/>
           </a:p>
@@ -7359,7 +7367,7 @@
               <a:pPr>
                 <a:defRPr/>
               </a:pPr>
-              <a:t>8/19/11</a:t>
+              <a:t>8/24/11</a:t>
             </a:fld>
             <a:endParaRPr lang="en-US"/>
           </a:p>
@@ -7710,7 +7718,7 @@
               <a:pPr>
                 <a:defRPr/>
               </a:pPr>
-              <a:t>8/19/11</a:t>
+              <a:t>8/24/11</a:t>
             </a:fld>
             <a:endParaRPr lang="en-US"/>
           </a:p>
@@ -8068,7 +8076,7 @@
               <a:pPr>
                 <a:defRPr/>
               </a:pPr>
-              <a:t>8/19/11</a:t>
+              <a:t>8/24/11</a:t>
             </a:fld>
             <a:endParaRPr lang="en-US"/>
           </a:p>
@@ -8303,7 +8311,7 @@
               <a:pPr>
                 <a:defRPr/>
               </a:pPr>
-              <a:t>8/19/11</a:t>
+              <a:t>8/24/11</a:t>
             </a:fld>
             <a:endParaRPr lang="en-US"/>
           </a:p>
@@ -8595,7 +8603,7 @@
               <a:pPr>
                 <a:defRPr/>
               </a:pPr>
-              <a:t>8/19/11</a:t>
+              <a:t>8/24/11</a:t>
             </a:fld>
             <a:endParaRPr lang="en-US"/>
           </a:p>

--- a/350.pptx
+++ b/350.pptx
@@ -3582,60 +3582,6 @@
               <a:buFontTx/>
               <a:buNone/>
             </a:pPr>
-            <a:r>
-              <a:rPr lang="en-US" b="0" dirty="0" smtClean="0">
-                <a:solidFill>
-                  <a:srgbClr val="000000"/>
-                </a:solidFill>
-                <a:latin typeface="Lucida Grande" charset="0"/>
-                <a:ea typeface="ＭＳ Ｐゴシック" charset="0"/>
-                <a:cs typeface="Lucida Grande" charset="0"/>
-                <a:sym typeface="Lucida Grande" charset="0"/>
-              </a:rPr>
-              <a:t>Demo: </a:t>
-            </a:r>
-            <a:r>
-              <a:rPr lang="en-US" b="0" dirty="0" err="1" smtClean="0">
-                <a:solidFill>
-                  <a:srgbClr val="000000"/>
-                </a:solidFill>
-                <a:latin typeface="Lucida Grande" charset="0"/>
-                <a:ea typeface="ＭＳ Ｐゴシック" charset="0"/>
-                <a:cs typeface="Lucida Grande" charset="0"/>
-                <a:sym typeface="Lucida Grande" charset="0"/>
-              </a:rPr>
-              <a:t>KitchenSink</a:t>
-            </a:r>
-            <a:r>
-              <a:rPr lang="en-US" b="0" dirty="0" smtClean="0">
-                <a:solidFill>
-                  <a:srgbClr val="000000"/>
-                </a:solidFill>
-                <a:latin typeface="Lucida Grande" charset="0"/>
-                <a:ea typeface="ＭＳ Ｐゴシック" charset="0"/>
-                <a:cs typeface="Lucida Grande" charset="0"/>
-                <a:sym typeface="Lucida Grande" charset="0"/>
-              </a:rPr>
-              <a:t> Platform &gt; ???</a:t>
-            </a:r>
-          </a:p>
-          <a:p>
-            <a:pPr marL="79375" indent="0" eaLnBrk="1" hangingPunct="1">
-              <a:buFontTx/>
-              <a:buNone/>
-            </a:pPr>
-            <a:r>
-              <a:rPr lang="en-US" b="0" smtClean="0">
-                <a:solidFill>
-                  <a:srgbClr val="000000"/>
-                </a:solidFill>
-                <a:latin typeface="Lucida Grande" charset="0"/>
-                <a:ea typeface="ＭＳ Ｐゴシック" charset="0"/>
-                <a:cs typeface="Lucida Grande" charset="0"/>
-                <a:sym typeface="Lucida Grande" charset="0"/>
-              </a:rPr>
-              <a:t>File is </a:t>
-            </a:r>
             <a:endParaRPr lang="en-US" b="0" dirty="0">
               <a:solidFill>
                 <a:srgbClr val="000000"/>
@@ -5668,7 +5614,7 @@
               <a:pPr>
                 <a:defRPr/>
               </a:pPr>
-              <a:t>8/24/11</a:t>
+              <a:t>9/27/11</a:t>
             </a:fld>
             <a:endParaRPr lang="en-US"/>
           </a:p>
@@ -6089,7 +6035,7 @@
               <a:pPr>
                 <a:defRPr/>
               </a:pPr>
-              <a:t>8/24/11</a:t>
+              <a:t>9/27/11</a:t>
             </a:fld>
             <a:endParaRPr lang="en-US"/>
           </a:p>
@@ -6814,7 +6760,7 @@
               <a:pPr>
                 <a:defRPr/>
               </a:pPr>
-              <a:t>8/24/11</a:t>
+              <a:t>9/27/11</a:t>
             </a:fld>
             <a:endParaRPr lang="en-US"/>
           </a:p>
@@ -7367,7 +7313,7 @@
               <a:pPr>
                 <a:defRPr/>
               </a:pPr>
-              <a:t>8/24/11</a:t>
+              <a:t>9/27/11</a:t>
             </a:fld>
             <a:endParaRPr lang="en-US"/>
           </a:p>
@@ -7718,7 +7664,7 @@
               <a:pPr>
                 <a:defRPr/>
               </a:pPr>
-              <a:t>8/24/11</a:t>
+              <a:t>9/27/11</a:t>
             </a:fld>
             <a:endParaRPr lang="en-US"/>
           </a:p>
@@ -8076,7 +8022,7 @@
               <a:pPr>
                 <a:defRPr/>
               </a:pPr>
-              <a:t>8/24/11</a:t>
+              <a:t>9/27/11</a:t>
             </a:fld>
             <a:endParaRPr lang="en-US"/>
           </a:p>
@@ -8311,7 +8257,7 @@
               <a:pPr>
                 <a:defRPr/>
               </a:pPr>
-              <a:t>8/24/11</a:t>
+              <a:t>9/27/11</a:t>
             </a:fld>
             <a:endParaRPr lang="en-US"/>
           </a:p>
@@ -8603,7 +8549,7 @@
               <a:pPr>
                 <a:defRPr/>
               </a:pPr>
-              <a:t>8/24/11</a:t>
+              <a:t>9/27/11</a:t>
             </a:fld>
             <a:endParaRPr lang="en-US"/>
           </a:p>
@@ -9736,22 +9682,13 @@
           <a:p>
             <a:pPr algn="l" eaLnBrk="1" hangingPunct="1"/>
             <a:r>
-              <a:rPr lang="en-US" sz="1200" b="1" dirty="0">
+              <a:rPr lang="en-US" sz="1200" b="1" dirty="0" smtClean="0">
                 <a:solidFill>
                   <a:srgbClr val="122956"/>
                 </a:solidFill>
                 <a:cs typeface="Trebuchet MS" charset="0"/>
               </a:rPr>
-              <a:t>9</a:t>
-            </a:r>
-            <a:r>
-              <a:rPr lang="en-US" sz="1200" b="1" dirty="0" smtClean="0">
-                <a:solidFill>
-                  <a:srgbClr val="122956"/>
-                </a:solidFill>
-                <a:cs typeface="Trebuchet MS" charset="0"/>
-              </a:rPr>
-              <a:t>-</a:t>
+              <a:t>AND-</a:t>
             </a:r>
             <a:fld id="{31B56995-E14C-B64F-86C9-12D6DB74A41E}" type="slidenum">
               <a:rPr lang="en-US" sz="1200" b="1">
@@ -10267,7 +10204,7 @@
             </a:lvl9pPr>
           </a:lstStyle>
           <a:p>
-            <a:pPr algn="l" eaLnBrk="1" hangingPunct="1"/>
+            <a:pPr eaLnBrk="1" hangingPunct="1"/>
             <a:r>
               <a:rPr lang="en-US" sz="1200" b="1" dirty="0">
                 <a:solidFill>
@@ -10275,16 +10212,7 @@
                 </a:solidFill>
                 <a:cs typeface="Trebuchet MS" charset="0"/>
               </a:rPr>
-              <a:t>9</a:t>
-            </a:r>
-            <a:r>
-              <a:rPr lang="en-US" sz="1200" b="1" dirty="0" smtClean="0">
-                <a:solidFill>
-                  <a:srgbClr val="122956"/>
-                </a:solidFill>
-                <a:cs typeface="Trebuchet MS" charset="0"/>
-              </a:rPr>
-              <a:t>-</a:t>
+              <a:t>AND-</a:t>
             </a:r>
             <a:fld id="{31B56995-E14C-B64F-86C9-12D6DB74A41E}" type="slidenum">
               <a:rPr lang="en-US" sz="1200" b="1">
@@ -10293,7 +10221,7 @@
                 </a:solidFill>
                 <a:cs typeface="Trebuchet MS" charset="0"/>
               </a:rPr>
-              <a:pPr algn="l" eaLnBrk="1" hangingPunct="1"/>
+              <a:pPr eaLnBrk="1" hangingPunct="1"/>
               <a:t>10</a:t>
             </a:fld>
             <a:endParaRPr lang="en-US" sz="1200" b="1" dirty="0">
@@ -10797,7 +10725,7 @@
             </a:lvl9pPr>
           </a:lstStyle>
           <a:p>
-            <a:pPr algn="l" eaLnBrk="1" hangingPunct="1"/>
+            <a:pPr eaLnBrk="1" hangingPunct="1"/>
             <a:r>
               <a:rPr lang="en-US" sz="1200" b="1" dirty="0">
                 <a:solidFill>
@@ -10805,16 +10733,7 @@
                 </a:solidFill>
                 <a:cs typeface="Trebuchet MS" charset="0"/>
               </a:rPr>
-              <a:t>9</a:t>
-            </a:r>
-            <a:r>
-              <a:rPr lang="en-US" sz="1200" b="1" dirty="0" smtClean="0">
-                <a:solidFill>
-                  <a:srgbClr val="122956"/>
-                </a:solidFill>
-                <a:cs typeface="Trebuchet MS" charset="0"/>
-              </a:rPr>
-              <a:t>-</a:t>
+              <a:t>AND-</a:t>
             </a:r>
             <a:fld id="{31B56995-E14C-B64F-86C9-12D6DB74A41E}" type="slidenum">
               <a:rPr lang="en-US" sz="1200" b="1">
@@ -10823,7 +10742,7 @@
                 </a:solidFill>
                 <a:cs typeface="Trebuchet MS" charset="0"/>
               </a:rPr>
-              <a:pPr algn="l" eaLnBrk="1" hangingPunct="1"/>
+              <a:pPr eaLnBrk="1" hangingPunct="1"/>
               <a:t>11</a:t>
             </a:fld>
             <a:endParaRPr lang="en-US" sz="1200" b="1" dirty="0">
@@ -11327,7 +11246,7 @@
             </a:lvl9pPr>
           </a:lstStyle>
           <a:p>
-            <a:pPr algn="l" eaLnBrk="1" hangingPunct="1"/>
+            <a:pPr eaLnBrk="1" hangingPunct="1"/>
             <a:r>
               <a:rPr lang="en-US" sz="1200" b="1" dirty="0">
                 <a:solidFill>
@@ -11335,16 +11254,7 @@
                 </a:solidFill>
                 <a:cs typeface="Trebuchet MS" charset="0"/>
               </a:rPr>
-              <a:t>9</a:t>
-            </a:r>
-            <a:r>
-              <a:rPr lang="en-US" sz="1200" b="1" dirty="0" smtClean="0">
-                <a:solidFill>
-                  <a:srgbClr val="122956"/>
-                </a:solidFill>
-                <a:cs typeface="Trebuchet MS" charset="0"/>
-              </a:rPr>
-              <a:t>-</a:t>
+              <a:t>AND-</a:t>
             </a:r>
             <a:fld id="{31B56995-E14C-B64F-86C9-12D6DB74A41E}" type="slidenum">
               <a:rPr lang="en-US" sz="1200" b="1">
@@ -11353,7 +11263,7 @@
                 </a:solidFill>
                 <a:cs typeface="Trebuchet MS" charset="0"/>
               </a:rPr>
-              <a:pPr algn="l" eaLnBrk="1" hangingPunct="1"/>
+              <a:pPr eaLnBrk="1" hangingPunct="1"/>
               <a:t>12</a:t>
             </a:fld>
             <a:endParaRPr lang="en-US" sz="1200" b="1" dirty="0">
@@ -11653,7 +11563,7 @@
             </a:lvl9pPr>
           </a:lstStyle>
           <a:p>
-            <a:pPr algn="l" eaLnBrk="1" hangingPunct="1"/>
+            <a:pPr eaLnBrk="1" hangingPunct="1"/>
             <a:r>
               <a:rPr lang="en-US" sz="1200" b="1" dirty="0">
                 <a:solidFill>
@@ -11661,16 +11571,7 @@
                 </a:solidFill>
                 <a:cs typeface="Trebuchet MS" charset="0"/>
               </a:rPr>
-              <a:t>9</a:t>
-            </a:r>
-            <a:r>
-              <a:rPr lang="en-US" sz="1200" b="1" dirty="0" smtClean="0">
-                <a:solidFill>
-                  <a:srgbClr val="122956"/>
-                </a:solidFill>
-                <a:cs typeface="Trebuchet MS" charset="0"/>
-              </a:rPr>
-              <a:t>-</a:t>
+              <a:t>AND-</a:t>
             </a:r>
             <a:fld id="{31B56995-E14C-B64F-86C9-12D6DB74A41E}" type="slidenum">
               <a:rPr lang="en-US" sz="1200" b="1">
@@ -11679,7 +11580,7 @@
                 </a:solidFill>
                 <a:cs typeface="Trebuchet MS" charset="0"/>
               </a:rPr>
-              <a:pPr algn="l" eaLnBrk="1" hangingPunct="1"/>
+              <a:pPr eaLnBrk="1" hangingPunct="1"/>
               <a:t>13</a:t>
             </a:fld>
             <a:endParaRPr lang="en-US" sz="1200" b="1" dirty="0">
@@ -12268,7 +12169,7 @@
             </a:lvl9pPr>
           </a:lstStyle>
           <a:p>
-            <a:pPr algn="l" eaLnBrk="1" hangingPunct="1"/>
+            <a:pPr eaLnBrk="1" hangingPunct="1"/>
             <a:r>
               <a:rPr lang="en-US" sz="1200" b="1" dirty="0">
                 <a:solidFill>
@@ -12276,16 +12177,7 @@
                 </a:solidFill>
                 <a:cs typeface="Trebuchet MS" charset="0"/>
               </a:rPr>
-              <a:t>9</a:t>
-            </a:r>
-            <a:r>
-              <a:rPr lang="en-US" sz="1200" b="1" dirty="0" smtClean="0">
-                <a:solidFill>
-                  <a:srgbClr val="122956"/>
-                </a:solidFill>
-                <a:cs typeface="Trebuchet MS" charset="0"/>
-              </a:rPr>
-              <a:t>-</a:t>
+              <a:t>AND-</a:t>
             </a:r>
             <a:fld id="{31B56995-E14C-B64F-86C9-12D6DB74A41E}" type="slidenum">
               <a:rPr lang="en-US" sz="1200" b="1">
@@ -12294,7 +12186,7 @@
                 </a:solidFill>
                 <a:cs typeface="Trebuchet MS" charset="0"/>
               </a:rPr>
-              <a:pPr algn="l" eaLnBrk="1" hangingPunct="1"/>
+              <a:pPr eaLnBrk="1" hangingPunct="1"/>
               <a:t>14</a:t>
             </a:fld>
             <a:endParaRPr lang="en-US" sz="1200" b="1" dirty="0">
@@ -12594,7 +12486,7 @@
             </a:lvl9pPr>
           </a:lstStyle>
           <a:p>
-            <a:pPr algn="l" eaLnBrk="1" hangingPunct="1"/>
+            <a:pPr eaLnBrk="1" hangingPunct="1"/>
             <a:r>
               <a:rPr lang="en-US" sz="1200" b="1" dirty="0">
                 <a:solidFill>
@@ -12602,16 +12494,7 @@
                 </a:solidFill>
                 <a:cs typeface="Trebuchet MS" charset="0"/>
               </a:rPr>
-              <a:t>9</a:t>
-            </a:r>
-            <a:r>
-              <a:rPr lang="en-US" sz="1200" b="1" dirty="0" smtClean="0">
-                <a:solidFill>
-                  <a:srgbClr val="122956"/>
-                </a:solidFill>
-                <a:cs typeface="Trebuchet MS" charset="0"/>
-              </a:rPr>
-              <a:t>-</a:t>
+              <a:t>AND-</a:t>
             </a:r>
             <a:fld id="{31B56995-E14C-B64F-86C9-12D6DB74A41E}" type="slidenum">
               <a:rPr lang="en-US" sz="1200" b="1">
@@ -12620,7 +12503,7 @@
                 </a:solidFill>
                 <a:cs typeface="Trebuchet MS" charset="0"/>
               </a:rPr>
-              <a:pPr algn="l" eaLnBrk="1" hangingPunct="1"/>
+              <a:pPr eaLnBrk="1" hangingPunct="1"/>
               <a:t>15</a:t>
             </a:fld>
             <a:endParaRPr lang="en-US" sz="1200" b="1" dirty="0">
@@ -13169,7 +13052,7 @@
             </a:lvl9pPr>
           </a:lstStyle>
           <a:p>
-            <a:pPr algn="l" eaLnBrk="1" hangingPunct="1"/>
+            <a:pPr eaLnBrk="1" hangingPunct="1"/>
             <a:r>
               <a:rPr lang="en-US" sz="1200" b="1" dirty="0">
                 <a:solidFill>
@@ -13177,16 +13060,7 @@
                 </a:solidFill>
                 <a:cs typeface="Trebuchet MS" charset="0"/>
               </a:rPr>
-              <a:t>9</a:t>
-            </a:r>
-            <a:r>
-              <a:rPr lang="en-US" sz="1200" b="1" dirty="0" smtClean="0">
-                <a:solidFill>
-                  <a:srgbClr val="122956"/>
-                </a:solidFill>
-                <a:cs typeface="Trebuchet MS" charset="0"/>
-              </a:rPr>
-              <a:t>-</a:t>
+              <a:t>AND-</a:t>
             </a:r>
             <a:fld id="{31B56995-E14C-B64F-86C9-12D6DB74A41E}" type="slidenum">
               <a:rPr lang="en-US" sz="1200" b="1">
@@ -13195,7 +13069,7 @@
                 </a:solidFill>
                 <a:cs typeface="Trebuchet MS" charset="0"/>
               </a:rPr>
-              <a:pPr algn="l" eaLnBrk="1" hangingPunct="1"/>
+              <a:pPr eaLnBrk="1" hangingPunct="1"/>
               <a:t>16</a:t>
             </a:fld>
             <a:endParaRPr lang="en-US" sz="1200" b="1" dirty="0">
@@ -13716,7 +13590,7 @@
             </a:lvl9pPr>
           </a:lstStyle>
           <a:p>
-            <a:pPr algn="l" eaLnBrk="1" hangingPunct="1"/>
+            <a:pPr eaLnBrk="1" hangingPunct="1"/>
             <a:r>
               <a:rPr lang="en-US" sz="1200" b="1" dirty="0">
                 <a:solidFill>
@@ -13724,16 +13598,7 @@
                 </a:solidFill>
                 <a:cs typeface="Trebuchet MS" charset="0"/>
               </a:rPr>
-              <a:t>9</a:t>
-            </a:r>
-            <a:r>
-              <a:rPr lang="en-US" sz="1200" b="1" dirty="0" smtClean="0">
-                <a:solidFill>
-                  <a:srgbClr val="122956"/>
-                </a:solidFill>
-                <a:cs typeface="Trebuchet MS" charset="0"/>
-              </a:rPr>
-              <a:t>-</a:t>
+              <a:t>AND-</a:t>
             </a:r>
             <a:fld id="{31B56995-E14C-B64F-86C9-12D6DB74A41E}" type="slidenum">
               <a:rPr lang="en-US" sz="1200" b="1">
@@ -13742,7 +13607,7 @@
                 </a:solidFill>
                 <a:cs typeface="Trebuchet MS" charset="0"/>
               </a:rPr>
-              <a:pPr algn="l" eaLnBrk="1" hangingPunct="1"/>
+              <a:pPr eaLnBrk="1" hangingPunct="1"/>
               <a:t>17</a:t>
             </a:fld>
             <a:endParaRPr lang="en-US" sz="1200" b="1" dirty="0">
@@ -14271,7 +14136,7 @@
             </a:lvl9pPr>
           </a:lstStyle>
           <a:p>
-            <a:pPr algn="l" eaLnBrk="1" hangingPunct="1"/>
+            <a:pPr eaLnBrk="1" hangingPunct="1"/>
             <a:r>
               <a:rPr lang="en-US" sz="1200" b="1" dirty="0">
                 <a:solidFill>
@@ -14279,16 +14144,7 @@
                 </a:solidFill>
                 <a:cs typeface="Trebuchet MS" charset="0"/>
               </a:rPr>
-              <a:t>9</a:t>
-            </a:r>
-            <a:r>
-              <a:rPr lang="en-US" sz="1200" b="1" dirty="0" smtClean="0">
-                <a:solidFill>
-                  <a:srgbClr val="122956"/>
-                </a:solidFill>
-                <a:cs typeface="Trebuchet MS" charset="0"/>
-              </a:rPr>
-              <a:t>-</a:t>
+              <a:t>AND-</a:t>
             </a:r>
             <a:fld id="{31B56995-E14C-B64F-86C9-12D6DB74A41E}" type="slidenum">
               <a:rPr lang="en-US" sz="1200" b="1">
@@ -14297,7 +14153,7 @@
                 </a:solidFill>
                 <a:cs typeface="Trebuchet MS" charset="0"/>
               </a:rPr>
-              <a:pPr algn="l" eaLnBrk="1" hangingPunct="1"/>
+              <a:pPr eaLnBrk="1" hangingPunct="1"/>
               <a:t>18</a:t>
             </a:fld>
             <a:endParaRPr lang="en-US" sz="1200" b="1" dirty="0">
@@ -14815,7 +14671,7 @@
             </a:lvl9pPr>
           </a:lstStyle>
           <a:p>
-            <a:pPr algn="l" eaLnBrk="1" hangingPunct="1"/>
+            <a:pPr eaLnBrk="1" hangingPunct="1"/>
             <a:r>
               <a:rPr lang="en-US" sz="1200" b="1" dirty="0">
                 <a:solidFill>
@@ -14823,16 +14679,7 @@
                 </a:solidFill>
                 <a:cs typeface="Trebuchet MS" charset="0"/>
               </a:rPr>
-              <a:t>9</a:t>
-            </a:r>
-            <a:r>
-              <a:rPr lang="en-US" sz="1200" b="1" dirty="0" smtClean="0">
-                <a:solidFill>
-                  <a:srgbClr val="122956"/>
-                </a:solidFill>
-                <a:cs typeface="Trebuchet MS" charset="0"/>
-              </a:rPr>
-              <a:t>-</a:t>
+              <a:t>AND-</a:t>
             </a:r>
             <a:fld id="{31B56995-E14C-B64F-86C9-12D6DB74A41E}" type="slidenum">
               <a:rPr lang="en-US" sz="1200" b="1">
@@ -14841,7 +14688,7 @@
                 </a:solidFill>
                 <a:cs typeface="Trebuchet MS" charset="0"/>
               </a:rPr>
-              <a:pPr algn="l" eaLnBrk="1" hangingPunct="1"/>
+              <a:pPr eaLnBrk="1" hangingPunct="1"/>
               <a:t>19</a:t>
             </a:fld>
             <a:endParaRPr lang="en-US" sz="1200" b="1" dirty="0">
@@ -15377,22 +15224,13 @@
           <a:p>
             <a:pPr algn="l" eaLnBrk="1" hangingPunct="1"/>
             <a:r>
-              <a:rPr lang="en-US" sz="1200" b="1" dirty="0">
+              <a:rPr lang="en-US" sz="1200" b="1" dirty="0" smtClean="0">
                 <a:solidFill>
                   <a:srgbClr val="122956"/>
                 </a:solidFill>
                 <a:cs typeface="Trebuchet MS" charset="0"/>
               </a:rPr>
-              <a:t>9</a:t>
-            </a:r>
-            <a:r>
-              <a:rPr lang="en-US" sz="1200" b="1" dirty="0" smtClean="0">
-                <a:solidFill>
-                  <a:srgbClr val="122956"/>
-                </a:solidFill>
-                <a:cs typeface="Trebuchet MS" charset="0"/>
-              </a:rPr>
-              <a:t>-</a:t>
+              <a:t>AND-</a:t>
             </a:r>
             <a:fld id="{31B56995-E14C-B64F-86C9-12D6DB74A41E}" type="slidenum">
               <a:rPr lang="en-US" sz="1200" b="1">
@@ -15890,7 +15728,7 @@
             </a:lvl9pPr>
           </a:lstStyle>
           <a:p>
-            <a:pPr algn="l" eaLnBrk="1" hangingPunct="1"/>
+            <a:pPr eaLnBrk="1" hangingPunct="1"/>
             <a:r>
               <a:rPr lang="en-US" sz="1200" b="1" dirty="0">
                 <a:solidFill>
@@ -15898,16 +15736,7 @@
                 </a:solidFill>
                 <a:cs typeface="Trebuchet MS" charset="0"/>
               </a:rPr>
-              <a:t>9</a:t>
-            </a:r>
-            <a:r>
-              <a:rPr lang="en-US" sz="1200" b="1" dirty="0" smtClean="0">
-                <a:solidFill>
-                  <a:srgbClr val="122956"/>
-                </a:solidFill>
-                <a:cs typeface="Trebuchet MS" charset="0"/>
-              </a:rPr>
-              <a:t>-</a:t>
+              <a:t>AND-</a:t>
             </a:r>
             <a:fld id="{31B56995-E14C-B64F-86C9-12D6DB74A41E}" type="slidenum">
               <a:rPr lang="en-US" sz="1200" b="1">
@@ -15916,7 +15745,7 @@
                 </a:solidFill>
                 <a:cs typeface="Trebuchet MS" charset="0"/>
               </a:rPr>
-              <a:pPr algn="l" eaLnBrk="1" hangingPunct="1"/>
+              <a:pPr eaLnBrk="1" hangingPunct="1"/>
               <a:t>20</a:t>
             </a:fld>
             <a:endParaRPr lang="en-US" sz="1200" b="1" dirty="0">
@@ -16216,7 +16045,7 @@
             </a:lvl9pPr>
           </a:lstStyle>
           <a:p>
-            <a:pPr algn="l" eaLnBrk="1" hangingPunct="1"/>
+            <a:pPr eaLnBrk="1" hangingPunct="1"/>
             <a:r>
               <a:rPr lang="en-US" sz="1200" b="1" dirty="0">
                 <a:solidFill>
@@ -16224,16 +16053,7 @@
                 </a:solidFill>
                 <a:cs typeface="Trebuchet MS" charset="0"/>
               </a:rPr>
-              <a:t>9</a:t>
-            </a:r>
-            <a:r>
-              <a:rPr lang="en-US" sz="1200" b="1" dirty="0" smtClean="0">
-                <a:solidFill>
-                  <a:srgbClr val="122956"/>
-                </a:solidFill>
-                <a:cs typeface="Trebuchet MS" charset="0"/>
-              </a:rPr>
-              <a:t>-</a:t>
+              <a:t>AND-</a:t>
             </a:r>
             <a:fld id="{31B56995-E14C-B64F-86C9-12D6DB74A41E}" type="slidenum">
               <a:rPr lang="en-US" sz="1200" b="1">
@@ -16242,7 +16062,7 @@
                 </a:solidFill>
                 <a:cs typeface="Trebuchet MS" charset="0"/>
               </a:rPr>
-              <a:pPr algn="l" eaLnBrk="1" hangingPunct="1"/>
+              <a:pPr eaLnBrk="1" hangingPunct="1"/>
               <a:t>21</a:t>
             </a:fld>
             <a:endParaRPr lang="en-US" sz="1200" b="1" dirty="0">
@@ -16736,7 +16556,7 @@
             </a:lvl9pPr>
           </a:lstStyle>
           <a:p>
-            <a:pPr algn="l" eaLnBrk="1" hangingPunct="1"/>
+            <a:pPr eaLnBrk="1" hangingPunct="1"/>
             <a:r>
               <a:rPr lang="en-US" sz="1200" b="1" dirty="0">
                 <a:solidFill>
@@ -16744,16 +16564,7 @@
                 </a:solidFill>
                 <a:cs typeface="Trebuchet MS" charset="0"/>
               </a:rPr>
-              <a:t>9</a:t>
-            </a:r>
-            <a:r>
-              <a:rPr lang="en-US" sz="1200" b="1" dirty="0" smtClean="0">
-                <a:solidFill>
-                  <a:srgbClr val="122956"/>
-                </a:solidFill>
-                <a:cs typeface="Trebuchet MS" charset="0"/>
-              </a:rPr>
-              <a:t>-</a:t>
+              <a:t>AND-</a:t>
             </a:r>
             <a:fld id="{31B56995-E14C-B64F-86C9-12D6DB74A41E}" type="slidenum">
               <a:rPr lang="en-US" sz="1200" b="1">
@@ -16762,7 +16573,7 @@
                 </a:solidFill>
                 <a:cs typeface="Trebuchet MS" charset="0"/>
               </a:rPr>
-              <a:pPr algn="l" eaLnBrk="1" hangingPunct="1"/>
+              <a:pPr eaLnBrk="1" hangingPunct="1"/>
               <a:t>22</a:t>
             </a:fld>
             <a:endParaRPr lang="en-US" sz="1200" b="1" dirty="0">
@@ -17237,7 +17048,7 @@
             </a:lvl9pPr>
           </a:lstStyle>
           <a:p>
-            <a:pPr algn="l" eaLnBrk="1" hangingPunct="1"/>
+            <a:pPr eaLnBrk="1" hangingPunct="1"/>
             <a:r>
               <a:rPr lang="en-US" sz="1200" b="1" dirty="0">
                 <a:solidFill>
@@ -17245,16 +17056,7 @@
                 </a:solidFill>
                 <a:cs typeface="Trebuchet MS" charset="0"/>
               </a:rPr>
-              <a:t>9</a:t>
-            </a:r>
-            <a:r>
-              <a:rPr lang="en-US" sz="1200" b="1" dirty="0" smtClean="0">
-                <a:solidFill>
-                  <a:srgbClr val="122956"/>
-                </a:solidFill>
-                <a:cs typeface="Trebuchet MS" charset="0"/>
-              </a:rPr>
-              <a:t>-</a:t>
+              <a:t>AND-</a:t>
             </a:r>
             <a:fld id="{31B56995-E14C-B64F-86C9-12D6DB74A41E}" type="slidenum">
               <a:rPr lang="en-US" sz="1200" b="1">
@@ -17263,7 +17065,7 @@
                 </a:solidFill>
                 <a:cs typeface="Trebuchet MS" charset="0"/>
               </a:rPr>
-              <a:pPr algn="l" eaLnBrk="1" hangingPunct="1"/>
+              <a:pPr eaLnBrk="1" hangingPunct="1"/>
               <a:t>23</a:t>
             </a:fld>
             <a:endParaRPr lang="en-US" sz="1200" b="1" dirty="0">
@@ -17572,12 +17374,20 @@
           <a:p>
             <a:pPr eaLnBrk="1" hangingPunct="1"/>
             <a:r>
-              <a:rPr lang="en-US" dirty="0" smtClean="0">
+              <a:rPr lang="en-US" dirty="0" err="1" smtClean="0">
                 <a:latin typeface="Trebuchet MS" charset="0"/>
                 <a:ea typeface="ヒラギノ角ゴ ProN W3" charset="0"/>
                 <a:cs typeface="ヒラギノ角ゴ ProN W3" charset="0"/>
               </a:rPr>
-              <a:t>Demo: calendar and event creation APIs</a:t>
+              <a:t>Ti.Android.Calendar</a:t>
+            </a:r>
+            <a:r>
+              <a:rPr lang="en-US" dirty="0" smtClean="0">
+                <a:latin typeface="Trebuchet MS" charset="0"/>
+                <a:ea typeface="ヒラギノ角ゴ ProN W3" charset="0"/>
+                <a:cs typeface="ヒラギノ角ゴ ProN W3" charset="0"/>
+              </a:rPr>
+              <a:t> module</a:t>
             </a:r>
             <a:endParaRPr lang="en-US" dirty="0">
               <a:latin typeface="Trebuchet MS" charset="0"/>
@@ -17738,7 +17548,7 @@
             </a:lvl9pPr>
           </a:lstStyle>
           <a:p>
-            <a:pPr algn="l" eaLnBrk="1" hangingPunct="1"/>
+            <a:pPr eaLnBrk="1" hangingPunct="1"/>
             <a:r>
               <a:rPr lang="en-US" sz="1200" b="1" dirty="0">
                 <a:solidFill>
@@ -17746,16 +17556,7 @@
                 </a:solidFill>
                 <a:cs typeface="Trebuchet MS" charset="0"/>
               </a:rPr>
-              <a:t>9</a:t>
-            </a:r>
-            <a:r>
-              <a:rPr lang="en-US" sz="1200" b="1" dirty="0" smtClean="0">
-                <a:solidFill>
-                  <a:srgbClr val="122956"/>
-                </a:solidFill>
-                <a:cs typeface="Trebuchet MS" charset="0"/>
-              </a:rPr>
-              <a:t>-</a:t>
+              <a:t>AND-</a:t>
             </a:r>
             <a:fld id="{31B56995-E14C-B64F-86C9-12D6DB74A41E}" type="slidenum">
               <a:rPr lang="en-US" sz="1200" b="1">
@@ -17764,7 +17565,7 @@
                 </a:solidFill>
                 <a:cs typeface="Trebuchet MS" charset="0"/>
               </a:rPr>
-              <a:pPr algn="l" eaLnBrk="1" hangingPunct="1"/>
+              <a:pPr eaLnBrk="1" hangingPunct="1"/>
               <a:t>24</a:t>
             </a:fld>
             <a:endParaRPr lang="en-US" sz="1200" b="1" dirty="0">
@@ -18361,7 +18162,7 @@
             </a:lvl9pPr>
           </a:lstStyle>
           <a:p>
-            <a:pPr algn="l" eaLnBrk="1" hangingPunct="1"/>
+            <a:pPr eaLnBrk="1" hangingPunct="1"/>
             <a:r>
               <a:rPr lang="en-US" sz="1200" b="1" dirty="0">
                 <a:solidFill>
@@ -18369,16 +18170,7 @@
                 </a:solidFill>
                 <a:cs typeface="Trebuchet MS" charset="0"/>
               </a:rPr>
-              <a:t>9</a:t>
-            </a:r>
-            <a:r>
-              <a:rPr lang="en-US" sz="1200" b="1" dirty="0" smtClean="0">
-                <a:solidFill>
-                  <a:srgbClr val="122956"/>
-                </a:solidFill>
-                <a:cs typeface="Trebuchet MS" charset="0"/>
-              </a:rPr>
-              <a:t>-</a:t>
+              <a:t>AND-</a:t>
             </a:r>
             <a:fld id="{31B56995-E14C-B64F-86C9-12D6DB74A41E}" type="slidenum">
               <a:rPr lang="en-US" sz="1200" b="1">
@@ -18387,7 +18179,7 @@
                 </a:solidFill>
                 <a:cs typeface="Trebuchet MS" charset="0"/>
               </a:rPr>
-              <a:pPr algn="l" eaLnBrk="1" hangingPunct="1"/>
+              <a:pPr eaLnBrk="1" hangingPunct="1"/>
               <a:t>25</a:t>
             </a:fld>
             <a:endParaRPr lang="en-US" sz="1200" b="1" dirty="0">
@@ -18687,7 +18479,7 @@
             </a:lvl9pPr>
           </a:lstStyle>
           <a:p>
-            <a:pPr algn="l" eaLnBrk="1" hangingPunct="1"/>
+            <a:pPr eaLnBrk="1" hangingPunct="1"/>
             <a:r>
               <a:rPr lang="en-US" sz="1200" b="1" dirty="0">
                 <a:solidFill>
@@ -18695,16 +18487,7 @@
                 </a:solidFill>
                 <a:cs typeface="Trebuchet MS" charset="0"/>
               </a:rPr>
-              <a:t>9</a:t>
-            </a:r>
-            <a:r>
-              <a:rPr lang="en-US" sz="1200" b="1" dirty="0" smtClean="0">
-                <a:solidFill>
-                  <a:srgbClr val="122956"/>
-                </a:solidFill>
-                <a:cs typeface="Trebuchet MS" charset="0"/>
-              </a:rPr>
-              <a:t>-</a:t>
+              <a:t>AND-</a:t>
             </a:r>
             <a:fld id="{31B56995-E14C-B64F-86C9-12D6DB74A41E}" type="slidenum">
               <a:rPr lang="en-US" sz="1200" b="1">
@@ -18713,7 +18496,7 @@
                 </a:solidFill>
                 <a:cs typeface="Trebuchet MS" charset="0"/>
               </a:rPr>
-              <a:pPr algn="l" eaLnBrk="1" hangingPunct="1"/>
+              <a:pPr eaLnBrk="1" hangingPunct="1"/>
               <a:t>26</a:t>
             </a:fld>
             <a:endParaRPr lang="en-US" sz="1200" b="1" dirty="0">
@@ -19169,7 +18952,7 @@
             </a:lvl9pPr>
           </a:lstStyle>
           <a:p>
-            <a:pPr algn="l" eaLnBrk="1" hangingPunct="1"/>
+            <a:pPr eaLnBrk="1" hangingPunct="1"/>
             <a:r>
               <a:rPr lang="en-US" sz="1200" b="1" dirty="0">
                 <a:solidFill>
@@ -19177,16 +18960,7 @@
                 </a:solidFill>
                 <a:cs typeface="Trebuchet MS" charset="0"/>
               </a:rPr>
-              <a:t>9</a:t>
-            </a:r>
-            <a:r>
-              <a:rPr lang="en-US" sz="1200" b="1" dirty="0" smtClean="0">
-                <a:solidFill>
-                  <a:srgbClr val="122956"/>
-                </a:solidFill>
-                <a:cs typeface="Trebuchet MS" charset="0"/>
-              </a:rPr>
-              <a:t>-</a:t>
+              <a:t>AND-</a:t>
             </a:r>
             <a:fld id="{31B56995-E14C-B64F-86C9-12D6DB74A41E}" type="slidenum">
               <a:rPr lang="en-US" sz="1200" b="1">
@@ -19195,7 +18969,7 @@
                 </a:solidFill>
                 <a:cs typeface="Trebuchet MS" charset="0"/>
               </a:rPr>
-              <a:pPr algn="l" eaLnBrk="1" hangingPunct="1"/>
+              <a:pPr eaLnBrk="1" hangingPunct="1"/>
               <a:t>27</a:t>
             </a:fld>
             <a:endParaRPr lang="en-US" sz="1200" b="1" dirty="0">
@@ -19495,7 +19269,7 @@
             </a:lvl9pPr>
           </a:lstStyle>
           <a:p>
-            <a:pPr algn="l" eaLnBrk="1" hangingPunct="1"/>
+            <a:pPr eaLnBrk="1" hangingPunct="1"/>
             <a:r>
               <a:rPr lang="en-US" sz="1200" b="1" dirty="0">
                 <a:solidFill>
@@ -19503,16 +19277,7 @@
                 </a:solidFill>
                 <a:cs typeface="Trebuchet MS" charset="0"/>
               </a:rPr>
-              <a:t>9</a:t>
-            </a:r>
-            <a:r>
-              <a:rPr lang="en-US" sz="1200" b="1" dirty="0" smtClean="0">
-                <a:solidFill>
-                  <a:srgbClr val="122956"/>
-                </a:solidFill>
-                <a:cs typeface="Trebuchet MS" charset="0"/>
-              </a:rPr>
-              <a:t>-</a:t>
+              <a:t>AND-</a:t>
             </a:r>
             <a:fld id="{31B56995-E14C-B64F-86C9-12D6DB74A41E}" type="slidenum">
               <a:rPr lang="en-US" sz="1200" b="1">
@@ -19521,7 +19286,7 @@
                 </a:solidFill>
                 <a:cs typeface="Trebuchet MS" charset="0"/>
               </a:rPr>
-              <a:pPr algn="l" eaLnBrk="1" hangingPunct="1"/>
+              <a:pPr eaLnBrk="1" hangingPunct="1"/>
               <a:t>28</a:t>
             </a:fld>
             <a:endParaRPr lang="en-US" sz="1200" b="1" dirty="0">
@@ -20045,7 +19810,7 @@
             </a:lvl9pPr>
           </a:lstStyle>
           <a:p>
-            <a:pPr algn="l" eaLnBrk="1" hangingPunct="1"/>
+            <a:pPr eaLnBrk="1" hangingPunct="1"/>
             <a:r>
               <a:rPr lang="en-US" sz="1200" b="1" dirty="0">
                 <a:solidFill>
@@ -20053,16 +19818,7 @@
                 </a:solidFill>
                 <a:cs typeface="Trebuchet MS" charset="0"/>
               </a:rPr>
-              <a:t>9</a:t>
-            </a:r>
-            <a:r>
-              <a:rPr lang="en-US" sz="1200" b="1" dirty="0" smtClean="0">
-                <a:solidFill>
-                  <a:srgbClr val="122956"/>
-                </a:solidFill>
-                <a:cs typeface="Trebuchet MS" charset="0"/>
-              </a:rPr>
-              <a:t>-</a:t>
+              <a:t>AND-</a:t>
             </a:r>
             <a:fld id="{31B56995-E14C-B64F-86C9-12D6DB74A41E}" type="slidenum">
               <a:rPr lang="en-US" sz="1200" b="1">
@@ -20071,7 +19827,7 @@
                 </a:solidFill>
                 <a:cs typeface="Trebuchet MS" charset="0"/>
               </a:rPr>
-              <a:pPr algn="l" eaLnBrk="1" hangingPunct="1"/>
+              <a:pPr eaLnBrk="1" hangingPunct="1"/>
               <a:t>3</a:t>
             </a:fld>
             <a:endParaRPr lang="en-US" sz="1200" b="1" dirty="0">
@@ -20560,7 +20316,7 @@
             </a:lvl9pPr>
           </a:lstStyle>
           <a:p>
-            <a:pPr algn="l" eaLnBrk="1" hangingPunct="1"/>
+            <a:pPr eaLnBrk="1" hangingPunct="1"/>
             <a:r>
               <a:rPr lang="en-US" sz="1200" b="1" dirty="0">
                 <a:solidFill>
@@ -20568,16 +20324,7 @@
                 </a:solidFill>
                 <a:cs typeface="Trebuchet MS" charset="0"/>
               </a:rPr>
-              <a:t>9</a:t>
-            </a:r>
-            <a:r>
-              <a:rPr lang="en-US" sz="1200" b="1" dirty="0" smtClean="0">
-                <a:solidFill>
-                  <a:srgbClr val="122956"/>
-                </a:solidFill>
-                <a:cs typeface="Trebuchet MS" charset="0"/>
-              </a:rPr>
-              <a:t>-</a:t>
+              <a:t>AND-</a:t>
             </a:r>
             <a:fld id="{31B56995-E14C-B64F-86C9-12D6DB74A41E}" type="slidenum">
               <a:rPr lang="en-US" sz="1200" b="1">
@@ -20586,7 +20333,7 @@
                 </a:solidFill>
                 <a:cs typeface="Trebuchet MS" charset="0"/>
               </a:rPr>
-              <a:pPr algn="l" eaLnBrk="1" hangingPunct="1"/>
+              <a:pPr eaLnBrk="1" hangingPunct="1"/>
               <a:t>4</a:t>
             </a:fld>
             <a:endParaRPr lang="en-US" sz="1200" b="1" dirty="0">
@@ -21091,7 +20838,7 @@
             </a:lvl9pPr>
           </a:lstStyle>
           <a:p>
-            <a:pPr algn="l" eaLnBrk="1" hangingPunct="1"/>
+            <a:pPr eaLnBrk="1" hangingPunct="1"/>
             <a:r>
               <a:rPr lang="en-US" sz="1200" b="1" dirty="0">
                 <a:solidFill>
@@ -21099,16 +20846,7 @@
                 </a:solidFill>
                 <a:cs typeface="Trebuchet MS" charset="0"/>
               </a:rPr>
-              <a:t>9</a:t>
-            </a:r>
-            <a:r>
-              <a:rPr lang="en-US" sz="1200" b="1" dirty="0" smtClean="0">
-                <a:solidFill>
-                  <a:srgbClr val="122956"/>
-                </a:solidFill>
-                <a:cs typeface="Trebuchet MS" charset="0"/>
-              </a:rPr>
-              <a:t>-</a:t>
+              <a:t>AND-</a:t>
             </a:r>
             <a:fld id="{31B56995-E14C-B64F-86C9-12D6DB74A41E}" type="slidenum">
               <a:rPr lang="en-US" sz="1200" b="1">
@@ -21117,7 +20855,7 @@
                 </a:solidFill>
                 <a:cs typeface="Trebuchet MS" charset="0"/>
               </a:rPr>
-              <a:pPr algn="l" eaLnBrk="1" hangingPunct="1"/>
+              <a:pPr eaLnBrk="1" hangingPunct="1"/>
               <a:t>5</a:t>
             </a:fld>
             <a:endParaRPr lang="en-US" sz="1200" b="1" dirty="0">
@@ -21595,7 +21333,7 @@
             </a:lvl9pPr>
           </a:lstStyle>
           <a:p>
-            <a:pPr algn="l" eaLnBrk="1" hangingPunct="1"/>
+            <a:pPr eaLnBrk="1" hangingPunct="1"/>
             <a:r>
               <a:rPr lang="en-US" sz="1200" b="1" dirty="0">
                 <a:solidFill>
@@ -21603,16 +21341,7 @@
                 </a:solidFill>
                 <a:cs typeface="Trebuchet MS" charset="0"/>
               </a:rPr>
-              <a:t>9</a:t>
-            </a:r>
-            <a:r>
-              <a:rPr lang="en-US" sz="1200" b="1" dirty="0" smtClean="0">
-                <a:solidFill>
-                  <a:srgbClr val="122956"/>
-                </a:solidFill>
-                <a:cs typeface="Trebuchet MS" charset="0"/>
-              </a:rPr>
-              <a:t>-</a:t>
+              <a:t>AND-</a:t>
             </a:r>
             <a:fld id="{31B56995-E14C-B64F-86C9-12D6DB74A41E}" type="slidenum">
               <a:rPr lang="en-US" sz="1200" b="1">
@@ -21621,7 +21350,7 @@
                 </a:solidFill>
                 <a:cs typeface="Trebuchet MS" charset="0"/>
               </a:rPr>
-              <a:pPr algn="l" eaLnBrk="1" hangingPunct="1"/>
+              <a:pPr eaLnBrk="1" hangingPunct="1"/>
               <a:t>6</a:t>
             </a:fld>
             <a:endParaRPr lang="en-US" sz="1200" b="1" dirty="0">
@@ -21944,7 +21673,7 @@
             </a:lvl9pPr>
           </a:lstStyle>
           <a:p>
-            <a:pPr algn="l" eaLnBrk="1" hangingPunct="1"/>
+            <a:pPr eaLnBrk="1" hangingPunct="1"/>
             <a:r>
               <a:rPr lang="en-US" sz="1200" b="1" dirty="0">
                 <a:solidFill>
@@ -21952,16 +21681,7 @@
                 </a:solidFill>
                 <a:cs typeface="Trebuchet MS" charset="0"/>
               </a:rPr>
-              <a:t>9</a:t>
-            </a:r>
-            <a:r>
-              <a:rPr lang="en-US" sz="1200" b="1" dirty="0" smtClean="0">
-                <a:solidFill>
-                  <a:srgbClr val="122956"/>
-                </a:solidFill>
-                <a:cs typeface="Trebuchet MS" charset="0"/>
-              </a:rPr>
-              <a:t>-</a:t>
+              <a:t>AND-</a:t>
             </a:r>
             <a:fld id="{31B56995-E14C-B64F-86C9-12D6DB74A41E}" type="slidenum">
               <a:rPr lang="en-US" sz="1200" b="1">
@@ -21970,7 +21690,7 @@
                 </a:solidFill>
                 <a:cs typeface="Trebuchet MS" charset="0"/>
               </a:rPr>
-              <a:pPr algn="l" eaLnBrk="1" hangingPunct="1"/>
+              <a:pPr eaLnBrk="1" hangingPunct="1"/>
               <a:t>7</a:t>
             </a:fld>
             <a:endParaRPr lang="en-US" sz="1200" b="1" dirty="0">
@@ -22517,7 +22237,7 @@
             </a:lvl9pPr>
           </a:lstStyle>
           <a:p>
-            <a:pPr algn="l" eaLnBrk="1" hangingPunct="1"/>
+            <a:pPr eaLnBrk="1" hangingPunct="1"/>
             <a:r>
               <a:rPr lang="en-US" sz="1200" b="1" dirty="0">
                 <a:solidFill>
@@ -22525,16 +22245,7 @@
                 </a:solidFill>
                 <a:cs typeface="Trebuchet MS" charset="0"/>
               </a:rPr>
-              <a:t>9</a:t>
-            </a:r>
-            <a:r>
-              <a:rPr lang="en-US" sz="1200" b="1" dirty="0" smtClean="0">
-                <a:solidFill>
-                  <a:srgbClr val="122956"/>
-                </a:solidFill>
-                <a:cs typeface="Trebuchet MS" charset="0"/>
-              </a:rPr>
-              <a:t>-</a:t>
+              <a:t>AND-</a:t>
             </a:r>
             <a:fld id="{31B56995-E14C-B64F-86C9-12D6DB74A41E}" type="slidenum">
               <a:rPr lang="en-US" sz="1200" b="1">
@@ -22543,7 +22254,7 @@
                 </a:solidFill>
                 <a:cs typeface="Trebuchet MS" charset="0"/>
               </a:rPr>
-              <a:pPr algn="l" eaLnBrk="1" hangingPunct="1"/>
+              <a:pPr eaLnBrk="1" hangingPunct="1"/>
               <a:t>8</a:t>
             </a:fld>
             <a:endParaRPr lang="en-US" sz="1200" b="1" dirty="0">
@@ -23060,7 +22771,7 @@
             </a:lvl9pPr>
           </a:lstStyle>
           <a:p>
-            <a:pPr algn="l" eaLnBrk="1" hangingPunct="1"/>
+            <a:pPr eaLnBrk="1" hangingPunct="1"/>
             <a:r>
               <a:rPr lang="en-US" sz="1200" b="1" dirty="0">
                 <a:solidFill>
@@ -23068,16 +22779,7 @@
                 </a:solidFill>
                 <a:cs typeface="Trebuchet MS" charset="0"/>
               </a:rPr>
-              <a:t>9</a:t>
-            </a:r>
-            <a:r>
-              <a:rPr lang="en-US" sz="1200" b="1" dirty="0" smtClean="0">
-                <a:solidFill>
-                  <a:srgbClr val="122956"/>
-                </a:solidFill>
-                <a:cs typeface="Trebuchet MS" charset="0"/>
-              </a:rPr>
-              <a:t>-</a:t>
+              <a:t>AND-</a:t>
             </a:r>
             <a:fld id="{31B56995-E14C-B64F-86C9-12D6DB74A41E}" type="slidenum">
               <a:rPr lang="en-US" sz="1200" b="1">
@@ -23086,7 +22788,7 @@
                 </a:solidFill>
                 <a:cs typeface="Trebuchet MS" charset="0"/>
               </a:rPr>
-              <a:pPr algn="l" eaLnBrk="1" hangingPunct="1"/>
+              <a:pPr eaLnBrk="1" hangingPunct="1"/>
               <a:t>9</a:t>
             </a:fld>
             <a:endParaRPr lang="en-US" sz="1200" b="1" dirty="0">

--- a/350.pptx
+++ b/350.pptx
@@ -5614,7 +5614,7 @@
               <a:pPr>
                 <a:defRPr/>
               </a:pPr>
-              <a:t>9/27/11</a:t>
+              <a:t>12/7/11</a:t>
             </a:fld>
             <a:endParaRPr lang="en-US"/>
           </a:p>
@@ -6035,7 +6035,7 @@
               <a:pPr>
                 <a:defRPr/>
               </a:pPr>
-              <a:t>9/27/11</a:t>
+              <a:t>12/7/11</a:t>
             </a:fld>
             <a:endParaRPr lang="en-US"/>
           </a:p>
@@ -6760,7 +6760,7 @@
               <a:pPr>
                 <a:defRPr/>
               </a:pPr>
-              <a:t>9/27/11</a:t>
+              <a:t>12/7/11</a:t>
             </a:fld>
             <a:endParaRPr lang="en-US"/>
           </a:p>
@@ -7313,7 +7313,7 @@
               <a:pPr>
                 <a:defRPr/>
               </a:pPr>
-              <a:t>9/27/11</a:t>
+              <a:t>12/7/11</a:t>
             </a:fld>
             <a:endParaRPr lang="en-US"/>
           </a:p>
@@ -7664,7 +7664,7 @@
               <a:pPr>
                 <a:defRPr/>
               </a:pPr>
-              <a:t>9/27/11</a:t>
+              <a:t>12/7/11</a:t>
             </a:fld>
             <a:endParaRPr lang="en-US"/>
           </a:p>
@@ -8022,7 +8022,7 @@
               <a:pPr>
                 <a:defRPr/>
               </a:pPr>
-              <a:t>9/27/11</a:t>
+              <a:t>12/7/11</a:t>
             </a:fld>
             <a:endParaRPr lang="en-US"/>
           </a:p>
@@ -8257,7 +8257,7 @@
               <a:pPr>
                 <a:defRPr/>
               </a:pPr>
-              <a:t>9/27/11</a:t>
+              <a:t>12/7/11</a:t>
             </a:fld>
             <a:endParaRPr lang="en-US"/>
           </a:p>
@@ -8549,7 +8549,7 @@
               <a:pPr>
                 <a:defRPr/>
               </a:pPr>
-              <a:t>9/27/11</a:t>
+              <a:t>12/7/11</a:t>
             </a:fld>
             <a:endParaRPr lang="en-US"/>
           </a:p>
@@ -16395,9 +16395,63 @@
                 <a:ea typeface="ヒラギノ角ゴ ProN W3" charset="0"/>
                 <a:cs typeface="ヒラギノ角ゴ ProN W3" charset="0"/>
               </a:rPr>
-              <a:t>Demo: Launch activity with intent</a:t>
-            </a:r>
-            <a:endParaRPr lang="en-US" dirty="0">
+              <a:t>Forging Titanium #9 – Android </a:t>
+            </a:r>
+            <a:r>
+              <a:rPr lang="en-US" dirty="0">
+                <a:latin typeface="Trebuchet MS" charset="0"/>
+                <a:ea typeface="ヒラギノ角ゴ ProN W3" charset="0"/>
+                <a:cs typeface="ヒラギノ角ゴ ProN W3" charset="0"/>
+              </a:rPr>
+              <a:t>Intents </a:t>
+            </a:r>
+            <a:r>
+              <a:rPr lang="en-US" dirty="0" smtClean="0">
+                <a:latin typeface="Trebuchet MS" charset="0"/>
+                <a:ea typeface="ヒラギノ角ゴ ProN W3" charset="0"/>
+                <a:cs typeface="ヒラギノ角ゴ ProN W3" charset="0"/>
+              </a:rPr>
+              <a:t>Cookbook</a:t>
+            </a:r>
+          </a:p>
+          <a:p>
+            <a:pPr algn="ctr" eaLnBrk="1" hangingPunct="1"/>
+            <a:r>
+              <a:rPr lang="en-US" sz="2000" dirty="0" smtClean="0">
+                <a:latin typeface="Trebuchet MS" charset="0"/>
+                <a:ea typeface="ヒラギノ角ゴ ProN W3" charset="0"/>
+                <a:cs typeface="ヒラギノ角ゴ ProN W3" charset="0"/>
+                <a:hlinkClick r:id="rId5"/>
+              </a:rPr>
+              <a:t>http</a:t>
+            </a:r>
+            <a:r>
+              <a:rPr lang="en-US" sz="2000" dirty="0">
+                <a:latin typeface="Trebuchet MS" charset="0"/>
+                <a:ea typeface="ヒラギノ角ゴ ProN W3" charset="0"/>
+                <a:cs typeface="ヒラギノ角ゴ ProN W3" charset="0"/>
+                <a:hlinkClick r:id="rId5"/>
+              </a:rPr>
+              <a:t>://bit.ly/</a:t>
+            </a:r>
+            <a:r>
+              <a:rPr lang="en-US" sz="2000" dirty="0" smtClean="0">
+                <a:latin typeface="Trebuchet MS" charset="0"/>
+                <a:ea typeface="ヒラギノ角ゴ ProN W3" charset="0"/>
+                <a:cs typeface="ヒラギノ角ゴ ProN W3" charset="0"/>
+                <a:hlinkClick r:id="rId5"/>
+              </a:rPr>
+              <a:t>ryOSW4</a:t>
+            </a:r>
+            <a:r>
+              <a:rPr lang="en-US" sz="2000" dirty="0" smtClean="0">
+                <a:latin typeface="Trebuchet MS" charset="0"/>
+                <a:ea typeface="ヒラギノ角ゴ ProN W3" charset="0"/>
+                <a:cs typeface="ヒラギノ角ゴ ProN W3" charset="0"/>
+              </a:rPr>
+              <a:t> </a:t>
+            </a:r>
+            <a:endParaRPr lang="en-US" sz="2000" dirty="0">
               <a:latin typeface="Trebuchet MS" charset="0"/>
               <a:ea typeface="ヒラギノ角ゴ ProN W3" charset="0"/>
               <a:cs typeface="ヒラギノ角ゴ ProN W3" charset="0"/>
@@ -17860,7 +17914,7 @@
               <a:t> - </a:t>
             </a:r>
             <a:r>
-              <a:rPr lang="en-US" dirty="0">
+              <a:rPr lang="en-US" sz="2000" dirty="0">
                 <a:latin typeface="Trebuchet MS" charset="0"/>
                 <a:ea typeface="ヒラギノ角ゴ ProN W3" charset="0"/>
                 <a:cs typeface="ヒラギノ角ゴ ProN W3" charset="0"/>
@@ -17869,7 +17923,7 @@
               <a:t>http://developer.android.com/reference/android/</a:t>
             </a:r>
             <a:r>
-              <a:rPr lang="en-US" dirty="0" smtClean="0">
+              <a:rPr lang="en-US" sz="2000" dirty="0" smtClean="0">
                 <a:latin typeface="Trebuchet MS" charset="0"/>
                 <a:ea typeface="ヒラギノ角ゴ ProN W3" charset="0"/>
                 <a:cs typeface="ヒラギノ角ゴ ProN W3" charset="0"/>
@@ -21169,8 +21223,29 @@
                 <a:ea typeface="ヒラギノ角ゴ ProN W3" charset="0"/>
                 <a:cs typeface="ヒラギノ角ゴ ProN W3" charset="0"/>
               </a:rPr>
-              <a:t>JavaScript engine performance – Rhino is not as fast as JSCore</a:t>
-            </a:r>
+              <a:t>JavaScript engine performance – Rhino is not as fast as </a:t>
+            </a:r>
+            <a:r>
+              <a:rPr lang="en-US" dirty="0" err="1" smtClean="0">
+                <a:latin typeface="Trebuchet MS" charset="0"/>
+                <a:ea typeface="ヒラギノ角ゴ ProN W3" charset="0"/>
+                <a:cs typeface="ヒラギノ角ゴ ProN W3" charset="0"/>
+              </a:rPr>
+              <a:t>JavaScriptCore</a:t>
+            </a:r>
+            <a:r>
+              <a:rPr lang="en-US" dirty="0" smtClean="0">
+                <a:latin typeface="Trebuchet MS" charset="0"/>
+                <a:ea typeface="ヒラギノ角ゴ ProN W3" charset="0"/>
+                <a:cs typeface="ヒラギノ角ゴ ProN W3" charset="0"/>
+              </a:rPr>
+              <a:t>, V8 will change that</a:t>
+            </a:r>
+            <a:endParaRPr lang="en-US" dirty="0" smtClean="0">
+              <a:latin typeface="Trebuchet MS" charset="0"/>
+              <a:ea typeface="ヒラギノ角ゴ ProN W3" charset="0"/>
+              <a:cs typeface="ヒラギノ角ゴ ProN W3" charset="0"/>
+            </a:endParaRPr>
           </a:p>
           <a:p>
             <a:pPr eaLnBrk="1" hangingPunct="1"/>

--- a/350.pptx
+++ b/350.pptx
@@ -1608,6 +1608,18 @@
               </a:rPr>
               <a:t> manifest </a:t>
             </a:r>
+            <a:r>
+              <a:rPr lang="en-US" b="0" baseline="0" dirty="0" smtClean="0">
+                <a:solidFill>
+                  <a:srgbClr val="000000"/>
+                </a:solidFill>
+                <a:latin typeface="Lucida Grande" charset="0"/>
+                <a:ea typeface="ＭＳ Ｐゴシック" charset="0"/>
+                <a:cs typeface="Lucida Grande" charset="0"/>
+                <a:sym typeface="Lucida Grande" charset="0"/>
+              </a:rPr>
+              <a:t>(covered in Orientation module)</a:t>
+            </a:r>
             <a:endParaRPr lang="en-US" b="0" dirty="0" smtClean="0">
               <a:solidFill>
                 <a:srgbClr val="000000"/>
@@ -2202,6 +2214,72 @@
               </a:rPr>
               <a:t>label_linkify.js</a:t>
             </a:r>
+            <a:endParaRPr lang="en-US" b="0" dirty="0" smtClean="0">
+              <a:solidFill>
+                <a:srgbClr val="000000"/>
+              </a:solidFill>
+              <a:latin typeface="Lucida Grande" charset="0"/>
+              <a:ea typeface="ＭＳ Ｐゴシック" charset="0"/>
+              <a:cs typeface="Lucida Grande" charset="0"/>
+              <a:sym typeface="Lucida Grande" charset="0"/>
+            </a:endParaRPr>
+          </a:p>
+          <a:p>
+            <a:pPr marL="79375" indent="0" eaLnBrk="1" hangingPunct="1">
+              <a:buFontTx/>
+              <a:buNone/>
+            </a:pPr>
+            <a:endParaRPr lang="en-US" b="0" dirty="0" smtClean="0">
+              <a:solidFill>
+                <a:srgbClr val="000000"/>
+              </a:solidFill>
+              <a:latin typeface="Lucida Grande" charset="0"/>
+              <a:ea typeface="ＭＳ Ｐゴシック" charset="0"/>
+              <a:cs typeface="Lucida Grande" charset="0"/>
+              <a:sym typeface="Lucida Grande" charset="0"/>
+            </a:endParaRPr>
+          </a:p>
+          <a:p>
+            <a:pPr marL="79375" indent="0" eaLnBrk="1" hangingPunct="1">
+              <a:buFontTx/>
+              <a:buNone/>
+            </a:pPr>
+            <a:r>
+              <a:rPr lang="en-US" b="0" dirty="0" err="1" smtClean="0">
+                <a:solidFill>
+                  <a:srgbClr val="000000"/>
+                </a:solidFill>
+                <a:latin typeface="Lucida Grande" charset="0"/>
+                <a:ea typeface="ＭＳ Ｐゴシック" charset="0"/>
+                <a:cs typeface="Lucida Grande" charset="0"/>
+                <a:sym typeface="Lucida Grande" charset="0"/>
+              </a:rPr>
+              <a:t>iOS</a:t>
+            </a:r>
+            <a:r>
+              <a:rPr lang="en-US" b="0" dirty="0" smtClean="0">
+                <a:solidFill>
+                  <a:srgbClr val="000000"/>
+                </a:solidFill>
+                <a:latin typeface="Lucida Grande" charset="0"/>
+                <a:ea typeface="ＭＳ Ｐゴシック" charset="0"/>
+                <a:cs typeface="Lucida Grande" charset="0"/>
+                <a:sym typeface="Lucida Grande" charset="0"/>
+              </a:rPr>
+              <a:t> supports similar</a:t>
+            </a:r>
+            <a:r>
+              <a:rPr lang="en-US" b="0" baseline="0" dirty="0" smtClean="0">
+                <a:solidFill>
+                  <a:srgbClr val="000000"/>
+                </a:solidFill>
+                <a:latin typeface="Lucida Grande" charset="0"/>
+                <a:ea typeface="ＭＳ Ｐゴシック" charset="0"/>
+                <a:cs typeface="Lucida Grande" charset="0"/>
+                <a:sym typeface="Lucida Grande" charset="0"/>
+              </a:rPr>
+              <a:t> auto-linking on text areas</a:t>
+            </a:r>
             <a:endParaRPr lang="en-US" b="0" dirty="0">
               <a:solidFill>
                 <a:srgbClr val="000000"/>
@@ -4812,17 +4890,26 @@
                 <a:cs typeface="Lucida Grande" charset="0"/>
                 <a:sym typeface="Lucida Grande" charset="0"/>
               </a:rPr>
-              <a:t>JS engine will be replaced in future versions of Titanium, probably with V8</a:t>
-            </a:r>
-            <a:endParaRPr lang="en-US" b="0" dirty="0">
-              <a:solidFill>
-                <a:srgbClr val="000000"/>
-              </a:solidFill>
-              <a:latin typeface="Lucida Grande" charset="0"/>
-              <a:ea typeface="ＭＳ Ｐゴシック" charset="0"/>
-              <a:cs typeface="Lucida Grande" charset="0"/>
-              <a:sym typeface="Lucida Grande" charset="0"/>
-            </a:endParaRPr>
+              <a:t>SDK 1.8 added V8 JS engine, which is much faster than Rhino</a:t>
+            </a:r>
+          </a:p>
+          <a:p>
+            <a:pPr marL="250825" indent="-171450" eaLnBrk="1" hangingPunct="1">
+              <a:buFontTx/>
+              <a:buChar char="-"/>
+            </a:pPr>
+            <a:r>
+              <a:rPr lang="en-US" b="0" baseline="0" dirty="0" smtClean="0">
+                <a:solidFill>
+                  <a:srgbClr val="000000"/>
+                </a:solidFill>
+                <a:latin typeface="Lucida Grande" charset="0"/>
+                <a:ea typeface="ＭＳ Ｐゴシック" charset="0"/>
+                <a:cs typeface="Lucida Grande" charset="0"/>
+                <a:sym typeface="Lucida Grande" charset="0"/>
+              </a:rPr>
+              <a:t>Rhino also supported for pre-Android 2.2 devices</a:t>
+            </a:r>
           </a:p>
         </p:txBody>
       </p:sp>
@@ -4920,7 +5007,7 @@
                 <a:cs typeface="Times New Roman" charset="0"/>
                 <a:sym typeface="Times New Roman" charset="0"/>
               </a:rPr>
-              <a:t>Target and test on</a:t>
+              <a:t>Phones, tablets, various operating system versions, vendor skins, carrier</a:t>
             </a:r>
             <a:r>
               <a:rPr lang="en-US" baseline="0" dirty="0" smtClean="0">
@@ -4932,7 +5019,85 @@
                 <a:cs typeface="Times New Roman" charset="0"/>
                 <a:sym typeface="Times New Roman" charset="0"/>
               </a:rPr>
-              <a:t> both platforms early in the development process</a:t>
+              <a:t> </a:t>
+            </a:r>
+            <a:r>
+              <a:rPr lang="en-US" dirty="0" smtClean="0">
+                <a:solidFill>
+                  <a:srgbClr val="000000"/>
+                </a:solidFill>
+                <a:latin typeface="Times New Roman" charset="0"/>
+                <a:ea typeface="ＭＳ Ｐゴシック" charset="0"/>
+                <a:cs typeface="Times New Roman" charset="0"/>
+                <a:sym typeface="Times New Roman" charset="0"/>
+              </a:rPr>
+              <a:t>add-ons, forked</a:t>
+            </a:r>
+            <a:r>
+              <a:rPr lang="en-US" baseline="0" dirty="0" smtClean="0">
+                <a:solidFill>
+                  <a:srgbClr val="000000"/>
+                </a:solidFill>
+                <a:latin typeface="Times New Roman" charset="0"/>
+                <a:ea typeface="ＭＳ Ｐゴシック" charset="0"/>
+                <a:cs typeface="Times New Roman" charset="0"/>
+                <a:sym typeface="Times New Roman" charset="0"/>
+              </a:rPr>
+              <a:t> versions</a:t>
+            </a:r>
+          </a:p>
+          <a:p>
+            <a:pPr marL="119063" eaLnBrk="1" hangingPunct="1">
+              <a:spcBef>
+                <a:spcPts val="450"/>
+              </a:spcBef>
+            </a:pPr>
+            <a:endParaRPr lang="en-US" baseline="0" dirty="0" smtClean="0">
+              <a:solidFill>
+                <a:srgbClr val="000000"/>
+              </a:solidFill>
+              <a:latin typeface="Times New Roman" charset="0"/>
+              <a:ea typeface="ＭＳ Ｐゴシック" charset="0"/>
+              <a:cs typeface="Times New Roman" charset="0"/>
+              <a:sym typeface="Times New Roman" charset="0"/>
+            </a:endParaRPr>
+          </a:p>
+          <a:p>
+            <a:pPr marL="119063" eaLnBrk="1" hangingPunct="1">
+              <a:spcBef>
+                <a:spcPts val="450"/>
+              </a:spcBef>
+            </a:pPr>
+            <a:r>
+              <a:rPr lang="en-US" baseline="0" dirty="0" smtClean="0">
+                <a:solidFill>
+                  <a:srgbClr val="000000"/>
+                </a:solidFill>
+                <a:latin typeface="Times New Roman" charset="0"/>
+                <a:ea typeface="ＭＳ Ｐゴシック" charset="0"/>
+                <a:cs typeface="Times New Roman" charset="0"/>
+                <a:sym typeface="Times New Roman" charset="0"/>
+              </a:rPr>
+              <a:t>Need to test as widely as possible</a:t>
+            </a:r>
+          </a:p>
+          <a:p>
+            <a:pPr marL="119063" eaLnBrk="1" hangingPunct="1">
+              <a:spcBef>
+                <a:spcPts val="450"/>
+              </a:spcBef>
+            </a:pPr>
+            <a:r>
+              <a:rPr lang="en-US" baseline="0" dirty="0" smtClean="0">
+                <a:solidFill>
+                  <a:srgbClr val="000000"/>
+                </a:solidFill>
+                <a:latin typeface="Times New Roman" charset="0"/>
+                <a:ea typeface="ＭＳ Ｐゴシック" charset="0"/>
+                <a:cs typeface="Times New Roman" charset="0"/>
+                <a:sym typeface="Times New Roman" charset="0"/>
+              </a:rPr>
+              <a:t>Test on device</a:t>
             </a:r>
             <a:endParaRPr lang="en-US" dirty="0">
               <a:solidFill>
@@ -5614,7 +5779,7 @@
               <a:pPr>
                 <a:defRPr/>
               </a:pPr>
-              <a:t>12/7/11</a:t>
+              <a:t>12/14/11</a:t>
             </a:fld>
             <a:endParaRPr lang="en-US"/>
           </a:p>
@@ -6035,7 +6200,7 @@
               <a:pPr>
                 <a:defRPr/>
               </a:pPr>
-              <a:t>12/7/11</a:t>
+              <a:t>12/14/11</a:t>
             </a:fld>
             <a:endParaRPr lang="en-US"/>
           </a:p>
@@ -6760,7 +6925,7 @@
               <a:pPr>
                 <a:defRPr/>
               </a:pPr>
-              <a:t>12/7/11</a:t>
+              <a:t>12/14/11</a:t>
             </a:fld>
             <a:endParaRPr lang="en-US"/>
           </a:p>
@@ -7313,7 +7478,7 @@
               <a:pPr>
                 <a:defRPr/>
               </a:pPr>
-              <a:t>12/7/11</a:t>
+              <a:t>12/14/11</a:t>
             </a:fld>
             <a:endParaRPr lang="en-US"/>
           </a:p>
@@ -7664,7 +7829,7 @@
               <a:pPr>
                 <a:defRPr/>
               </a:pPr>
-              <a:t>12/7/11</a:t>
+              <a:t>12/14/11</a:t>
             </a:fld>
             <a:endParaRPr lang="en-US"/>
           </a:p>
@@ -8022,7 +8187,7 @@
               <a:pPr>
                 <a:defRPr/>
               </a:pPr>
-              <a:t>12/7/11</a:t>
+              <a:t>12/14/11</a:t>
             </a:fld>
             <a:endParaRPr lang="en-US"/>
           </a:p>
@@ -8257,7 +8422,7 @@
               <a:pPr>
                 <a:defRPr/>
               </a:pPr>
-              <a:t>12/7/11</a:t>
+              <a:t>12/14/11</a:t>
             </a:fld>
             <a:endParaRPr lang="en-US"/>
           </a:p>
@@ -8549,7 +8714,7 @@
               <a:pPr>
                 <a:defRPr/>
               </a:pPr>
-              <a:t>12/7/11</a:t>
+              <a:t>12/14/11</a:t>
             </a:fld>
             <a:endParaRPr lang="en-US"/>
           </a:p>
@@ -21223,23 +21388,38 @@
                 <a:ea typeface="ヒラギノ角ゴ ProN W3" charset="0"/>
                 <a:cs typeface="ヒラギノ角ゴ ProN W3" charset="0"/>
               </a:rPr>
-              <a:t>JavaScript engine performance – Rhino is not as fast as </a:t>
-            </a:r>
-            <a:r>
-              <a:rPr lang="en-US" dirty="0" err="1" smtClean="0">
+              <a:t>JavaScript engine performance – </a:t>
+            </a:r>
+            <a:r>
+              <a:rPr lang="en-US" dirty="0" smtClean="0">
                 <a:latin typeface="Trebuchet MS" charset="0"/>
                 <a:ea typeface="ヒラギノ角ゴ ProN W3" charset="0"/>
                 <a:cs typeface="ヒラギノ角ゴ ProN W3" charset="0"/>
               </a:rPr>
-              <a:t>JavaScriptCore</a:t>
-            </a:r>
-            <a:r>
+              <a:t>V8 is fast!</a:t>
+            </a:r>
+            <a:br>
               <a:rPr lang="en-US" dirty="0" smtClean="0">
                 <a:latin typeface="Trebuchet MS" charset="0"/>
                 <a:ea typeface="ヒラギノ角ゴ ProN W3" charset="0"/>
                 <a:cs typeface="ヒラギノ角ゴ ProN W3" charset="0"/>
               </a:rPr>
-              <a:t>, V8 will change that</a:t>
+            </a:br>
+            <a:r>
+              <a:rPr lang="en-US" dirty="0" smtClean="0">
+                <a:latin typeface="Trebuchet MS" charset="0"/>
+                <a:ea typeface="ヒラギノ角ゴ ProN W3" charset="0"/>
+                <a:cs typeface="ヒラギノ角ゴ ProN W3" charset="0"/>
+              </a:rPr>
+              <a:t>(but </a:t>
+            </a:r>
+            <a:r>
+              <a:rPr lang="en-US" dirty="0" smtClean="0">
+                <a:latin typeface="Trebuchet MS" charset="0"/>
+                <a:ea typeface="ヒラギノ角ゴ ProN W3" charset="0"/>
+                <a:cs typeface="ヒラギノ角ゴ ProN W3" charset="0"/>
+              </a:rPr>
+              <a:t>Rhino not so much)</a:t>
             </a:r>
             <a:endParaRPr lang="en-US" dirty="0" smtClean="0">
               <a:latin typeface="Trebuchet MS" charset="0"/>
@@ -21560,7 +21740,7 @@
                 <a:cs typeface="ヒラギノ角ゴ ProN W6" charset="0"/>
                 <a:sym typeface="Trebuchet MS Bold Italic" charset="0"/>
               </a:rPr>
-              <a:t>Each platform is different,</a:t>
+              <a:t>Many devices &amp; form</a:t>
             </a:r>
             <a:br>
               <a:rPr lang="en-US" sz="3600" dirty="0" smtClean="0">
@@ -21583,7 +21763,7 @@
                 <a:cs typeface="ヒラギノ角ゴ ProN W6" charset="0"/>
                 <a:sym typeface="Trebuchet MS Bold Italic" charset="0"/>
               </a:rPr>
-              <a:t>must test on both!</a:t>
+              <a:t>factors – test!</a:t>
             </a:r>
             <a:endParaRPr lang="en-US" sz="1400" dirty="0">
               <a:solidFill>
